--- a/GenViz_Module2_Lecture.pptx
+++ b/GenViz_Module2_Lecture.pptx
@@ -5,10 +5,10 @@
     <p:sldMasterId id="2147483648" r:id="rId1"/>
   </p:sldMasterIdLst>
   <p:notesMasterIdLst>
-    <p:notesMasterId r:id="rId35"/>
+    <p:notesMasterId r:id="rId33"/>
   </p:notesMasterIdLst>
   <p:handoutMasterIdLst>
-    <p:handoutMasterId r:id="rId36"/>
+    <p:handoutMasterId r:id="rId34"/>
   </p:handoutMasterIdLst>
   <p:sldIdLst>
     <p:sldId id="256" r:id="rId2"/>
@@ -20,30 +20,28 @@
     <p:sldId id="263" r:id="rId8"/>
     <p:sldId id="266" r:id="rId9"/>
     <p:sldId id="267" r:id="rId10"/>
-    <p:sldId id="269" r:id="rId11"/>
-    <p:sldId id="268" r:id="rId12"/>
-    <p:sldId id="270" r:id="rId13"/>
-    <p:sldId id="273" r:id="rId14"/>
-    <p:sldId id="272" r:id="rId15"/>
-    <p:sldId id="271" r:id="rId16"/>
-    <p:sldId id="274" r:id="rId17"/>
-    <p:sldId id="275" r:id="rId18"/>
-    <p:sldId id="276" r:id="rId19"/>
-    <p:sldId id="277" r:id="rId20"/>
-    <p:sldId id="278" r:id="rId21"/>
-    <p:sldId id="279" r:id="rId22"/>
-    <p:sldId id="280" r:id="rId23"/>
-    <p:sldId id="281" r:id="rId24"/>
-    <p:sldId id="284" r:id="rId25"/>
-    <p:sldId id="286" r:id="rId26"/>
-    <p:sldId id="287" r:id="rId27"/>
-    <p:sldId id="288" r:id="rId28"/>
-    <p:sldId id="289" r:id="rId29"/>
-    <p:sldId id="285" r:id="rId30"/>
-    <p:sldId id="282" r:id="rId31"/>
-    <p:sldId id="283" r:id="rId32"/>
-    <p:sldId id="290" r:id="rId33"/>
-    <p:sldId id="291" r:id="rId34"/>
+    <p:sldId id="292" r:id="rId11"/>
+    <p:sldId id="269" r:id="rId12"/>
+    <p:sldId id="273" r:id="rId13"/>
+    <p:sldId id="272" r:id="rId14"/>
+    <p:sldId id="297" r:id="rId15"/>
+    <p:sldId id="276" r:id="rId16"/>
+    <p:sldId id="278" r:id="rId17"/>
+    <p:sldId id="279" r:id="rId18"/>
+    <p:sldId id="293" r:id="rId19"/>
+    <p:sldId id="294" r:id="rId20"/>
+    <p:sldId id="295" r:id="rId21"/>
+    <p:sldId id="284" r:id="rId22"/>
+    <p:sldId id="286" r:id="rId23"/>
+    <p:sldId id="287" r:id="rId24"/>
+    <p:sldId id="288" r:id="rId25"/>
+    <p:sldId id="289" r:id="rId26"/>
+    <p:sldId id="296" r:id="rId27"/>
+    <p:sldId id="285" r:id="rId28"/>
+    <p:sldId id="282" r:id="rId29"/>
+    <p:sldId id="283" r:id="rId30"/>
+    <p:sldId id="290" r:id="rId31"/>
+    <p:sldId id="291" r:id="rId32"/>
   </p:sldIdLst>
   <p:sldSz cx="9144000" cy="6858000" type="screen4x3"/>
   <p:notesSz cx="6858000" cy="9144000"/>
@@ -144,7 +142,7 @@
   </p:defaultTextStyle>
   <p:extLst>
     <p:ext uri="{EFAFB233-063F-42B5-8137-9DF3F51BA10A}">
-      <p15:sldGuideLst xmlns="" xmlns:p15="http://schemas.microsoft.com/office/powerpoint/2012/main">
+      <p15:sldGuideLst xmlns:p15="http://schemas.microsoft.com/office/powerpoint/2012/main" xmlns="">
         <p15:guide id="1" orient="horz" pos="2160">
           <p15:clr>
             <a:srgbClr val="A4A3A4"/>
@@ -244,7 +242,7 @@
             <a:fld id="{03643E35-CD80-874A-A3D7-254E954BB753}" type="datetimeFigureOut">
               <a:rPr lang="en-US" smtClean="0"/>
               <a:pPr/>
-              <a:t>9/10/17</a:t>
+              <a:t>9/11/17</a:t>
             </a:fld>
             <a:endParaRPr lang="en-US"/>
           </a:p>
@@ -411,7 +409,7 @@
             <a:fld id="{5C416C15-7665-174C-99B8-5B237ACA6582}" type="datetimeFigureOut">
               <a:rPr lang="en-US" smtClean="0"/>
               <a:pPr/>
-              <a:t>9/10/17</a:t>
+              <a:t>9/11/17</a:t>
             </a:fld>
             <a:endParaRPr lang="en-US"/>
           </a:p>
@@ -3187,220 +3185,79 @@
             <p:ph type="title"/>
           </p:nvPr>
         </p:nvSpPr>
-        <p:spPr/>
-        <p:txBody>
-          <a:bodyPr/>
+        <p:spPr>
+          <a:xfrm>
+            <a:off x="226785" y="110803"/>
+            <a:ext cx="8796263" cy="571056"/>
+          </a:xfrm>
+        </p:spPr>
+        <p:txBody>
+          <a:bodyPr>
+            <a:noAutofit/>
+          </a:bodyPr>
           <a:lstStyle/>
           <a:p>
             <a:r>
-              <a:rPr lang="en-US" dirty="0" smtClean="0"/>
-              <a:t>Variables and Data types</a:t>
-            </a:r>
-            <a:endParaRPr lang="en-US" dirty="0"/>
-          </a:p>
-        </p:txBody>
-      </p:sp>
-      <p:sp>
-        <p:nvSpPr>
-          <p:cNvPr id="3" name="Content Placeholder 2"/>
-          <p:cNvSpPr>
-            <a:spLocks noGrp="1"/>
-          </p:cNvSpPr>
+              <a:rPr lang="en-US" sz="2000" dirty="0" err="1" smtClean="0"/>
+              <a:t>Rseek.org</a:t>
+            </a:r>
+            <a:r>
+              <a:rPr lang="en-US" sz="2000" dirty="0" smtClean="0"/>
+              <a:t> to search CRAN, r-bloggers, </a:t>
+            </a:r>
+            <a:r>
+              <a:rPr lang="en-US" sz="2000" dirty="0" err="1" smtClean="0"/>
+              <a:t>support.rstudio.com</a:t>
+            </a:r>
+            <a:r>
+              <a:rPr lang="en-US" sz="2000" dirty="0" smtClean="0"/>
+              <a:t>, </a:t>
+            </a:r>
+            <a:r>
+              <a:rPr lang="en-US" sz="2000" dirty="0" err="1" smtClean="0"/>
+              <a:t>rpubs.com</a:t>
+            </a:r>
+            <a:r>
+              <a:rPr lang="en-US" sz="2000" dirty="0" smtClean="0"/>
+              <a:t>, </a:t>
+            </a:r>
+            <a:r>
+              <a:rPr lang="en-US" sz="2000" dirty="0" err="1" smtClean="0"/>
+              <a:t>etc</a:t>
+            </a:r>
+            <a:endParaRPr lang="en-US" sz="2000" dirty="0"/>
+          </a:p>
+        </p:txBody>
+      </p:sp>
+      <p:pic>
+        <p:nvPicPr>
+          <p:cNvPr id="4" name="Content Placeholder 3" descr="Screenshot 2017-09-11 15.07.57.png"/>
+          <p:cNvPicPr>
+            <a:picLocks noGrp="1" noChangeAspect="1"/>
+          </p:cNvPicPr>
           <p:nvPr>
             <p:ph idx="1"/>
           </p:nvPr>
-        </p:nvSpPr>
+        </p:nvPicPr>
+        <p:blipFill>
+          <a:blip r:embed="rId2">
+            <a:extLst>
+              <a:ext uri="{28A0092B-C50C-407E-A947-70E740481C1C}">
+                <a14:useLocalDpi xmlns:a14="http://schemas.microsoft.com/office/drawing/2010/main" val="0"/>
+              </a:ext>
+            </a:extLst>
+          </a:blip>
+          <a:srcRect l="-24027" r="-24027"/>
+          <a:stretch>
+            <a:fillRect/>
+          </a:stretch>
+        </p:blipFill>
         <p:spPr/>
-        <p:txBody>
-          <a:bodyPr>
-            <a:normAutofit fontScale="85000" lnSpcReduction="20000"/>
-          </a:bodyPr>
-          <a:lstStyle/>
-          <a:p>
-            <a:r>
-              <a:rPr lang="en-US" dirty="0" smtClean="0"/>
-              <a:t>As with any </a:t>
-            </a:r>
-            <a:r>
-              <a:rPr lang="en-US" dirty="0"/>
-              <a:t>programming language, you need to use various variables to store various information. </a:t>
-            </a:r>
-            <a:r>
-              <a:rPr lang="en-US" dirty="0" smtClean="0"/>
-              <a:t>When </a:t>
-            </a:r>
-            <a:r>
-              <a:rPr lang="en-US" dirty="0"/>
-              <a:t>you create a variable you reserve some space in </a:t>
-            </a:r>
-            <a:r>
-              <a:rPr lang="en-US" dirty="0" smtClean="0"/>
-              <a:t>memory and keep a record of its location for later retrieval and use.</a:t>
-            </a:r>
-            <a:endParaRPr lang="en-US" dirty="0"/>
-          </a:p>
-          <a:p>
-            <a:r>
-              <a:rPr lang="en-US" dirty="0" smtClean="0"/>
-              <a:t>The information you wish to store might be characters (e.g., text), integers, </a:t>
-            </a:r>
-            <a:r>
-              <a:rPr lang="en-US" dirty="0" err="1" smtClean="0"/>
-              <a:t>boolean</a:t>
-            </a:r>
-            <a:r>
-              <a:rPr lang="en-US" dirty="0" smtClean="0"/>
-              <a:t> (e.g., True/False) </a:t>
-            </a:r>
-            <a:r>
-              <a:rPr lang="en-US" dirty="0"/>
-              <a:t>etc. </a:t>
-            </a:r>
-          </a:p>
-          <a:p>
-            <a:r>
-              <a:rPr lang="en-US" dirty="0"/>
-              <a:t>In contrast to other </a:t>
-            </a:r>
-            <a:r>
-              <a:rPr lang="en-US" dirty="0" smtClean="0"/>
-              <a:t>many programming languages (e.g., C, java, </a:t>
-            </a:r>
-            <a:r>
-              <a:rPr lang="en-US" dirty="0" err="1" smtClean="0"/>
-              <a:t>etc</a:t>
-            </a:r>
-            <a:r>
-              <a:rPr lang="en-US" dirty="0" smtClean="0"/>
-              <a:t>) </a:t>
-            </a:r>
-            <a:r>
-              <a:rPr lang="en-US" dirty="0"/>
-              <a:t>in R</a:t>
-            </a:r>
-            <a:r>
-              <a:rPr lang="en-US" dirty="0" smtClean="0"/>
-              <a:t>, </a:t>
-            </a:r>
-            <a:r>
-              <a:rPr lang="en-US" dirty="0"/>
-              <a:t>variables are not declared as </a:t>
-            </a:r>
-            <a:r>
-              <a:rPr lang="en-US" dirty="0" smtClean="0"/>
-              <a:t>a specific data </a:t>
-            </a:r>
-            <a:r>
-              <a:rPr lang="en-US" dirty="0"/>
-              <a:t>type. </a:t>
-            </a:r>
-            <a:endParaRPr lang="en-US" dirty="0" smtClean="0"/>
-          </a:p>
-          <a:p>
-            <a:pPr lvl="1"/>
-            <a:r>
-              <a:rPr lang="en-US" dirty="0" smtClean="0"/>
-              <a:t>The </a:t>
-            </a:r>
-            <a:r>
-              <a:rPr lang="en-US" dirty="0"/>
-              <a:t>variables are assigned with R-Objects and the data type of the R-object becomes the data type of the variable</a:t>
-            </a:r>
-            <a:r>
-              <a:rPr lang="en-US" dirty="0" smtClean="0"/>
-              <a:t>.</a:t>
-            </a:r>
-          </a:p>
-          <a:p>
-            <a:pPr lvl="1"/>
-            <a:r>
-              <a:rPr lang="en-US" dirty="0" smtClean="0"/>
-              <a:t>Frequently </a:t>
-            </a:r>
-            <a:r>
-              <a:rPr lang="en-US" dirty="0"/>
-              <a:t>used </a:t>
-            </a:r>
-            <a:r>
-              <a:rPr lang="en-US" dirty="0" smtClean="0"/>
-              <a:t>R-Objects include: Vectors, Lists, Matrices, Arrays, Factors, Data </a:t>
-            </a:r>
-            <a:r>
-              <a:rPr lang="en-US" dirty="0"/>
-              <a:t>Frames</a:t>
-            </a:r>
-          </a:p>
-          <a:p>
-            <a:r>
-              <a:rPr lang="en-US" dirty="0"/>
-              <a:t>The simplest </a:t>
-            </a:r>
-            <a:r>
-              <a:rPr lang="en-US" dirty="0" smtClean="0"/>
-              <a:t>R-object </a:t>
-            </a:r>
-            <a:r>
-              <a:rPr lang="en-US" dirty="0"/>
-              <a:t>is the </a:t>
-            </a:r>
-            <a:r>
-              <a:rPr lang="en-US" dirty="0" smtClean="0"/>
-              <a:t>atomic vector</a:t>
-            </a:r>
-          </a:p>
-          <a:p>
-            <a:pPr lvl="1"/>
-            <a:r>
-              <a:rPr lang="en-US" dirty="0" smtClean="0"/>
-              <a:t>There </a:t>
-            </a:r>
-            <a:r>
-              <a:rPr lang="en-US" dirty="0"/>
-              <a:t>are six data types </a:t>
-            </a:r>
-            <a:r>
-              <a:rPr lang="en-US" dirty="0" smtClean="0"/>
-              <a:t>for </a:t>
-            </a:r>
-            <a:r>
-              <a:rPr lang="en-US" dirty="0"/>
-              <a:t>atomic vectors, also termed as six classes of </a:t>
-            </a:r>
-            <a:r>
-              <a:rPr lang="en-US" dirty="0" smtClean="0"/>
-              <a:t>vectors: logical, numerical, integer, complex, character, and raw</a:t>
-            </a:r>
-          </a:p>
-          <a:p>
-            <a:r>
-              <a:rPr lang="en-US" dirty="0" smtClean="0"/>
-              <a:t>The </a:t>
-            </a:r>
-            <a:r>
-              <a:rPr lang="en-US" dirty="0"/>
-              <a:t>other R-Objects are built upon </a:t>
-            </a:r>
-            <a:r>
-              <a:rPr lang="en-US" dirty="0" smtClean="0"/>
-              <a:t>atomic vectors</a:t>
-            </a:r>
-          </a:p>
-          <a:p>
-            <a:r>
-              <a:rPr lang="en-US" dirty="0" smtClean="0"/>
-              <a:t>Lists are also vectors but are not atomic vectors, meaning that they can include multiple data types and can be recursive (contain lists of lists)</a:t>
-            </a:r>
-            <a:endParaRPr lang="en-US" dirty="0"/>
-          </a:p>
-          <a:p>
-            <a:endParaRPr lang="en-US" dirty="0"/>
-          </a:p>
-        </p:txBody>
-      </p:sp>
+      </p:pic>
     </p:spTree>
     <p:extLst>
       <p:ext uri="{BB962C8B-B14F-4D97-AF65-F5344CB8AC3E}">
-        <p14:creationId xmlns:p14="http://schemas.microsoft.com/office/powerpoint/2010/main" val="934674714"/>
+        <p14:creationId xmlns:p14="http://schemas.microsoft.com/office/powerpoint/2010/main" val="717117875"/>
       </p:ext>
     </p:extLst>
   </p:cSld>
@@ -3439,20 +3296,26 @@
         </p:nvSpPr>
         <p:spPr/>
         <p:txBody>
-          <a:bodyPr/>
+          <a:bodyPr>
+            <a:normAutofit fontScale="90000"/>
+          </a:bodyPr>
           <a:lstStyle/>
           <a:p>
             <a:r>
               <a:rPr lang="en-US" dirty="0" smtClean="0"/>
-              <a:t>&lt;- </a:t>
-            </a:r>
-            <a:r>
-              <a:rPr lang="en-US" dirty="0" err="1" smtClean="0"/>
-              <a:t>vs</a:t>
-            </a:r>
-            <a:r>
-              <a:rPr lang="en-US" dirty="0" smtClean="0"/>
-              <a:t> =</a:t>
+              <a:t>Variables, Data </a:t>
+            </a:r>
+            <a:r>
+              <a:rPr lang="en-US" dirty="0" smtClean="0"/>
+              <a:t>Structure (</a:t>
+            </a:r>
+            <a:r>
+              <a:rPr lang="en-US" dirty="0" smtClean="0"/>
+              <a:t>Object) Types </a:t>
+            </a:r>
+            <a:r>
+              <a:rPr lang="en-US" dirty="0" smtClean="0"/>
+              <a:t>and Data types</a:t>
             </a:r>
             <a:endParaRPr lang="en-US" dirty="0"/>
           </a:p>
@@ -3470,17 +3333,205 @@
         </p:nvSpPr>
         <p:spPr/>
         <p:txBody>
-          <a:bodyPr/>
+          <a:bodyPr>
+            <a:normAutofit fontScale="85000" lnSpcReduction="10000"/>
+          </a:bodyPr>
           <a:lstStyle/>
           <a:p>
-            <a:endParaRPr lang="en-US"/>
+            <a:r>
+              <a:rPr lang="en-US" dirty="0" smtClean="0"/>
+              <a:t>As with any </a:t>
+            </a:r>
+            <a:r>
+              <a:rPr lang="en-US" dirty="0"/>
+              <a:t>programming language, you need to use </a:t>
+            </a:r>
+            <a:r>
+              <a:rPr lang="en-US" dirty="0" smtClean="0"/>
+              <a:t>variables </a:t>
+            </a:r>
+            <a:r>
+              <a:rPr lang="en-US" dirty="0"/>
+              <a:t>to store </a:t>
+            </a:r>
+            <a:r>
+              <a:rPr lang="en-US" dirty="0" smtClean="0"/>
+              <a:t>information</a:t>
+            </a:r>
+            <a:r>
+              <a:rPr lang="en-US" dirty="0"/>
+              <a:t>. </a:t>
+            </a:r>
+            <a:r>
+              <a:rPr lang="en-US" dirty="0" smtClean="0"/>
+              <a:t>When </a:t>
+            </a:r>
+            <a:r>
+              <a:rPr lang="en-US" dirty="0"/>
+              <a:t>you create a variable you reserve some space in </a:t>
+            </a:r>
+            <a:r>
+              <a:rPr lang="en-US" dirty="0" smtClean="0"/>
+              <a:t>memory and keep a record of its location for later retrieval and use.</a:t>
+            </a:r>
+            <a:endParaRPr lang="en-US" dirty="0"/>
+          </a:p>
+          <a:p>
+            <a:r>
+              <a:rPr lang="en-US" dirty="0" smtClean="0"/>
+              <a:t>The information you wish to store might be characters (e.g., text), integers, </a:t>
+            </a:r>
+            <a:r>
+              <a:rPr lang="en-US" dirty="0" err="1" smtClean="0"/>
+              <a:t>boolean</a:t>
+            </a:r>
+            <a:r>
+              <a:rPr lang="en-US" dirty="0" smtClean="0"/>
+              <a:t> (e.g., True/False) </a:t>
+            </a:r>
+            <a:r>
+              <a:rPr lang="en-US" dirty="0"/>
+              <a:t>etc. </a:t>
+            </a:r>
+          </a:p>
+          <a:p>
+            <a:r>
+              <a:rPr lang="en-US" dirty="0"/>
+              <a:t>In contrast to </a:t>
+            </a:r>
+            <a:r>
+              <a:rPr lang="en-US" dirty="0" smtClean="0"/>
+              <a:t>many other </a:t>
+            </a:r>
+            <a:r>
+              <a:rPr lang="en-US" dirty="0" smtClean="0"/>
+              <a:t>programming languages (e.g., C, java, </a:t>
+            </a:r>
+            <a:r>
+              <a:rPr lang="en-US" dirty="0" err="1" smtClean="0"/>
+              <a:t>etc</a:t>
+            </a:r>
+            <a:r>
+              <a:rPr lang="en-US" dirty="0" smtClean="0"/>
+              <a:t>), </a:t>
+            </a:r>
+            <a:r>
+              <a:rPr lang="en-US" dirty="0"/>
+              <a:t>in </a:t>
+            </a:r>
+            <a:r>
+              <a:rPr lang="en-US" dirty="0" smtClean="0"/>
+              <a:t>R </a:t>
+            </a:r>
+            <a:r>
+              <a:rPr lang="en-US" dirty="0"/>
+              <a:t>variables are not declared as </a:t>
+            </a:r>
+            <a:r>
+              <a:rPr lang="en-US" dirty="0" smtClean="0"/>
+              <a:t>a specific data </a:t>
+            </a:r>
+            <a:r>
+              <a:rPr lang="en-US" dirty="0"/>
+              <a:t>type. </a:t>
+            </a:r>
+            <a:endParaRPr lang="en-US" dirty="0" smtClean="0"/>
+          </a:p>
+          <a:p>
+            <a:pPr lvl="1"/>
+            <a:r>
+              <a:rPr lang="en-US" dirty="0" smtClean="0"/>
+              <a:t>The </a:t>
+            </a:r>
+            <a:r>
+              <a:rPr lang="en-US" dirty="0"/>
+              <a:t>variables are assigned with R-Objects and the data type of the R-object becomes the data type of the variable</a:t>
+            </a:r>
+            <a:r>
+              <a:rPr lang="en-US" dirty="0" smtClean="0"/>
+              <a:t>.</a:t>
+            </a:r>
+          </a:p>
+          <a:p>
+            <a:r>
+              <a:rPr lang="en-US" dirty="0" smtClean="0"/>
+              <a:t>The </a:t>
+            </a:r>
+            <a:r>
+              <a:rPr lang="en-US" dirty="0"/>
+              <a:t>simplest </a:t>
+            </a:r>
+            <a:r>
+              <a:rPr lang="en-US" dirty="0" smtClean="0"/>
+              <a:t>R-object </a:t>
+            </a:r>
+            <a:r>
+              <a:rPr lang="en-US" dirty="0" smtClean="0"/>
+              <a:t>type is </a:t>
+            </a:r>
+            <a:r>
+              <a:rPr lang="en-US" dirty="0"/>
+              <a:t>the </a:t>
+            </a:r>
+            <a:r>
+              <a:rPr lang="en-US" dirty="0" smtClean="0"/>
+              <a:t>atomic vector</a:t>
+            </a:r>
+          </a:p>
+          <a:p>
+            <a:pPr lvl="1"/>
+            <a:r>
+              <a:rPr lang="en-US" dirty="0" smtClean="0"/>
+              <a:t>There </a:t>
+            </a:r>
+            <a:r>
+              <a:rPr lang="en-US" dirty="0"/>
+              <a:t>are six data types </a:t>
+            </a:r>
+            <a:r>
+              <a:rPr lang="en-US" dirty="0" smtClean="0"/>
+              <a:t>for </a:t>
+            </a:r>
+            <a:r>
+              <a:rPr lang="en-US" dirty="0"/>
+              <a:t>atomic vectors, also termed as six classes of </a:t>
+            </a:r>
+            <a:r>
+              <a:rPr lang="en-US" dirty="0" smtClean="0"/>
+              <a:t>vectors: logical, numerical, integer, complex, character, and raw</a:t>
+            </a:r>
+          </a:p>
+          <a:p>
+            <a:r>
+              <a:rPr lang="en-US" dirty="0" smtClean="0"/>
+              <a:t>Lists </a:t>
+            </a:r>
+            <a:r>
+              <a:rPr lang="en-US" dirty="0" smtClean="0"/>
+              <a:t>are also vectors but are not atomic vectors, meaning that they can include multiple data types and can be recursive (contain lists of lists)</a:t>
+            </a:r>
+            <a:endParaRPr lang="en-US" dirty="0"/>
+          </a:p>
+          <a:p>
+            <a:r>
+              <a:rPr lang="en-US" dirty="0"/>
+              <a:t>The other R-Objects are built upon atomic </a:t>
+            </a:r>
+            <a:r>
+              <a:rPr lang="en-US" dirty="0" smtClean="0"/>
+              <a:t>vectors and include: factors, matrices, arrays, data frames, </a:t>
+            </a:r>
+            <a:endParaRPr lang="en-US" dirty="0"/>
+          </a:p>
+          <a:p>
+            <a:endParaRPr lang="en-US" dirty="0"/>
           </a:p>
         </p:txBody>
       </p:sp>
     </p:spTree>
     <p:extLst>
       <p:ext uri="{BB962C8B-B14F-4D97-AF65-F5344CB8AC3E}">
-        <p14:creationId xmlns:p14="http://schemas.microsoft.com/office/powerpoint/2010/main" val="2193166336"/>
+        <p14:creationId xmlns:p14="http://schemas.microsoft.com/office/powerpoint/2010/main" val="934674714"/>
       </p:ext>
     </p:extLst>
   </p:cSld>
@@ -3491,80 +3542,6 @@
 </file>
 
 <file path=ppt/slides/slide12.xml><?xml version="1.0" encoding="utf-8"?>
-<p:sld xmlns:a="http://schemas.openxmlformats.org/drawingml/2006/main" xmlns:r="http://schemas.openxmlformats.org/officeDocument/2006/relationships" xmlns:p="http://schemas.openxmlformats.org/presentationml/2006/main">
-  <p:cSld>
-    <p:spTree>
-      <p:nvGrpSpPr>
-        <p:cNvPr id="1" name=""/>
-        <p:cNvGrpSpPr/>
-        <p:nvPr/>
-      </p:nvGrpSpPr>
-      <p:grpSpPr>
-        <a:xfrm>
-          <a:off x="0" y="0"/>
-          <a:ext cx="0" cy="0"/>
-          <a:chOff x="0" y="0"/>
-          <a:chExt cx="0" cy="0"/>
-        </a:xfrm>
-      </p:grpSpPr>
-      <p:sp>
-        <p:nvSpPr>
-          <p:cNvPr id="2" name="Title 1"/>
-          <p:cNvSpPr>
-            <a:spLocks noGrp="1"/>
-          </p:cNvSpPr>
-          <p:nvPr>
-            <p:ph type="title"/>
-          </p:nvPr>
-        </p:nvSpPr>
-        <p:spPr/>
-        <p:txBody>
-          <a:bodyPr/>
-          <a:lstStyle/>
-          <a:p>
-            <a:r>
-              <a:rPr lang="en-US" dirty="0" smtClean="0"/>
-              <a:t>Data structures (R objects)</a:t>
-            </a:r>
-            <a:endParaRPr lang="en-US" dirty="0"/>
-          </a:p>
-        </p:txBody>
-      </p:sp>
-      <p:sp>
-        <p:nvSpPr>
-          <p:cNvPr id="3" name="Content Placeholder 2"/>
-          <p:cNvSpPr>
-            <a:spLocks noGrp="1"/>
-          </p:cNvSpPr>
-          <p:nvPr>
-            <p:ph idx="1"/>
-          </p:nvPr>
-        </p:nvSpPr>
-        <p:spPr/>
-        <p:txBody>
-          <a:bodyPr>
-            <a:normAutofit/>
-          </a:bodyPr>
-          <a:lstStyle/>
-          <a:p>
-            <a:endParaRPr lang="en-US" dirty="0"/>
-          </a:p>
-        </p:txBody>
-      </p:sp>
-    </p:spTree>
-    <p:extLst>
-      <p:ext uri="{BB962C8B-B14F-4D97-AF65-F5344CB8AC3E}">
-        <p14:creationId xmlns:p14="http://schemas.microsoft.com/office/powerpoint/2010/main" val="1387753060"/>
-      </p:ext>
-    </p:extLst>
-  </p:cSld>
-  <p:clrMapOvr>
-    <a:masterClrMapping/>
-  </p:clrMapOvr>
-</p:sld>
-</file>
-
-<file path=ppt/slides/slide13.xml><?xml version="1.0" encoding="utf-8"?>
 <p:sld xmlns:a="http://schemas.openxmlformats.org/drawingml/2006/main" xmlns:r="http://schemas.openxmlformats.org/officeDocument/2006/relationships" xmlns:p="http://schemas.openxmlformats.org/presentationml/2006/main">
   <p:cSld>
     <p:spTree>
@@ -4325,6 +4302,237 @@
 </p:sld>
 </file>
 
+<file path=ppt/slides/slide13.xml><?xml version="1.0" encoding="utf-8"?>
+<p:sld xmlns:a="http://schemas.openxmlformats.org/drawingml/2006/main" xmlns:r="http://schemas.openxmlformats.org/officeDocument/2006/relationships" xmlns:p="http://schemas.openxmlformats.org/presentationml/2006/main">
+  <p:cSld>
+    <p:spTree>
+      <p:nvGrpSpPr>
+        <p:cNvPr id="1" name=""/>
+        <p:cNvGrpSpPr/>
+        <p:nvPr/>
+      </p:nvGrpSpPr>
+      <p:grpSpPr>
+        <a:xfrm>
+          <a:off x="0" y="0"/>
+          <a:ext cx="0" cy="0"/>
+          <a:chOff x="0" y="0"/>
+          <a:chExt cx="0" cy="0"/>
+        </a:xfrm>
+      </p:grpSpPr>
+      <p:sp>
+        <p:nvSpPr>
+          <p:cNvPr id="2" name="Title 1"/>
+          <p:cNvSpPr>
+            <a:spLocks noGrp="1"/>
+          </p:cNvSpPr>
+          <p:nvPr>
+            <p:ph type="title"/>
+          </p:nvPr>
+        </p:nvSpPr>
+        <p:spPr/>
+        <p:txBody>
+          <a:bodyPr/>
+          <a:lstStyle/>
+          <a:p>
+            <a:r>
+              <a:rPr lang="en-US" dirty="0" smtClean="0"/>
+              <a:t>Vectors</a:t>
+            </a:r>
+            <a:endParaRPr lang="en-US" dirty="0"/>
+          </a:p>
+        </p:txBody>
+      </p:sp>
+      <p:sp>
+        <p:nvSpPr>
+          <p:cNvPr id="3" name="Content Placeholder 2"/>
+          <p:cNvSpPr>
+            <a:spLocks noGrp="1"/>
+          </p:cNvSpPr>
+          <p:nvPr>
+            <p:ph idx="1"/>
+          </p:nvPr>
+        </p:nvSpPr>
+        <p:spPr/>
+        <p:txBody>
+          <a:bodyPr>
+            <a:normAutofit fontScale="92500" lnSpcReduction="10000"/>
+          </a:bodyPr>
+          <a:lstStyle/>
+          <a:p>
+            <a:r>
+              <a:rPr lang="en-US" dirty="0" smtClean="0"/>
+              <a:t>Typically defined with c() or extracted from other objects</a:t>
+            </a:r>
+          </a:p>
+          <a:p>
+            <a:pPr marL="457200" lvl="1" indent="0">
+              <a:buNone/>
+            </a:pPr>
+            <a:endParaRPr lang="en-US" dirty="0" smtClean="0"/>
+          </a:p>
+          <a:p>
+            <a:pPr marL="457200" lvl="1" indent="0">
+              <a:buNone/>
+            </a:pPr>
+            <a:r>
+              <a:rPr lang="en-US" dirty="0" smtClean="0"/>
+              <a:t>&gt; </a:t>
+            </a:r>
+            <a:r>
+              <a:rPr lang="en-US" dirty="0" err="1" smtClean="0"/>
+              <a:t>myVector</a:t>
+            </a:r>
+            <a:r>
+              <a:rPr lang="en-US" dirty="0" smtClean="0"/>
+              <a:t> &lt;- c(“foo”, “bar”, “</a:t>
+            </a:r>
+            <a:r>
+              <a:rPr lang="en-US" dirty="0" err="1" smtClean="0"/>
+              <a:t>baz</a:t>
+            </a:r>
+            <a:r>
+              <a:rPr lang="en-US" dirty="0" smtClean="0"/>
+              <a:t>”)</a:t>
+            </a:r>
+          </a:p>
+          <a:p>
+            <a:pPr marL="457200" lvl="1" indent="0">
+              <a:buNone/>
+            </a:pPr>
+            <a:endParaRPr lang="en-US" dirty="0"/>
+          </a:p>
+          <a:p>
+            <a:pPr marL="457200" lvl="1" indent="0">
+              <a:buNone/>
+            </a:pPr>
+            <a:r>
+              <a:rPr lang="en-US" dirty="0" smtClean="0"/>
+              <a:t>&gt; myVector2 &lt;- c(</a:t>
+            </a:r>
+            <a:r>
+              <a:rPr lang="it-IT" dirty="0"/>
+              <a:t>2,3,5:10,15,20,25,30</a:t>
+            </a:r>
+            <a:r>
+              <a:rPr lang="en-US" dirty="0" smtClean="0"/>
+              <a:t>)</a:t>
+            </a:r>
+          </a:p>
+          <a:p>
+            <a:pPr marL="457200" lvl="1" indent="0">
+              <a:buNone/>
+            </a:pPr>
+            <a:endParaRPr lang="en-US" dirty="0"/>
+          </a:p>
+          <a:p>
+            <a:r>
+              <a:rPr lang="en-US" dirty="0" smtClean="0"/>
+              <a:t>Subsets of vectors can be extracted by index values</a:t>
+            </a:r>
+            <a:endParaRPr lang="en-US" dirty="0" smtClean="0"/>
+          </a:p>
+          <a:p>
+            <a:pPr marL="457200" lvl="1" indent="0">
+              <a:buNone/>
+            </a:pPr>
+            <a:endParaRPr lang="en-US" dirty="0" smtClean="0"/>
+          </a:p>
+          <a:p>
+            <a:pPr marL="457200" lvl="1" indent="0">
+              <a:buNone/>
+            </a:pPr>
+            <a:r>
+              <a:rPr lang="en-US" dirty="0" smtClean="0"/>
+              <a:t>&gt; </a:t>
+            </a:r>
+            <a:r>
+              <a:rPr lang="en-US" dirty="0" err="1" smtClean="0"/>
+              <a:t>myVector</a:t>
+            </a:r>
+            <a:r>
+              <a:rPr lang="en-US" dirty="0" smtClean="0"/>
+              <a:t>[3]</a:t>
+            </a:r>
+          </a:p>
+          <a:p>
+            <a:pPr marL="457200" lvl="1" indent="0">
+              <a:buNone/>
+            </a:pPr>
+            <a:r>
+              <a:rPr lang="pt-BR" dirty="0"/>
+              <a:t>[1] </a:t>
+            </a:r>
+            <a:r>
+              <a:rPr lang="pt-BR" dirty="0" smtClean="0"/>
+              <a:t>“</a:t>
+            </a:r>
+            <a:r>
+              <a:rPr lang="pt-BR" dirty="0" err="1" smtClean="0"/>
+              <a:t>baz</a:t>
+            </a:r>
+            <a:r>
+              <a:rPr lang="pt-BR" dirty="0" smtClean="0"/>
+              <a:t>”</a:t>
+            </a:r>
+            <a:endParaRPr lang="en-US" dirty="0"/>
+          </a:p>
+          <a:p>
+            <a:endParaRPr lang="en-US" dirty="0" smtClean="0"/>
+          </a:p>
+          <a:p>
+            <a:r>
+              <a:rPr lang="en-US" dirty="0" smtClean="0"/>
+              <a:t>Conditional statements can be applied to vectors</a:t>
+            </a:r>
+          </a:p>
+          <a:p>
+            <a:pPr marL="457200" lvl="1" indent="0">
+              <a:buNone/>
+            </a:pPr>
+            <a:r>
+              <a:rPr lang="fr-FR" dirty="0" smtClean="0"/>
+              <a:t>myVector2 </a:t>
+            </a:r>
+            <a:r>
+              <a:rPr lang="fr-FR" dirty="0"/>
+              <a:t>&gt;= </a:t>
+            </a:r>
+            <a:r>
+              <a:rPr lang="fr-FR" dirty="0" smtClean="0"/>
+              <a:t>5</a:t>
+            </a:r>
+          </a:p>
+          <a:p>
+            <a:pPr marL="457200" lvl="1" indent="0">
+              <a:buNone/>
+            </a:pPr>
+            <a:r>
+              <a:rPr lang="fr-FR" dirty="0"/>
+              <a:t>[1] FALSE FALSE  TRUE  TRUE  TRUE  TRUE  TRUE  TRUE  TRUE  TRUE  TRUE  TRUE</a:t>
+            </a:r>
+            <a:endParaRPr lang="fr-FR" dirty="0" smtClean="0"/>
+          </a:p>
+          <a:p>
+            <a:pPr marL="457200" lvl="1" indent="0">
+              <a:buNone/>
+            </a:pPr>
+            <a:endParaRPr lang="en-US" dirty="0"/>
+          </a:p>
+        </p:txBody>
+      </p:sp>
+    </p:spTree>
+    <p:extLst>
+      <p:ext uri="{BB962C8B-B14F-4D97-AF65-F5344CB8AC3E}">
+        <p14:creationId xmlns:p14="http://schemas.microsoft.com/office/powerpoint/2010/main" val="818804808"/>
+      </p:ext>
+    </p:extLst>
+  </p:cSld>
+  <p:clrMapOvr>
+    <a:masterClrMapping/>
+  </p:clrMapOvr>
+</p:sld>
+</file>
+
 <file path=ppt/slides/slide14.xml><?xml version="1.0" encoding="utf-8"?>
 <p:sld xmlns:a="http://schemas.openxmlformats.org/drawingml/2006/main" xmlns:r="http://schemas.openxmlformats.org/officeDocument/2006/relationships" xmlns:p="http://schemas.openxmlformats.org/presentationml/2006/main">
   <p:cSld>
@@ -4358,36 +4566,342 @@
           <a:lstStyle/>
           <a:p>
             <a:r>
-              <a:rPr lang="en-US" dirty="0" smtClean="0"/>
-              <a:t>Vectors</a:t>
+              <a:rPr lang="en-US" dirty="0" err="1" smtClean="0"/>
+              <a:t>Dataframes</a:t>
             </a:r>
             <a:endParaRPr lang="en-US" dirty="0"/>
           </a:p>
         </p:txBody>
       </p:sp>
-      <p:sp>
-        <p:nvSpPr>
-          <p:cNvPr id="3" name="Content Placeholder 2"/>
-          <p:cNvSpPr>
-            <a:spLocks noGrp="1"/>
-          </p:cNvSpPr>
+      <p:pic>
+        <p:nvPicPr>
+          <p:cNvPr id="4" name="Content Placeholder 3" descr="Screenshot 2017-09-12 10.02.50.png"/>
+          <p:cNvPicPr>
+            <a:picLocks noGrp="1" noChangeAspect="1"/>
+          </p:cNvPicPr>
           <p:nvPr>
             <p:ph idx="1"/>
           </p:nvPr>
-        </p:nvSpPr>
-        <p:spPr/>
-        <p:txBody>
-          <a:bodyPr/>
+        </p:nvPicPr>
+        <p:blipFill rotWithShape="1">
+          <a:blip r:embed="rId2">
+            <a:extLst>
+              <a:ext uri="{28A0092B-C50C-407E-A947-70E740481C1C}">
+                <a14:useLocalDpi xmlns:a14="http://schemas.microsoft.com/office/drawing/2010/main" val="0"/>
+              </a:ext>
+            </a:extLst>
+          </a:blip>
+          <a:srcRect l="-774" r="-428"/>
+          <a:stretch/>
+        </p:blipFill>
+        <p:spPr>
+          <a:xfrm>
+            <a:off x="226785" y="1566332"/>
+            <a:ext cx="4699000" cy="5120722"/>
+          </a:xfrm>
+        </p:spPr>
+      </p:pic>
+      <p:sp>
+        <p:nvSpPr>
+          <p:cNvPr id="5" name="TextBox 4"/>
+          <p:cNvSpPr txBox="1"/>
+          <p:nvPr/>
+        </p:nvSpPr>
+        <p:spPr>
+          <a:xfrm>
+            <a:off x="226785" y="1114779"/>
+            <a:ext cx="4442242" cy="369332"/>
+          </a:xfrm>
+          <a:prstGeom prst="rect">
+            <a:avLst/>
+          </a:prstGeom>
+          <a:noFill/>
+        </p:spPr>
+        <p:txBody>
+          <a:bodyPr wrap="none" rtlCol="0">
+            <a:spAutoFit/>
+          </a:bodyPr>
           <a:lstStyle/>
           <a:p>
-            <a:endParaRPr lang="en-US"/>
+            <a:r>
+              <a:rPr lang="en-US" dirty="0" smtClean="0"/>
+              <a:t>Demo </a:t>
+            </a:r>
+            <a:r>
+              <a:rPr lang="en-US" dirty="0" err="1" smtClean="0"/>
+              <a:t>dataframe</a:t>
+            </a:r>
+            <a:r>
+              <a:rPr lang="en-US" dirty="0" smtClean="0"/>
+              <a:t> available in R: “</a:t>
+            </a:r>
+            <a:r>
+              <a:rPr lang="en-US" dirty="0" err="1" smtClean="0"/>
+              <a:t>mtcars</a:t>
+            </a:r>
+            <a:r>
+              <a:rPr lang="en-US" dirty="0" smtClean="0"/>
+              <a:t>”</a:t>
+            </a:r>
+            <a:endParaRPr lang="en-US" dirty="0"/>
+          </a:p>
+        </p:txBody>
+      </p:sp>
+      <p:sp>
+        <p:nvSpPr>
+          <p:cNvPr id="6" name="Content Placeholder 2"/>
+          <p:cNvSpPr txBox="1">
+            <a:spLocks/>
+          </p:cNvSpPr>
+          <p:nvPr/>
+        </p:nvSpPr>
+        <p:spPr>
+          <a:xfrm>
+            <a:off x="4925785" y="1566332"/>
+            <a:ext cx="3937001" cy="4783668"/>
+          </a:xfrm>
+          <a:prstGeom prst="rect">
+            <a:avLst/>
+          </a:prstGeom>
+        </p:spPr>
+        <p:txBody>
+          <a:bodyPr vert="horz" lIns="91440" tIns="45720" rIns="91440" bIns="45720" rtlCol="0">
+            <a:normAutofit/>
+          </a:bodyPr>
+          <a:lstStyle>
+            <a:lvl1pPr marL="342900" indent="-342900" algn="l" defTabSz="457200" rtl="0" eaLnBrk="1" latinLnBrk="0" hangingPunct="1">
+              <a:spcBef>
+                <a:spcPct val="20000"/>
+              </a:spcBef>
+              <a:buClr>
+                <a:schemeClr val="accent3"/>
+              </a:buClr>
+              <a:buFont typeface="Arial"/>
+              <a:buChar char="•"/>
+              <a:defRPr sz="2400" kern="1200">
+                <a:solidFill>
+                  <a:schemeClr val="tx1">
+                    <a:lumMod val="90000"/>
+                    <a:lumOff val="10000"/>
+                  </a:schemeClr>
+                </a:solidFill>
+                <a:latin typeface="+mn-lt"/>
+                <a:ea typeface="+mn-ea"/>
+                <a:cs typeface="Trebuchet MS"/>
+              </a:defRPr>
+            </a:lvl1pPr>
+            <a:lvl2pPr marL="742950" indent="-285750" algn="l" defTabSz="457200" rtl="0" eaLnBrk="1" latinLnBrk="0" hangingPunct="1">
+              <a:spcBef>
+                <a:spcPct val="20000"/>
+              </a:spcBef>
+              <a:buClr>
+                <a:schemeClr val="accent3"/>
+              </a:buClr>
+              <a:buFont typeface="Arial"/>
+              <a:buChar char="•"/>
+              <a:defRPr sz="2000" kern="1200">
+                <a:solidFill>
+                  <a:schemeClr val="tx1">
+                    <a:lumMod val="90000"/>
+                    <a:lumOff val="10000"/>
+                  </a:schemeClr>
+                </a:solidFill>
+                <a:latin typeface="+mn-lt"/>
+                <a:ea typeface="+mn-ea"/>
+                <a:cs typeface="Trebuchet MS"/>
+              </a:defRPr>
+            </a:lvl2pPr>
+            <a:lvl3pPr marL="1143000" indent="-228600" algn="l" defTabSz="457200" rtl="0" eaLnBrk="1" latinLnBrk="0" hangingPunct="1">
+              <a:spcBef>
+                <a:spcPct val="20000"/>
+              </a:spcBef>
+              <a:buClr>
+                <a:schemeClr val="accent3"/>
+              </a:buClr>
+              <a:buFont typeface="Arial"/>
+              <a:buChar char="•"/>
+              <a:defRPr sz="2000" kern="1200">
+                <a:solidFill>
+                  <a:schemeClr val="tx1">
+                    <a:lumMod val="90000"/>
+                    <a:lumOff val="10000"/>
+                  </a:schemeClr>
+                </a:solidFill>
+                <a:latin typeface="+mn-lt"/>
+                <a:ea typeface="+mn-ea"/>
+                <a:cs typeface="Trebuchet MS"/>
+              </a:defRPr>
+            </a:lvl3pPr>
+            <a:lvl4pPr marL="1600200" indent="-228600" algn="l" defTabSz="457200" rtl="0" eaLnBrk="1" latinLnBrk="0" hangingPunct="1">
+              <a:spcBef>
+                <a:spcPct val="20000"/>
+              </a:spcBef>
+              <a:buClr>
+                <a:schemeClr val="accent3"/>
+              </a:buClr>
+              <a:buFont typeface="Arial"/>
+              <a:buChar char="•"/>
+              <a:defRPr sz="2000" kern="1200">
+                <a:solidFill>
+                  <a:schemeClr val="tx1">
+                    <a:lumMod val="90000"/>
+                    <a:lumOff val="10000"/>
+                  </a:schemeClr>
+                </a:solidFill>
+                <a:latin typeface="+mn-lt"/>
+                <a:ea typeface="+mn-ea"/>
+                <a:cs typeface="Trebuchet MS"/>
+              </a:defRPr>
+            </a:lvl4pPr>
+            <a:lvl5pPr marL="2057400" indent="-228600" algn="l" defTabSz="457200" rtl="0" eaLnBrk="1" latinLnBrk="0" hangingPunct="1">
+              <a:spcBef>
+                <a:spcPct val="20000"/>
+              </a:spcBef>
+              <a:buClr>
+                <a:schemeClr val="accent3"/>
+              </a:buClr>
+              <a:buFont typeface="Arial"/>
+              <a:buChar char="•"/>
+              <a:defRPr sz="2000" kern="1200">
+                <a:solidFill>
+                  <a:schemeClr val="tx1">
+                    <a:lumMod val="90000"/>
+                    <a:lumOff val="10000"/>
+                  </a:schemeClr>
+                </a:solidFill>
+                <a:latin typeface="+mn-lt"/>
+                <a:ea typeface="+mn-ea"/>
+                <a:cs typeface="Trebuchet MS"/>
+              </a:defRPr>
+            </a:lvl5pPr>
+            <a:lvl6pPr marL="2514600" indent="-228600" algn="l" defTabSz="457200" rtl="0" eaLnBrk="1" latinLnBrk="0" hangingPunct="1">
+              <a:spcBef>
+                <a:spcPct val="20000"/>
+              </a:spcBef>
+              <a:buFont typeface="Arial"/>
+              <a:buChar char="•"/>
+              <a:defRPr sz="2000" kern="1200">
+                <a:solidFill>
+                  <a:schemeClr val="tx1"/>
+                </a:solidFill>
+                <a:latin typeface="+mn-lt"/>
+                <a:ea typeface="+mn-ea"/>
+                <a:cs typeface="+mn-cs"/>
+              </a:defRPr>
+            </a:lvl6pPr>
+            <a:lvl7pPr marL="2971800" indent="-228600" algn="l" defTabSz="457200" rtl="0" eaLnBrk="1" latinLnBrk="0" hangingPunct="1">
+              <a:spcBef>
+                <a:spcPct val="20000"/>
+              </a:spcBef>
+              <a:buFont typeface="Arial"/>
+              <a:buChar char="•"/>
+              <a:defRPr sz="2000" kern="1200">
+                <a:solidFill>
+                  <a:schemeClr val="tx1"/>
+                </a:solidFill>
+                <a:latin typeface="+mn-lt"/>
+                <a:ea typeface="+mn-ea"/>
+                <a:cs typeface="+mn-cs"/>
+              </a:defRPr>
+            </a:lvl7pPr>
+            <a:lvl8pPr marL="3429000" indent="-228600" algn="l" defTabSz="457200" rtl="0" eaLnBrk="1" latinLnBrk="0" hangingPunct="1">
+              <a:spcBef>
+                <a:spcPct val="20000"/>
+              </a:spcBef>
+              <a:buFont typeface="Arial"/>
+              <a:buChar char="•"/>
+              <a:defRPr sz="2000" kern="1200">
+                <a:solidFill>
+                  <a:schemeClr val="tx1"/>
+                </a:solidFill>
+                <a:latin typeface="+mn-lt"/>
+                <a:ea typeface="+mn-ea"/>
+                <a:cs typeface="+mn-cs"/>
+              </a:defRPr>
+            </a:lvl8pPr>
+            <a:lvl9pPr marL="3886200" indent="-228600" algn="l" defTabSz="457200" rtl="0" eaLnBrk="1" latinLnBrk="0" hangingPunct="1">
+              <a:spcBef>
+                <a:spcPct val="20000"/>
+              </a:spcBef>
+              <a:buFont typeface="Arial"/>
+              <a:buChar char="•"/>
+              <a:defRPr sz="2000" kern="1200">
+                <a:solidFill>
+                  <a:schemeClr val="tx1"/>
+                </a:solidFill>
+                <a:latin typeface="+mn-lt"/>
+                <a:ea typeface="+mn-ea"/>
+                <a:cs typeface="+mn-cs"/>
+              </a:defRPr>
+            </a:lvl9pPr>
+          </a:lstStyle>
+          <a:p>
+            <a:r>
+              <a:rPr lang="en-US" sz="2000" dirty="0" smtClean="0"/>
+              <a:t>Similar vectors, you can extract subsets of </a:t>
+            </a:r>
+            <a:r>
+              <a:rPr lang="en-US" sz="2000" dirty="0" err="1" smtClean="0"/>
+              <a:t>dataframes</a:t>
+            </a:r>
+            <a:r>
+              <a:rPr lang="en-US" sz="2000" dirty="0" smtClean="0"/>
+              <a:t> using [] but now with two dimensions: data[ROW,COL]</a:t>
+            </a:r>
+          </a:p>
+          <a:p>
+            <a:endParaRPr lang="en-US" sz="2000" dirty="0" smtClean="0"/>
+          </a:p>
+          <a:p>
+            <a:r>
+              <a:rPr lang="en-US" sz="2000" dirty="0" smtClean="0"/>
+              <a:t>You can also extract by row and </a:t>
+            </a:r>
+            <a:r>
+              <a:rPr lang="en-US" sz="2000" dirty="0"/>
+              <a:t>column name: </a:t>
+            </a:r>
+          </a:p>
+          <a:p>
+            <a:pPr marL="0" indent="0">
+              <a:buNone/>
+            </a:pPr>
+            <a:r>
+              <a:rPr lang="en-US" sz="2000" dirty="0" smtClean="0"/>
+              <a:t>	</a:t>
+            </a:r>
+            <a:r>
+              <a:rPr lang="en-US" sz="2000" dirty="0" err="1" smtClean="0"/>
+              <a:t>mtcars</a:t>
+            </a:r>
+            <a:r>
+              <a:rPr lang="en-US" sz="2000" dirty="0" err="1"/>
+              <a:t>$</a:t>
+            </a:r>
+            <a:r>
+              <a:rPr lang="en-US" sz="2000" dirty="0" err="1" smtClean="0"/>
+              <a:t>mpg</a:t>
+            </a:r>
+            <a:endParaRPr lang="en-US" sz="2000" dirty="0" smtClean="0"/>
+          </a:p>
+          <a:p>
+            <a:pPr marL="0" indent="0">
+              <a:buNone/>
+            </a:pPr>
+            <a:endParaRPr lang="en-US" sz="2000" dirty="0"/>
+          </a:p>
+          <a:p>
+            <a:pPr marL="0" indent="0">
+              <a:buNone/>
+            </a:pPr>
+            <a:endParaRPr lang="en-US" sz="2000" dirty="0"/>
           </a:p>
         </p:txBody>
       </p:sp>
     </p:spTree>
     <p:extLst>
       <p:ext uri="{BB962C8B-B14F-4D97-AF65-F5344CB8AC3E}">
-        <p14:creationId xmlns:p14="http://schemas.microsoft.com/office/powerpoint/2010/main" val="818804808"/>
+        <p14:creationId xmlns:p14="http://schemas.microsoft.com/office/powerpoint/2010/main" val="2294640133"/>
       </p:ext>
     </p:extLst>
   </p:cSld>
@@ -4431,7 +4945,7 @@
           <a:p>
             <a:r>
               <a:rPr lang="en-US" dirty="0" smtClean="0"/>
-              <a:t>Factors</a:t>
+              <a:t>Importing and Exporting Data</a:t>
             </a:r>
             <a:endParaRPr lang="en-US" dirty="0"/>
           </a:p>
@@ -4452,14 +4966,199 @@
           <a:bodyPr/>
           <a:lstStyle/>
           <a:p>
-            <a:endParaRPr lang="en-US"/>
+            <a:r>
+              <a:rPr lang="en-US" dirty="0" smtClean="0"/>
+              <a:t>R functions exist to import most common file formats</a:t>
+            </a:r>
+          </a:p>
+          <a:p>
+            <a:pPr lvl="1"/>
+            <a:r>
+              <a:rPr lang="en-US" dirty="0" err="1" smtClean="0"/>
+              <a:t>tsv</a:t>
+            </a:r>
+            <a:r>
+              <a:rPr lang="en-US" dirty="0" smtClean="0"/>
+              <a:t>, </a:t>
+            </a:r>
+            <a:r>
+              <a:rPr lang="en-US" dirty="0" err="1" smtClean="0"/>
+              <a:t>csv</a:t>
+            </a:r>
+            <a:r>
+              <a:rPr lang="en-US" dirty="0" smtClean="0"/>
+              <a:t>, excel, xml, </a:t>
+            </a:r>
+            <a:r>
+              <a:rPr lang="en-US" dirty="0" err="1" smtClean="0"/>
+              <a:t>json</a:t>
+            </a:r>
+            <a:r>
+              <a:rPr lang="en-US" dirty="0" smtClean="0"/>
+              <a:t>, </a:t>
+            </a:r>
+            <a:r>
+              <a:rPr lang="en-US" dirty="0" err="1" smtClean="0"/>
+              <a:t>etc</a:t>
+            </a:r>
+            <a:endParaRPr lang="en-US" dirty="0" smtClean="0"/>
+          </a:p>
+          <a:p>
+            <a:r>
+              <a:rPr lang="en-US" dirty="0" err="1" smtClean="0"/>
+              <a:t>read.table</a:t>
+            </a:r>
+            <a:r>
+              <a:rPr lang="en-US" dirty="0" smtClean="0"/>
+              <a:t>() is particularly </a:t>
+            </a:r>
+            <a:r>
+              <a:rPr lang="en-US" dirty="0" smtClean="0"/>
+              <a:t>useful for simple delimited data files</a:t>
+            </a:r>
+          </a:p>
+          <a:p>
+            <a:endParaRPr lang="en-US" dirty="0" smtClean="0"/>
+          </a:p>
+          <a:p>
+            <a:endParaRPr lang="en-US" dirty="0"/>
+          </a:p>
+          <a:p>
+            <a:endParaRPr lang="en-US" dirty="0" smtClean="0"/>
+          </a:p>
+          <a:p>
+            <a:endParaRPr lang="en-US" dirty="0"/>
+          </a:p>
+          <a:p>
+            <a:r>
+              <a:rPr lang="en-US" dirty="0" smtClean="0"/>
+              <a:t>Read from file or web URL</a:t>
+            </a:r>
+          </a:p>
+          <a:p>
+            <a:r>
+              <a:rPr lang="en-US" dirty="0" smtClean="0"/>
+              <a:t>Tell R how you have encoded missing values</a:t>
+            </a:r>
+          </a:p>
+          <a:p>
+            <a:r>
+              <a:rPr lang="en-US" dirty="0" smtClean="0"/>
+              <a:t>Use </a:t>
+            </a:r>
+            <a:r>
+              <a:rPr lang="en-US" dirty="0" err="1" smtClean="0"/>
+              <a:t>as.is</a:t>
+            </a:r>
+            <a:r>
+              <a:rPr lang="en-US" dirty="0" smtClean="0"/>
+              <a:t> to prevent R from converting strings to factors</a:t>
+            </a:r>
+            <a:endParaRPr lang="en-US" dirty="0"/>
+          </a:p>
+        </p:txBody>
+      </p:sp>
+      <p:sp>
+        <p:nvSpPr>
+          <p:cNvPr id="4" name="Rectangle 3"/>
+          <p:cNvSpPr/>
+          <p:nvPr/>
+        </p:nvSpPr>
+        <p:spPr>
+          <a:xfrm>
+            <a:off x="311451" y="3160891"/>
+            <a:ext cx="8636001" cy="707886"/>
+          </a:xfrm>
+          <a:prstGeom prst="rect">
+            <a:avLst/>
+          </a:prstGeom>
+        </p:spPr>
+        <p:txBody>
+          <a:bodyPr wrap="square">
+            <a:spAutoFit/>
+          </a:bodyPr>
+          <a:lstStyle/>
+          <a:p>
+            <a:r>
+              <a:rPr lang="en-US" sz="2000" dirty="0"/>
+              <a:t>data &lt;- </a:t>
+            </a:r>
+            <a:r>
+              <a:rPr lang="en-US" sz="2000" dirty="0" err="1"/>
+              <a:t>read.table</a:t>
+            </a:r>
+            <a:r>
+              <a:rPr lang="en-US" sz="2000" dirty="0"/>
+              <a:t>(file</a:t>
+            </a:r>
+            <a:r>
+              <a:rPr lang="en-US" sz="2000" dirty="0" smtClean="0"/>
+              <a:t>=“my file or URL”, </a:t>
+            </a:r>
+            <a:r>
+              <a:rPr lang="en-US" sz="2000" dirty="0"/>
+              <a:t>header=TRUE, </a:t>
+            </a:r>
+            <a:r>
+              <a:rPr lang="en-US" sz="2000" dirty="0" err="1"/>
+              <a:t>sep</a:t>
+            </a:r>
+            <a:r>
+              <a:rPr lang="en-US" sz="2000" dirty="0"/>
+              <a:t>="\t", </a:t>
+            </a:r>
+            <a:r>
+              <a:rPr lang="en-US" sz="2000" dirty="0" err="1"/>
+              <a:t>na.strings</a:t>
+            </a:r>
+            <a:r>
+              <a:rPr lang="en-US" sz="2000" dirty="0"/>
+              <a:t> = c("NA","N/A","</a:t>
+            </a:r>
+            <a:r>
+              <a:rPr lang="en-US" sz="2000" dirty="0" err="1"/>
+              <a:t>na</a:t>
+            </a:r>
+            <a:r>
+              <a:rPr lang="en-US" sz="2000" dirty="0"/>
+              <a:t>"), </a:t>
+            </a:r>
+            <a:r>
+              <a:rPr lang="en-US" sz="2000" dirty="0" err="1"/>
+              <a:t>as.is</a:t>
+            </a:r>
+            <a:r>
+              <a:rPr lang="en-US" sz="2000" dirty="0"/>
+              <a:t>=c(1:27,29:30</a:t>
+            </a:r>
+            <a:r>
+              <a:rPr lang="en-US" sz="2000" dirty="0" smtClean="0"/>
+              <a:t>), </a:t>
+            </a:r>
+            <a:r>
+              <a:rPr lang="en-US" sz="2000" dirty="0" err="1" smtClean="0"/>
+              <a:t>row.names</a:t>
+            </a:r>
+            <a:r>
+              <a:rPr lang="en-US" sz="2000" dirty="0" smtClean="0"/>
+              <a:t>=1, </a:t>
+            </a:r>
+            <a:r>
+              <a:rPr lang="is-IS" sz="2000" dirty="0" smtClean="0"/>
+              <a:t>…</a:t>
+            </a:r>
+            <a:r>
+              <a:rPr lang="en-US" sz="2000" dirty="0" smtClean="0"/>
+              <a:t>)</a:t>
+            </a:r>
+            <a:endParaRPr lang="en-US" sz="2000" dirty="0"/>
           </a:p>
         </p:txBody>
       </p:sp>
     </p:spTree>
     <p:extLst>
       <p:ext uri="{BB962C8B-B14F-4D97-AF65-F5344CB8AC3E}">
-        <p14:creationId xmlns:p14="http://schemas.microsoft.com/office/powerpoint/2010/main" val="3172517770"/>
+        <p14:creationId xmlns:p14="http://schemas.microsoft.com/office/powerpoint/2010/main" val="1068452290"/>
       </p:ext>
     </p:extLst>
   </p:cSld>
@@ -4503,35 +5202,329 @@
           <a:p>
             <a:r>
               <a:rPr lang="en-US" dirty="0" smtClean="0"/>
-              <a:t>Lists</a:t>
+              <a:t>Apply functions</a:t>
             </a:r>
             <a:endParaRPr lang="en-US" dirty="0"/>
           </a:p>
         </p:txBody>
       </p:sp>
-      <p:sp>
-        <p:nvSpPr>
-          <p:cNvPr id="3" name="Content Placeholder 2"/>
-          <p:cNvSpPr>
-            <a:spLocks noGrp="1"/>
-          </p:cNvSpPr>
+      <p:pic>
+        <p:nvPicPr>
+          <p:cNvPr id="4" name="Content Placeholder 3"/>
+          <p:cNvPicPr>
+            <a:picLocks noGrp="1" noChangeAspect="1"/>
+          </p:cNvPicPr>
           <p:nvPr>
             <p:ph idx="1"/>
           </p:nvPr>
-        </p:nvSpPr>
-        <p:spPr/>
-        <p:txBody>
-          <a:bodyPr/>
+        </p:nvPicPr>
+        <p:blipFill rotWithShape="1">
+          <a:blip r:embed="rId2"/>
+          <a:srcRect t="-45" b="1290"/>
+          <a:stretch/>
+        </p:blipFill>
+        <p:spPr>
+          <a:xfrm>
+            <a:off x="0" y="3794771"/>
+            <a:ext cx="8636001" cy="3014135"/>
+          </a:xfrm>
+        </p:spPr>
+      </p:pic>
+      <p:sp>
+        <p:nvSpPr>
+          <p:cNvPr id="5" name="TextBox 4"/>
+          <p:cNvSpPr txBox="1"/>
+          <p:nvPr/>
+        </p:nvSpPr>
+        <p:spPr>
+          <a:xfrm>
+            <a:off x="785574" y="901252"/>
+            <a:ext cx="5488176" cy="3139321"/>
+          </a:xfrm>
+          <a:prstGeom prst="rect">
+            <a:avLst/>
+          </a:prstGeom>
+          <a:noFill/>
+        </p:spPr>
+        <p:txBody>
+          <a:bodyPr wrap="none" rtlCol="0">
+            <a:spAutoFit/>
+          </a:bodyPr>
           <a:lstStyle/>
           <a:p>
-            <a:endParaRPr lang="en-US"/>
+            <a:r>
+              <a:rPr lang="it-IT" dirty="0" smtClean="0"/>
+              <a:t># Create a </a:t>
+            </a:r>
+            <a:r>
+              <a:rPr lang="it-IT" dirty="0" err="1" smtClean="0"/>
+              <a:t>matrix</a:t>
+            </a:r>
+            <a:r>
+              <a:rPr lang="it-IT" dirty="0" smtClean="0"/>
+              <a:t> of 8 </a:t>
+            </a:r>
+            <a:r>
+              <a:rPr lang="it-IT" dirty="0" err="1" smtClean="0"/>
+              <a:t>rows</a:t>
+            </a:r>
+            <a:r>
+              <a:rPr lang="it-IT" dirty="0" smtClean="0"/>
+              <a:t> by 5 </a:t>
+            </a:r>
+            <a:r>
+              <a:rPr lang="it-IT" dirty="0" err="1" smtClean="0"/>
+              <a:t>columns</a:t>
+            </a:r>
+            <a:r>
+              <a:rPr lang="it-IT" dirty="0" smtClean="0"/>
+              <a:t> </a:t>
+            </a:r>
+            <a:r>
+              <a:rPr lang="it-IT" dirty="0" err="1" smtClean="0"/>
+              <a:t>as</a:t>
+            </a:r>
+            <a:r>
+              <a:rPr lang="it-IT" dirty="0" smtClean="0"/>
+              <a:t> </a:t>
+            </a:r>
+            <a:r>
+              <a:rPr lang="it-IT" dirty="0" err="1" smtClean="0"/>
+              <a:t>above</a:t>
+            </a:r>
+            <a:r>
+              <a:rPr lang="it-IT" dirty="0" smtClean="0"/>
+              <a:t>:</a:t>
+            </a:r>
+          </a:p>
+          <a:p>
+            <a:r>
+              <a:rPr lang="it-IT" dirty="0" smtClean="0"/>
+              <a:t>x </a:t>
+            </a:r>
+            <a:r>
+              <a:rPr lang="it-IT" dirty="0"/>
+              <a:t>&lt;- </a:t>
+            </a:r>
+            <a:r>
+              <a:rPr lang="it-IT" dirty="0" err="1"/>
+              <a:t>matrix</a:t>
+            </a:r>
+            <a:r>
+              <a:rPr lang="it-IT" dirty="0"/>
+              <a:t>(</a:t>
+            </a:r>
+            <a:r>
+              <a:rPr lang="it-IT" dirty="0" err="1"/>
+              <a:t>runif</a:t>
+            </a:r>
+            <a:r>
+              <a:rPr lang="it-IT" dirty="0"/>
+              <a:t>(</a:t>
+            </a:r>
+            <a:r>
+              <a:rPr lang="it-IT" dirty="0" err="1"/>
+              <a:t>n</a:t>
+            </a:r>
+            <a:r>
+              <a:rPr lang="it-IT" dirty="0"/>
+              <a:t>=40, </a:t>
+            </a:r>
+            <a:r>
+              <a:rPr lang="it-IT" dirty="0" err="1"/>
+              <a:t>min</a:t>
+            </a:r>
+            <a:r>
+              <a:rPr lang="it-IT" dirty="0"/>
+              <a:t>=1, </a:t>
+            </a:r>
+            <a:r>
+              <a:rPr lang="it-IT" dirty="0" err="1"/>
+              <a:t>max</a:t>
+            </a:r>
+            <a:r>
+              <a:rPr lang="it-IT" dirty="0"/>
+              <a:t>=100), </a:t>
+            </a:r>
+            <a:r>
+              <a:rPr lang="it-IT" dirty="0" err="1"/>
+              <a:t>ncol</a:t>
+            </a:r>
+            <a:r>
+              <a:rPr lang="it-IT" dirty="0"/>
+              <a:t>=5)</a:t>
+            </a:r>
+            <a:endParaRPr lang="it-IT" dirty="0" smtClean="0"/>
+          </a:p>
+          <a:p>
+            <a:endParaRPr lang="it-IT" dirty="0" smtClean="0"/>
+          </a:p>
+          <a:p>
+            <a:r>
+              <a:rPr lang="it-IT" dirty="0" smtClean="0"/>
+              <a:t># </a:t>
+            </a:r>
+            <a:r>
+              <a:rPr lang="it-IT" dirty="0" err="1" smtClean="0"/>
+              <a:t>Calculate</a:t>
+            </a:r>
+            <a:r>
+              <a:rPr lang="it-IT" dirty="0" smtClean="0"/>
+              <a:t> </a:t>
+            </a:r>
+            <a:r>
+              <a:rPr lang="it-IT" dirty="0" err="1" smtClean="0"/>
+              <a:t>min</a:t>
+            </a:r>
+            <a:r>
+              <a:rPr lang="it-IT" dirty="0" smtClean="0"/>
+              <a:t> </a:t>
+            </a:r>
+            <a:r>
+              <a:rPr lang="it-IT" dirty="0" err="1" smtClean="0"/>
+              <a:t>value</a:t>
+            </a:r>
+            <a:r>
+              <a:rPr lang="it-IT" dirty="0" smtClean="0"/>
+              <a:t> for </a:t>
+            </a:r>
+            <a:r>
+              <a:rPr lang="it-IT" dirty="0" err="1" smtClean="0"/>
+              <a:t>each</a:t>
+            </a:r>
+            <a:r>
+              <a:rPr lang="it-IT" dirty="0" smtClean="0"/>
+              <a:t> </a:t>
+            </a:r>
+            <a:r>
+              <a:rPr lang="it-IT" dirty="0" err="1" smtClean="0"/>
+              <a:t>row</a:t>
+            </a:r>
+            <a:r>
+              <a:rPr lang="it-IT" dirty="0" smtClean="0"/>
+              <a:t> with a for </a:t>
+            </a:r>
+            <a:r>
+              <a:rPr lang="it-IT" dirty="0" err="1" smtClean="0"/>
+              <a:t>loop</a:t>
+            </a:r>
+            <a:endParaRPr lang="it-IT" dirty="0"/>
+          </a:p>
+          <a:p>
+            <a:r>
+              <a:rPr lang="it-IT" dirty="0" smtClean="0"/>
+              <a:t>for</a:t>
+            </a:r>
+            <a:r>
+              <a:rPr lang="it-IT" dirty="0"/>
+              <a:t>(i in 1:8)</a:t>
+            </a:r>
+            <a:r>
+              <a:rPr lang="it-IT" dirty="0" smtClean="0"/>
+              <a:t>{</a:t>
+            </a:r>
+          </a:p>
+          <a:p>
+            <a:r>
+              <a:rPr lang="it-IT" dirty="0"/>
+              <a:t> </a:t>
+            </a:r>
+            <a:r>
+              <a:rPr lang="it-IT" dirty="0" smtClean="0"/>
+              <a:t>  </a:t>
+            </a:r>
+            <a:r>
+              <a:rPr lang="it-IT" dirty="0" err="1" smtClean="0"/>
+              <a:t>print</a:t>
+            </a:r>
+            <a:r>
+              <a:rPr lang="it-IT" dirty="0"/>
+              <a:t>(</a:t>
+            </a:r>
+            <a:r>
+              <a:rPr lang="it-IT" dirty="0" err="1"/>
+              <a:t>min</a:t>
+            </a:r>
+            <a:r>
+              <a:rPr lang="it-IT" dirty="0"/>
+              <a:t>(x[i,])</a:t>
+            </a:r>
+            <a:r>
+              <a:rPr lang="it-IT" dirty="0" smtClean="0"/>
+              <a:t>)</a:t>
+            </a:r>
+          </a:p>
+          <a:p>
+            <a:r>
+              <a:rPr lang="it-IT" dirty="0" smtClean="0"/>
+              <a:t>}</a:t>
+            </a:r>
+          </a:p>
+          <a:p>
+            <a:endParaRPr lang="it-IT" dirty="0" smtClean="0"/>
+          </a:p>
+          <a:p>
+            <a:r>
+              <a:rPr lang="it-IT" dirty="0" smtClean="0"/>
+              <a:t># use </a:t>
+            </a:r>
+            <a:r>
+              <a:rPr lang="it-IT" dirty="0" err="1" smtClean="0"/>
+              <a:t>apply</a:t>
+            </a:r>
+            <a:r>
+              <a:rPr lang="it-IT" dirty="0" smtClean="0"/>
+              <a:t> </a:t>
+            </a:r>
+            <a:r>
+              <a:rPr lang="it-IT" dirty="0" err="1" smtClean="0"/>
+              <a:t>function</a:t>
+            </a:r>
+            <a:r>
+              <a:rPr lang="it-IT" dirty="0" smtClean="0"/>
+              <a:t> to do </a:t>
+            </a:r>
+            <a:r>
+              <a:rPr lang="it-IT" dirty="0" err="1" smtClean="0"/>
+              <a:t>same</a:t>
+            </a:r>
+            <a:r>
+              <a:rPr lang="it-IT" dirty="0" smtClean="0"/>
+              <a:t> </a:t>
+            </a:r>
+            <a:r>
+              <a:rPr lang="it-IT" dirty="0" err="1" smtClean="0"/>
+              <a:t>thing</a:t>
+            </a:r>
+            <a:endParaRPr lang="it-IT" dirty="0" smtClean="0"/>
+          </a:p>
+          <a:p>
+            <a:r>
+              <a:rPr lang="it-IT" dirty="0" err="1"/>
+              <a:t>apply</a:t>
+            </a:r>
+            <a:r>
+              <a:rPr lang="it-IT" dirty="0"/>
+              <a:t>(x, 1, </a:t>
+            </a:r>
+            <a:r>
+              <a:rPr lang="it-IT" dirty="0" err="1"/>
+              <a:t>min</a:t>
+            </a:r>
+            <a:r>
+              <a:rPr lang="it-IT" dirty="0"/>
+              <a:t>)</a:t>
+            </a:r>
+          </a:p>
+          <a:p>
+            <a:endParaRPr lang="en-US" dirty="0"/>
           </a:p>
         </p:txBody>
       </p:sp>
     </p:spTree>
     <p:extLst>
       <p:ext uri="{BB962C8B-B14F-4D97-AF65-F5344CB8AC3E}">
-        <p14:creationId xmlns:p14="http://schemas.microsoft.com/office/powerpoint/2010/main" val="2876099214"/>
+        <p14:creationId xmlns:p14="http://schemas.microsoft.com/office/powerpoint/2010/main" val="3251168646"/>
       </p:ext>
     </p:extLst>
   </p:cSld>
@@ -4575,7 +5568,7 @@
           <a:p>
             <a:r>
               <a:rPr lang="en-US" dirty="0" smtClean="0"/>
-              <a:t>Attributes</a:t>
+              <a:t>Custom functions</a:t>
             </a:r>
             <a:endParaRPr lang="en-US" dirty="0"/>
           </a:p>
@@ -4596,14 +5589,139 @@
           <a:bodyPr/>
           <a:lstStyle/>
           <a:p>
-            <a:endParaRPr lang="en-US"/>
+            <a:r>
+              <a:rPr lang="en-US" dirty="0" smtClean="0"/>
+              <a:t>Often necessary when an existing R function doesn’t quite do what you need.</a:t>
+            </a:r>
+          </a:p>
+          <a:p>
+            <a:r>
+              <a:rPr lang="en-US" dirty="0" smtClean="0"/>
+              <a:t>Especially powerful in combination with apply() functions</a:t>
+            </a:r>
+          </a:p>
+          <a:p>
+            <a:endParaRPr lang="en-US" dirty="0" smtClean="0"/>
+          </a:p>
+          <a:p>
+            <a:r>
+              <a:rPr lang="en-US" dirty="0" smtClean="0"/>
+              <a:t>Basic structure:</a:t>
+            </a:r>
+            <a:endParaRPr lang="en-US" dirty="0"/>
+          </a:p>
+          <a:p>
+            <a:pPr marL="0" indent="0">
+              <a:buNone/>
+            </a:pPr>
+            <a:r>
+              <a:rPr lang="en-US" dirty="0" smtClean="0"/>
+              <a:t>		</a:t>
+            </a:r>
+            <a:r>
+              <a:rPr lang="en-US" dirty="0" err="1" smtClean="0"/>
+              <a:t>myfun</a:t>
+            </a:r>
+            <a:r>
+              <a:rPr lang="en-US" dirty="0" smtClean="0"/>
+              <a:t> </a:t>
+            </a:r>
+            <a:r>
+              <a:rPr lang="en-US" dirty="0"/>
+              <a:t>&lt;- function</a:t>
+            </a:r>
+            <a:r>
+              <a:rPr lang="en-US" dirty="0" smtClean="0"/>
+              <a:t>(input)</a:t>
+            </a:r>
+            <a:r>
+              <a:rPr lang="en-US" dirty="0"/>
+              <a:t>{</a:t>
+            </a:r>
+          </a:p>
+          <a:p>
+            <a:pPr marL="0" indent="0">
+              <a:buNone/>
+            </a:pPr>
+            <a:r>
+              <a:rPr lang="en-US" dirty="0" smtClean="0"/>
+              <a:t>			output </a:t>
+            </a:r>
+            <a:r>
+              <a:rPr lang="en-US" dirty="0"/>
+              <a:t>&lt;- </a:t>
+            </a:r>
+            <a:r>
+              <a:rPr lang="en-US" dirty="0" err="1" smtClean="0"/>
+              <a:t>do_something</a:t>
+            </a:r>
+            <a:r>
+              <a:rPr lang="en-US" dirty="0" smtClean="0"/>
+              <a:t>(input)</a:t>
+            </a:r>
+            <a:endParaRPr lang="en-US" dirty="0"/>
+          </a:p>
+          <a:p>
+            <a:pPr marL="0" indent="0">
+              <a:buNone/>
+            </a:pPr>
+            <a:r>
+              <a:rPr lang="en-US" dirty="0"/>
+              <a:t> </a:t>
+            </a:r>
+            <a:r>
+              <a:rPr lang="en-US" dirty="0" smtClean="0"/>
+              <a:t>			return(output)</a:t>
+            </a:r>
+            <a:endParaRPr lang="en-US" dirty="0"/>
+          </a:p>
+          <a:p>
+            <a:pPr marL="0" indent="0">
+              <a:buNone/>
+            </a:pPr>
+            <a:r>
+              <a:rPr lang="en-US" dirty="0" smtClean="0"/>
+              <a:t>		}</a:t>
+            </a:r>
+          </a:p>
+          <a:p>
+            <a:pPr marL="0" indent="0">
+              <a:buNone/>
+            </a:pPr>
+            <a:endParaRPr lang="en-US" dirty="0"/>
+          </a:p>
+          <a:p>
+            <a:pPr marL="0" indent="0">
+              <a:buNone/>
+            </a:pPr>
+            <a:r>
+              <a:rPr lang="en-US" dirty="0" smtClean="0"/>
+              <a:t>		apply(</a:t>
+            </a:r>
+            <a:r>
+              <a:rPr lang="en-US" dirty="0" err="1" smtClean="0"/>
+              <a:t>mydata</a:t>
+            </a:r>
+            <a:r>
+              <a:rPr lang="en-US" dirty="0" smtClean="0"/>
+              <a:t>, 1, </a:t>
+            </a:r>
+            <a:r>
+              <a:rPr lang="en-US" dirty="0" err="1" smtClean="0"/>
+              <a:t>myfun</a:t>
+            </a:r>
+            <a:r>
+              <a:rPr lang="en-US" dirty="0" smtClean="0"/>
+              <a:t>)</a:t>
+            </a:r>
+            <a:endParaRPr lang="en-US" dirty="0"/>
           </a:p>
         </p:txBody>
       </p:sp>
     </p:spTree>
     <p:extLst>
       <p:ext uri="{BB962C8B-B14F-4D97-AF65-F5344CB8AC3E}">
-        <p14:creationId xmlns:p14="http://schemas.microsoft.com/office/powerpoint/2010/main" val="593406324"/>
+        <p14:creationId xmlns:p14="http://schemas.microsoft.com/office/powerpoint/2010/main" val="3492191647"/>
       </p:ext>
     </p:extLst>
   </p:cSld>
@@ -4647,7 +5765,27 @@
           <a:p>
             <a:r>
               <a:rPr lang="en-US" dirty="0" smtClean="0"/>
-              <a:t>Importing and Exporting Data</a:t>
+              <a:t>Assignment – the age </a:t>
+            </a:r>
+            <a:r>
+              <a:rPr lang="en-US" dirty="0"/>
+              <a:t>old “&lt;</a:t>
+            </a:r>
+            <a:r>
+              <a:rPr lang="en-US" dirty="0" smtClean="0"/>
+              <a:t>-” </a:t>
+            </a:r>
+            <a:r>
+              <a:rPr lang="en-US" dirty="0" err="1"/>
+              <a:t>vs</a:t>
+            </a:r>
+            <a:r>
+              <a:rPr lang="en-US" dirty="0"/>
+              <a:t> </a:t>
+            </a:r>
+            <a:r>
+              <a:rPr lang="en-US" dirty="0" smtClean="0"/>
+              <a:t>“=” debate</a:t>
             </a:r>
             <a:endParaRPr lang="en-US" dirty="0"/>
           </a:p>
@@ -4665,17 +5803,265 @@
         </p:nvSpPr>
         <p:spPr/>
         <p:txBody>
-          <a:bodyPr/>
+          <a:bodyPr>
+            <a:normAutofit fontScale="70000" lnSpcReduction="20000"/>
+          </a:bodyPr>
           <a:lstStyle/>
           <a:p>
-            <a:endParaRPr lang="en-US"/>
+            <a:r>
+              <a:rPr lang="en-US" dirty="0" smtClean="0"/>
+              <a:t>By convention in R, “&lt;-” is used to assig</a:t>
+            </a:r>
+            <a:r>
+              <a:rPr lang="en-US" dirty="0" smtClean="0"/>
+              <a:t>n a value to a variable and “=” is used for setting arguments in a function. For R purists, this is the preferred method.</a:t>
+            </a:r>
+          </a:p>
+          <a:p>
+            <a:r>
+              <a:rPr lang="en-US" dirty="0" smtClean="0"/>
+              <a:t>The “=” symbol will also generally work for assignment.</a:t>
+            </a:r>
+          </a:p>
+          <a:p>
+            <a:endParaRPr lang="en-US" dirty="0" smtClean="0"/>
+          </a:p>
+          <a:p>
+            <a:r>
+              <a:rPr lang="en-US" dirty="0" smtClean="0"/>
+              <a:t>Old keyboards had a “&lt;-” key. Now its an extra key stroke.</a:t>
+            </a:r>
+          </a:p>
+          <a:p>
+            <a:endParaRPr lang="en-US" dirty="0"/>
+          </a:p>
+          <a:p>
+            <a:r>
+              <a:rPr lang="en-US" dirty="0" smtClean="0"/>
+              <a:t>There is a difference in “scope”. Generally you may want values assigned within functions to stay inside the function.</a:t>
+            </a:r>
+          </a:p>
+          <a:p>
+            <a:r>
+              <a:rPr lang="en-US" dirty="0" smtClean="0"/>
+              <a:t>Let’s look at the simple ‘median’ function to illustrate</a:t>
+            </a:r>
+          </a:p>
+          <a:p>
+            <a:pPr lvl="1"/>
+            <a:r>
+              <a:rPr lang="en-US" dirty="0"/>
+              <a:t>Usage: median(x, </a:t>
+            </a:r>
+            <a:r>
+              <a:rPr lang="en-US" dirty="0" err="1"/>
+              <a:t>na.rm</a:t>
+            </a:r>
+            <a:r>
+              <a:rPr lang="en-US" dirty="0"/>
+              <a:t> = FALSE, ...</a:t>
+            </a:r>
+            <a:r>
+              <a:rPr lang="en-US" dirty="0" smtClean="0"/>
+              <a:t>)</a:t>
+            </a:r>
+          </a:p>
+          <a:p>
+            <a:pPr lvl="1"/>
+            <a:endParaRPr lang="en-US" dirty="0" smtClean="0"/>
+          </a:p>
+          <a:p>
+            <a:pPr marL="457200" lvl="1" indent="0">
+              <a:buNone/>
+            </a:pPr>
+            <a:r>
+              <a:rPr lang="es-ES_tradnl" dirty="0" smtClean="0"/>
+              <a:t>	&gt; data</a:t>
+            </a:r>
+            <a:r>
+              <a:rPr lang="es-ES_tradnl" dirty="0"/>
+              <a:t>=c(1:10,NA,NA,3:5</a:t>
+            </a:r>
+            <a:r>
+              <a:rPr lang="es-ES_tradnl" dirty="0" smtClean="0"/>
+              <a:t>)</a:t>
+            </a:r>
+          </a:p>
+          <a:p>
+            <a:pPr marL="457200" lvl="1" indent="0">
+              <a:buNone/>
+            </a:pPr>
+            <a:r>
+              <a:rPr lang="es-ES_tradnl" dirty="0"/>
+              <a:t>	</a:t>
+            </a:r>
+            <a:r>
+              <a:rPr lang="es-ES_tradnl" dirty="0" smtClean="0"/>
+              <a:t>&gt; median</a:t>
+            </a:r>
+            <a:r>
+              <a:rPr lang="es-ES_tradnl" dirty="0"/>
+              <a:t>(x=data, </a:t>
+            </a:r>
+            <a:r>
+              <a:rPr lang="es-ES_tradnl" dirty="0" err="1"/>
+              <a:t>na.rm</a:t>
+            </a:r>
+            <a:r>
+              <a:rPr lang="es-ES_tradnl" dirty="0"/>
+              <a:t>=TRUE</a:t>
+            </a:r>
+            <a:r>
+              <a:rPr lang="es-ES_tradnl" dirty="0" smtClean="0"/>
+              <a:t>)</a:t>
+            </a:r>
+          </a:p>
+          <a:p>
+            <a:pPr marL="457200" lvl="1" indent="0">
+              <a:buNone/>
+            </a:pPr>
+            <a:r>
+              <a:rPr lang="es-ES_tradnl" dirty="0"/>
+              <a:t>	</a:t>
+            </a:r>
+            <a:r>
+              <a:rPr lang="es-ES_tradnl" dirty="0" smtClean="0"/>
+              <a:t>[1] 5</a:t>
+            </a:r>
+          </a:p>
+          <a:p>
+            <a:pPr marL="457200" lvl="1" indent="0">
+              <a:buNone/>
+            </a:pPr>
+            <a:r>
+              <a:rPr lang="es-ES_tradnl" dirty="0"/>
+              <a:t>	</a:t>
+            </a:r>
+            <a:r>
+              <a:rPr lang="es-ES_tradnl" dirty="0" smtClean="0"/>
+              <a:t>&gt; x</a:t>
+            </a:r>
+          </a:p>
+          <a:p>
+            <a:pPr marL="457200" lvl="1" indent="0">
+              <a:buNone/>
+            </a:pPr>
+            <a:r>
+              <a:rPr lang="es-ES_tradnl" dirty="0"/>
+              <a:t>	</a:t>
+            </a:r>
+            <a:r>
+              <a:rPr lang="de-DE" dirty="0"/>
+              <a:t>Error: </a:t>
+            </a:r>
+            <a:r>
+              <a:rPr lang="de-DE" dirty="0" err="1"/>
+              <a:t>object</a:t>
+            </a:r>
+            <a:r>
+              <a:rPr lang="de-DE" dirty="0"/>
+              <a:t> 'x' not </a:t>
+            </a:r>
+            <a:r>
+              <a:rPr lang="de-DE" dirty="0" err="1"/>
+              <a:t>found</a:t>
+            </a:r>
+            <a:endParaRPr lang="de-DE" dirty="0"/>
+          </a:p>
+          <a:p>
+            <a:pPr marL="457200" lvl="1" indent="0">
+              <a:buNone/>
+            </a:pPr>
+            <a:endParaRPr lang="de-DE" dirty="0" smtClean="0"/>
+          </a:p>
+          <a:p>
+            <a:pPr marL="457200" lvl="1" indent="0">
+              <a:buNone/>
+            </a:pPr>
+            <a:r>
+              <a:rPr lang="de-DE" dirty="0" smtClean="0"/>
+              <a:t>	&gt; </a:t>
+            </a:r>
+            <a:r>
+              <a:rPr lang="de-DE" dirty="0"/>
+              <a:t>median(x &lt;- </a:t>
+            </a:r>
+            <a:r>
+              <a:rPr lang="de-DE" dirty="0" err="1"/>
+              <a:t>data</a:t>
+            </a:r>
+            <a:r>
+              <a:rPr lang="de-DE" dirty="0"/>
+              <a:t>, </a:t>
+            </a:r>
+            <a:r>
+              <a:rPr lang="de-DE" dirty="0" err="1"/>
+              <a:t>na.rm</a:t>
+            </a:r>
+            <a:r>
+              <a:rPr lang="de-DE" dirty="0"/>
+              <a:t>=TRUE)</a:t>
+            </a:r>
+          </a:p>
+          <a:p>
+            <a:pPr marL="457200" lvl="1" indent="0">
+              <a:buNone/>
+            </a:pPr>
+            <a:r>
+              <a:rPr lang="de-DE" dirty="0" smtClean="0"/>
+              <a:t>	[</a:t>
+            </a:r>
+            <a:r>
+              <a:rPr lang="de-DE" dirty="0"/>
+              <a:t>1] 5</a:t>
+            </a:r>
+          </a:p>
+          <a:p>
+            <a:pPr marL="457200" lvl="1" indent="0">
+              <a:buNone/>
+            </a:pPr>
+            <a:r>
+              <a:rPr lang="de-DE" dirty="0" smtClean="0"/>
+              <a:t>	&gt; </a:t>
+            </a:r>
+            <a:r>
+              <a:rPr lang="de-DE" dirty="0"/>
+              <a:t>x</a:t>
+            </a:r>
+          </a:p>
+          <a:p>
+            <a:pPr marL="457200" lvl="1" indent="0">
+              <a:buNone/>
+            </a:pPr>
+            <a:r>
+              <a:rPr lang="de-DE" dirty="0"/>
+              <a:t> </a:t>
+            </a:r>
+            <a:r>
+              <a:rPr lang="de-DE" dirty="0" smtClean="0"/>
+              <a:t>	[</a:t>
+            </a:r>
+            <a:r>
+              <a:rPr lang="de-DE" dirty="0"/>
+              <a:t>1]  1  2  3  4  5  6  7  8  9 10 NA NA  3  4  5</a:t>
+            </a:r>
+            <a:endParaRPr lang="en-US" dirty="0"/>
+          </a:p>
+          <a:p>
+            <a:endParaRPr lang="en-US" dirty="0"/>
+          </a:p>
+          <a:p>
+            <a:endParaRPr lang="en-US" dirty="0" smtClean="0"/>
+          </a:p>
+          <a:p>
+            <a:endParaRPr lang="en-US" dirty="0"/>
           </a:p>
         </p:txBody>
       </p:sp>
     </p:spTree>
     <p:extLst>
       <p:ext uri="{BB962C8B-B14F-4D97-AF65-F5344CB8AC3E}">
-        <p14:creationId xmlns:p14="http://schemas.microsoft.com/office/powerpoint/2010/main" val="1068452290"/>
+        <p14:creationId xmlns:p14="http://schemas.microsoft.com/office/powerpoint/2010/main" val="1042695004"/>
       </p:ext>
     </p:extLst>
   </p:cSld>
@@ -4718,8 +6104,24 @@
           <a:lstStyle/>
           <a:p>
             <a:r>
-              <a:rPr lang="en-US" dirty="0" err="1" smtClean="0"/>
-              <a:t>Dataframes</a:t>
+              <a:rPr lang="en-US" dirty="0"/>
+              <a:t>Assignment – the age old “&lt;</a:t>
+            </a:r>
+            <a:r>
+              <a:rPr lang="en-US" dirty="0" smtClean="0"/>
+              <a:t>-” </a:t>
+            </a:r>
+            <a:r>
+              <a:rPr lang="en-US" dirty="0" err="1"/>
+              <a:t>vs</a:t>
+            </a:r>
+            <a:r>
+              <a:rPr lang="en-US" dirty="0"/>
+              <a:t> </a:t>
+            </a:r>
+            <a:r>
+              <a:rPr lang="en-US" dirty="0" smtClean="0"/>
+              <a:t>“=” debate</a:t>
             </a:r>
             <a:endParaRPr lang="en-US" dirty="0"/>
           </a:p>
@@ -4737,17 +6139,145 @@
         </p:nvSpPr>
         <p:spPr/>
         <p:txBody>
-          <a:bodyPr/>
+          <a:bodyPr>
+            <a:normAutofit lnSpcReduction="10000"/>
+          </a:bodyPr>
           <a:lstStyle/>
           <a:p>
-            <a:endParaRPr lang="en-US"/>
+            <a:r>
+              <a:rPr lang="en-US" dirty="0" smtClean="0"/>
+              <a:t>With “&lt;-” spacing matters. This drives some programmers crazy who think spacing should be a style matter and not change the way a program works</a:t>
+            </a:r>
+          </a:p>
+          <a:p>
+            <a:pPr marL="0" indent="0">
+              <a:buNone/>
+            </a:pPr>
+            <a:endParaRPr lang="en-US" dirty="0" smtClean="0"/>
+          </a:p>
+          <a:p>
+            <a:pPr marL="457200" lvl="1" indent="0">
+              <a:buNone/>
+            </a:pPr>
+            <a:r>
+              <a:rPr lang="en-US" dirty="0" smtClean="0"/>
+              <a:t>&gt; x</a:t>
+            </a:r>
+            <a:r>
+              <a:rPr lang="en-US" dirty="0"/>
+              <a:t>&lt;-</a:t>
+            </a:r>
+            <a:r>
+              <a:rPr lang="en-US" dirty="0" smtClean="0"/>
+              <a:t>3</a:t>
+            </a:r>
+          </a:p>
+          <a:p>
+            <a:pPr marL="457200" lvl="1" indent="0">
+              <a:buNone/>
+            </a:pPr>
+            <a:r>
+              <a:rPr lang="en-US" dirty="0" smtClean="0"/>
+              <a:t>&gt; x</a:t>
+            </a:r>
+            <a:br>
+              <a:rPr lang="en-US" dirty="0" smtClean="0"/>
+            </a:br>
+            <a:r>
+              <a:rPr lang="pt-BR" dirty="0"/>
+              <a:t>[1] </a:t>
+            </a:r>
+            <a:r>
+              <a:rPr lang="pt-BR" dirty="0" smtClean="0"/>
+              <a:t>3</a:t>
+            </a:r>
+          </a:p>
+          <a:p>
+            <a:pPr marL="457200" lvl="1" indent="0">
+              <a:buNone/>
+            </a:pPr>
+            <a:endParaRPr lang="en-US" dirty="0" smtClean="0"/>
+          </a:p>
+          <a:p>
+            <a:pPr marL="457200" lvl="1" indent="0">
+              <a:buNone/>
+            </a:pPr>
+            <a:r>
+              <a:rPr lang="en-US" dirty="0"/>
+              <a:t>&gt; </a:t>
+            </a:r>
+            <a:r>
+              <a:rPr lang="en-US" dirty="0" smtClean="0"/>
+              <a:t>x &lt;- 3</a:t>
+            </a:r>
+            <a:endParaRPr lang="en-US" dirty="0"/>
+          </a:p>
+          <a:p>
+            <a:pPr marL="457200" lvl="1" indent="0">
+              <a:buNone/>
+            </a:pPr>
+            <a:r>
+              <a:rPr lang="en-US" dirty="0"/>
+              <a:t>&gt; x</a:t>
+            </a:r>
+            <a:br>
+              <a:rPr lang="en-US" dirty="0"/>
+            </a:br>
+            <a:r>
+              <a:rPr lang="pt-BR" dirty="0"/>
+              <a:t>[1] 3</a:t>
+            </a:r>
+          </a:p>
+          <a:p>
+            <a:pPr marL="457200" lvl="1" indent="0">
+              <a:buNone/>
+            </a:pPr>
+            <a:endParaRPr lang="en-US" dirty="0" smtClean="0"/>
+          </a:p>
+          <a:p>
+            <a:pPr marL="457200" lvl="1" indent="0">
+              <a:buNone/>
+            </a:pPr>
+            <a:r>
+              <a:rPr lang="en-US" dirty="0"/>
+              <a:t>&gt; </a:t>
+            </a:r>
+            <a:r>
+              <a:rPr lang="en-US" dirty="0" smtClean="0"/>
+              <a:t>x &lt; -</a:t>
+            </a:r>
+            <a:r>
+              <a:rPr lang="en-US" dirty="0"/>
+              <a:t>3</a:t>
+            </a:r>
+          </a:p>
+          <a:p>
+            <a:pPr marL="457200" lvl="1" indent="0">
+              <a:buNone/>
+            </a:pPr>
+            <a:r>
+              <a:rPr lang="en-US" dirty="0" smtClean="0"/>
+              <a:t>&gt; x</a:t>
+            </a:r>
+            <a:r>
+              <a:rPr lang="en-US" dirty="0"/>
+              <a:t/>
+            </a:r>
+            <a:br>
+              <a:rPr lang="en-US" dirty="0"/>
+            </a:br>
+            <a:r>
+              <a:rPr lang="pt-BR" dirty="0" smtClean="0"/>
+              <a:t>FALSE</a:t>
+            </a:r>
+            <a:endParaRPr lang="pt-BR" dirty="0"/>
           </a:p>
         </p:txBody>
       </p:sp>
     </p:spTree>
     <p:extLst>
       <p:ext uri="{BB962C8B-B14F-4D97-AF65-F5344CB8AC3E}">
-        <p14:creationId xmlns:p14="http://schemas.microsoft.com/office/powerpoint/2010/main" val="2590858446"/>
+        <p14:creationId xmlns:p14="http://schemas.microsoft.com/office/powerpoint/2010/main" val="2957825526"/>
       </p:ext>
     </p:extLst>
   </p:cSld>
@@ -4904,8 +6434,24 @@
           <a:lstStyle/>
           <a:p>
             <a:r>
-              <a:rPr lang="en-US" dirty="0" smtClean="0"/>
-              <a:t>Apply functions</a:t>
+              <a:rPr lang="en-US" dirty="0"/>
+              <a:t>Assignment – the age old “&lt;</a:t>
+            </a:r>
+            <a:r>
+              <a:rPr lang="en-US" dirty="0" smtClean="0"/>
+              <a:t>-” </a:t>
+            </a:r>
+            <a:r>
+              <a:rPr lang="en-US" dirty="0" err="1"/>
+              <a:t>vs</a:t>
+            </a:r>
+            <a:r>
+              <a:rPr lang="en-US" dirty="0"/>
+              <a:t> </a:t>
+            </a:r>
+            <a:r>
+              <a:rPr lang="en-US" dirty="0" smtClean="0"/>
+              <a:t>“=” debate</a:t>
             </a:r>
             <a:endParaRPr lang="en-US" dirty="0"/>
           </a:p>
@@ -4923,17 +6469,158 @@
         </p:nvSpPr>
         <p:spPr/>
         <p:txBody>
-          <a:bodyPr/>
+          <a:bodyPr>
+            <a:normAutofit fontScale="92500" lnSpcReduction="10000"/>
+          </a:bodyPr>
           <a:lstStyle/>
           <a:p>
-            <a:endParaRPr lang="en-US"/>
+            <a:r>
+              <a:rPr lang="en-US" dirty="0" smtClean="0"/>
+              <a:t>More weirdness having to do with order of interpretation by R</a:t>
+            </a:r>
+          </a:p>
+          <a:p>
+            <a:pPr marL="0" indent="0">
+              <a:buNone/>
+            </a:pPr>
+            <a:endParaRPr lang="en-US" dirty="0" smtClean="0"/>
+          </a:p>
+          <a:p>
+            <a:pPr marL="457200" lvl="1" indent="0">
+              <a:buNone/>
+            </a:pPr>
+            <a:r>
+              <a:rPr lang="en-US" dirty="0"/>
+              <a:t>x &lt;- y &lt;- </a:t>
+            </a:r>
+            <a:r>
+              <a:rPr lang="en-US" dirty="0" smtClean="0"/>
+              <a:t>5   # x and y equal 5</a:t>
+            </a:r>
+            <a:endParaRPr lang="en-US" dirty="0"/>
+          </a:p>
+          <a:p>
+            <a:pPr marL="457200" lvl="1" indent="0">
+              <a:buNone/>
+            </a:pPr>
+            <a:r>
+              <a:rPr lang="en-US" dirty="0"/>
+              <a:t>x = y = </a:t>
+            </a:r>
+            <a:r>
+              <a:rPr lang="en-US" dirty="0" smtClean="0"/>
+              <a:t>5   </a:t>
+            </a:r>
+            <a:r>
+              <a:rPr lang="en-US" dirty="0"/>
+              <a:t># x and y equal </a:t>
+            </a:r>
+            <a:r>
+              <a:rPr lang="en-US" dirty="0" smtClean="0"/>
+              <a:t>5</a:t>
+            </a:r>
+            <a:endParaRPr lang="en-US" dirty="0"/>
+          </a:p>
+          <a:p>
+            <a:pPr marL="457200" lvl="1" indent="0">
+              <a:buNone/>
+            </a:pPr>
+            <a:r>
+              <a:rPr lang="en-US" dirty="0"/>
+              <a:t>x = y &lt;- </a:t>
+            </a:r>
+            <a:r>
+              <a:rPr lang="en-US" dirty="0" smtClean="0"/>
+              <a:t>5   </a:t>
+            </a:r>
+            <a:r>
+              <a:rPr lang="en-US" dirty="0"/>
+              <a:t># x and y equal </a:t>
+            </a:r>
+            <a:r>
+              <a:rPr lang="en-US" dirty="0" smtClean="0"/>
+              <a:t>5</a:t>
+            </a:r>
+            <a:endParaRPr lang="en-US" dirty="0"/>
+          </a:p>
+          <a:p>
+            <a:pPr marL="457200" lvl="1" indent="0">
+              <a:buNone/>
+            </a:pPr>
+            <a:r>
+              <a:rPr lang="en-US" dirty="0"/>
+              <a:t>x &lt;- y = </a:t>
+            </a:r>
+            <a:r>
+              <a:rPr lang="en-US" dirty="0" smtClean="0"/>
+              <a:t>5   </a:t>
+            </a:r>
+            <a:r>
+              <a:rPr lang="en-US" dirty="0"/>
+              <a:t># </a:t>
+            </a:r>
+            <a:r>
+              <a:rPr lang="en-US" dirty="0" smtClean="0"/>
+              <a:t>errors!</a:t>
+            </a:r>
+            <a:endParaRPr lang="en-US" dirty="0"/>
+          </a:p>
+          <a:p>
+            <a:pPr marL="457200" lvl="1" indent="0">
+              <a:buNone/>
+            </a:pPr>
+            <a:r>
+              <a:rPr lang="en-US" dirty="0"/>
+              <a:t># Error in (x &lt;- y) = 5 : could not find function "&lt;-&lt;</a:t>
+            </a:r>
+            <a:r>
+              <a:rPr lang="en-US" dirty="0" smtClean="0"/>
+              <a:t>-”</a:t>
+            </a:r>
+          </a:p>
+          <a:p>
+            <a:endParaRPr lang="en-US" dirty="0" smtClean="0"/>
+          </a:p>
+          <a:p>
+            <a:r>
+              <a:rPr lang="en-US" dirty="0" smtClean="0"/>
+              <a:t>We could keep going </a:t>
+            </a:r>
+            <a:r>
+              <a:rPr lang="is-IS" dirty="0" smtClean="0"/>
+              <a:t>…</a:t>
+            </a:r>
+            <a:endParaRPr lang="en-US" dirty="0" smtClean="0"/>
+          </a:p>
+          <a:p>
+            <a:r>
+              <a:rPr lang="en-US" dirty="0" smtClean="0"/>
+              <a:t>Use “&lt;-” if you want to be a l33t R geek.</a:t>
+            </a:r>
+          </a:p>
+          <a:p>
+            <a:r>
+              <a:rPr lang="en-US" dirty="0" smtClean="0"/>
+              <a:t>I’ve been writing code for 15 years and use “=” for assignment. Never had a problem. </a:t>
+            </a:r>
+          </a:p>
+          <a:p>
+            <a:r>
+              <a:rPr lang="en-US" dirty="0" err="1" smtClean="0"/>
+              <a:t>formatR</a:t>
+            </a:r>
+            <a:r>
+              <a:rPr lang="en-US" dirty="0" smtClean="0"/>
+              <a:t> package (tidy_* functions) can be used to clean your code for publication</a:t>
+            </a:r>
+            <a:endParaRPr lang="en-US" dirty="0"/>
           </a:p>
         </p:txBody>
       </p:sp>
     </p:spTree>
     <p:extLst>
       <p:ext uri="{BB962C8B-B14F-4D97-AF65-F5344CB8AC3E}">
-        <p14:creationId xmlns:p14="http://schemas.microsoft.com/office/powerpoint/2010/main" val="3251168646"/>
+        <p14:creationId xmlns:p14="http://schemas.microsoft.com/office/powerpoint/2010/main" val="1518831115"/>
       </p:ext>
     </p:extLst>
   </p:cSld>
@@ -4977,7 +6664,7 @@
           <a:p>
             <a:r>
               <a:rPr lang="en-US" dirty="0" smtClean="0"/>
-              <a:t>Custom functions</a:t>
+              <a:t>Graphics options in R</a:t>
             </a:r>
             <a:endParaRPr lang="en-US" dirty="0"/>
           </a:p>
@@ -4998,14 +6685,60 @@
           <a:bodyPr/>
           <a:lstStyle/>
           <a:p>
-            <a:endParaRPr lang="en-US"/>
+            <a:r>
+              <a:rPr lang="en-US" dirty="0" smtClean="0"/>
+              <a:t>At least 3 primary graphics options in R</a:t>
+            </a:r>
+          </a:p>
+          <a:p>
+            <a:pPr lvl="1"/>
+            <a:r>
+              <a:rPr lang="en-US" dirty="0" smtClean="0"/>
+              <a:t>base R graphics</a:t>
+            </a:r>
+          </a:p>
+          <a:p>
+            <a:pPr lvl="2"/>
+            <a:r>
+              <a:rPr lang="en-US" dirty="0" smtClean="0"/>
+              <a:t>plot(), par(), </a:t>
+            </a:r>
+            <a:r>
+              <a:rPr lang="en-US" dirty="0" err="1" smtClean="0"/>
+              <a:t>etc</a:t>
+            </a:r>
+            <a:endParaRPr lang="en-US" dirty="0" smtClean="0"/>
+          </a:p>
+          <a:p>
+            <a:pPr lvl="1"/>
+            <a:r>
+              <a:rPr lang="en-US" dirty="0" smtClean="0"/>
+              <a:t>lattice</a:t>
+            </a:r>
+          </a:p>
+          <a:p>
+            <a:pPr lvl="1"/>
+            <a:r>
+              <a:rPr lang="en-US" b="1" dirty="0" smtClean="0"/>
+              <a:t>ggplot2</a:t>
+            </a:r>
+          </a:p>
+          <a:p>
+            <a:endParaRPr lang="en-US" dirty="0" smtClean="0"/>
+          </a:p>
+          <a:p>
+            <a:r>
+              <a:rPr lang="en-US" dirty="0" smtClean="0"/>
+              <a:t>ggplot2 consistently one of the top two most popular of all R packages</a:t>
+            </a:r>
+            <a:endParaRPr lang="en-US" dirty="0" smtClean="0"/>
           </a:p>
         </p:txBody>
       </p:sp>
     </p:spTree>
     <p:extLst>
       <p:ext uri="{BB962C8B-B14F-4D97-AF65-F5344CB8AC3E}">
-        <p14:creationId xmlns:p14="http://schemas.microsoft.com/office/powerpoint/2010/main" val="3492191647"/>
+        <p14:creationId xmlns:p14="http://schemas.microsoft.com/office/powerpoint/2010/main" val="1751816862"/>
       </p:ext>
     </p:extLst>
   </p:cSld>
@@ -5044,383 +6777,53 @@
         </p:nvSpPr>
         <p:spPr/>
         <p:txBody>
-          <a:bodyPr/>
+          <a:bodyPr>
+            <a:normAutofit/>
+          </a:bodyPr>
           <a:lstStyle/>
           <a:p>
             <a:r>
-              <a:rPr lang="en-US" dirty="0" smtClean="0"/>
-              <a:t>Introducing ggplot2</a:t>
-            </a:r>
-            <a:endParaRPr lang="en-US" dirty="0"/>
-          </a:p>
-        </p:txBody>
-      </p:sp>
-      <p:sp>
-        <p:nvSpPr>
-          <p:cNvPr id="3" name="Content Placeholder 2"/>
-          <p:cNvSpPr>
-            <a:spLocks noGrp="1"/>
-          </p:cNvSpPr>
-          <p:nvPr>
-            <p:ph idx="1"/>
-          </p:nvPr>
-        </p:nvSpPr>
-        <p:spPr/>
-        <p:txBody>
-          <a:bodyPr/>
-          <a:lstStyle/>
-          <a:p>
-            <a:endParaRPr lang="en-US"/>
-          </a:p>
-        </p:txBody>
-      </p:sp>
-    </p:spTree>
-    <p:extLst>
-      <p:ext uri="{BB962C8B-B14F-4D97-AF65-F5344CB8AC3E}">
-        <p14:creationId xmlns:p14="http://schemas.microsoft.com/office/powerpoint/2010/main" val="781685326"/>
-      </p:ext>
-    </p:extLst>
-  </p:cSld>
-  <p:clrMapOvr>
-    <a:masterClrMapping/>
-  </p:clrMapOvr>
-</p:sld>
-</file>
-
-<file path=ppt/slides/slide23.xml><?xml version="1.0" encoding="utf-8"?>
-<p:sld xmlns:a="http://schemas.openxmlformats.org/drawingml/2006/main" xmlns:r="http://schemas.openxmlformats.org/officeDocument/2006/relationships" xmlns:p="http://schemas.openxmlformats.org/presentationml/2006/main">
-  <p:cSld>
-    <p:spTree>
-      <p:nvGrpSpPr>
-        <p:cNvPr id="1" name=""/>
-        <p:cNvGrpSpPr/>
-        <p:nvPr/>
-      </p:nvGrpSpPr>
-      <p:grpSpPr>
-        <a:xfrm>
-          <a:off x="0" y="0"/>
-          <a:ext cx="0" cy="0"/>
-          <a:chOff x="0" y="0"/>
-          <a:chExt cx="0" cy="0"/>
-        </a:xfrm>
-      </p:grpSpPr>
-      <p:sp>
-        <p:nvSpPr>
-          <p:cNvPr id="2" name="Title 1"/>
-          <p:cNvSpPr>
-            <a:spLocks noGrp="1"/>
-          </p:cNvSpPr>
-          <p:nvPr>
-            <p:ph type="title"/>
-          </p:nvPr>
-        </p:nvSpPr>
-        <p:spPr/>
-        <p:txBody>
-          <a:bodyPr/>
-          <a:lstStyle/>
-          <a:p>
-            <a:r>
-              <a:rPr lang="en-US" dirty="0" smtClean="0"/>
-              <a:t>Wide </a:t>
-            </a:r>
-            <a:r>
-              <a:rPr lang="en-US" dirty="0" err="1" smtClean="0"/>
-              <a:t>vs</a:t>
-            </a:r>
-            <a:r>
-              <a:rPr lang="en-US" dirty="0" smtClean="0"/>
-              <a:t> long format</a:t>
-            </a:r>
-            <a:endParaRPr lang="en-US" dirty="0"/>
+              <a:rPr lang="en-US" sz="2400" dirty="0" smtClean="0"/>
+              <a:t>Why use </a:t>
+            </a:r>
+            <a:r>
+              <a:rPr lang="en-US" sz="2400" dirty="0" smtClean="0"/>
+              <a:t>ggplot2? – “prettier” graphics in less lines of code</a:t>
+            </a:r>
+            <a:endParaRPr lang="en-US" sz="2400" dirty="0"/>
           </a:p>
         </p:txBody>
       </p:sp>
       <p:pic>
         <p:nvPicPr>
-          <p:cNvPr id="4" name="Picture 3"/>
+          <p:cNvPr id="3" name="Picture 2" descr="Screenshot 2017-09-11 16.01.48.png"/>
           <p:cNvPicPr>
             <a:picLocks noChangeAspect="1"/>
           </p:cNvPicPr>
           <p:nvPr/>
         </p:nvPicPr>
         <p:blipFill>
-          <a:blip r:embed="rId2"/>
+          <a:blip r:embed="rId2">
+            <a:extLst>
+              <a:ext uri="{28A0092B-C50C-407E-A947-70E740481C1C}">
+                <a14:useLocalDpi xmlns:a14="http://schemas.microsoft.com/office/drawing/2010/main" val="0"/>
+              </a:ext>
+            </a:extLst>
+          </a:blip>
           <a:stretch>
             <a:fillRect/>
           </a:stretch>
         </p:blipFill>
         <p:spPr>
           <a:xfrm>
-            <a:off x="0" y="1905000"/>
-            <a:ext cx="9144000" cy="3039299"/>
+            <a:off x="372535" y="858980"/>
+            <a:ext cx="8635999" cy="5966831"/>
           </a:xfrm>
           <a:prstGeom prst="rect">
             <a:avLst/>
           </a:prstGeom>
         </p:spPr>
       </p:pic>
-    </p:spTree>
-    <p:extLst>
-      <p:ext uri="{BB962C8B-B14F-4D97-AF65-F5344CB8AC3E}">
-        <p14:creationId xmlns:p14="http://schemas.microsoft.com/office/powerpoint/2010/main" val="801179063"/>
-      </p:ext>
-    </p:extLst>
-  </p:cSld>
-  <p:clrMapOvr>
-    <a:masterClrMapping/>
-  </p:clrMapOvr>
-</p:sld>
-</file>
-
-<file path=ppt/slides/slide24.xml><?xml version="1.0" encoding="utf-8"?>
-<p:sld xmlns:a="http://schemas.openxmlformats.org/drawingml/2006/main" xmlns:r="http://schemas.openxmlformats.org/officeDocument/2006/relationships" xmlns:p="http://schemas.openxmlformats.org/presentationml/2006/main">
-  <p:cSld>
-    <p:spTree>
-      <p:nvGrpSpPr>
-        <p:cNvPr id="1" name=""/>
-        <p:cNvGrpSpPr/>
-        <p:nvPr/>
-      </p:nvGrpSpPr>
-      <p:grpSpPr>
-        <a:xfrm>
-          <a:off x="0" y="0"/>
-          <a:ext cx="0" cy="0"/>
-          <a:chOff x="0" y="0"/>
-          <a:chExt cx="0" cy="0"/>
-        </a:xfrm>
-      </p:grpSpPr>
-      <p:sp>
-        <p:nvSpPr>
-          <p:cNvPr id="2" name="Title 1"/>
-          <p:cNvSpPr>
-            <a:spLocks noGrp="1"/>
-          </p:cNvSpPr>
-          <p:nvPr>
-            <p:ph type="title"/>
-          </p:nvPr>
-        </p:nvSpPr>
-        <p:spPr/>
-        <p:txBody>
-          <a:bodyPr/>
-          <a:lstStyle/>
-          <a:p>
-            <a:r>
-              <a:rPr lang="en-US" dirty="0" smtClean="0"/>
-              <a:t>Graphics options in R</a:t>
-            </a:r>
-            <a:endParaRPr lang="en-US" dirty="0"/>
-          </a:p>
-        </p:txBody>
-      </p:sp>
-      <p:sp>
-        <p:nvSpPr>
-          <p:cNvPr id="3" name="Content Placeholder 2"/>
-          <p:cNvSpPr>
-            <a:spLocks noGrp="1"/>
-          </p:cNvSpPr>
-          <p:nvPr>
-            <p:ph idx="1"/>
-          </p:nvPr>
-        </p:nvSpPr>
-        <p:spPr/>
-        <p:txBody>
-          <a:bodyPr/>
-          <a:lstStyle/>
-          <a:p>
-            <a:r>
-              <a:rPr lang="en-US" dirty="0" smtClean="0"/>
-              <a:t>At least 3 primary graphics options in R</a:t>
-            </a:r>
-          </a:p>
-          <a:p>
-            <a:pPr lvl="1"/>
-            <a:r>
-              <a:rPr lang="en-US" dirty="0" smtClean="0"/>
-              <a:t>base R graphics</a:t>
-            </a:r>
-          </a:p>
-          <a:p>
-            <a:pPr lvl="2"/>
-            <a:r>
-              <a:rPr lang="en-US" dirty="0" smtClean="0"/>
-              <a:t>plot(), par(), </a:t>
-            </a:r>
-            <a:r>
-              <a:rPr lang="en-US" dirty="0" err="1" smtClean="0"/>
-              <a:t>etc</a:t>
-            </a:r>
-            <a:endParaRPr lang="en-US" dirty="0" smtClean="0"/>
-          </a:p>
-          <a:p>
-            <a:pPr lvl="1"/>
-            <a:r>
-              <a:rPr lang="en-US" dirty="0" smtClean="0"/>
-              <a:t>lattice</a:t>
-            </a:r>
-          </a:p>
-          <a:p>
-            <a:pPr lvl="1"/>
-            <a:r>
-              <a:rPr lang="en-US" dirty="0" smtClean="0"/>
-              <a:t>ggplot2</a:t>
-            </a:r>
-          </a:p>
-          <a:p>
-            <a:endParaRPr lang="en-US" dirty="0" smtClean="0"/>
-          </a:p>
-        </p:txBody>
-      </p:sp>
-    </p:spTree>
-    <p:extLst>
-      <p:ext uri="{BB962C8B-B14F-4D97-AF65-F5344CB8AC3E}">
-        <p14:creationId xmlns:p14="http://schemas.microsoft.com/office/powerpoint/2010/main" val="1751816862"/>
-      </p:ext>
-    </p:extLst>
-  </p:cSld>
-  <p:clrMapOvr>
-    <a:masterClrMapping/>
-  </p:clrMapOvr>
-</p:sld>
-</file>
-
-<file path=ppt/slides/slide25.xml><?xml version="1.0" encoding="utf-8"?>
-<p:sld xmlns:a="http://schemas.openxmlformats.org/drawingml/2006/main" xmlns:r="http://schemas.openxmlformats.org/officeDocument/2006/relationships" xmlns:p="http://schemas.openxmlformats.org/presentationml/2006/main">
-  <p:cSld>
-    <p:spTree>
-      <p:nvGrpSpPr>
-        <p:cNvPr id="1" name=""/>
-        <p:cNvGrpSpPr/>
-        <p:nvPr/>
-      </p:nvGrpSpPr>
-      <p:grpSpPr>
-        <a:xfrm>
-          <a:off x="0" y="0"/>
-          <a:ext cx="0" cy="0"/>
-          <a:chOff x="0" y="0"/>
-          <a:chExt cx="0" cy="0"/>
-        </a:xfrm>
-      </p:grpSpPr>
-      <p:sp>
-        <p:nvSpPr>
-          <p:cNvPr id="2" name="Title 1"/>
-          <p:cNvSpPr>
-            <a:spLocks noGrp="1"/>
-          </p:cNvSpPr>
-          <p:nvPr>
-            <p:ph type="title"/>
-          </p:nvPr>
-        </p:nvSpPr>
-        <p:spPr/>
-        <p:txBody>
-          <a:bodyPr/>
-          <a:lstStyle/>
-          <a:p>
-            <a:r>
-              <a:rPr lang="en-US" dirty="0" smtClean="0"/>
-              <a:t>Why use ggplot2?</a:t>
-            </a:r>
-            <a:endParaRPr lang="en-US" dirty="0"/>
-          </a:p>
-        </p:txBody>
-      </p:sp>
-      <p:sp>
-        <p:nvSpPr>
-          <p:cNvPr id="4" name="Content Placeholder 3"/>
-          <p:cNvSpPr>
-            <a:spLocks noGrp="1"/>
-          </p:cNvSpPr>
-          <p:nvPr>
-            <p:ph sz="half" idx="1"/>
-          </p:nvPr>
-        </p:nvSpPr>
-        <p:spPr/>
-        <p:txBody>
-          <a:bodyPr/>
-          <a:lstStyle/>
-          <a:p>
-            <a:endParaRPr lang="en-US"/>
-          </a:p>
-        </p:txBody>
-      </p:sp>
-      <p:sp>
-        <p:nvSpPr>
-          <p:cNvPr id="5" name="Content Placeholder 4"/>
-          <p:cNvSpPr>
-            <a:spLocks noGrp="1"/>
-          </p:cNvSpPr>
-          <p:nvPr>
-            <p:ph sz="half" idx="2"/>
-          </p:nvPr>
-        </p:nvSpPr>
-        <p:spPr/>
-        <p:txBody>
-          <a:bodyPr/>
-          <a:lstStyle/>
-          <a:p>
-            <a:endParaRPr lang="en-US"/>
-          </a:p>
-        </p:txBody>
-      </p:sp>
-      <p:sp>
-        <p:nvSpPr>
-          <p:cNvPr id="6" name="TextBox 5"/>
-          <p:cNvSpPr txBox="1"/>
-          <p:nvPr/>
-        </p:nvSpPr>
-        <p:spPr>
-          <a:xfrm>
-            <a:off x="1710267" y="6220861"/>
-            <a:ext cx="1082348" cy="461665"/>
-          </a:xfrm>
-          <a:prstGeom prst="rect">
-            <a:avLst/>
-          </a:prstGeom>
-          <a:noFill/>
-        </p:spPr>
-        <p:txBody>
-          <a:bodyPr wrap="none" rtlCol="0">
-            <a:spAutoFit/>
-          </a:bodyPr>
-          <a:lstStyle/>
-          <a:p>
-            <a:r>
-              <a:rPr lang="en-US" sz="2400" dirty="0" smtClean="0"/>
-              <a:t>base R</a:t>
-            </a:r>
-            <a:endParaRPr lang="en-US" sz="2400" dirty="0"/>
-          </a:p>
-        </p:txBody>
-      </p:sp>
-      <p:sp>
-        <p:nvSpPr>
-          <p:cNvPr id="7" name="TextBox 6"/>
-          <p:cNvSpPr txBox="1"/>
-          <p:nvPr/>
-        </p:nvSpPr>
-        <p:spPr>
-          <a:xfrm>
-            <a:off x="6282267" y="6220861"/>
-            <a:ext cx="1204476" cy="461665"/>
-          </a:xfrm>
-          <a:prstGeom prst="rect">
-            <a:avLst/>
-          </a:prstGeom>
-          <a:noFill/>
-        </p:spPr>
-        <p:txBody>
-          <a:bodyPr wrap="none" rtlCol="0">
-            <a:spAutoFit/>
-          </a:bodyPr>
-          <a:lstStyle/>
-          <a:p>
-            <a:r>
-              <a:rPr lang="en-US" sz="2400" dirty="0" smtClean="0"/>
-              <a:t>ggplot2</a:t>
-            </a:r>
-            <a:endParaRPr lang="en-US" sz="2400" dirty="0"/>
-          </a:p>
-        </p:txBody>
-      </p:sp>
     </p:spTree>
     <p:extLst>
       <p:ext uri="{BB962C8B-B14F-4D97-AF65-F5344CB8AC3E}">
@@ -5434,7 +6837,7 @@
 </p:sld>
 </file>
 
-<file path=ppt/slides/slide26.xml><?xml version="1.0" encoding="utf-8"?>
+<file path=ppt/slides/slide23.xml><?xml version="1.0" encoding="utf-8"?>
 <p:sld xmlns:a="http://schemas.openxmlformats.org/drawingml/2006/main" xmlns:r="http://schemas.openxmlformats.org/officeDocument/2006/relationships" xmlns:p="http://schemas.openxmlformats.org/presentationml/2006/main">
   <p:cSld>
     <p:spTree>
@@ -5887,6 +7290,235 @@
 </p:sld>
 </file>
 
+<file path=ppt/slides/slide24.xml><?xml version="1.0" encoding="utf-8"?>
+<p:sld xmlns:a="http://schemas.openxmlformats.org/drawingml/2006/main" xmlns:r="http://schemas.openxmlformats.org/officeDocument/2006/relationships" xmlns:p="http://schemas.openxmlformats.org/presentationml/2006/main">
+  <p:cSld>
+    <p:spTree>
+      <p:nvGrpSpPr>
+        <p:cNvPr id="1" name=""/>
+        <p:cNvGrpSpPr/>
+        <p:nvPr/>
+      </p:nvGrpSpPr>
+      <p:grpSpPr>
+        <a:xfrm>
+          <a:off x="0" y="0"/>
+          <a:ext cx="0" cy="0"/>
+          <a:chOff x="0" y="0"/>
+          <a:chExt cx="0" cy="0"/>
+        </a:xfrm>
+      </p:grpSpPr>
+      <p:sp>
+        <p:nvSpPr>
+          <p:cNvPr id="2" name="Title 1"/>
+          <p:cNvSpPr>
+            <a:spLocks noGrp="1"/>
+          </p:cNvSpPr>
+          <p:nvPr>
+            <p:ph type="title"/>
+          </p:nvPr>
+        </p:nvSpPr>
+        <p:spPr/>
+        <p:txBody>
+          <a:bodyPr/>
+          <a:lstStyle/>
+          <a:p>
+            <a:r>
+              <a:rPr lang="en-US" dirty="0" smtClean="0"/>
+              <a:t>Faceting allows multiple plots in a single page</a:t>
+            </a:r>
+            <a:endParaRPr lang="en-US" dirty="0"/>
+          </a:p>
+        </p:txBody>
+      </p:sp>
+      <p:pic>
+        <p:nvPicPr>
+          <p:cNvPr id="4" name="Content Placeholder 3"/>
+          <p:cNvPicPr>
+            <a:picLocks noGrp="1" noChangeAspect="1"/>
+          </p:cNvPicPr>
+          <p:nvPr>
+            <p:ph idx="1"/>
+          </p:nvPr>
+        </p:nvPicPr>
+        <p:blipFill>
+          <a:blip r:embed="rId2"/>
+          <a:srcRect l="-28679" r="-28679"/>
+          <a:stretch>
+            <a:fillRect/>
+          </a:stretch>
+        </p:blipFill>
+        <p:spPr/>
+      </p:pic>
+    </p:spTree>
+    <p:extLst>
+      <p:ext uri="{BB962C8B-B14F-4D97-AF65-F5344CB8AC3E}">
+        <p14:creationId xmlns:p14="http://schemas.microsoft.com/office/powerpoint/2010/main" val="2544762656"/>
+      </p:ext>
+    </p:extLst>
+  </p:cSld>
+  <p:clrMapOvr>
+    <a:masterClrMapping/>
+  </p:clrMapOvr>
+</p:sld>
+</file>
+
+<file path=ppt/slides/slide25.xml><?xml version="1.0" encoding="utf-8"?>
+<p:sld xmlns:a="http://schemas.openxmlformats.org/drawingml/2006/main" xmlns:r="http://schemas.openxmlformats.org/officeDocument/2006/relationships" xmlns:p="http://schemas.openxmlformats.org/presentationml/2006/main">
+  <p:cSld>
+    <p:spTree>
+      <p:nvGrpSpPr>
+        <p:cNvPr id="1" name=""/>
+        <p:cNvGrpSpPr/>
+        <p:nvPr/>
+      </p:nvGrpSpPr>
+      <p:grpSpPr>
+        <a:xfrm>
+          <a:off x="0" y="0"/>
+          <a:ext cx="0" cy="0"/>
+          <a:chOff x="0" y="0"/>
+          <a:chExt cx="0" cy="0"/>
+        </a:xfrm>
+      </p:grpSpPr>
+      <p:sp>
+        <p:nvSpPr>
+          <p:cNvPr id="2" name="Title 1"/>
+          <p:cNvSpPr>
+            <a:spLocks noGrp="1"/>
+          </p:cNvSpPr>
+          <p:nvPr>
+            <p:ph type="title"/>
+          </p:nvPr>
+        </p:nvSpPr>
+        <p:spPr/>
+        <p:txBody>
+          <a:bodyPr/>
+          <a:lstStyle/>
+          <a:p>
+            <a:r>
+              <a:rPr lang="en-US" dirty="0" smtClean="0"/>
+              <a:t>Themes allow stylistic improvements</a:t>
+            </a:r>
+            <a:endParaRPr lang="en-US" dirty="0"/>
+          </a:p>
+        </p:txBody>
+      </p:sp>
+      <p:pic>
+        <p:nvPicPr>
+          <p:cNvPr id="4" name="Content Placeholder 3"/>
+          <p:cNvPicPr>
+            <a:picLocks noGrp="1" noChangeAspect="1"/>
+          </p:cNvPicPr>
+          <p:nvPr>
+            <p:ph idx="1"/>
+          </p:nvPr>
+        </p:nvPicPr>
+        <p:blipFill>
+          <a:blip r:embed="rId2"/>
+          <a:srcRect l="-28679" r="-28679"/>
+          <a:stretch>
+            <a:fillRect/>
+          </a:stretch>
+        </p:blipFill>
+        <p:spPr/>
+      </p:pic>
+    </p:spTree>
+    <p:extLst>
+      <p:ext uri="{BB962C8B-B14F-4D97-AF65-F5344CB8AC3E}">
+        <p14:creationId xmlns:p14="http://schemas.microsoft.com/office/powerpoint/2010/main" val="3148104315"/>
+      </p:ext>
+    </p:extLst>
+  </p:cSld>
+  <p:clrMapOvr>
+    <a:masterClrMapping/>
+  </p:clrMapOvr>
+</p:sld>
+</file>
+
+<file path=ppt/slides/slide26.xml><?xml version="1.0" encoding="utf-8"?>
+<p:sld xmlns:a="http://schemas.openxmlformats.org/drawingml/2006/main" xmlns:r="http://schemas.openxmlformats.org/officeDocument/2006/relationships" xmlns:p="http://schemas.openxmlformats.org/presentationml/2006/main">
+  <p:cSld>
+    <p:spTree>
+      <p:nvGrpSpPr>
+        <p:cNvPr id="1" name=""/>
+        <p:cNvGrpSpPr/>
+        <p:nvPr/>
+      </p:nvGrpSpPr>
+      <p:grpSpPr>
+        <a:xfrm>
+          <a:off x="0" y="0"/>
+          <a:ext cx="0" cy="0"/>
+          <a:chOff x="0" y="0"/>
+          <a:chExt cx="0" cy="0"/>
+        </a:xfrm>
+      </p:grpSpPr>
+      <p:sp>
+        <p:nvSpPr>
+          <p:cNvPr id="2" name="Title 1"/>
+          <p:cNvSpPr>
+            <a:spLocks noGrp="1"/>
+          </p:cNvSpPr>
+          <p:nvPr>
+            <p:ph type="title"/>
+          </p:nvPr>
+        </p:nvSpPr>
+        <p:spPr/>
+        <p:txBody>
+          <a:bodyPr/>
+          <a:lstStyle/>
+          <a:p>
+            <a:r>
+              <a:rPr lang="en-US" dirty="0" smtClean="0"/>
+              <a:t>Wide </a:t>
+            </a:r>
+            <a:r>
+              <a:rPr lang="en-US" dirty="0" err="1" smtClean="0"/>
+              <a:t>vs</a:t>
+            </a:r>
+            <a:r>
+              <a:rPr lang="en-US" dirty="0" smtClean="0"/>
+              <a:t> long format</a:t>
+            </a:r>
+            <a:endParaRPr lang="en-US" dirty="0"/>
+          </a:p>
+        </p:txBody>
+      </p:sp>
+      <p:pic>
+        <p:nvPicPr>
+          <p:cNvPr id="4" name="Picture 3"/>
+          <p:cNvPicPr>
+            <a:picLocks noChangeAspect="1"/>
+          </p:cNvPicPr>
+          <p:nvPr/>
+        </p:nvPicPr>
+        <p:blipFill>
+          <a:blip r:embed="rId2"/>
+          <a:stretch>
+            <a:fillRect/>
+          </a:stretch>
+        </p:blipFill>
+        <p:spPr>
+          <a:xfrm>
+            <a:off x="0" y="1905000"/>
+            <a:ext cx="9144000" cy="3039299"/>
+          </a:xfrm>
+          <a:prstGeom prst="rect">
+            <a:avLst/>
+          </a:prstGeom>
+        </p:spPr>
+      </p:pic>
+    </p:spTree>
+    <p:extLst>
+      <p:ext uri="{BB962C8B-B14F-4D97-AF65-F5344CB8AC3E}">
+        <p14:creationId xmlns:p14="http://schemas.microsoft.com/office/powerpoint/2010/main" val="2165003167"/>
+      </p:ext>
+    </p:extLst>
+  </p:cSld>
+  <p:clrMapOvr>
+    <a:masterClrMapping/>
+  </p:clrMapOvr>
+</p:sld>
+</file>
+
 <file path=ppt/slides/slide27.xml><?xml version="1.0" encoding="utf-8"?>
 <p:sld xmlns:a="http://schemas.openxmlformats.org/drawingml/2006/main" xmlns:r="http://schemas.openxmlformats.org/officeDocument/2006/relationships" xmlns:p="http://schemas.openxmlformats.org/presentationml/2006/main">
   <p:cSld>
@@ -5916,40 +7548,503 @@
         </p:nvSpPr>
         <p:spPr/>
         <p:txBody>
-          <a:bodyPr/>
+          <a:bodyPr>
+            <a:noAutofit/>
+          </a:bodyPr>
           <a:lstStyle/>
           <a:p>
             <a:r>
-              <a:rPr lang="en-US" dirty="0" smtClean="0"/>
-              <a:t>Faceting</a:t>
-            </a:r>
-            <a:endParaRPr lang="en-US" dirty="0"/>
-          </a:p>
-        </p:txBody>
-      </p:sp>
-      <p:sp>
-        <p:nvSpPr>
-          <p:cNvPr id="3" name="Content Placeholder 2"/>
+              <a:rPr lang="en-US" sz="2000" dirty="0" err="1" smtClean="0"/>
+              <a:t>Rmarkdown</a:t>
+            </a:r>
+            <a:r>
+              <a:rPr lang="en-US" sz="2000" dirty="0" smtClean="0"/>
+              <a:t> can be used</a:t>
+            </a:r>
+            <a:r>
+              <a:rPr lang="en-US" sz="2000" dirty="0" smtClean="0"/>
+              <a:t> to create publication ready documents presenting all code (analysis), comments, and results</a:t>
+            </a:r>
+            <a:endParaRPr lang="en-US" sz="2000" dirty="0"/>
+          </a:p>
+        </p:txBody>
+      </p:sp>
+      <p:sp>
+        <p:nvSpPr>
+          <p:cNvPr id="4" name="Content Placeholder 3"/>
           <p:cNvSpPr>
             <a:spLocks noGrp="1"/>
           </p:cNvSpPr>
           <p:nvPr>
-            <p:ph idx="1"/>
+            <p:ph sz="half" idx="1"/>
           </p:nvPr>
         </p:nvSpPr>
-        <p:spPr/>
-        <p:txBody>
-          <a:bodyPr/>
+        <p:spPr>
+          <a:xfrm>
+            <a:off x="226786" y="1805199"/>
+            <a:ext cx="4197112" cy="4568983"/>
+          </a:xfrm>
+        </p:spPr>
+        <p:txBody>
+          <a:bodyPr>
+            <a:normAutofit fontScale="55000" lnSpcReduction="20000"/>
+          </a:bodyPr>
           <a:lstStyle/>
           <a:p>
+            <a:pPr marL="0" indent="0">
+              <a:buNone/>
+            </a:pPr>
+            <a:r>
+              <a:rPr lang="en-US" dirty="0"/>
+              <a:t>---</a:t>
+            </a:r>
+          </a:p>
+          <a:p>
+            <a:pPr marL="0" indent="0">
+              <a:buNone/>
+            </a:pPr>
+            <a:r>
+              <a:rPr lang="en-US" dirty="0"/>
+              <a:t>title: "Introduction To Markdown"</a:t>
+            </a:r>
+          </a:p>
+          <a:p>
+            <a:pPr marL="0" indent="0">
+              <a:buNone/>
+            </a:pPr>
+            <a:r>
+              <a:rPr lang="en-US" dirty="0"/>
+              <a:t>output: </a:t>
+            </a:r>
+            <a:r>
+              <a:rPr lang="en-US" dirty="0" err="1"/>
+              <a:t>html_document</a:t>
+            </a:r>
+            <a:endParaRPr lang="en-US" dirty="0"/>
+          </a:p>
+          <a:p>
+            <a:pPr marL="0" indent="0">
+              <a:buNone/>
+            </a:pPr>
+            <a:r>
+              <a:rPr lang="en-US" dirty="0"/>
+              <a:t>---</a:t>
+            </a:r>
+          </a:p>
+          <a:p>
+            <a:pPr marL="0" indent="0">
+              <a:buNone/>
+            </a:pPr>
+            <a:r>
+              <a:rPr lang="en-US" dirty="0"/>
+              <a:t>  </a:t>
+            </a:r>
+          </a:p>
+          <a:p>
+            <a:pPr marL="0" indent="0">
+              <a:buNone/>
+            </a:pPr>
+            <a:r>
+              <a:rPr lang="en-US" dirty="0"/>
+              <a:t>  ```{r setup, include=FALSE}</a:t>
+            </a:r>
+          </a:p>
+          <a:p>
+            <a:pPr marL="0" indent="0">
+              <a:buNone/>
+            </a:pPr>
+            <a:r>
+              <a:rPr lang="en-US" dirty="0" err="1"/>
+              <a:t>knitr</a:t>
+            </a:r>
+            <a:r>
+              <a:rPr lang="en-US" dirty="0"/>
+              <a:t>::</a:t>
+            </a:r>
+            <a:r>
+              <a:rPr lang="en-US" dirty="0" err="1"/>
+              <a:t>opts_chunk$set</a:t>
+            </a:r>
+            <a:r>
+              <a:rPr lang="en-US" dirty="0"/>
+              <a:t>(echo = TRUE)</a:t>
+            </a:r>
+          </a:p>
+          <a:p>
+            <a:pPr marL="0" indent="0">
+              <a:buNone/>
+            </a:pPr>
+            <a:r>
+              <a:rPr lang="en-US" dirty="0"/>
+              <a:t>```</a:t>
+            </a:r>
+          </a:p>
+          <a:p>
+            <a:pPr marL="0" indent="0">
+              <a:buNone/>
+            </a:pPr>
+            <a:endParaRPr lang="en-US" dirty="0"/>
+          </a:p>
+          <a:p>
+            <a:pPr marL="0" indent="0">
+              <a:buNone/>
+            </a:pPr>
+            <a:r>
+              <a:rPr lang="en-US" dirty="0"/>
+              <a:t>## Data description</a:t>
+            </a:r>
+          </a:p>
+          <a:p>
+            <a:pPr marL="0" indent="0">
+              <a:buNone/>
+            </a:pPr>
+            <a:r>
+              <a:rPr lang="en-US" dirty="0"/>
+              <a:t>The data used in this section is ...</a:t>
+            </a:r>
+          </a:p>
+          <a:p>
+            <a:pPr marL="0" indent="0">
+              <a:buNone/>
+            </a:pPr>
+            <a:r>
+              <a:rPr lang="en-US" dirty="0"/>
+              <a:t>```{r}</a:t>
+            </a:r>
+          </a:p>
+          <a:p>
+            <a:pPr marL="0" indent="0">
+              <a:buNone/>
+            </a:pPr>
+            <a:r>
+              <a:rPr lang="en-US" dirty="0" err="1"/>
+              <a:t>fl_data</a:t>
+            </a:r>
+            <a:r>
+              <a:rPr lang="en-US" dirty="0"/>
+              <a:t> &lt;- </a:t>
+            </a:r>
+            <a:r>
+              <a:rPr lang="en-US" dirty="0" err="1"/>
+              <a:t>read.delim</a:t>
+            </a:r>
+            <a:r>
+              <a:rPr lang="en-US" dirty="0"/>
+              <a:t>("~/Downloads/ggplot2ExampleData.tsv")</a:t>
+            </a:r>
+          </a:p>
+          <a:p>
+            <a:pPr marL="0" indent="0">
+              <a:buNone/>
+            </a:pPr>
+            <a:r>
+              <a:rPr lang="en-US" dirty="0"/>
+              <a:t>```</a:t>
+            </a:r>
+          </a:p>
+          <a:p>
+            <a:pPr marL="0" indent="0">
+              <a:buNone/>
+            </a:pPr>
+            <a:endParaRPr lang="en-US" dirty="0"/>
+          </a:p>
+          <a:p>
+            <a:pPr marL="0" indent="0">
+              <a:buNone/>
+            </a:pPr>
+            <a:r>
+              <a:rPr lang="en-US" dirty="0"/>
+              <a:t>## Data visualization</a:t>
+            </a:r>
+          </a:p>
+          <a:p>
+            <a:pPr marL="0" indent="0">
+              <a:buNone/>
+            </a:pPr>
+            <a:r>
+              <a:rPr lang="en-US" dirty="0"/>
+              <a:t>We will plot something...</a:t>
+            </a:r>
+          </a:p>
+          <a:p>
+            <a:pPr marL="0" indent="0">
+              <a:buNone/>
+            </a:pPr>
+            <a:r>
+              <a:rPr lang="en-US" dirty="0"/>
+              <a:t>```{r}</a:t>
+            </a:r>
+          </a:p>
+          <a:p>
+            <a:pPr marL="0" indent="0">
+              <a:buNone/>
+            </a:pPr>
+            <a:r>
+              <a:rPr lang="en-US" dirty="0"/>
+              <a:t>library(ggplot2)</a:t>
+            </a:r>
+          </a:p>
+          <a:p>
+            <a:pPr marL="0" indent="0">
+              <a:buNone/>
+            </a:pPr>
+            <a:r>
+              <a:rPr lang="en-US" dirty="0" err="1"/>
+              <a:t>ggplot</a:t>
+            </a:r>
+            <a:r>
+              <a:rPr lang="en-US" dirty="0"/>
+              <a:t>(</a:t>
+            </a:r>
+            <a:r>
+              <a:rPr lang="en-US" dirty="0" err="1"/>
+              <a:t>fl_data</a:t>
+            </a:r>
+            <a:r>
+              <a:rPr lang="en-US" dirty="0"/>
+              <a:t>, </a:t>
+            </a:r>
+            <a:r>
+              <a:rPr lang="en-US" dirty="0" err="1"/>
+              <a:t>aes</a:t>
+            </a:r>
+            <a:r>
+              <a:rPr lang="en-US" dirty="0"/>
+              <a:t>(x=</a:t>
+            </a:r>
+            <a:r>
+              <a:rPr lang="en-US" dirty="0" err="1"/>
+              <a:t>tumor_VAF</a:t>
+            </a:r>
+            <a:r>
+              <a:rPr lang="en-US" dirty="0"/>
+              <a:t>, fill=dataset)) + </a:t>
+            </a:r>
+            <a:r>
+              <a:rPr lang="en-US" dirty="0" err="1"/>
+              <a:t>geom_density</a:t>
+            </a:r>
+            <a:r>
+              <a:rPr lang="en-US" dirty="0"/>
+              <a:t>(alpha=.4)</a:t>
+            </a:r>
+          </a:p>
+          <a:p>
+            <a:pPr marL="0" indent="0">
+              <a:buNone/>
+            </a:pPr>
+            <a:r>
+              <a:rPr lang="en-US" dirty="0"/>
+              <a:t>``</a:t>
+            </a:r>
+            <a:r>
+              <a:rPr lang="en-US" dirty="0" smtClean="0"/>
+              <a:t>`</a:t>
+            </a:r>
+            <a:endParaRPr lang="en-US" dirty="0"/>
+          </a:p>
+        </p:txBody>
+      </p:sp>
+      <p:pic>
+        <p:nvPicPr>
+          <p:cNvPr id="6" name="Content Placeholder 5" descr="Screenshot 2017-09-12 09.19.40.png"/>
+          <p:cNvPicPr>
+            <a:picLocks noGrp="1" noChangeAspect="1"/>
+          </p:cNvPicPr>
+          <p:nvPr>
+            <p:ph sz="half" idx="2"/>
+          </p:nvPr>
+        </p:nvPicPr>
+        <p:blipFill>
+          <a:blip r:embed="rId2">
+            <a:extLst>
+              <a:ext uri="{28A0092B-C50C-407E-A947-70E740481C1C}">
+                <a14:useLocalDpi xmlns:a14="http://schemas.microsoft.com/office/drawing/2010/main" val="0"/>
+              </a:ext>
+            </a:extLst>
+          </a:blip>
+          <a:srcRect t="-11178" b="-11178"/>
+          <a:stretch>
+            <a:fillRect/>
+          </a:stretch>
+        </p:blipFill>
+        <p:spPr>
+          <a:xfrm>
+            <a:off x="4648200" y="1418159"/>
+            <a:ext cx="4214586" cy="5119235"/>
+          </a:xfrm>
+        </p:spPr>
+      </p:pic>
+      <p:sp>
+        <p:nvSpPr>
+          <p:cNvPr id="7" name="TextBox 6"/>
+          <p:cNvSpPr txBox="1"/>
+          <p:nvPr/>
+        </p:nvSpPr>
+        <p:spPr>
+          <a:xfrm>
+            <a:off x="580571" y="1143862"/>
+            <a:ext cx="2024450" cy="369332"/>
+          </a:xfrm>
+          <a:prstGeom prst="rect">
+            <a:avLst/>
+          </a:prstGeom>
+          <a:noFill/>
+        </p:spPr>
+        <p:txBody>
+          <a:bodyPr wrap="none" rtlCol="0">
+            <a:spAutoFit/>
+          </a:bodyPr>
+          <a:lstStyle/>
+          <a:p>
+            <a:r>
+              <a:rPr lang="en-US" dirty="0" err="1" smtClean="0"/>
+              <a:t>myRprogram.Rmd</a:t>
+            </a:r>
+            <a:endParaRPr lang="en-US" dirty="0"/>
+          </a:p>
+        </p:txBody>
+      </p:sp>
+      <p:sp>
+        <p:nvSpPr>
+          <p:cNvPr id="8" name="Right Arrow 7"/>
+          <p:cNvSpPr/>
+          <p:nvPr/>
+        </p:nvSpPr>
+        <p:spPr>
+          <a:xfrm>
+            <a:off x="2806095" y="1221620"/>
+            <a:ext cx="641048" cy="243194"/>
+          </a:xfrm>
+          <a:prstGeom prst="rightArrow">
+            <a:avLst/>
+          </a:prstGeom>
+        </p:spPr>
+        <p:style>
+          <a:lnRef idx="1">
+            <a:schemeClr val="dk1"/>
+          </a:lnRef>
+          <a:fillRef idx="3">
+            <a:schemeClr val="dk1"/>
+          </a:fillRef>
+          <a:effectRef idx="2">
+            <a:schemeClr val="dk1"/>
+          </a:effectRef>
+          <a:fontRef idx="minor">
+            <a:schemeClr val="lt1"/>
+          </a:fontRef>
+        </p:style>
+        <p:txBody>
+          <a:bodyPr rtlCol="0" anchor="ctr"/>
+          <a:lstStyle/>
+          <a:p>
+            <a:pPr algn="ctr"/>
             <a:endParaRPr lang="en-US"/>
+          </a:p>
+        </p:txBody>
+      </p:sp>
+      <p:sp>
+        <p:nvSpPr>
+          <p:cNvPr id="9" name="TextBox 8"/>
+          <p:cNvSpPr txBox="1"/>
+          <p:nvPr/>
+        </p:nvSpPr>
+        <p:spPr>
+          <a:xfrm>
+            <a:off x="3773716" y="1146878"/>
+            <a:ext cx="674283" cy="369332"/>
+          </a:xfrm>
+          <a:prstGeom prst="rect">
+            <a:avLst/>
+          </a:prstGeom>
+          <a:noFill/>
+        </p:spPr>
+        <p:txBody>
+          <a:bodyPr wrap="none" rtlCol="0">
+            <a:spAutoFit/>
+          </a:bodyPr>
+          <a:lstStyle/>
+          <a:p>
+            <a:r>
+              <a:rPr lang="en-US" dirty="0" err="1" smtClean="0"/>
+              <a:t>knitr</a:t>
+            </a:r>
+            <a:endParaRPr lang="en-US" dirty="0"/>
+          </a:p>
+        </p:txBody>
+      </p:sp>
+      <p:sp>
+        <p:nvSpPr>
+          <p:cNvPr id="10" name="Right Arrow 9"/>
+          <p:cNvSpPr/>
+          <p:nvPr/>
+        </p:nvSpPr>
+        <p:spPr>
+          <a:xfrm>
+            <a:off x="4760688" y="1221620"/>
+            <a:ext cx="641048" cy="243194"/>
+          </a:xfrm>
+          <a:prstGeom prst="rightArrow">
+            <a:avLst/>
+          </a:prstGeom>
+        </p:spPr>
+        <p:style>
+          <a:lnRef idx="1">
+            <a:schemeClr val="dk1"/>
+          </a:lnRef>
+          <a:fillRef idx="3">
+            <a:schemeClr val="dk1"/>
+          </a:fillRef>
+          <a:effectRef idx="2">
+            <a:schemeClr val="dk1"/>
+          </a:effectRef>
+          <a:fontRef idx="minor">
+            <a:schemeClr val="lt1"/>
+          </a:fontRef>
+        </p:style>
+        <p:txBody>
+          <a:bodyPr rtlCol="0" anchor="ctr"/>
+          <a:lstStyle/>
+          <a:p>
+            <a:pPr algn="ctr"/>
+            <a:endParaRPr lang="en-US"/>
+          </a:p>
+        </p:txBody>
+      </p:sp>
+      <p:sp>
+        <p:nvSpPr>
+          <p:cNvPr id="11" name="TextBox 10"/>
+          <p:cNvSpPr txBox="1"/>
+          <p:nvPr/>
+        </p:nvSpPr>
+        <p:spPr>
+          <a:xfrm>
+            <a:off x="5776691" y="1146878"/>
+            <a:ext cx="1341533" cy="369332"/>
+          </a:xfrm>
+          <a:prstGeom prst="rect">
+            <a:avLst/>
+          </a:prstGeom>
+          <a:noFill/>
+        </p:spPr>
+        <p:txBody>
+          <a:bodyPr wrap="none" rtlCol="0">
+            <a:spAutoFit/>
+          </a:bodyPr>
+          <a:lstStyle/>
+          <a:p>
+            <a:r>
+              <a:rPr lang="en-US" dirty="0" err="1" smtClean="0"/>
+              <a:t>result.html</a:t>
+            </a:r>
+            <a:endParaRPr lang="en-US" dirty="0"/>
           </a:p>
         </p:txBody>
       </p:sp>
     </p:spTree>
     <p:extLst>
       <p:ext uri="{BB962C8B-B14F-4D97-AF65-F5344CB8AC3E}">
-        <p14:creationId xmlns:p14="http://schemas.microsoft.com/office/powerpoint/2010/main" val="2544762656"/>
+        <p14:creationId xmlns:p14="http://schemas.microsoft.com/office/powerpoint/2010/main" val="3846873359"/>
       </p:ext>
     </p:extLst>
   </p:cSld>
@@ -5993,7 +8088,7 @@
           <a:p>
             <a:r>
               <a:rPr lang="en-US" dirty="0" smtClean="0"/>
-              <a:t>Themes</a:t>
+              <a:t>Interactive graphics with R shiny</a:t>
             </a:r>
             <a:endParaRPr lang="en-US" dirty="0"/>
           </a:p>
@@ -6011,17 +8106,41 @@
         </p:nvSpPr>
         <p:spPr/>
         <p:txBody>
-          <a:bodyPr/>
+          <a:bodyPr>
+            <a:normAutofit/>
+          </a:bodyPr>
           <a:lstStyle/>
           <a:p>
-            <a:endParaRPr lang="en-US"/>
+            <a:r>
+              <a:rPr lang="en-US" sz="2800" dirty="0" smtClean="0"/>
+              <a:t>Optimizing a graphic often requires multiple iterative alterations</a:t>
+            </a:r>
+          </a:p>
+          <a:p>
+            <a:r>
+              <a:rPr lang="en-US" sz="2800" dirty="0" smtClean="0"/>
+              <a:t>Analysis and interpretation often benefits from active filtering, variable selection, and parameterization</a:t>
+            </a:r>
+          </a:p>
+          <a:p>
+            <a:r>
+              <a:rPr lang="en-US" sz="2800" dirty="0" smtClean="0"/>
+              <a:t>Interactive graphics allow end-users, especially non-experts, to more effectively explore data</a:t>
+            </a:r>
+          </a:p>
+          <a:p>
+            <a:r>
+              <a:rPr lang="en-US" sz="2800" dirty="0" smtClean="0"/>
+              <a:t>The R shiny package allows you to quickly and easily create sophisticated web-accessible interactive graphics</a:t>
+            </a:r>
+            <a:endParaRPr lang="en-US" sz="2800" dirty="0"/>
           </a:p>
         </p:txBody>
       </p:sp>
     </p:spTree>
     <p:extLst>
       <p:ext uri="{BB962C8B-B14F-4D97-AF65-F5344CB8AC3E}">
-        <p14:creationId xmlns:p14="http://schemas.microsoft.com/office/powerpoint/2010/main" val="3148104315"/>
+        <p14:creationId xmlns:p14="http://schemas.microsoft.com/office/powerpoint/2010/main" val="2141840622"/>
       </p:ext>
     </p:extLst>
   </p:cSld>
@@ -6064,39 +8183,299 @@
           <a:lstStyle/>
           <a:p>
             <a:r>
-              <a:rPr lang="en-US" dirty="0" err="1" smtClean="0"/>
-              <a:t>RMarkdown</a:t>
-            </a:r>
-            <a:r>
-              <a:rPr lang="en-US" dirty="0"/>
-              <a:t>?</a:t>
-            </a:r>
-          </a:p>
-        </p:txBody>
-      </p:sp>
-      <p:sp>
-        <p:nvSpPr>
-          <p:cNvPr id="3" name="Content Placeholder 2"/>
-          <p:cNvSpPr>
-            <a:spLocks noGrp="1"/>
-          </p:cNvSpPr>
-          <p:nvPr>
-            <p:ph idx="1"/>
-          </p:nvPr>
-        </p:nvSpPr>
-        <p:spPr/>
-        <p:txBody>
-          <a:bodyPr/>
+              <a:rPr lang="en-US" dirty="0" smtClean="0"/>
+              <a:t>Basic organization of a shiny application</a:t>
+            </a:r>
+            <a:endParaRPr lang="en-US" dirty="0"/>
+          </a:p>
+        </p:txBody>
+      </p:sp>
+      <p:sp>
+        <p:nvSpPr>
+          <p:cNvPr id="5" name="TextBox 4"/>
+          <p:cNvSpPr txBox="1"/>
+          <p:nvPr/>
+        </p:nvSpPr>
+        <p:spPr>
+          <a:xfrm>
+            <a:off x="3945463" y="2379940"/>
+            <a:ext cx="1170362" cy="830997"/>
+          </a:xfrm>
+          <a:prstGeom prst="rect">
+            <a:avLst/>
+          </a:prstGeom>
+          <a:noFill/>
+        </p:spPr>
+        <p:txBody>
+          <a:bodyPr wrap="none" rtlCol="0">
+            <a:spAutoFit/>
+          </a:bodyPr>
           <a:lstStyle/>
           <a:p>
-            <a:endParaRPr lang="en-US"/>
+            <a:pPr algn="ctr"/>
+            <a:r>
+              <a:rPr lang="en-US" sz="2400" dirty="0" err="1" smtClean="0"/>
+              <a:t>shinyUI</a:t>
+            </a:r>
+            <a:endParaRPr lang="en-US" sz="2400" dirty="0" smtClean="0"/>
+          </a:p>
+          <a:p>
+            <a:pPr algn="ctr"/>
+            <a:r>
+              <a:rPr lang="en-US" sz="2400" dirty="0" err="1" smtClean="0"/>
+              <a:t>ui.R</a:t>
+            </a:r>
+            <a:endParaRPr lang="en-US" sz="2400" dirty="0"/>
+          </a:p>
+        </p:txBody>
+      </p:sp>
+      <p:sp>
+        <p:nvSpPr>
+          <p:cNvPr id="6" name="TextBox 5"/>
+          <p:cNvSpPr txBox="1"/>
+          <p:nvPr/>
+        </p:nvSpPr>
+        <p:spPr>
+          <a:xfrm>
+            <a:off x="3633276" y="1032941"/>
+            <a:ext cx="1758865" cy="830997"/>
+          </a:xfrm>
+          <a:prstGeom prst="rect">
+            <a:avLst/>
+          </a:prstGeom>
+          <a:noFill/>
+        </p:spPr>
+        <p:txBody>
+          <a:bodyPr wrap="none" rtlCol="0">
+            <a:spAutoFit/>
+          </a:bodyPr>
+          <a:lstStyle/>
+          <a:p>
+            <a:pPr algn="ctr"/>
+            <a:r>
+              <a:rPr lang="en-US" sz="2400" dirty="0" err="1" smtClean="0"/>
+              <a:t>shinyServer</a:t>
+            </a:r>
+            <a:endParaRPr lang="en-US" sz="2400" dirty="0" smtClean="0"/>
+          </a:p>
+          <a:p>
+            <a:pPr algn="ctr"/>
+            <a:r>
+              <a:rPr lang="en-US" sz="2400" dirty="0" err="1" smtClean="0"/>
+              <a:t>server.R</a:t>
+            </a:r>
+            <a:endParaRPr lang="en-US" sz="2400" dirty="0"/>
+          </a:p>
+        </p:txBody>
+      </p:sp>
+      <p:sp>
+        <p:nvSpPr>
+          <p:cNvPr id="9" name="Curved Left Arrow 8"/>
+          <p:cNvSpPr/>
+          <p:nvPr/>
+        </p:nvSpPr>
+        <p:spPr>
+          <a:xfrm>
+            <a:off x="5529772" y="1337735"/>
+            <a:ext cx="853657" cy="1659469"/>
+          </a:xfrm>
+          <a:prstGeom prst="curvedLeftArrow">
+            <a:avLst/>
+          </a:prstGeom>
+        </p:spPr>
+        <p:style>
+          <a:lnRef idx="1">
+            <a:schemeClr val="dk1"/>
+          </a:lnRef>
+          <a:fillRef idx="3">
+            <a:schemeClr val="dk1"/>
+          </a:fillRef>
+          <a:effectRef idx="2">
+            <a:schemeClr val="dk1"/>
+          </a:effectRef>
+          <a:fontRef idx="minor">
+            <a:schemeClr val="lt1"/>
+          </a:fontRef>
+        </p:style>
+        <p:txBody>
+          <a:bodyPr rtlCol="0" anchor="ctr"/>
+          <a:lstStyle/>
+          <a:p>
+            <a:pPr algn="ctr"/>
+            <a:endParaRPr lang="en-US">
+              <a:solidFill>
+                <a:schemeClr val="bg1">
+                  <a:lumMod val="65000"/>
+                </a:schemeClr>
+              </a:solidFill>
+            </a:endParaRPr>
+          </a:p>
+        </p:txBody>
+      </p:sp>
+      <p:pic>
+        <p:nvPicPr>
+          <p:cNvPr id="15" name="Picture 14"/>
+          <p:cNvPicPr>
+            <a:picLocks noChangeAspect="1"/>
+          </p:cNvPicPr>
+          <p:nvPr/>
+        </p:nvPicPr>
+        <p:blipFill>
+          <a:blip r:embed="rId2"/>
+          <a:stretch>
+            <a:fillRect/>
+          </a:stretch>
+        </p:blipFill>
+        <p:spPr>
+          <a:xfrm>
+            <a:off x="643466" y="3282658"/>
+            <a:ext cx="7772400" cy="2737104"/>
+          </a:xfrm>
+          <a:prstGeom prst="rect">
+            <a:avLst/>
+          </a:prstGeom>
+        </p:spPr>
+      </p:pic>
+      <p:sp>
+        <p:nvSpPr>
+          <p:cNvPr id="16" name="Curved Left Arrow 15"/>
+          <p:cNvSpPr/>
+          <p:nvPr/>
+        </p:nvSpPr>
+        <p:spPr>
+          <a:xfrm rot="10800000">
+            <a:off x="2685031" y="1236140"/>
+            <a:ext cx="853657" cy="1659469"/>
+          </a:xfrm>
+          <a:prstGeom prst="curvedLeftArrow">
+            <a:avLst/>
+          </a:prstGeom>
+        </p:spPr>
+        <p:style>
+          <a:lnRef idx="1">
+            <a:schemeClr val="dk1"/>
+          </a:lnRef>
+          <a:fillRef idx="3">
+            <a:schemeClr val="dk1"/>
+          </a:fillRef>
+          <a:effectRef idx="2">
+            <a:schemeClr val="dk1"/>
+          </a:effectRef>
+          <a:fontRef idx="minor">
+            <a:schemeClr val="lt1"/>
+          </a:fontRef>
+        </p:style>
+        <p:txBody>
+          <a:bodyPr rtlCol="0" anchor="ctr"/>
+          <a:lstStyle/>
+          <a:p>
+            <a:pPr algn="ctr"/>
+            <a:endParaRPr lang="en-US">
+              <a:solidFill>
+                <a:schemeClr val="bg1">
+                  <a:lumMod val="65000"/>
+                </a:schemeClr>
+              </a:solidFill>
+            </a:endParaRPr>
+          </a:p>
+        </p:txBody>
+      </p:sp>
+      <p:sp>
+        <p:nvSpPr>
+          <p:cNvPr id="17" name="TextBox 16"/>
+          <p:cNvSpPr txBox="1"/>
+          <p:nvPr/>
+        </p:nvSpPr>
+        <p:spPr>
+          <a:xfrm>
+            <a:off x="1337728" y="1630070"/>
+            <a:ext cx="1117600" cy="954107"/>
+          </a:xfrm>
+          <a:prstGeom prst="rect">
+            <a:avLst/>
+          </a:prstGeom>
+          <a:noFill/>
+        </p:spPr>
+        <p:txBody>
+          <a:bodyPr wrap="square" rtlCol="0">
+            <a:spAutoFit/>
+          </a:bodyPr>
+          <a:lstStyle/>
+          <a:p>
+            <a:pPr algn="ctr"/>
+            <a:r>
+              <a:rPr lang="en-US" sz="2800" dirty="0" smtClean="0"/>
+              <a:t>User input</a:t>
+            </a:r>
+            <a:endParaRPr lang="en-US" sz="2800" dirty="0"/>
+          </a:p>
+        </p:txBody>
+      </p:sp>
+      <p:sp>
+        <p:nvSpPr>
+          <p:cNvPr id="18" name="TextBox 17"/>
+          <p:cNvSpPr txBox="1"/>
+          <p:nvPr/>
+        </p:nvSpPr>
+        <p:spPr>
+          <a:xfrm>
+            <a:off x="6570127" y="1647003"/>
+            <a:ext cx="1524008" cy="954107"/>
+          </a:xfrm>
+          <a:prstGeom prst="rect">
+            <a:avLst/>
+          </a:prstGeom>
+          <a:noFill/>
+        </p:spPr>
+        <p:txBody>
+          <a:bodyPr wrap="square" rtlCol="0">
+            <a:spAutoFit/>
+          </a:bodyPr>
+          <a:lstStyle/>
+          <a:p>
+            <a:pPr algn="ctr"/>
+            <a:r>
+              <a:rPr lang="en-US" sz="2800" dirty="0" smtClean="0"/>
+              <a:t>R output</a:t>
+            </a:r>
+            <a:endParaRPr lang="en-US" sz="2800" dirty="0"/>
+          </a:p>
+        </p:txBody>
+      </p:sp>
+      <p:sp>
+        <p:nvSpPr>
+          <p:cNvPr id="19" name="TextBox 18"/>
+          <p:cNvSpPr txBox="1"/>
+          <p:nvPr/>
+        </p:nvSpPr>
+        <p:spPr>
+          <a:xfrm>
+            <a:off x="1202962" y="6144335"/>
+            <a:ext cx="6806821" cy="523220"/>
+          </a:xfrm>
+          <a:prstGeom prst="rect">
+            <a:avLst/>
+          </a:prstGeom>
+          <a:noFill/>
+        </p:spPr>
+        <p:txBody>
+          <a:bodyPr wrap="none" rtlCol="0">
+            <a:spAutoFit/>
+          </a:bodyPr>
+          <a:lstStyle/>
+          <a:p>
+            <a:r>
+              <a:rPr lang="en-US" sz="2800" dirty="0" smtClean="0"/>
+              <a:t>Interactive User Interface (UI) = website</a:t>
+            </a:r>
+            <a:endParaRPr lang="en-US" sz="2800" dirty="0"/>
           </a:p>
         </p:txBody>
       </p:sp>
     </p:spTree>
     <p:extLst>
       <p:ext uri="{BB962C8B-B14F-4D97-AF65-F5344CB8AC3E}">
-        <p14:creationId xmlns:p14="http://schemas.microsoft.com/office/powerpoint/2010/main" val="3846873359"/>
+        <p14:creationId xmlns:p14="http://schemas.microsoft.com/office/powerpoint/2010/main" val="2373662838"/>
       </p:ext>
     </p:extLst>
   </p:cSld>
@@ -6314,437 +8693,6 @@
           <a:p>
             <a:r>
               <a:rPr lang="en-US" dirty="0" smtClean="0"/>
-              <a:t>Interactive graphics with R shiny</a:t>
-            </a:r>
-            <a:endParaRPr lang="en-US" dirty="0"/>
-          </a:p>
-        </p:txBody>
-      </p:sp>
-      <p:sp>
-        <p:nvSpPr>
-          <p:cNvPr id="3" name="Content Placeholder 2"/>
-          <p:cNvSpPr>
-            <a:spLocks noGrp="1"/>
-          </p:cNvSpPr>
-          <p:nvPr>
-            <p:ph idx="1"/>
-          </p:nvPr>
-        </p:nvSpPr>
-        <p:spPr/>
-        <p:txBody>
-          <a:bodyPr>
-            <a:normAutofit/>
-          </a:bodyPr>
-          <a:lstStyle/>
-          <a:p>
-            <a:r>
-              <a:rPr lang="en-US" sz="2800" dirty="0" smtClean="0"/>
-              <a:t>Optimizing a graphic often requires multiple iterative alterations</a:t>
-            </a:r>
-          </a:p>
-          <a:p>
-            <a:r>
-              <a:rPr lang="en-US" sz="2800" dirty="0" smtClean="0"/>
-              <a:t>Analysis and interpretation often benefits from active filtering, variable selection, and parameterization</a:t>
-            </a:r>
-          </a:p>
-          <a:p>
-            <a:r>
-              <a:rPr lang="en-US" sz="2800" dirty="0" smtClean="0"/>
-              <a:t>Interactive graphics allow end-users, especially non-experts, to more effectively explore data</a:t>
-            </a:r>
-          </a:p>
-          <a:p>
-            <a:r>
-              <a:rPr lang="en-US" sz="2800" dirty="0" smtClean="0"/>
-              <a:t>The R shiny package allows you to quickly and easily create sophisticated web-accessible interactive graphics</a:t>
-            </a:r>
-            <a:endParaRPr lang="en-US" sz="2800" dirty="0"/>
-          </a:p>
-        </p:txBody>
-      </p:sp>
-    </p:spTree>
-    <p:extLst>
-      <p:ext uri="{BB962C8B-B14F-4D97-AF65-F5344CB8AC3E}">
-        <p14:creationId xmlns:p14="http://schemas.microsoft.com/office/powerpoint/2010/main" val="2141840622"/>
-      </p:ext>
-    </p:extLst>
-  </p:cSld>
-  <p:clrMapOvr>
-    <a:masterClrMapping/>
-  </p:clrMapOvr>
-</p:sld>
-</file>
-
-<file path=ppt/slides/slide31.xml><?xml version="1.0" encoding="utf-8"?>
-<p:sld xmlns:a="http://schemas.openxmlformats.org/drawingml/2006/main" xmlns:r="http://schemas.openxmlformats.org/officeDocument/2006/relationships" xmlns:p="http://schemas.openxmlformats.org/presentationml/2006/main">
-  <p:cSld>
-    <p:spTree>
-      <p:nvGrpSpPr>
-        <p:cNvPr id="1" name=""/>
-        <p:cNvGrpSpPr/>
-        <p:nvPr/>
-      </p:nvGrpSpPr>
-      <p:grpSpPr>
-        <a:xfrm>
-          <a:off x="0" y="0"/>
-          <a:ext cx="0" cy="0"/>
-          <a:chOff x="0" y="0"/>
-          <a:chExt cx="0" cy="0"/>
-        </a:xfrm>
-      </p:grpSpPr>
-      <p:sp>
-        <p:nvSpPr>
-          <p:cNvPr id="2" name="Title 1"/>
-          <p:cNvSpPr>
-            <a:spLocks noGrp="1"/>
-          </p:cNvSpPr>
-          <p:nvPr>
-            <p:ph type="title"/>
-          </p:nvPr>
-        </p:nvSpPr>
-        <p:spPr/>
-        <p:txBody>
-          <a:bodyPr/>
-          <a:lstStyle/>
-          <a:p>
-            <a:r>
-              <a:rPr lang="en-US" dirty="0" smtClean="0"/>
-              <a:t>Basic organization of a shiny application</a:t>
-            </a:r>
-            <a:endParaRPr lang="en-US" dirty="0"/>
-          </a:p>
-        </p:txBody>
-      </p:sp>
-      <p:sp>
-        <p:nvSpPr>
-          <p:cNvPr id="5" name="TextBox 4"/>
-          <p:cNvSpPr txBox="1"/>
-          <p:nvPr/>
-        </p:nvSpPr>
-        <p:spPr>
-          <a:xfrm>
-            <a:off x="3945463" y="2379940"/>
-            <a:ext cx="1170362" cy="830997"/>
-          </a:xfrm>
-          <a:prstGeom prst="rect">
-            <a:avLst/>
-          </a:prstGeom>
-          <a:noFill/>
-        </p:spPr>
-        <p:txBody>
-          <a:bodyPr wrap="none" rtlCol="0">
-            <a:spAutoFit/>
-          </a:bodyPr>
-          <a:lstStyle/>
-          <a:p>
-            <a:pPr algn="ctr"/>
-            <a:r>
-              <a:rPr lang="en-US" sz="2400" dirty="0" err="1" smtClean="0"/>
-              <a:t>shinyUI</a:t>
-            </a:r>
-            <a:endParaRPr lang="en-US" sz="2400" dirty="0" smtClean="0"/>
-          </a:p>
-          <a:p>
-            <a:pPr algn="ctr"/>
-            <a:r>
-              <a:rPr lang="en-US" sz="2400" dirty="0" err="1" smtClean="0"/>
-              <a:t>ui.R</a:t>
-            </a:r>
-            <a:endParaRPr lang="en-US" sz="2400" dirty="0"/>
-          </a:p>
-        </p:txBody>
-      </p:sp>
-      <p:sp>
-        <p:nvSpPr>
-          <p:cNvPr id="6" name="TextBox 5"/>
-          <p:cNvSpPr txBox="1"/>
-          <p:nvPr/>
-        </p:nvSpPr>
-        <p:spPr>
-          <a:xfrm>
-            <a:off x="3633276" y="1032941"/>
-            <a:ext cx="1758865" cy="830997"/>
-          </a:xfrm>
-          <a:prstGeom prst="rect">
-            <a:avLst/>
-          </a:prstGeom>
-          <a:noFill/>
-        </p:spPr>
-        <p:txBody>
-          <a:bodyPr wrap="none" rtlCol="0">
-            <a:spAutoFit/>
-          </a:bodyPr>
-          <a:lstStyle/>
-          <a:p>
-            <a:pPr algn="ctr"/>
-            <a:r>
-              <a:rPr lang="en-US" sz="2400" dirty="0" err="1" smtClean="0"/>
-              <a:t>shinyServer</a:t>
-            </a:r>
-            <a:endParaRPr lang="en-US" sz="2400" dirty="0" smtClean="0"/>
-          </a:p>
-          <a:p>
-            <a:pPr algn="ctr"/>
-            <a:r>
-              <a:rPr lang="en-US" sz="2400" dirty="0" err="1" smtClean="0"/>
-              <a:t>server.R</a:t>
-            </a:r>
-            <a:endParaRPr lang="en-US" sz="2400" dirty="0"/>
-          </a:p>
-        </p:txBody>
-      </p:sp>
-      <p:sp>
-        <p:nvSpPr>
-          <p:cNvPr id="9" name="Curved Left Arrow 8"/>
-          <p:cNvSpPr/>
-          <p:nvPr/>
-        </p:nvSpPr>
-        <p:spPr>
-          <a:xfrm>
-            <a:off x="5529772" y="1337735"/>
-            <a:ext cx="853657" cy="1659469"/>
-          </a:xfrm>
-          <a:prstGeom prst="curvedLeftArrow">
-            <a:avLst/>
-          </a:prstGeom>
-        </p:spPr>
-        <p:style>
-          <a:lnRef idx="1">
-            <a:schemeClr val="dk1"/>
-          </a:lnRef>
-          <a:fillRef idx="3">
-            <a:schemeClr val="dk1"/>
-          </a:fillRef>
-          <a:effectRef idx="2">
-            <a:schemeClr val="dk1"/>
-          </a:effectRef>
-          <a:fontRef idx="minor">
-            <a:schemeClr val="lt1"/>
-          </a:fontRef>
-        </p:style>
-        <p:txBody>
-          <a:bodyPr rtlCol="0" anchor="ctr"/>
-          <a:lstStyle/>
-          <a:p>
-            <a:pPr algn="ctr"/>
-            <a:endParaRPr lang="en-US">
-              <a:solidFill>
-                <a:schemeClr val="bg1">
-                  <a:lumMod val="65000"/>
-                </a:schemeClr>
-              </a:solidFill>
-            </a:endParaRPr>
-          </a:p>
-        </p:txBody>
-      </p:sp>
-      <p:pic>
-        <p:nvPicPr>
-          <p:cNvPr id="15" name="Picture 14"/>
-          <p:cNvPicPr>
-            <a:picLocks noChangeAspect="1"/>
-          </p:cNvPicPr>
-          <p:nvPr/>
-        </p:nvPicPr>
-        <p:blipFill>
-          <a:blip r:embed="rId2"/>
-          <a:stretch>
-            <a:fillRect/>
-          </a:stretch>
-        </p:blipFill>
-        <p:spPr>
-          <a:xfrm>
-            <a:off x="643466" y="3282658"/>
-            <a:ext cx="7772400" cy="2737104"/>
-          </a:xfrm>
-          <a:prstGeom prst="rect">
-            <a:avLst/>
-          </a:prstGeom>
-        </p:spPr>
-      </p:pic>
-      <p:sp>
-        <p:nvSpPr>
-          <p:cNvPr id="16" name="Curved Left Arrow 15"/>
-          <p:cNvSpPr/>
-          <p:nvPr/>
-        </p:nvSpPr>
-        <p:spPr>
-          <a:xfrm rot="10800000">
-            <a:off x="2685031" y="1236140"/>
-            <a:ext cx="853657" cy="1659469"/>
-          </a:xfrm>
-          <a:prstGeom prst="curvedLeftArrow">
-            <a:avLst/>
-          </a:prstGeom>
-        </p:spPr>
-        <p:style>
-          <a:lnRef idx="1">
-            <a:schemeClr val="dk1"/>
-          </a:lnRef>
-          <a:fillRef idx="3">
-            <a:schemeClr val="dk1"/>
-          </a:fillRef>
-          <a:effectRef idx="2">
-            <a:schemeClr val="dk1"/>
-          </a:effectRef>
-          <a:fontRef idx="minor">
-            <a:schemeClr val="lt1"/>
-          </a:fontRef>
-        </p:style>
-        <p:txBody>
-          <a:bodyPr rtlCol="0" anchor="ctr"/>
-          <a:lstStyle/>
-          <a:p>
-            <a:pPr algn="ctr"/>
-            <a:endParaRPr lang="en-US">
-              <a:solidFill>
-                <a:schemeClr val="bg1">
-                  <a:lumMod val="65000"/>
-                </a:schemeClr>
-              </a:solidFill>
-            </a:endParaRPr>
-          </a:p>
-        </p:txBody>
-      </p:sp>
-      <p:sp>
-        <p:nvSpPr>
-          <p:cNvPr id="17" name="TextBox 16"/>
-          <p:cNvSpPr txBox="1"/>
-          <p:nvPr/>
-        </p:nvSpPr>
-        <p:spPr>
-          <a:xfrm>
-            <a:off x="1337728" y="1630070"/>
-            <a:ext cx="1117600" cy="954107"/>
-          </a:xfrm>
-          <a:prstGeom prst="rect">
-            <a:avLst/>
-          </a:prstGeom>
-          <a:noFill/>
-        </p:spPr>
-        <p:txBody>
-          <a:bodyPr wrap="square" rtlCol="0">
-            <a:spAutoFit/>
-          </a:bodyPr>
-          <a:lstStyle/>
-          <a:p>
-            <a:pPr algn="ctr"/>
-            <a:r>
-              <a:rPr lang="en-US" sz="2800" dirty="0" smtClean="0"/>
-              <a:t>User input</a:t>
-            </a:r>
-            <a:endParaRPr lang="en-US" sz="2800" dirty="0"/>
-          </a:p>
-        </p:txBody>
-      </p:sp>
-      <p:sp>
-        <p:nvSpPr>
-          <p:cNvPr id="18" name="TextBox 17"/>
-          <p:cNvSpPr txBox="1"/>
-          <p:nvPr/>
-        </p:nvSpPr>
-        <p:spPr>
-          <a:xfrm>
-            <a:off x="6570127" y="1647003"/>
-            <a:ext cx="1524008" cy="954107"/>
-          </a:xfrm>
-          <a:prstGeom prst="rect">
-            <a:avLst/>
-          </a:prstGeom>
-          <a:noFill/>
-        </p:spPr>
-        <p:txBody>
-          <a:bodyPr wrap="square" rtlCol="0">
-            <a:spAutoFit/>
-          </a:bodyPr>
-          <a:lstStyle/>
-          <a:p>
-            <a:pPr algn="ctr"/>
-            <a:r>
-              <a:rPr lang="en-US" sz="2800" dirty="0" smtClean="0"/>
-              <a:t>R output</a:t>
-            </a:r>
-            <a:endParaRPr lang="en-US" sz="2800" dirty="0"/>
-          </a:p>
-        </p:txBody>
-      </p:sp>
-      <p:sp>
-        <p:nvSpPr>
-          <p:cNvPr id="19" name="TextBox 18"/>
-          <p:cNvSpPr txBox="1"/>
-          <p:nvPr/>
-        </p:nvSpPr>
-        <p:spPr>
-          <a:xfrm>
-            <a:off x="1202962" y="6144335"/>
-            <a:ext cx="6806821" cy="523220"/>
-          </a:xfrm>
-          <a:prstGeom prst="rect">
-            <a:avLst/>
-          </a:prstGeom>
-          <a:noFill/>
-        </p:spPr>
-        <p:txBody>
-          <a:bodyPr wrap="none" rtlCol="0">
-            <a:spAutoFit/>
-          </a:bodyPr>
-          <a:lstStyle/>
-          <a:p>
-            <a:r>
-              <a:rPr lang="en-US" sz="2800" dirty="0" smtClean="0"/>
-              <a:t>Interactive User Interface (UI) = website</a:t>
-            </a:r>
-            <a:endParaRPr lang="en-US" sz="2800" dirty="0"/>
-          </a:p>
-        </p:txBody>
-      </p:sp>
-    </p:spTree>
-    <p:extLst>
-      <p:ext uri="{BB962C8B-B14F-4D97-AF65-F5344CB8AC3E}">
-        <p14:creationId xmlns:p14="http://schemas.microsoft.com/office/powerpoint/2010/main" val="2373662838"/>
-      </p:ext>
-    </p:extLst>
-  </p:cSld>
-  <p:clrMapOvr>
-    <a:masterClrMapping/>
-  </p:clrMapOvr>
-</p:sld>
-</file>
-
-<file path=ppt/slides/slide32.xml><?xml version="1.0" encoding="utf-8"?>
-<p:sld xmlns:a="http://schemas.openxmlformats.org/drawingml/2006/main" xmlns:r="http://schemas.openxmlformats.org/officeDocument/2006/relationships" xmlns:p="http://schemas.openxmlformats.org/presentationml/2006/main">
-  <p:cSld>
-    <p:spTree>
-      <p:nvGrpSpPr>
-        <p:cNvPr id="1" name=""/>
-        <p:cNvGrpSpPr/>
-        <p:nvPr/>
-      </p:nvGrpSpPr>
-      <p:grpSpPr>
-        <a:xfrm>
-          <a:off x="0" y="0"/>
-          <a:ext cx="0" cy="0"/>
-          <a:chOff x="0" y="0"/>
-          <a:chExt cx="0" cy="0"/>
-        </a:xfrm>
-      </p:grpSpPr>
-      <p:sp>
-        <p:nvSpPr>
-          <p:cNvPr id="2" name="Title 1"/>
-          <p:cNvSpPr>
-            <a:spLocks noGrp="1"/>
-          </p:cNvSpPr>
-          <p:nvPr>
-            <p:ph type="title"/>
-          </p:nvPr>
-        </p:nvSpPr>
-        <p:spPr/>
-        <p:txBody>
-          <a:bodyPr/>
-          <a:lstStyle/>
-          <a:p>
-            <a:r>
-              <a:rPr lang="en-US" dirty="0" smtClean="0"/>
               <a:t>Demo of shiny gallery genomics example</a:t>
             </a:r>
             <a:endParaRPr lang="en-US" dirty="0"/>
@@ -6830,7 +8778,7 @@
 </p:sld>
 </file>
 
-<file path=ppt/slides/slide33.xml><?xml version="1.0" encoding="utf-8"?>
+<file path=ppt/slides/slide31.xml><?xml version="1.0" encoding="utf-8"?>
 <p:sld xmlns:a="http://schemas.openxmlformats.org/drawingml/2006/main" xmlns:r="http://schemas.openxmlformats.org/officeDocument/2006/relationships" xmlns:p="http://schemas.openxmlformats.org/presentationml/2006/main">
   <p:cSld>
     <p:spTree>
@@ -7620,8 +9568,16 @@
           <a:lstStyle/>
           <a:p>
             <a:r>
-              <a:rPr lang="en-US" dirty="0" smtClean="0"/>
-              <a:t>Shiny installation is very simple</a:t>
+              <a:rPr lang="en-US" dirty="0" err="1" smtClean="0"/>
+              <a:t>Rstudio</a:t>
+            </a:r>
+            <a:r>
+              <a:rPr lang="en-US" dirty="0" smtClean="0"/>
+              <a:t> installation </a:t>
+            </a:r>
+            <a:r>
+              <a:rPr lang="en-US" dirty="0" smtClean="0"/>
+              <a:t>is very simple</a:t>
             </a:r>
           </a:p>
           <a:p>
@@ -7656,11 +9612,53 @@
             <a:pPr lvl="1"/>
             <a:r>
               <a:rPr lang="en-US" dirty="0" smtClean="0"/>
-              <a:t>Less of an </a:t>
-            </a:r>
-            <a:r>
-              <a:rPr lang="en-US" smtClean="0"/>
-              <a:t>issue these days</a:t>
+              <a:t>Less of an issue these </a:t>
+            </a:r>
+            <a:r>
+              <a:rPr lang="en-US" dirty="0" smtClean="0"/>
+              <a:t>days</a:t>
+            </a:r>
+          </a:p>
+          <a:p>
+            <a:pPr lvl="1"/>
+            <a:r>
+              <a:rPr lang="en-US" dirty="0" smtClean="0"/>
+              <a:t>Simplest to keep R, </a:t>
+            </a:r>
+            <a:r>
+              <a:rPr lang="en-US" dirty="0" err="1" smtClean="0"/>
+              <a:t>Rstudio</a:t>
+            </a:r>
+            <a:r>
+              <a:rPr lang="en-US" dirty="0" smtClean="0"/>
+              <a:t> and </a:t>
+            </a:r>
+            <a:r>
+              <a:rPr lang="en-US" dirty="0" err="1" smtClean="0"/>
+              <a:t>BioConductor</a:t>
+            </a:r>
+            <a:r>
+              <a:rPr lang="en-US" dirty="0" smtClean="0"/>
+              <a:t> updated to current/latest version</a:t>
+            </a:r>
+          </a:p>
+          <a:p>
+            <a:pPr lvl="1"/>
+            <a:r>
+              <a:rPr lang="en-US" dirty="0" err="1" smtClean="0"/>
+              <a:t>Rswitch</a:t>
+            </a:r>
+            <a:r>
+              <a:rPr lang="en-US" dirty="0" smtClean="0"/>
+              <a:t> – allows multiple versions of R/</a:t>
+            </a:r>
+            <a:r>
+              <a:rPr lang="en-US" dirty="0" err="1" smtClean="0"/>
+              <a:t>Rstudio</a:t>
+            </a:r>
+            <a:r>
+              <a:rPr lang="en-US" dirty="0" smtClean="0"/>
+              <a:t> to be maintained simultaneously</a:t>
             </a:r>
             <a:endParaRPr lang="en-US" dirty="0"/>
           </a:p>
@@ -7725,20 +9723,250 @@
       </p:sp>
       <p:sp>
         <p:nvSpPr>
-          <p:cNvPr id="3" name="Content Placeholder 2"/>
+          <p:cNvPr id="4" name="Content Placeholder 3"/>
           <p:cNvSpPr>
             <a:spLocks noGrp="1"/>
           </p:cNvSpPr>
           <p:nvPr>
-            <p:ph idx="1"/>
+            <p:ph sz="half" idx="1"/>
           </p:nvPr>
         </p:nvSpPr>
-        <p:spPr/>
+        <p:spPr>
+          <a:xfrm>
+            <a:off x="125188" y="1006929"/>
+            <a:ext cx="4421414" cy="5119235"/>
+          </a:xfrm>
+        </p:spPr>
         <p:txBody>
           <a:bodyPr/>
           <a:lstStyle/>
           <a:p>
-            <a:endParaRPr lang="en-US"/>
+            <a:r>
+              <a:rPr lang="en-US" dirty="0" smtClean="0"/>
+              <a:t>11,411 </a:t>
+            </a:r>
+            <a:r>
+              <a:rPr lang="en-US" dirty="0"/>
+              <a:t>available packages</a:t>
+            </a:r>
+            <a:endParaRPr lang="en-US" dirty="0" smtClean="0">
+              <a:hlinkClick r:id="rId2"/>
+            </a:endParaRPr>
+          </a:p>
+          <a:p>
+            <a:r>
+              <a:rPr lang="en-US" dirty="0" smtClean="0"/>
+              <a:t>All applications</a:t>
+            </a:r>
+          </a:p>
+          <a:p>
+            <a:pPr lvl="1"/>
+            <a:r>
+              <a:rPr lang="en-US" dirty="0" smtClean="0"/>
+              <a:t>ggplot2, cluster, dplyr, reshape2, </a:t>
+            </a:r>
+            <a:r>
+              <a:rPr lang="en-US" dirty="0" err="1" smtClean="0"/>
+              <a:t>randomForest</a:t>
+            </a:r>
+            <a:r>
+              <a:rPr lang="en-US" dirty="0" smtClean="0"/>
+              <a:t>, </a:t>
+            </a:r>
+            <a:r>
+              <a:rPr lang="en-US" dirty="0" err="1" smtClean="0"/>
+              <a:t>RColorBrewer</a:t>
+            </a:r>
+            <a:r>
+              <a:rPr lang="en-US" dirty="0" smtClean="0"/>
+              <a:t> </a:t>
+            </a:r>
+            <a:endParaRPr lang="en-US" dirty="0">
+              <a:hlinkClick r:id="rId2"/>
+            </a:endParaRPr>
+          </a:p>
+          <a:p>
+            <a:r>
+              <a:rPr lang="en-US" dirty="0" smtClean="0">
+                <a:hlinkClick r:id="rId2"/>
+              </a:rPr>
+              <a:t>https</a:t>
+            </a:r>
+            <a:r>
+              <a:rPr lang="en-US" dirty="0">
+                <a:hlinkClick r:id="rId2"/>
+              </a:rPr>
+              <a:t>://cran.r-project.org</a:t>
+            </a:r>
+            <a:r>
+              <a:rPr lang="en-US" dirty="0" smtClean="0">
+                <a:hlinkClick r:id="rId2"/>
+              </a:rPr>
+              <a:t>/</a:t>
+            </a:r>
+            <a:endParaRPr lang="en-US" dirty="0" smtClean="0"/>
+          </a:p>
+          <a:p>
+            <a:endParaRPr lang="en-US" dirty="0" smtClean="0"/>
+          </a:p>
+          <a:p>
+            <a:pPr marL="0" indent="0">
+              <a:buNone/>
+            </a:pPr>
+            <a:r>
+              <a:rPr lang="en-US" sz="2000" dirty="0" err="1"/>
+              <a:t>i</a:t>
+            </a:r>
+            <a:r>
+              <a:rPr lang="en-US" sz="2000" dirty="0" err="1" smtClean="0"/>
+              <a:t>nstall.packages</a:t>
+            </a:r>
+            <a:r>
+              <a:rPr lang="en-US" sz="2000" dirty="0" smtClean="0"/>
+              <a:t>()</a:t>
+            </a:r>
+            <a:endParaRPr lang="en-US" sz="2000" dirty="0"/>
+          </a:p>
+        </p:txBody>
+      </p:sp>
+      <p:sp>
+        <p:nvSpPr>
+          <p:cNvPr id="5" name="Content Placeholder 4"/>
+          <p:cNvSpPr>
+            <a:spLocks noGrp="1"/>
+          </p:cNvSpPr>
+          <p:nvPr>
+            <p:ph sz="half" idx="2"/>
+          </p:nvPr>
+        </p:nvSpPr>
+        <p:spPr>
+          <a:xfrm>
+            <a:off x="4648199" y="1006929"/>
+            <a:ext cx="4377267" cy="5119235"/>
+          </a:xfrm>
+        </p:spPr>
+        <p:txBody>
+          <a:bodyPr/>
+          <a:lstStyle/>
+          <a:p>
+            <a:r>
+              <a:rPr lang="en-US" dirty="0" smtClean="0"/>
+              <a:t>1,381 available packages</a:t>
+            </a:r>
+          </a:p>
+          <a:p>
+            <a:r>
+              <a:rPr lang="en-US" dirty="0" smtClean="0"/>
+              <a:t>Genomic applications</a:t>
+            </a:r>
+          </a:p>
+          <a:p>
+            <a:pPr lvl="1"/>
+            <a:r>
+              <a:rPr lang="en-US" dirty="0" err="1" smtClean="0"/>
+              <a:t>AnnotationDBI</a:t>
+            </a:r>
+            <a:r>
+              <a:rPr lang="en-US" dirty="0" smtClean="0"/>
+              <a:t>, </a:t>
+            </a:r>
+            <a:r>
+              <a:rPr lang="en-US" dirty="0" err="1" smtClean="0"/>
+              <a:t>GenomicRanges</a:t>
+            </a:r>
+            <a:r>
+              <a:rPr lang="en-US" dirty="0" smtClean="0"/>
+              <a:t>, </a:t>
+            </a:r>
+            <a:r>
+              <a:rPr lang="en-US" dirty="0" err="1" smtClean="0"/>
+              <a:t>limma</a:t>
+            </a:r>
+            <a:r>
+              <a:rPr lang="en-US" dirty="0" smtClean="0"/>
+              <a:t>, </a:t>
+            </a:r>
+            <a:r>
+              <a:rPr lang="en-US" dirty="0" err="1" smtClean="0"/>
+              <a:t>biomaRt</a:t>
+            </a:r>
+            <a:r>
+              <a:rPr lang="en-US" dirty="0" smtClean="0"/>
+              <a:t>, </a:t>
+            </a:r>
+            <a:r>
+              <a:rPr lang="en-US" dirty="0" err="1" smtClean="0"/>
+              <a:t>affy</a:t>
+            </a:r>
+            <a:r>
+              <a:rPr lang="en-US" dirty="0" smtClean="0"/>
+              <a:t>, </a:t>
+            </a:r>
+            <a:r>
+              <a:rPr lang="en-US" dirty="0" err="1" smtClean="0"/>
+              <a:t>GEOquery</a:t>
+            </a:r>
+            <a:endParaRPr lang="en-US" dirty="0"/>
+          </a:p>
+          <a:p>
+            <a:r>
+              <a:rPr lang="en-US" dirty="0">
+                <a:hlinkClick r:id="rId3"/>
+              </a:rPr>
+              <a:t>https://bioconductor.org</a:t>
+            </a:r>
+            <a:r>
+              <a:rPr lang="en-US" dirty="0" smtClean="0">
+                <a:hlinkClick r:id="rId3"/>
+              </a:rPr>
+              <a:t>/</a:t>
+            </a:r>
+            <a:endParaRPr lang="en-US" dirty="0" smtClean="0"/>
+          </a:p>
+          <a:p>
+            <a:endParaRPr lang="en-US" sz="2000" dirty="0"/>
+          </a:p>
+          <a:p>
+            <a:pPr marL="0" indent="0">
+              <a:buNone/>
+            </a:pPr>
+            <a:r>
+              <a:rPr lang="en-US" sz="2000" dirty="0"/>
+              <a:t>source("https://</a:t>
+            </a:r>
+            <a:r>
+              <a:rPr lang="en-US" sz="2000" dirty="0" err="1"/>
+              <a:t>bioconductor.org</a:t>
+            </a:r>
+            <a:r>
+              <a:rPr lang="en-US" sz="2000" dirty="0"/>
+              <a:t>/</a:t>
+            </a:r>
+            <a:r>
+              <a:rPr lang="en-US" sz="2000" dirty="0" err="1"/>
+              <a:t>biocLite.R</a:t>
+            </a:r>
+            <a:r>
+              <a:rPr lang="en-US" sz="2000" dirty="0"/>
+              <a:t>")</a:t>
+            </a:r>
+          </a:p>
+          <a:p>
+            <a:pPr marL="0" indent="0">
+              <a:buNone/>
+            </a:pPr>
+            <a:r>
+              <a:rPr lang="en-US" sz="2000" dirty="0" err="1"/>
+              <a:t>biocLite</a:t>
+            </a:r>
+            <a:r>
+              <a:rPr lang="en-US" sz="2000" dirty="0"/>
+              <a:t>()</a:t>
+            </a:r>
+            <a:endParaRPr lang="en-US" sz="2000" dirty="0" smtClean="0"/>
+          </a:p>
+          <a:p>
+            <a:endParaRPr lang="en-US" dirty="0"/>
           </a:p>
         </p:txBody>
       </p:sp>
@@ -7789,7 +10017,15 @@
           <a:p>
             <a:r>
               <a:rPr lang="en-US" dirty="0" smtClean="0"/>
-              <a:t>Getting help: ?, vignettes(), and data()</a:t>
+              <a:t>Getting help: ?, </a:t>
+            </a:r>
+            <a:r>
+              <a:rPr lang="en-US" dirty="0" smtClean="0"/>
+              <a:t>vignette(</a:t>
+            </a:r>
+            <a:r>
+              <a:rPr lang="en-US" dirty="0" smtClean="0"/>
+              <a:t>), and data()</a:t>
             </a:r>
             <a:endParaRPr lang="en-US" dirty="0"/>
           </a:p>
@@ -7810,6 +10046,128 @@
           <a:bodyPr/>
           <a:lstStyle/>
           <a:p>
+            <a:r>
+              <a:rPr lang="en-US" dirty="0" smtClean="0"/>
+              <a:t>Type ‘?’ before any function to get a manual style help page in R or </a:t>
+            </a:r>
+            <a:r>
+              <a:rPr lang="en-US" dirty="0" err="1" smtClean="0"/>
+              <a:t>Rstudio</a:t>
+            </a:r>
+            <a:endParaRPr lang="en-US" dirty="0" smtClean="0"/>
+          </a:p>
+          <a:p>
+            <a:r>
+              <a:rPr lang="en-US" dirty="0" smtClean="0"/>
+              <a:t>Similarly use vignette() together with a function/package name to get detailed usage vignettes</a:t>
+            </a:r>
+          </a:p>
+          <a:p>
+            <a:r>
+              <a:rPr lang="en-US" dirty="0" smtClean="0"/>
+              <a:t>Type data() to return a list of available demonstration datasets.</a:t>
+            </a:r>
+          </a:p>
+          <a:p>
+            <a:pPr lvl="1"/>
+            <a:endParaRPr lang="en-US" dirty="0"/>
+          </a:p>
+        </p:txBody>
+      </p:sp>
+      <p:pic>
+        <p:nvPicPr>
+          <p:cNvPr id="4" name="Picture 3" descr="Screenshot 2017-09-12 08.53.42.png"/>
+          <p:cNvPicPr>
+            <a:picLocks noChangeAspect="1"/>
+          </p:cNvPicPr>
+          <p:nvPr/>
+        </p:nvPicPr>
+        <p:blipFill>
+          <a:blip r:embed="rId2">
+            <a:extLst>
+              <a:ext uri="{28A0092B-C50C-407E-A947-70E740481C1C}">
+                <a14:useLocalDpi xmlns:a14="http://schemas.microsoft.com/office/drawing/2010/main" val="0"/>
+              </a:ext>
+            </a:extLst>
+          </a:blip>
+          <a:stretch>
+            <a:fillRect/>
+          </a:stretch>
+        </p:blipFill>
+        <p:spPr>
+          <a:xfrm>
+            <a:off x="4639734" y="3434724"/>
+            <a:ext cx="3153832" cy="3237010"/>
+          </a:xfrm>
+          <a:prstGeom prst="rect">
+            <a:avLst/>
+          </a:prstGeom>
+        </p:spPr>
+      </p:pic>
+      <p:sp>
+        <p:nvSpPr>
+          <p:cNvPr id="5" name="TextBox 4"/>
+          <p:cNvSpPr txBox="1"/>
+          <p:nvPr/>
+        </p:nvSpPr>
+        <p:spPr>
+          <a:xfrm>
+            <a:off x="1016000" y="4758268"/>
+            <a:ext cx="1672253" cy="584776"/>
+          </a:xfrm>
+          <a:prstGeom prst="rect">
+            <a:avLst/>
+          </a:prstGeom>
+          <a:noFill/>
+        </p:spPr>
+        <p:txBody>
+          <a:bodyPr wrap="none" rtlCol="0">
+            <a:spAutoFit/>
+          </a:bodyPr>
+          <a:lstStyle/>
+          <a:p>
+            <a:r>
+              <a:rPr lang="en-US" sz="3200" dirty="0" smtClean="0"/>
+              <a:t>&gt; ?apply</a:t>
+            </a:r>
+            <a:endParaRPr lang="en-US" sz="3200" dirty="0"/>
+          </a:p>
+        </p:txBody>
+      </p:sp>
+      <p:sp>
+        <p:nvSpPr>
+          <p:cNvPr id="6" name="Right Arrow 5"/>
+          <p:cNvSpPr/>
+          <p:nvPr/>
+        </p:nvSpPr>
+        <p:spPr>
+          <a:xfrm>
+            <a:off x="2993047" y="4879515"/>
+            <a:ext cx="901614" cy="446594"/>
+          </a:xfrm>
+          <a:prstGeom prst="rightArrow">
+            <a:avLst/>
+          </a:prstGeom>
+        </p:spPr>
+        <p:style>
+          <a:lnRef idx="1">
+            <a:schemeClr val="dk1"/>
+          </a:lnRef>
+          <a:fillRef idx="3">
+            <a:schemeClr val="dk1"/>
+          </a:fillRef>
+          <a:effectRef idx="2">
+            <a:schemeClr val="dk1"/>
+          </a:effectRef>
+          <a:fontRef idx="minor">
+            <a:schemeClr val="lt1"/>
+          </a:fontRef>
+        </p:style>
+        <p:txBody>
+          <a:bodyPr rtlCol="0" anchor="ctr"/>
+          <a:lstStyle/>
+          <a:p>
+            <a:pPr algn="ctr"/>
             <a:endParaRPr lang="en-US"/>
           </a:p>
         </p:txBody>
@@ -8088,7 +10446,7 @@
   <a:extraClrSchemeLst/>
   <a:extLst>
     <a:ext uri="{05A4C25C-085E-4340-85A3-A5531E510DB2}">
-      <thm15:themeFamily xmlns="" xmlns:thm15="http://schemas.microsoft.com/office/thememl/2012/main" name="MGI_4-3_ratio_v1a" id="{9A0171FA-20F4-F840-B1C8-29D686AB0540}" vid="{60506783-C923-7847-B1CA-7C860CC95497}"/>
+      <thm15:themeFamily xmlns:thm15="http://schemas.microsoft.com/office/thememl/2012/main" xmlns="" name="MGI_4-3_ratio_v1a" id="{9A0171FA-20F4-F840-B1C8-29D686AB0540}" vid="{60506783-C923-7847-B1CA-7C860CC95497}"/>
     </a:ext>
   </a:extLst>
 </a:theme>

--- a/GenViz_Module2_Lecture.pptx
+++ b/GenViz_Module2_Lecture.pptx
@@ -142,7 +142,7 @@
   </p:defaultTextStyle>
   <p:extLst>
     <p:ext uri="{EFAFB233-063F-42B5-8137-9DF3F51BA10A}">
-      <p15:sldGuideLst xmlns:p15="http://schemas.microsoft.com/office/powerpoint/2012/main" xmlns="">
+      <p15:sldGuideLst xmlns="" xmlns:p15="http://schemas.microsoft.com/office/powerpoint/2012/main">
         <p15:guide id="1" orient="horz" pos="2160">
           <p15:clr>
             <a:srgbClr val="A4A3A4"/>
@@ -242,7 +242,7 @@
             <a:fld id="{03643E35-CD80-874A-A3D7-254E954BB753}" type="datetimeFigureOut">
               <a:rPr lang="en-US" smtClean="0"/>
               <a:pPr/>
-              <a:t>9/11/17</a:t>
+              <a:t>9/12/17</a:t>
             </a:fld>
             <a:endParaRPr lang="en-US"/>
           </a:p>
@@ -409,7 +409,7 @@
             <a:fld id="{5C416C15-7665-174C-99B8-5B237ACA6582}" type="datetimeFigureOut">
               <a:rPr lang="en-US" smtClean="0"/>
               <a:pPr/>
-              <a:t>9/11/17</a:t>
+              <a:t>9/12/17</a:t>
             </a:fld>
             <a:endParaRPr lang="en-US"/>
           </a:p>
@@ -3303,19 +3303,7 @@
           <a:p>
             <a:r>
               <a:rPr lang="en-US" dirty="0" smtClean="0"/>
-              <a:t>Variables, Data </a:t>
-            </a:r>
-            <a:r>
-              <a:rPr lang="en-US" dirty="0" smtClean="0"/>
-              <a:t>Structure (</a:t>
-            </a:r>
-            <a:r>
-              <a:rPr lang="en-US" dirty="0" smtClean="0"/>
-              <a:t>Object) Types </a:t>
-            </a:r>
-            <a:r>
-              <a:rPr lang="en-US" dirty="0" smtClean="0"/>
-              <a:t>and Data types</a:t>
+              <a:t>Variables, Data Structure (Object) Types and Data types</a:t>
             </a:r>
             <a:endParaRPr lang="en-US" dirty="0"/>
           </a:p>
@@ -3401,11 +3389,7 @@
             </a:r>
             <a:r>
               <a:rPr lang="en-US" dirty="0" smtClean="0"/>
-              <a:t>many other </a:t>
-            </a:r>
-            <a:r>
-              <a:rPr lang="en-US" dirty="0" smtClean="0"/>
-              <a:t>programming languages (e.g., C, java, </a:t>
+              <a:t>many other programming languages (e.g., C, java, </a:t>
             </a:r>
             <a:r>
               <a:rPr lang="en-US" dirty="0" err="1" smtClean="0"/>
@@ -3463,11 +3447,7 @@
             </a:r>
             <a:r>
               <a:rPr lang="en-US" dirty="0" smtClean="0"/>
-              <a:t>R-object </a:t>
-            </a:r>
-            <a:r>
-              <a:rPr lang="en-US" dirty="0" smtClean="0"/>
-              <a:t>type is </a:t>
+              <a:t>R-object type is </a:t>
             </a:r>
             <a:r>
               <a:rPr lang="en-US" dirty="0"/>
@@ -3504,11 +3484,7 @@
           <a:p>
             <a:r>
               <a:rPr lang="en-US" dirty="0" smtClean="0"/>
-              <a:t>Lists </a:t>
-            </a:r>
-            <a:r>
-              <a:rPr lang="en-US" dirty="0" smtClean="0"/>
-              <a:t>are also vectors but are not atomic vectors, meaning that they can include multiple data types and can be recursive (contain lists of lists)</a:t>
+              <a:t>Lists are also vectors but are not atomic vectors, meaning that they can include multiple data types and can be recursive (contain lists of lists)</a:t>
             </a:r>
             <a:endParaRPr lang="en-US" dirty="0"/>
           </a:p>
@@ -4429,7 +4405,6 @@
               <a:rPr lang="en-US" dirty="0" smtClean="0"/>
               <a:t>Subsets of vectors can be extracted by index values</a:t>
             </a:r>
-            <a:endParaRPr lang="en-US" dirty="0" smtClean="0"/>
           </a:p>
           <a:p>
             <a:pPr marL="457200" lvl="1" indent="0">
@@ -5010,11 +4985,7 @@
             </a:r>
             <a:r>
               <a:rPr lang="en-US" dirty="0" smtClean="0"/>
-              <a:t>() is particularly </a:t>
-            </a:r>
-            <a:r>
-              <a:rPr lang="en-US" dirty="0" smtClean="0"/>
-              <a:t>useful for simple delimited data files</a:t>
+              <a:t>() is particularly useful for simple delimited data files</a:t>
             </a:r>
           </a:p>
           <a:p>
@@ -5810,11 +5781,7 @@
           <a:p>
             <a:r>
               <a:rPr lang="en-US" dirty="0" smtClean="0"/>
-              <a:t>By convention in R, “&lt;-” is used to assig</a:t>
-            </a:r>
-            <a:r>
-              <a:rPr lang="en-US" dirty="0" smtClean="0"/>
-              <a:t>n a value to a variable and “=” is used for setting arguments in a function. For R purists, this is the preferred method.</a:t>
+              <a:t>By convention in R, “&lt;-” is used to assign a value to a variable and “=” is used for setting arguments in a function. For R purists, this is the preferred method.</a:t>
             </a:r>
           </a:p>
           <a:p>
@@ -6731,7 +6698,6 @@
               <a:rPr lang="en-US" dirty="0" smtClean="0"/>
               <a:t>ggplot2 consistently one of the top two most popular of all R packages</a:t>
             </a:r>
-            <a:endParaRPr lang="en-US" dirty="0" smtClean="0"/>
           </a:p>
         </p:txBody>
       </p:sp>
@@ -6784,11 +6750,7 @@
           <a:p>
             <a:r>
               <a:rPr lang="en-US" sz="2400" dirty="0" smtClean="0"/>
-              <a:t>Why use </a:t>
-            </a:r>
-            <a:r>
-              <a:rPr lang="en-US" sz="2400" dirty="0" smtClean="0"/>
-              <a:t>ggplot2? – “prettier” graphics in less lines of code</a:t>
+              <a:t>Why use ggplot2? – “prettier” graphics in less lines of code</a:t>
             </a:r>
             <a:endParaRPr lang="en-US" sz="2400" dirty="0"/>
           </a:p>
@@ -7559,11 +7521,7 @@
             </a:r>
             <a:r>
               <a:rPr lang="en-US" sz="2000" dirty="0" smtClean="0"/>
-              <a:t> can be used</a:t>
-            </a:r>
-            <a:r>
-              <a:rPr lang="en-US" sz="2000" dirty="0" smtClean="0"/>
-              <a:t> to create publication ready documents presenting all code (analysis), comments, and results</a:t>
+              <a:t> can be used to create publication ready documents presenting all code (analysis), comments, and results</a:t>
             </a:r>
             <a:endParaRPr lang="en-US" sz="2000" dirty="0"/>
           </a:p>
@@ -9573,11 +9531,7 @@
             </a:r>
             <a:r>
               <a:rPr lang="en-US" dirty="0" smtClean="0"/>
-              <a:t> installation </a:t>
-            </a:r>
-            <a:r>
-              <a:rPr lang="en-US" dirty="0" smtClean="0"/>
-              <a:t>is very simple</a:t>
+              <a:t> installation is very simple</a:t>
             </a:r>
           </a:p>
           <a:p>
@@ -9612,11 +9566,7 @@
             <a:pPr lvl="1"/>
             <a:r>
               <a:rPr lang="en-US" dirty="0" smtClean="0"/>
-              <a:t>Less of an issue these </a:t>
-            </a:r>
-            <a:r>
-              <a:rPr lang="en-US" dirty="0" smtClean="0"/>
-              <a:t>days</a:t>
+              <a:t>Less of an issue these days</a:t>
             </a:r>
           </a:p>
           <a:p>
@@ -10017,15 +9967,7 @@
           <a:p>
             <a:r>
               <a:rPr lang="en-US" dirty="0" smtClean="0"/>
-              <a:t>Getting help: ?, </a:t>
-            </a:r>
-            <a:r>
-              <a:rPr lang="en-US" dirty="0" smtClean="0"/>
-              <a:t>vignette(</a:t>
-            </a:r>
-            <a:r>
-              <a:rPr lang="en-US" dirty="0" smtClean="0"/>
-              <a:t>), and data()</a:t>
+              <a:t>Getting help: ?, vignette(), and data()</a:t>
             </a:r>
             <a:endParaRPr lang="en-US" dirty="0"/>
           </a:p>
@@ -10446,7 +10388,7 @@
   <a:extraClrSchemeLst/>
   <a:extLst>
     <a:ext uri="{05A4C25C-085E-4340-85A3-A5531E510DB2}">
-      <thm15:themeFamily xmlns:thm15="http://schemas.microsoft.com/office/thememl/2012/main" xmlns="" name="MGI_4-3_ratio_v1a" id="{9A0171FA-20F4-F840-B1C8-29D686AB0540}" vid="{60506783-C923-7847-B1CA-7C860CC95497}"/>
+      <thm15:themeFamily xmlns="" xmlns:thm15="http://schemas.microsoft.com/office/thememl/2012/main" name="MGI_4-3_ratio_v1a" id="{9A0171FA-20F4-F840-B1C8-29D686AB0540}" vid="{60506783-C923-7847-B1CA-7C860CC95497}"/>
     </a:ext>
   </a:extLst>
 </a:theme>

--- a/GenViz_Module2_Lecture.pptx
+++ b/GenViz_Module2_Lecture.pptx
@@ -142,7 +142,7 @@
   </p:defaultTextStyle>
   <p:extLst>
     <p:ext uri="{EFAFB233-063F-42B5-8137-9DF3F51BA10A}">
-      <p15:sldGuideLst xmlns="" xmlns:p15="http://schemas.microsoft.com/office/powerpoint/2012/main">
+      <p15:sldGuideLst xmlns:p15="http://schemas.microsoft.com/office/powerpoint/2012/main" xmlns="">
         <p15:guide id="1" orient="horz" pos="2160">
           <p15:clr>
             <a:srgbClr val="A4A3A4"/>
@@ -242,7 +242,7 @@
             <a:fld id="{03643E35-CD80-874A-A3D7-254E954BB753}" type="datetimeFigureOut">
               <a:rPr lang="en-US" smtClean="0"/>
               <a:pPr/>
-              <a:t>9/12/17</a:t>
+              <a:t>9/13/17</a:t>
             </a:fld>
             <a:endParaRPr lang="en-US"/>
           </a:p>
@@ -409,7 +409,7 @@
             <a:fld id="{5C416C15-7665-174C-99B8-5B237ACA6582}" type="datetimeFigureOut">
               <a:rPr lang="en-US" smtClean="0"/>
               <a:pPr/>
-              <a:t>9/12/17</a:t>
+              <a:t>9/13/17</a:t>
             </a:fld>
             <a:endParaRPr lang="en-US"/>
           </a:p>
@@ -3577,14 +3577,14 @@
             <p:ph idx="1"/>
             <p:extLst>
               <p:ext uri="{D42A27DB-BD31-4B8C-83A1-F6EECF244321}">
-                <p14:modId xmlns:p14="http://schemas.microsoft.com/office/powerpoint/2010/main" val="232311003"/>
+                <p14:modId xmlns:p14="http://schemas.microsoft.com/office/powerpoint/2010/main" val="3172606269"/>
               </p:ext>
             </p:extLst>
           </p:nvPr>
         </p:nvGraphicFramePr>
         <p:xfrm>
           <a:off x="379415" y="1269960"/>
-          <a:ext cx="8552861" cy="4145280"/>
+          <a:ext cx="8552861" cy="4785360"/>
         </p:xfrm>
         <a:graphic>
           <a:graphicData uri="http://schemas.openxmlformats.org/drawingml/2006/table">
@@ -3816,7 +3816,11 @@
                       <a:pPr algn="ctr"/>
                       <a:r>
                         <a:rPr lang="en-US" dirty="0" smtClean="0"/>
-                        <a:t>x &lt;- “a”</a:t>
+                        <a:t>x &lt;- </a:t>
+                      </a:r>
+                      <a:r>
+                        <a:rPr lang="en-US" dirty="0" smtClean="0"/>
+                        <a:t>“foo”</a:t>
                       </a:r>
                       <a:endParaRPr lang="en-US" dirty="0"/>
                     </a:p>
@@ -3960,7 +3964,15 @@
                       </a:r>
                       <a:r>
                         <a:rPr lang="en-US" dirty="0" smtClean="0"/>
-                        <a:t>(“a”)</a:t>
+                        <a:t>(</a:t>
+                      </a:r>
+                      <a:r>
+                        <a:rPr lang="en-US" dirty="0" smtClean="0"/>
+                        <a:t>“foo”</a:t>
+                      </a:r>
+                      <a:r>
+                        <a:rPr lang="en-US" dirty="0" smtClean="0"/>
+                        <a:t>)</a:t>
                       </a:r>
                       <a:endParaRPr lang="en-US" dirty="0"/>
                     </a:p>
@@ -4091,6 +4103,91 @@
                     <a:p>
                       <a:pPr algn="ctr"/>
                       <a:r>
+                        <a:rPr lang="en-US" dirty="0" smtClean="0"/>
+                        <a:t>x &lt;- factor(c("</a:t>
+                      </a:r>
+                      <a:r>
+                        <a:rPr lang="en-US" dirty="0" err="1" smtClean="0"/>
+                        <a:t>foo","bar","bar</a:t>
+                      </a:r>
+                      <a:r>
+                        <a:rPr lang="en-US" dirty="0" smtClean="0"/>
+                        <a:t>"))</a:t>
+                      </a:r>
+                      <a:endParaRPr lang="en-US" dirty="0"/>
+                    </a:p>
+                  </a:txBody>
+                  <a:tcPr anchor="ctr"/>
+                </a:tc>
+                <a:tc>
+                  <a:txBody>
+                    <a:bodyPr/>
+                    <a:lstStyle/>
+                    <a:p>
+                      <a:pPr algn="ctr"/>
+                      <a:r>
+                        <a:rPr lang="en-US" dirty="0" smtClean="0"/>
+                        <a:t>factor</a:t>
+                      </a:r>
+                      <a:endParaRPr lang="en-US" dirty="0"/>
+                    </a:p>
+                  </a:txBody>
+                  <a:tcPr anchor="ctr"/>
+                </a:tc>
+                <a:tc>
+                  <a:txBody>
+                    <a:bodyPr/>
+                    <a:lstStyle/>
+                    <a:p>
+                      <a:pPr algn="ctr"/>
+                      <a:r>
+                        <a:rPr lang="en-US" dirty="0" smtClean="0"/>
+                        <a:t>integer</a:t>
+                      </a:r>
+                      <a:endParaRPr lang="en-US" dirty="0"/>
+                    </a:p>
+                  </a:txBody>
+                  <a:tcPr anchor="ctr"/>
+                </a:tc>
+                <a:tc>
+                  <a:txBody>
+                    <a:bodyPr/>
+                    <a:lstStyle/>
+                    <a:p>
+                      <a:pPr algn="ctr"/>
+                      <a:r>
+                        <a:rPr lang="en-US" dirty="0" err="1" smtClean="0"/>
+                        <a:t>is.factor</a:t>
+                      </a:r>
+                      <a:r>
+                        <a:rPr lang="en-US" dirty="0" smtClean="0"/>
+                        <a:t>(x)=TRUE</a:t>
+                      </a:r>
+                      <a:br>
+                        <a:rPr lang="en-US" dirty="0" smtClean="0"/>
+                      </a:br>
+                      <a:r>
+                        <a:rPr lang="en-US" dirty="0" err="1" smtClean="0"/>
+                        <a:t>is.integer</a:t>
+                      </a:r>
+                      <a:r>
+                        <a:rPr lang="en-US" smtClean="0"/>
+                        <a:t>(x)=TRUE</a:t>
+                      </a:r>
+                      <a:endParaRPr lang="en-US" dirty="0"/>
+                    </a:p>
+                  </a:txBody>
+                  <a:tcPr anchor="ctr"/>
+                </a:tc>
+              </a:tr>
+              <a:tr h="370840">
+                <a:tc>
+                  <a:txBody>
+                    <a:bodyPr/>
+                    <a:lstStyle/>
+                    <a:p>
+                      <a:pPr algn="ctr"/>
+                      <a:r>
                         <a:rPr lang="it-IT" dirty="0" smtClean="0"/>
                         <a:t>x &lt;- </a:t>
                       </a:r>
@@ -4193,7 +4290,31 @@
                       </a:r>
                       <a:r>
                         <a:rPr lang="es-ES_tradnl" dirty="0" smtClean="0"/>
-                        <a:t>(x=1:2, y=c(“a”, “b”))</a:t>
+                        <a:t>(x=1:2, y=c(</a:t>
+                      </a:r>
+                      <a:r>
+                        <a:rPr lang="es-ES_tradnl" dirty="0" smtClean="0"/>
+                        <a:t>“</a:t>
+                      </a:r>
+                      <a:r>
+                        <a:rPr lang="es-ES_tradnl" dirty="0" err="1" smtClean="0"/>
+                        <a:t>foo</a:t>
+                      </a:r>
+                      <a:r>
+                        <a:rPr lang="es-ES_tradnl" dirty="0" smtClean="0"/>
+                        <a:t>”</a:t>
+                      </a:r>
+                      <a:r>
+                        <a:rPr lang="es-ES_tradnl" dirty="0" smtClean="0"/>
+                        <a:t>, “</a:t>
+                      </a:r>
+                      <a:r>
+                        <a:rPr lang="es-ES_tradnl" dirty="0" smtClean="0"/>
+                        <a:t>bar”</a:t>
+                      </a:r>
+                      <a:r>
+                        <a:rPr lang="es-ES_tradnl" dirty="0" smtClean="0"/>
+                        <a:t>))</a:t>
                       </a:r>
                       <a:endParaRPr lang="en-US" dirty="0"/>
                     </a:p>
@@ -10388,7 +10509,7 @@
   <a:extraClrSchemeLst/>
   <a:extLst>
     <a:ext uri="{05A4C25C-085E-4340-85A3-A5531E510DB2}">
-      <thm15:themeFamily xmlns="" xmlns:thm15="http://schemas.microsoft.com/office/thememl/2012/main" name="MGI_4-3_ratio_v1a" id="{9A0171FA-20F4-F840-B1C8-29D686AB0540}" vid="{60506783-C923-7847-B1CA-7C860CC95497}"/>
+      <thm15:themeFamily xmlns:thm15="http://schemas.microsoft.com/office/thememl/2012/main" xmlns="" name="MGI_4-3_ratio_v1a" id="{9A0171FA-20F4-F840-B1C8-29D686AB0540}" vid="{60506783-C923-7847-B1CA-7C860CC95497}"/>
     </a:ext>
   </a:extLst>
 </a:theme>

--- a/GenViz_Module2_Lecture.pptx
+++ b/GenViz_Module2_Lecture.pptx
@@ -142,7 +142,7 @@
   </p:defaultTextStyle>
   <p:extLst>
     <p:ext uri="{EFAFB233-063F-42B5-8137-9DF3F51BA10A}">
-      <p15:sldGuideLst xmlns:p15="http://schemas.microsoft.com/office/powerpoint/2012/main" xmlns="">
+      <p15:sldGuideLst xmlns:p15="http://schemas.microsoft.com/office/powerpoint/2012/main">
         <p15:guide id="1" orient="horz" pos="2160">
           <p15:clr>
             <a:srgbClr val="A4A3A4"/>
@@ -242,7 +242,7 @@
             <a:fld id="{03643E35-CD80-874A-A3D7-254E954BB753}" type="datetimeFigureOut">
               <a:rPr lang="en-US" smtClean="0"/>
               <a:pPr/>
-              <a:t>9/13/17</a:t>
+              <a:t>4/8/19</a:t>
             </a:fld>
             <a:endParaRPr lang="en-US"/>
           </a:p>
@@ -409,7 +409,7 @@
             <a:fld id="{5C416C15-7665-174C-99B8-5B237ACA6582}" type="datetimeFigureOut">
               <a:rPr lang="en-US" smtClean="0"/>
               <a:pPr/>
-              <a:t>9/13/17</a:t>
+              <a:t>4/8/19</a:t>
             </a:fld>
             <a:endParaRPr lang="en-US"/>
           </a:p>
@@ -475,38 +475,37 @@
           <a:p>
             <a:pPr lvl="0"/>
             <a:r>
-              <a:rPr lang="en-US" smtClean="0"/>
+              <a:rPr lang="en-US"/>
               <a:t>Click to edit Master text styles</a:t>
             </a:r>
           </a:p>
           <a:p>
             <a:pPr lvl="1"/>
             <a:r>
-              <a:rPr lang="en-US" smtClean="0"/>
+              <a:rPr lang="en-US"/>
               <a:t>Second level</a:t>
             </a:r>
           </a:p>
           <a:p>
             <a:pPr lvl="2"/>
             <a:r>
-              <a:rPr lang="en-US" smtClean="0"/>
+              <a:rPr lang="en-US"/>
               <a:t>Third level</a:t>
             </a:r>
           </a:p>
           <a:p>
             <a:pPr lvl="3"/>
             <a:r>
-              <a:rPr lang="en-US" smtClean="0"/>
+              <a:rPr lang="en-US"/>
               <a:t>Fourth level</a:t>
             </a:r>
           </a:p>
           <a:p>
             <a:pPr lvl="4"/>
             <a:r>
-              <a:rPr lang="en-US" smtClean="0"/>
+              <a:rPr lang="en-US"/>
               <a:t>Fifth level</a:t>
             </a:r>
-            <a:endParaRPr lang="en-US"/>
           </a:p>
         </p:txBody>
       </p:sp>
@@ -729,11 +728,11 @@
               <a:buChar char="•"/>
             </a:pPr>
             <a:r>
-              <a:rPr lang="en-US" dirty="0" smtClean="0"/>
+              <a:rPr lang="en-US" dirty="0"/>
               <a:t>Note there</a:t>
             </a:r>
             <a:r>
-              <a:rPr lang="en-US" baseline="0" dirty="0" smtClean="0"/>
+              <a:rPr lang="en-US" baseline="0" dirty="0"/>
               <a:t> are two licenses if effect for this course. </a:t>
             </a:r>
           </a:p>
@@ -743,31 +742,31 @@
               <a:buChar char="•"/>
             </a:pPr>
             <a:r>
-              <a:rPr lang="en-US" baseline="0" dirty="0" smtClean="0"/>
+              <a:rPr lang="en-US" baseline="0" dirty="0"/>
               <a:t>All *content* (lectures, written materials, etc.) are made available under the Creative Commons Attribution-</a:t>
             </a:r>
             <a:r>
-              <a:rPr lang="en-US" baseline="0" dirty="0" err="1" smtClean="0"/>
+              <a:rPr lang="en-US" baseline="0" dirty="0" err="1"/>
               <a:t>ShareAlike</a:t>
             </a:r>
             <a:r>
-              <a:rPr lang="en-US" baseline="0" dirty="0" smtClean="0"/>
+              <a:rPr lang="en-US" baseline="0" dirty="0"/>
               <a:t> 4.0 International (CC BY-SA 4.0). (https://</a:t>
             </a:r>
             <a:r>
-              <a:rPr lang="en-US" baseline="0" dirty="0" err="1" smtClean="0"/>
+              <a:rPr lang="en-US" baseline="0" dirty="0" err="1"/>
               <a:t>creativecommons.org</a:t>
             </a:r>
             <a:r>
-              <a:rPr lang="en-US" baseline="0" dirty="0" smtClean="0"/>
+              <a:rPr lang="en-US" baseline="0" dirty="0"/>
               <a:t>/licenses/by-</a:t>
             </a:r>
             <a:r>
-              <a:rPr lang="en-US" baseline="0" dirty="0" err="1" smtClean="0"/>
+              <a:rPr lang="en-US" baseline="0" dirty="0" err="1"/>
               <a:t>sa</a:t>
             </a:r>
             <a:r>
-              <a:rPr lang="en-US" baseline="0" dirty="0" smtClean="0"/>
+              <a:rPr lang="en-US" baseline="0" dirty="0"/>
               <a:t>/4.0/).</a:t>
             </a:r>
           </a:p>
@@ -777,15 +776,15 @@
               <a:buChar char="•"/>
             </a:pPr>
             <a:r>
-              <a:rPr lang="en-US" baseline="0" dirty="0" smtClean="0"/>
+              <a:rPr lang="en-US" baseline="0" dirty="0"/>
               <a:t>All *code* (R scripts the website code itself) are made available under the MIT License (https://</a:t>
             </a:r>
             <a:r>
-              <a:rPr lang="en-US" baseline="0" dirty="0" err="1" smtClean="0"/>
+              <a:rPr lang="en-US" baseline="0" dirty="0" err="1"/>
               <a:t>opensource.org</a:t>
             </a:r>
             <a:r>
-              <a:rPr lang="en-US" baseline="0" dirty="0" smtClean="0"/>
+              <a:rPr lang="en-US" baseline="0" dirty="0"/>
               <a:t>/licenses/MIT).</a:t>
             </a:r>
             <a:endParaRPr lang="en-US" dirty="0"/>
@@ -893,7 +892,7 @@
           </a:lstStyle>
           <a:p>
             <a:r>
-              <a:rPr lang="en-US" smtClean="0"/>
+              <a:rPr lang="en-US"/>
               <a:t>Click to edit Master title style</a:t>
             </a:r>
             <a:endParaRPr lang="en-US" dirty="0"/>
@@ -1015,7 +1014,7 @@
           </a:lstStyle>
           <a:p>
             <a:r>
-              <a:rPr lang="en-US" smtClean="0"/>
+              <a:rPr lang="en-US"/>
               <a:t>Click to edit Master subtitle style</a:t>
             </a:r>
             <a:endParaRPr lang="en-US" dirty="0"/>
@@ -1050,7 +1049,7 @@
           </a:lstStyle>
           <a:p>
             <a:r>
-              <a:rPr lang="en-US" smtClean="0"/>
+              <a:rPr lang="en-US"/>
               <a:t>Presenter &lt;address@genome.wustl.edu&gt;</a:t>
             </a:r>
             <a:endParaRPr lang="en-US" dirty="0"/>
@@ -1067,13 +1066,6 @@
   <p:clrMapOvr>
     <a:masterClrMapping/>
   </p:clrMapOvr>
-  <p:timing>
-    <p:tnLst>
-      <p:par>
-        <p:cTn xmlns:p14="http://schemas.microsoft.com/office/powerpoint/2010/main" id="1" dur="indefinite" restart="never" nodeType="tmRoot"/>
-      </p:par>
-    </p:tnLst>
-  </p:timing>
 </p:sldLayout>
 </file>
 
@@ -1110,7 +1102,7 @@
           <a:lstStyle/>
           <a:p>
             <a:r>
-              <a:rPr lang="en-US" smtClean="0"/>
+              <a:rPr lang="en-US"/>
               <a:t>Click to edit Master title style</a:t>
             </a:r>
             <a:endParaRPr lang="en-US" dirty="0"/>
@@ -1140,7 +1132,7 @@
           </a:lstStyle>
           <a:p>
             <a:r>
-              <a:rPr lang="en-US" smtClean="0"/>
+              <a:rPr lang="en-US"/>
               <a:t>Presenter &lt;address@genome.wustl.edu&gt;</a:t>
             </a:r>
             <a:endParaRPr lang="en-US" dirty="0"/>
@@ -1174,35 +1166,35 @@
           <a:p>
             <a:pPr lvl="0"/>
             <a:r>
-              <a:rPr lang="en-US" smtClean="0"/>
+              <a:rPr lang="en-US"/>
               <a:t>Click to edit Master text styles</a:t>
             </a:r>
           </a:p>
           <a:p>
             <a:pPr lvl="1"/>
             <a:r>
-              <a:rPr lang="en-US" smtClean="0"/>
+              <a:rPr lang="en-US"/>
               <a:t>Second level</a:t>
             </a:r>
           </a:p>
           <a:p>
             <a:pPr lvl="2"/>
             <a:r>
-              <a:rPr lang="en-US" smtClean="0"/>
+              <a:rPr lang="en-US"/>
               <a:t>Third level</a:t>
             </a:r>
           </a:p>
           <a:p>
             <a:pPr lvl="3"/>
             <a:r>
-              <a:rPr lang="en-US" smtClean="0"/>
+              <a:rPr lang="en-US"/>
               <a:t>Fourth level</a:t>
             </a:r>
           </a:p>
           <a:p>
             <a:pPr lvl="4"/>
             <a:r>
-              <a:rPr lang="en-US" smtClean="0"/>
+              <a:rPr lang="en-US"/>
               <a:t>Fifth level</a:t>
             </a:r>
             <a:endParaRPr lang="en-US" dirty="0"/>
@@ -1277,7 +1269,7 @@
           </a:lstStyle>
           <a:p>
             <a:r>
-              <a:rPr lang="en-US" smtClean="0"/>
+              <a:rPr lang="en-US"/>
               <a:t>Click to edit Master title style</a:t>
             </a:r>
             <a:endParaRPr lang="en-US" dirty="0"/>
@@ -1300,7 +1292,7 @@
           <a:lstStyle/>
           <a:p>
             <a:r>
-              <a:rPr lang="en-US" smtClean="0"/>
+              <a:rPr lang="en-US"/>
               <a:t>Presenter &lt;address@genome.wustl.edu&gt;</a:t>
             </a:r>
             <a:endParaRPr lang="en-US" dirty="0"/>
@@ -1375,10 +1367,9 @@
           </a:lstStyle>
           <a:p>
             <a:r>
-              <a:rPr lang="en-US" dirty="0" smtClean="0"/>
+              <a:rPr lang="en-US" dirty="0"/>
               <a:t>Click to edit Master section title style</a:t>
             </a:r>
-            <a:endParaRPr lang="en-US" dirty="0"/>
           </a:p>
         </p:txBody>
       </p:sp>
@@ -1497,7 +1488,7 @@
           <a:p>
             <a:pPr lvl="0"/>
             <a:r>
-              <a:rPr lang="en-US" dirty="0" smtClean="0"/>
+              <a:rPr lang="en-US" dirty="0"/>
               <a:t>Click to edit Master section subtitle styles</a:t>
             </a:r>
           </a:p>
@@ -1526,7 +1517,7 @@
           </a:lstStyle>
           <a:p>
             <a:r>
-              <a:rPr lang="en-US" smtClean="0"/>
+              <a:rPr lang="en-US"/>
               <a:t>Presenter &lt;address@genome.wustl.edu&gt;</a:t>
             </a:r>
             <a:endParaRPr lang="en-US" dirty="0"/>
@@ -1579,7 +1570,7 @@
           <a:lstStyle/>
           <a:p>
             <a:r>
-              <a:rPr lang="en-US" smtClean="0"/>
+              <a:rPr lang="en-US"/>
               <a:t>Click to edit Master title style</a:t>
             </a:r>
             <a:endParaRPr lang="en-US" dirty="0"/>
@@ -1636,35 +1627,35 @@
           <a:p>
             <a:pPr lvl="0"/>
             <a:r>
-              <a:rPr lang="en-US" smtClean="0"/>
+              <a:rPr lang="en-US"/>
               <a:t>Click to edit Master text styles</a:t>
             </a:r>
           </a:p>
           <a:p>
             <a:pPr lvl="1"/>
             <a:r>
-              <a:rPr lang="en-US" smtClean="0"/>
+              <a:rPr lang="en-US"/>
               <a:t>Second level</a:t>
             </a:r>
           </a:p>
           <a:p>
             <a:pPr lvl="2"/>
             <a:r>
-              <a:rPr lang="en-US" smtClean="0"/>
+              <a:rPr lang="en-US"/>
               <a:t>Third level</a:t>
             </a:r>
           </a:p>
           <a:p>
             <a:pPr lvl="3"/>
             <a:r>
-              <a:rPr lang="en-US" smtClean="0"/>
+              <a:rPr lang="en-US"/>
               <a:t>Fourth level</a:t>
             </a:r>
           </a:p>
           <a:p>
             <a:pPr lvl="4"/>
             <a:r>
-              <a:rPr lang="en-US" smtClean="0"/>
+              <a:rPr lang="en-US"/>
               <a:t>Fifth level</a:t>
             </a:r>
             <a:endParaRPr lang="en-US" dirty="0"/>
@@ -1721,35 +1712,35 @@
           <a:p>
             <a:pPr lvl="0"/>
             <a:r>
-              <a:rPr lang="en-US" smtClean="0"/>
+              <a:rPr lang="en-US"/>
               <a:t>Click to edit Master text styles</a:t>
             </a:r>
           </a:p>
           <a:p>
             <a:pPr lvl="1"/>
             <a:r>
-              <a:rPr lang="en-US" smtClean="0"/>
+              <a:rPr lang="en-US"/>
               <a:t>Second level</a:t>
             </a:r>
           </a:p>
           <a:p>
             <a:pPr lvl="2"/>
             <a:r>
-              <a:rPr lang="en-US" smtClean="0"/>
+              <a:rPr lang="en-US"/>
               <a:t>Third level</a:t>
             </a:r>
           </a:p>
           <a:p>
             <a:pPr lvl="3"/>
             <a:r>
-              <a:rPr lang="en-US" smtClean="0"/>
+              <a:rPr lang="en-US"/>
               <a:t>Fourth level</a:t>
             </a:r>
           </a:p>
           <a:p>
             <a:pPr lvl="4"/>
             <a:r>
-              <a:rPr lang="en-US" smtClean="0"/>
+              <a:rPr lang="en-US"/>
               <a:t>Fifth level</a:t>
             </a:r>
             <a:endParaRPr lang="en-US" dirty="0"/>
@@ -1772,7 +1763,7 @@
           <a:lstStyle/>
           <a:p>
             <a:r>
-              <a:rPr lang="en-US" smtClean="0"/>
+              <a:rPr lang="en-US"/>
               <a:t>Presenter &lt;address@genome.wustl.edu&gt;</a:t>
             </a:r>
             <a:endParaRPr lang="en-US" dirty="0"/>
@@ -1825,10 +1816,9 @@
           <a:lstStyle/>
           <a:p>
             <a:r>
-              <a:rPr lang="en-US" smtClean="0"/>
+              <a:rPr lang="en-US"/>
               <a:t>Click to edit Master title style</a:t>
             </a:r>
-            <a:endParaRPr lang="en-US"/>
           </a:p>
         </p:txBody>
       </p:sp>
@@ -1848,7 +1838,7 @@
           <a:lstStyle/>
           <a:p>
             <a:r>
-              <a:rPr lang="en-US" smtClean="0"/>
+              <a:rPr lang="en-US"/>
               <a:t>Presenter &lt;address@genome.wustl.edu&gt;</a:t>
             </a:r>
             <a:endParaRPr lang="en-US" dirty="0"/>
@@ -1912,7 +1902,7 @@
           <a:lstStyle/>
           <a:p>
             <a:r>
-              <a:rPr lang="en-US" smtClean="0"/>
+              <a:rPr lang="en-US"/>
               <a:t>Presenter &lt;address@genome.wustl.edu&gt;</a:t>
             </a:r>
             <a:endParaRPr lang="en-US" dirty="0"/>
@@ -1987,7 +1977,7 @@
           </a:lstStyle>
           <a:p>
             <a:r>
-              <a:rPr lang="en-US" smtClean="0"/>
+              <a:rPr lang="en-US"/>
               <a:t>Click to edit Master title style</a:t>
             </a:r>
             <a:endParaRPr lang="en-US" dirty="0"/>
@@ -2044,35 +2034,35 @@
           <a:p>
             <a:pPr lvl="0"/>
             <a:r>
-              <a:rPr lang="en-US" smtClean="0"/>
+              <a:rPr lang="en-US"/>
               <a:t>Click to edit Master text styles</a:t>
             </a:r>
           </a:p>
           <a:p>
             <a:pPr lvl="1"/>
             <a:r>
-              <a:rPr lang="en-US" smtClean="0"/>
+              <a:rPr lang="en-US"/>
               <a:t>Second level</a:t>
             </a:r>
           </a:p>
           <a:p>
             <a:pPr lvl="2"/>
             <a:r>
-              <a:rPr lang="en-US" smtClean="0"/>
+              <a:rPr lang="en-US"/>
               <a:t>Third level</a:t>
             </a:r>
           </a:p>
           <a:p>
             <a:pPr lvl="3"/>
             <a:r>
-              <a:rPr lang="en-US" smtClean="0"/>
+              <a:rPr lang="en-US"/>
               <a:t>Fourth level</a:t>
             </a:r>
           </a:p>
           <a:p>
             <a:pPr lvl="4"/>
             <a:r>
-              <a:rPr lang="en-US" smtClean="0"/>
+              <a:rPr lang="en-US"/>
               <a:t>Fifth level</a:t>
             </a:r>
             <a:endParaRPr lang="en-US" dirty="0"/>
@@ -2140,7 +2130,7 @@
           <a:p>
             <a:pPr lvl="0"/>
             <a:r>
-              <a:rPr lang="en-US" smtClean="0"/>
+              <a:rPr lang="en-US"/>
               <a:t>Click to edit Master text styles</a:t>
             </a:r>
           </a:p>
@@ -2162,7 +2152,7 @@
           <a:lstStyle/>
           <a:p>
             <a:r>
-              <a:rPr lang="en-US" smtClean="0"/>
+              <a:rPr lang="en-US"/>
               <a:t>Presenter &lt;address@genome.wustl.edu&gt;</a:t>
             </a:r>
             <a:endParaRPr lang="en-US" dirty="0"/>
@@ -2235,10 +2225,9 @@
           </a:lstStyle>
           <a:p>
             <a:r>
-              <a:rPr lang="en-US" smtClean="0"/>
+              <a:rPr lang="en-US"/>
               <a:t>Click to edit Master title style</a:t>
             </a:r>
-            <a:endParaRPr lang="en-US"/>
           </a:p>
         </p:txBody>
       </p:sp>
@@ -2302,7 +2291,7 @@
           </a:lstStyle>
           <a:p>
             <a:r>
-              <a:rPr lang="en-US" smtClean="0"/>
+              <a:rPr lang="en-US"/>
               <a:t>Drag picture to placeholder or click icon to add</a:t>
             </a:r>
             <a:endParaRPr lang="en-US" dirty="0"/>
@@ -2368,7 +2357,7 @@
           <a:p>
             <a:pPr lvl="0"/>
             <a:r>
-              <a:rPr lang="en-US" smtClean="0"/>
+              <a:rPr lang="en-US"/>
               <a:t>Click to edit Master text styles</a:t>
             </a:r>
           </a:p>
@@ -2390,18 +2379,17 @@
           <a:lstStyle/>
           <a:p>
             <a:r>
-              <a:rPr lang="en-US" dirty="0" smtClean="0"/>
+              <a:rPr lang="en-US" dirty="0"/>
               <a:t>Presenter &lt;</a:t>
             </a:r>
             <a:r>
-              <a:rPr lang="en-US" dirty="0" err="1" smtClean="0"/>
+              <a:rPr lang="en-US" dirty="0" err="1"/>
               <a:t>address@genome.wustl.edu</a:t>
             </a:r>
             <a:r>
-              <a:rPr lang="en-US" dirty="0" smtClean="0"/>
+              <a:rPr lang="en-US" dirty="0"/>
               <a:t>&gt;</a:t>
             </a:r>
-            <a:endParaRPr lang="en-US" dirty="0"/>
           </a:p>
         </p:txBody>
       </p:sp>
@@ -2472,7 +2460,7 @@
           <a:lstStyle/>
           <a:p>
             <a:r>
-              <a:rPr lang="en-US" smtClean="0"/>
+              <a:rPr lang="en-US"/>
               <a:t>Click to edit Master title style</a:t>
             </a:r>
             <a:endParaRPr lang="en-US" dirty="0"/>
@@ -2506,35 +2494,35 @@
           <a:p>
             <a:pPr lvl="0"/>
             <a:r>
-              <a:rPr lang="en-US" smtClean="0"/>
+              <a:rPr lang="en-US"/>
               <a:t>Click to edit Master text styles</a:t>
             </a:r>
           </a:p>
           <a:p>
             <a:pPr lvl="1"/>
             <a:r>
-              <a:rPr lang="en-US" smtClean="0"/>
+              <a:rPr lang="en-US"/>
               <a:t>Second level</a:t>
             </a:r>
           </a:p>
           <a:p>
             <a:pPr lvl="2"/>
             <a:r>
-              <a:rPr lang="en-US" smtClean="0"/>
+              <a:rPr lang="en-US"/>
               <a:t>Third level</a:t>
             </a:r>
           </a:p>
           <a:p>
             <a:pPr lvl="3"/>
             <a:r>
-              <a:rPr lang="en-US" smtClean="0"/>
+              <a:rPr lang="en-US"/>
               <a:t>Fourth level</a:t>
             </a:r>
           </a:p>
           <a:p>
             <a:pPr lvl="4"/>
             <a:r>
-              <a:rPr lang="en-US" smtClean="0"/>
+              <a:rPr lang="en-US"/>
               <a:t>Fifth level</a:t>
             </a:r>
             <a:endParaRPr lang="en-US" dirty="0"/>
@@ -2577,7 +2565,7 @@
           </a:lstStyle>
           <a:p>
             <a:r>
-              <a:rPr lang="en-US" smtClean="0"/>
+              <a:rPr lang="en-US"/>
               <a:t>Presenter &lt;address@genome.wustl.edu&gt;</a:t>
             </a:r>
             <a:endParaRPr lang="en-US" dirty="0"/>
@@ -2970,37 +2958,20 @@
           <a:lstStyle/>
           <a:p>
             <a:r>
-              <a:rPr lang="en-US" dirty="0" err="1" smtClean="0"/>
+              <a:rPr lang="en-US" dirty="0" err="1"/>
               <a:t>GenViz</a:t>
             </a:r>
             <a:r>
-              <a:rPr lang="en-US" dirty="0" smtClean="0"/>
+              <a:rPr lang="en-US" dirty="0"/>
               <a:t> Module 2:</a:t>
             </a:r>
             <a:br>
-              <a:rPr lang="en-US" dirty="0" smtClean="0"/>
+              <a:rPr lang="en-US" dirty="0"/>
             </a:br>
             <a:r>
-              <a:rPr lang="en-US" dirty="0" smtClean="0"/>
-              <a:t>Using R for genomic </a:t>
-            </a:r>
-            <a:r>
-              <a:rPr lang="en-US" dirty="0"/>
-              <a:t>d</a:t>
-            </a:r>
-            <a:r>
-              <a:rPr lang="en-US" dirty="0" smtClean="0"/>
-              <a:t>ata </a:t>
-            </a:r>
-            <a:r>
-              <a:rPr lang="en-US" dirty="0"/>
-              <a:t>v</a:t>
-            </a:r>
-            <a:r>
-              <a:rPr lang="en-US" dirty="0" smtClean="0"/>
-              <a:t>isualization and interpretation</a:t>
-            </a:r>
-            <a:endParaRPr lang="en-US" dirty="0"/>
+              <a:rPr lang="en-US" dirty="0"/>
+              <a:t>Using R for genomic data visualization and interpretation</a:t>
+            </a:r>
           </a:p>
         </p:txBody>
       </p:sp>
@@ -3028,38 +2999,34 @@
           <a:p>
             <a:pPr algn="r"/>
             <a:r>
-              <a:rPr lang="en-US" sz="1800" dirty="0" smtClean="0"/>
+              <a:rPr lang="en-US" sz="1800" dirty="0"/>
               <a:t>Malachi Griffith, Obi Griffith, Zachary Skidmore</a:t>
             </a:r>
           </a:p>
           <a:p>
             <a:pPr algn="r"/>
             <a:r>
-              <a:rPr lang="en-US" sz="1800" dirty="0" smtClean="0"/>
+              <a:rPr lang="en-US" sz="1800" dirty="0"/>
               <a:t>Genomic Data Visualization and Interpretation</a:t>
             </a:r>
           </a:p>
           <a:p>
             <a:pPr algn="r"/>
             <a:r>
-              <a:rPr lang="en-US" sz="1800" dirty="0" smtClean="0"/>
-              <a:t>September 11-15, 2017</a:t>
+              <a:rPr lang="en-US" sz="1800" dirty="0"/>
+              <a:t>April 8-12, 2019</a:t>
             </a:r>
           </a:p>
           <a:p>
             <a:pPr algn="r"/>
             <a:r>
-              <a:rPr lang="en-US" sz="1800" dirty="0" smtClean="0"/>
-              <a:t>Berlin </a:t>
-            </a:r>
-          </a:p>
-          <a:p>
-            <a:pPr algn="r"/>
-            <a:endParaRPr lang="en-US" sz="1800" dirty="0" smtClean="0"/>
-          </a:p>
-          <a:p>
-            <a:pPr algn="r"/>
-            <a:endParaRPr lang="en-US" sz="1800" dirty="0"/>
+              <a:rPr lang="en-US" sz="1800" dirty="0" err="1"/>
+              <a:t>Freie</a:t>
+            </a:r>
+            <a:r>
+              <a:rPr lang="en-US" sz="1800" dirty="0"/>
+              <a:t> Universität Berlin</a:t>
+            </a:r>
           </a:p>
         </p:txBody>
       </p:sp>
@@ -3148,13 +3115,6 @@
   <p:clrMapOvr>
     <a:masterClrMapping/>
   </p:clrMapOvr>
-  <p:timing>
-    <p:tnLst>
-      <p:par>
-        <p:cTn xmlns:p14="http://schemas.microsoft.com/office/powerpoint/2010/main" id="1" dur="indefinite" restart="never" nodeType="tmRoot"/>
-      </p:par>
-    </p:tnLst>
-  </p:timing>
 </p:sld>
 </file>
 
@@ -3198,31 +3158,31 @@
           <a:lstStyle/>
           <a:p>
             <a:r>
-              <a:rPr lang="en-US" sz="2000" dirty="0" err="1" smtClean="0"/>
+              <a:rPr lang="en-US" sz="2000" dirty="0" err="1"/>
               <a:t>Rseek.org</a:t>
             </a:r>
             <a:r>
-              <a:rPr lang="en-US" sz="2000" dirty="0" smtClean="0"/>
+              <a:rPr lang="en-US" sz="2000" dirty="0"/>
               <a:t> to search CRAN, r-bloggers, </a:t>
             </a:r>
             <a:r>
-              <a:rPr lang="en-US" sz="2000" dirty="0" err="1" smtClean="0"/>
+              <a:rPr lang="en-US" sz="2000" dirty="0" err="1"/>
               <a:t>support.rstudio.com</a:t>
             </a:r>
             <a:r>
-              <a:rPr lang="en-US" sz="2000" dirty="0" smtClean="0"/>
+              <a:rPr lang="en-US" sz="2000" dirty="0"/>
               <a:t>, </a:t>
             </a:r>
             <a:r>
-              <a:rPr lang="en-US" sz="2000" dirty="0" err="1" smtClean="0"/>
+              <a:rPr lang="en-US" sz="2000" dirty="0" err="1"/>
               <a:t>rpubs.com</a:t>
             </a:r>
             <a:r>
-              <a:rPr lang="en-US" sz="2000" dirty="0" smtClean="0"/>
+              <a:rPr lang="en-US" sz="2000" dirty="0"/>
               <a:t>, </a:t>
             </a:r>
             <a:r>
-              <a:rPr lang="en-US" sz="2000" dirty="0" err="1" smtClean="0"/>
+              <a:rPr lang="en-US" sz="2000" dirty="0" err="1"/>
               <a:t>etc</a:t>
             </a:r>
             <a:endParaRPr lang="en-US" sz="2000" dirty="0"/>
@@ -3302,10 +3262,9 @@
           <a:lstStyle/>
           <a:p>
             <a:r>
-              <a:rPr lang="en-US" dirty="0" smtClean="0"/>
+              <a:rPr lang="en-US" dirty="0"/>
               <a:t>Variables, Data Structure (Object) Types and Data types</a:t>
             </a:r>
-            <a:endParaRPr lang="en-US" dirty="0"/>
           </a:p>
         </p:txBody>
       </p:sp>
@@ -3327,177 +3286,69 @@
           <a:lstStyle/>
           <a:p>
             <a:r>
-              <a:rPr lang="en-US" dirty="0" smtClean="0"/>
-              <a:t>As with any </a:t>
-            </a:r>
-            <a:r>
-              <a:rPr lang="en-US" dirty="0"/>
-              <a:t>programming language, you need to use </a:t>
-            </a:r>
-            <a:r>
-              <a:rPr lang="en-US" dirty="0" smtClean="0"/>
-              <a:t>variables </a:t>
-            </a:r>
-            <a:r>
-              <a:rPr lang="en-US" dirty="0"/>
-              <a:t>to store </a:t>
-            </a:r>
-            <a:r>
-              <a:rPr lang="en-US" dirty="0" smtClean="0"/>
-              <a:t>information</a:t>
-            </a:r>
-            <a:r>
-              <a:rPr lang="en-US" dirty="0"/>
-              <a:t>. </a:t>
-            </a:r>
-            <a:r>
-              <a:rPr lang="en-US" dirty="0" smtClean="0"/>
-              <a:t>When </a:t>
-            </a:r>
-            <a:r>
-              <a:rPr lang="en-US" dirty="0"/>
-              <a:t>you create a variable you reserve some space in </a:t>
-            </a:r>
-            <a:r>
-              <a:rPr lang="en-US" dirty="0" smtClean="0"/>
-              <a:t>memory and keep a record of its location for later retrieval and use.</a:t>
-            </a:r>
-            <a:endParaRPr lang="en-US" dirty="0"/>
-          </a:p>
-          <a:p>
-            <a:r>
-              <a:rPr lang="en-US" dirty="0" smtClean="0"/>
+              <a:rPr lang="en-US" dirty="0"/>
+              <a:t>As with any programming language, you need to use variables to store information. When you create a variable you reserve some space in memory and keep a record of its location for later retrieval and use.</a:t>
+            </a:r>
+          </a:p>
+          <a:p>
+            <a:r>
+              <a:rPr lang="en-US" dirty="0"/>
               <a:t>The information you wish to store might be characters (e.g., text), integers, </a:t>
             </a:r>
             <a:r>
-              <a:rPr lang="en-US" dirty="0" err="1" smtClean="0"/>
+              <a:rPr lang="en-US" dirty="0" err="1"/>
               <a:t>boolean</a:t>
             </a:r>
             <a:r>
-              <a:rPr lang="en-US" dirty="0" smtClean="0"/>
-              <a:t> (e.g., True/False) </a:t>
-            </a:r>
-            <a:r>
-              <a:rPr lang="en-US" dirty="0"/>
-              <a:t>etc. </a:t>
-            </a:r>
-          </a:p>
-          <a:p>
-            <a:r>
-              <a:rPr lang="en-US" dirty="0"/>
-              <a:t>In contrast to </a:t>
-            </a:r>
-            <a:r>
-              <a:rPr lang="en-US" dirty="0" smtClean="0"/>
-              <a:t>many other programming languages (e.g., C, java, </a:t>
-            </a:r>
-            <a:r>
-              <a:rPr lang="en-US" dirty="0" err="1" smtClean="0"/>
+              <a:rPr lang="en-US" dirty="0"/>
+              <a:t> (e.g., True/False) etc. </a:t>
+            </a:r>
+          </a:p>
+          <a:p>
+            <a:r>
+              <a:rPr lang="en-US" dirty="0"/>
+              <a:t>In contrast to many other programming languages (e.g., C, java, </a:t>
+            </a:r>
+            <a:r>
+              <a:rPr lang="en-US" dirty="0" err="1"/>
               <a:t>etc</a:t>
             </a:r>
             <a:r>
-              <a:rPr lang="en-US" dirty="0" smtClean="0"/>
-              <a:t>), </a:t>
-            </a:r>
-            <a:r>
-              <a:rPr lang="en-US" dirty="0"/>
-              <a:t>in </a:t>
-            </a:r>
-            <a:r>
-              <a:rPr lang="en-US" dirty="0" smtClean="0"/>
-              <a:t>R </a:t>
-            </a:r>
-            <a:r>
-              <a:rPr lang="en-US" dirty="0"/>
-              <a:t>variables are not declared as </a:t>
-            </a:r>
-            <a:r>
-              <a:rPr lang="en-US" dirty="0" smtClean="0"/>
-              <a:t>a specific data </a:t>
-            </a:r>
-            <a:r>
-              <a:rPr lang="en-US" dirty="0"/>
-              <a:t>type. </a:t>
-            </a:r>
-            <a:endParaRPr lang="en-US" dirty="0" smtClean="0"/>
+              <a:rPr lang="en-US" dirty="0"/>
+              <a:t>), in R variables are not declared as a specific data type. </a:t>
+            </a:r>
           </a:p>
           <a:p>
             <a:pPr lvl="1"/>
             <a:r>
-              <a:rPr lang="en-US" dirty="0" smtClean="0"/>
-              <a:t>The </a:t>
-            </a:r>
-            <a:r>
-              <a:rPr lang="en-US" dirty="0"/>
-              <a:t>variables are assigned with R-Objects and the data type of the R-object becomes the data type of the variable</a:t>
-            </a:r>
-            <a:r>
-              <a:rPr lang="en-US" dirty="0" smtClean="0"/>
-              <a:t>.</a:t>
-            </a:r>
-          </a:p>
-          <a:p>
-            <a:r>
-              <a:rPr lang="en-US" dirty="0" smtClean="0"/>
-              <a:t>The </a:t>
-            </a:r>
-            <a:r>
-              <a:rPr lang="en-US" dirty="0"/>
-              <a:t>simplest </a:t>
-            </a:r>
-            <a:r>
-              <a:rPr lang="en-US" dirty="0" smtClean="0"/>
-              <a:t>R-object type is </a:t>
-            </a:r>
-            <a:r>
-              <a:rPr lang="en-US" dirty="0"/>
-              <a:t>the </a:t>
-            </a:r>
-            <a:r>
-              <a:rPr lang="en-US" dirty="0" smtClean="0"/>
-              <a:t>atomic vector</a:t>
+              <a:rPr lang="en-US" dirty="0"/>
+              <a:t>The variables are assigned with R-Objects and the data type of the R-object becomes the data type of the variable.</a:t>
+            </a:r>
+          </a:p>
+          <a:p>
+            <a:r>
+              <a:rPr lang="en-US" dirty="0"/>
+              <a:t>The simplest R-object type is the atomic vector</a:t>
             </a:r>
           </a:p>
           <a:p>
             <a:pPr lvl="1"/>
             <a:r>
-              <a:rPr lang="en-US" dirty="0" smtClean="0"/>
-              <a:t>There </a:t>
-            </a:r>
-            <a:r>
-              <a:rPr lang="en-US" dirty="0"/>
-              <a:t>are six data types </a:t>
-            </a:r>
-            <a:r>
-              <a:rPr lang="en-US" dirty="0" smtClean="0"/>
-              <a:t>for </a:t>
-            </a:r>
-            <a:r>
-              <a:rPr lang="en-US" dirty="0"/>
-              <a:t>atomic vectors, also termed as six classes of </a:t>
-            </a:r>
-            <a:r>
-              <a:rPr lang="en-US" dirty="0" smtClean="0"/>
-              <a:t>vectors: logical, numerical, integer, complex, character, and raw</a:t>
-            </a:r>
-          </a:p>
-          <a:p>
-            <a:r>
-              <a:rPr lang="en-US" dirty="0" smtClean="0"/>
+              <a:rPr lang="en-US" dirty="0"/>
+              <a:t>There are six data types for atomic vectors, also termed as six classes of vectors: logical, numerical, integer, complex, character, and raw</a:t>
+            </a:r>
+          </a:p>
+          <a:p>
+            <a:r>
+              <a:rPr lang="en-US" dirty="0"/>
               <a:t>Lists are also vectors but are not atomic vectors, meaning that they can include multiple data types and can be recursive (contain lists of lists)</a:t>
             </a:r>
-            <a:endParaRPr lang="en-US" dirty="0"/>
-          </a:p>
-          <a:p>
-            <a:r>
-              <a:rPr lang="en-US" dirty="0"/>
-              <a:t>The other R-Objects are built upon atomic </a:t>
-            </a:r>
-            <a:r>
-              <a:rPr lang="en-US" dirty="0" smtClean="0"/>
-              <a:t>vectors and include: factors, matrices, arrays, data frames, </a:t>
-            </a:r>
-            <a:endParaRPr lang="en-US" dirty="0"/>
+          </a:p>
+          <a:p>
+            <a:r>
+              <a:rPr lang="en-US" dirty="0"/>
+              <a:t>The other R-Objects are built upon atomic vectors and include: factors, matrices, arrays, data frames, </a:t>
+            </a:r>
           </a:p>
           <a:p>
             <a:endParaRPr lang="en-US" dirty="0"/>
@@ -3552,18 +3403,17 @@
           <a:lstStyle/>
           <a:p>
             <a:r>
-              <a:rPr lang="en-US" dirty="0" smtClean="0"/>
-              <a:t>Understanding data and object types with class(), </a:t>
-            </a:r>
-            <a:r>
-              <a:rPr lang="en-US" dirty="0" err="1" smtClean="0"/>
+              <a:rPr lang="en-US" dirty="0"/>
+              <a:t>Understanding object and data types with class(), </a:t>
+            </a:r>
+            <a:r>
+              <a:rPr lang="en-US" dirty="0" err="1"/>
               <a:t>typeof</a:t>
             </a:r>
             <a:r>
-              <a:rPr lang="en-US" dirty="0" smtClean="0"/>
+              <a:rPr lang="en-US" dirty="0"/>
               <a:t>() and is.*()</a:t>
             </a:r>
-            <a:endParaRPr lang="en-US" dirty="0"/>
           </a:p>
         </p:txBody>
       </p:sp>
@@ -3593,10 +3443,34 @@
                 <a:tableStyleId>{5C22544A-7EE6-4342-B048-85BDC9FD1C3A}</a:tableStyleId>
               </a:tblPr>
               <a:tblGrid>
-                <a:gridCol w="3074985"/>
-                <a:gridCol w="1757517"/>
-                <a:gridCol w="1173480"/>
-                <a:gridCol w="2546879"/>
+                <a:gridCol w="3074985">
+                  <a:extLst>
+                    <a:ext uri="{9D8B030D-6E8A-4147-A177-3AD203B41FA5}">
+                      <a16:colId xmlns:a16="http://schemas.microsoft.com/office/drawing/2014/main" val="20000"/>
+                    </a:ext>
+                  </a:extLst>
+                </a:gridCol>
+                <a:gridCol w="1757517">
+                  <a:extLst>
+                    <a:ext uri="{9D8B030D-6E8A-4147-A177-3AD203B41FA5}">
+                      <a16:colId xmlns:a16="http://schemas.microsoft.com/office/drawing/2014/main" val="20001"/>
+                    </a:ext>
+                  </a:extLst>
+                </a:gridCol>
+                <a:gridCol w="1173480">
+                  <a:extLst>
+                    <a:ext uri="{9D8B030D-6E8A-4147-A177-3AD203B41FA5}">
+                      <a16:colId xmlns:a16="http://schemas.microsoft.com/office/drawing/2014/main" val="20002"/>
+                    </a:ext>
+                  </a:extLst>
+                </a:gridCol>
+                <a:gridCol w="2546879">
+                  <a:extLst>
+                    <a:ext uri="{9D8B030D-6E8A-4147-A177-3AD203B41FA5}">
+                      <a16:colId xmlns:a16="http://schemas.microsoft.com/office/drawing/2014/main" val="20003"/>
+                    </a:ext>
+                  </a:extLst>
+                </a:gridCol>
               </a:tblGrid>
               <a:tr h="370840">
                 <a:tc>
@@ -3606,10 +3480,9 @@
                     <a:p>
                       <a:pPr algn="ctr"/>
                       <a:r>
-                        <a:rPr lang="en-US" dirty="0" smtClean="0"/>
+                        <a:rPr lang="en-US" dirty="0"/>
                         <a:t>x</a:t>
                       </a:r>
-                      <a:endParaRPr lang="en-US" dirty="0"/>
                     </a:p>
                   </a:txBody>
                   <a:tcPr/>
@@ -3621,10 +3494,9 @@
                     <a:p>
                       <a:pPr algn="ctr"/>
                       <a:r>
-                        <a:rPr lang="en-US" dirty="0" smtClean="0"/>
+                        <a:rPr lang="en-US" dirty="0"/>
                         <a:t>class(x)</a:t>
                       </a:r>
-                      <a:endParaRPr lang="en-US" dirty="0"/>
                     </a:p>
                   </a:txBody>
                   <a:tcPr/>
@@ -3636,14 +3508,13 @@
                     <a:p>
                       <a:pPr algn="ctr"/>
                       <a:r>
-                        <a:rPr lang="en-US" dirty="0" err="1" smtClean="0"/>
+                        <a:rPr lang="en-US" dirty="0" err="1"/>
                         <a:t>typeof</a:t>
                       </a:r>
                       <a:r>
-                        <a:rPr lang="en-US" dirty="0" smtClean="0"/>
+                        <a:rPr lang="en-US" dirty="0"/>
                         <a:t>(x)</a:t>
                       </a:r>
-                      <a:endParaRPr lang="en-US" dirty="0"/>
                     </a:p>
                   </a:txBody>
                   <a:tcPr/>
@@ -3655,14 +3526,18 @@
                     <a:p>
                       <a:pPr algn="ctr"/>
                       <a:r>
-                        <a:rPr lang="en-US" dirty="0" smtClean="0"/>
+                        <a:rPr lang="en-US" dirty="0"/>
                         <a:t>is.*(x)</a:t>
                       </a:r>
-                      <a:endParaRPr lang="en-US" dirty="0"/>
                     </a:p>
                   </a:txBody>
                   <a:tcPr/>
                 </a:tc>
+                <a:extLst>
+                  <a:ext uri="{0D108BD9-81ED-4DB2-BD59-A6C34878D82A}">
+                    <a16:rowId xmlns:a16="http://schemas.microsoft.com/office/drawing/2014/main" val="10000"/>
+                  </a:ext>
+                </a:extLst>
               </a:tr>
               <a:tr h="370840">
                 <a:tc>
@@ -3672,10 +3547,9 @@
                     <a:p>
                       <a:pPr algn="ctr"/>
                       <a:r>
-                        <a:rPr lang="en-US" dirty="0" smtClean="0"/>
+                        <a:rPr lang="en-US" dirty="0"/>
                         <a:t>x &lt;- 1.0</a:t>
                       </a:r>
-                      <a:endParaRPr lang="en-US" dirty="0"/>
                     </a:p>
                   </a:txBody>
                   <a:tcPr anchor="ctr"/>
@@ -3687,10 +3561,9 @@
                     <a:p>
                       <a:pPr algn="ctr"/>
                       <a:r>
-                        <a:rPr lang="en-US" dirty="0" smtClean="0"/>
+                        <a:rPr lang="en-US" dirty="0"/>
                         <a:t>numeric</a:t>
                       </a:r>
-                      <a:endParaRPr lang="en-US" dirty="0"/>
                     </a:p>
                   </a:txBody>
                   <a:tcPr anchor="ctr"/>
@@ -3702,10 +3575,9 @@
                     <a:p>
                       <a:pPr algn="ctr"/>
                       <a:r>
-                        <a:rPr lang="en-US" dirty="0" smtClean="0"/>
+                        <a:rPr lang="en-US" dirty="0"/>
                         <a:t>double</a:t>
                       </a:r>
-                      <a:endParaRPr lang="en-US" dirty="0"/>
                     </a:p>
                   </a:txBody>
                   <a:tcPr anchor="ctr"/>
@@ -3717,29 +3589,33 @@
                     <a:p>
                       <a:pPr algn="ctr"/>
                       <a:r>
-                        <a:rPr lang="en-US" dirty="0" err="1" smtClean="0"/>
+                        <a:rPr lang="en-US" dirty="0" err="1"/>
                         <a:t>is.numeric</a:t>
                       </a:r>
                       <a:r>
-                        <a:rPr lang="en-US" dirty="0" smtClean="0"/>
+                        <a:rPr lang="en-US" dirty="0"/>
                         <a:t>(x)=TRUE</a:t>
                       </a:r>
                       <a:br>
-                        <a:rPr lang="en-US" dirty="0" smtClean="0"/>
+                        <a:rPr lang="en-US" dirty="0"/>
                       </a:br>
                       <a:r>
-                        <a:rPr lang="en-US" dirty="0" err="1" smtClean="0"/>
+                        <a:rPr lang="en-US" dirty="0" err="1"/>
                         <a:t>is.double</a:t>
                       </a:r>
                       <a:r>
-                        <a:rPr lang="en-US" dirty="0" smtClean="0"/>
+                        <a:rPr lang="en-US" dirty="0"/>
                         <a:t>(x)=TRUE</a:t>
                       </a:r>
-                      <a:endParaRPr lang="en-US" dirty="0"/>
                     </a:p>
                   </a:txBody>
                   <a:tcPr anchor="ctr"/>
                 </a:tc>
+                <a:extLst>
+                  <a:ext uri="{0D108BD9-81ED-4DB2-BD59-A6C34878D82A}">
+                    <a16:rowId xmlns:a16="http://schemas.microsoft.com/office/drawing/2014/main" val="10001"/>
+                  </a:ext>
+                </a:extLst>
               </a:tr>
               <a:tr h="370840">
                 <a:tc>
@@ -3749,10 +3625,9 @@
                     <a:p>
                       <a:pPr algn="ctr"/>
                       <a:r>
-                        <a:rPr lang="en-US" dirty="0" smtClean="0"/>
+                        <a:rPr lang="en-US" dirty="0"/>
                         <a:t>x &lt;- 1L</a:t>
                       </a:r>
-                      <a:endParaRPr lang="en-US" dirty="0"/>
                     </a:p>
                   </a:txBody>
                   <a:tcPr anchor="ctr"/>
@@ -3764,10 +3639,9 @@
                     <a:p>
                       <a:pPr algn="ctr"/>
                       <a:r>
-                        <a:rPr lang="en-US" dirty="0" smtClean="0"/>
+                        <a:rPr lang="en-US" dirty="0"/>
                         <a:t>integer</a:t>
                       </a:r>
-                      <a:endParaRPr lang="en-US" dirty="0"/>
                     </a:p>
                   </a:txBody>
                   <a:tcPr anchor="ctr"/>
@@ -3779,10 +3653,9 @@
                     <a:p>
                       <a:pPr algn="ctr"/>
                       <a:r>
-                        <a:rPr lang="en-US" dirty="0" smtClean="0"/>
+                        <a:rPr lang="en-US" dirty="0"/>
                         <a:t>integer</a:t>
                       </a:r>
-                      <a:endParaRPr lang="en-US" dirty="0"/>
                     </a:p>
                   </a:txBody>
                   <a:tcPr anchor="ctr"/>
@@ -3794,18 +3667,22 @@
                     <a:p>
                       <a:pPr algn="ctr"/>
                       <a:r>
-                        <a:rPr lang="en-US" dirty="0" err="1" smtClean="0"/>
+                        <a:rPr lang="en-US" dirty="0" err="1"/>
                         <a:t>is.integer</a:t>
                       </a:r>
                       <a:r>
-                        <a:rPr lang="en-US" dirty="0" smtClean="0"/>
+                        <a:rPr lang="en-US" dirty="0"/>
                         <a:t>(x)=TRUE</a:t>
                       </a:r>
-                      <a:endParaRPr lang="en-US" dirty="0"/>
                     </a:p>
                   </a:txBody>
                   <a:tcPr anchor="ctr"/>
                 </a:tc>
+                <a:extLst>
+                  <a:ext uri="{0D108BD9-81ED-4DB2-BD59-A6C34878D82A}">
+                    <a16:rowId xmlns:a16="http://schemas.microsoft.com/office/drawing/2014/main" val="10002"/>
+                  </a:ext>
+                </a:extLst>
               </a:tr>
               <a:tr h="370840">
                 <a:tc>
@@ -3815,14 +3692,9 @@
                     <a:p>
                       <a:pPr algn="ctr"/>
                       <a:r>
-                        <a:rPr lang="en-US" dirty="0" smtClean="0"/>
-                        <a:t>x &lt;- </a:t>
+                        <a:rPr lang="en-US" dirty="0"/>
+                        <a:t>x &lt;- “foo”</a:t>
                       </a:r>
-                      <a:r>
-                        <a:rPr lang="en-US" dirty="0" smtClean="0"/>
-                        <a:t>“foo”</a:t>
-                      </a:r>
-                      <a:endParaRPr lang="en-US" dirty="0"/>
                     </a:p>
                   </a:txBody>
                   <a:tcPr anchor="ctr"/>
@@ -3834,10 +3706,9 @@
                     <a:p>
                       <a:pPr algn="ctr"/>
                       <a:r>
-                        <a:rPr lang="en-US" dirty="0" smtClean="0"/>
+                        <a:rPr lang="en-US" dirty="0"/>
                         <a:t>character</a:t>
                       </a:r>
-                      <a:endParaRPr lang="en-US" dirty="0"/>
                     </a:p>
                   </a:txBody>
                   <a:tcPr anchor="ctr"/>
@@ -3849,10 +3720,9 @@
                     <a:p>
                       <a:pPr algn="ctr"/>
                       <a:r>
-                        <a:rPr lang="en-US" dirty="0" smtClean="0"/>
+                        <a:rPr lang="en-US" dirty="0"/>
                         <a:t>character</a:t>
                       </a:r>
-                      <a:endParaRPr lang="en-US" dirty="0"/>
                     </a:p>
                   </a:txBody>
                   <a:tcPr anchor="ctr"/>
@@ -3864,18 +3734,22 @@
                     <a:p>
                       <a:pPr algn="ctr"/>
                       <a:r>
-                        <a:rPr lang="en-US" dirty="0" err="1" smtClean="0"/>
+                        <a:rPr lang="en-US" dirty="0" err="1"/>
                         <a:t>is.character</a:t>
                       </a:r>
                       <a:r>
-                        <a:rPr lang="en-US" dirty="0" smtClean="0"/>
+                        <a:rPr lang="en-US" dirty="0"/>
                         <a:t>(x)=TRUE</a:t>
                       </a:r>
-                      <a:endParaRPr lang="en-US" dirty="0"/>
                     </a:p>
                   </a:txBody>
                   <a:tcPr anchor="ctr"/>
                 </a:tc>
+                <a:extLst>
+                  <a:ext uri="{0D108BD9-81ED-4DB2-BD59-A6C34878D82A}">
+                    <a16:rowId xmlns:a16="http://schemas.microsoft.com/office/drawing/2014/main" val="10003"/>
+                  </a:ext>
+                </a:extLst>
               </a:tr>
               <a:tr h="370840">
                 <a:tc>
@@ -3885,10 +3759,9 @@
                     <a:p>
                       <a:pPr algn="ctr"/>
                       <a:r>
-                        <a:rPr lang="en-US" dirty="0" smtClean="0"/>
+                        <a:rPr lang="en-US" dirty="0"/>
                         <a:t>x &lt;- TRUE</a:t>
                       </a:r>
-                      <a:endParaRPr lang="en-US" dirty="0"/>
                     </a:p>
                   </a:txBody>
                   <a:tcPr anchor="ctr"/>
@@ -3900,10 +3773,9 @@
                     <a:p>
                       <a:pPr algn="ctr"/>
                       <a:r>
-                        <a:rPr lang="en-US" dirty="0" smtClean="0"/>
+                        <a:rPr lang="en-US" dirty="0"/>
                         <a:t>logical</a:t>
                       </a:r>
-                      <a:endParaRPr lang="en-US" dirty="0"/>
                     </a:p>
                   </a:txBody>
                   <a:tcPr anchor="ctr"/>
@@ -3915,10 +3787,9 @@
                     <a:p>
                       <a:pPr algn="ctr"/>
                       <a:r>
-                        <a:rPr lang="en-US" dirty="0" smtClean="0"/>
+                        <a:rPr lang="en-US" dirty="0"/>
                         <a:t>logical</a:t>
                       </a:r>
-                      <a:endParaRPr lang="en-US" dirty="0"/>
                     </a:p>
                   </a:txBody>
                   <a:tcPr anchor="ctr"/>
@@ -3930,15 +3801,15 @@
                     <a:p>
                       <a:pPr algn="ctr"/>
                       <a:r>
-                        <a:rPr lang="en-US" dirty="0" err="1" smtClean="0"/>
+                        <a:rPr lang="en-US" dirty="0" err="1"/>
                         <a:t>is.logical</a:t>
                       </a:r>
                       <a:r>
-                        <a:rPr lang="en-US" dirty="0" smtClean="0"/>
+                        <a:rPr lang="en-US" dirty="0"/>
                         <a:t>(x)=</a:t>
                       </a:r>
                       <a:r>
-                        <a:rPr lang="en-US" baseline="0" dirty="0" smtClean="0"/>
+                        <a:rPr lang="en-US" baseline="0" dirty="0"/>
                         <a:t>TRUE</a:t>
                       </a:r>
                       <a:endParaRPr lang="en-US" dirty="0"/>
@@ -3946,6 +3817,11 @@
                   </a:txBody>
                   <a:tcPr anchor="ctr"/>
                 </a:tc>
+                <a:extLst>
+                  <a:ext uri="{0D108BD9-81ED-4DB2-BD59-A6C34878D82A}">
+                    <a16:rowId xmlns:a16="http://schemas.microsoft.com/office/drawing/2014/main" val="10004"/>
+                  </a:ext>
+                </a:extLst>
               </a:tr>
               <a:tr h="370840">
                 <a:tc>
@@ -3955,26 +3831,17 @@
                     <a:p>
                       <a:pPr algn="ctr"/>
                       <a:r>
-                        <a:rPr lang="en-US" dirty="0" smtClean="0"/>
+                        <a:rPr lang="en-US" dirty="0"/>
                         <a:t>x &lt;- </a:t>
                       </a:r>
                       <a:r>
-                        <a:rPr lang="en-US" dirty="0" err="1" smtClean="0"/>
+                        <a:rPr lang="en-US" dirty="0" err="1"/>
                         <a:t>charToRaw</a:t>
                       </a:r>
                       <a:r>
-                        <a:rPr lang="en-US" dirty="0" smtClean="0"/>
-                        <a:t>(</a:t>
+                        <a:rPr lang="en-US" dirty="0"/>
+                        <a:t>(“foo”)</a:t>
                       </a:r>
-                      <a:r>
-                        <a:rPr lang="en-US" dirty="0" smtClean="0"/>
-                        <a:t>“foo”</a:t>
-                      </a:r>
-                      <a:r>
-                        <a:rPr lang="en-US" dirty="0" smtClean="0"/>
-                        <a:t>)</a:t>
-                      </a:r>
-                      <a:endParaRPr lang="en-US" dirty="0"/>
                     </a:p>
                   </a:txBody>
                   <a:tcPr anchor="ctr"/>
@@ -3986,10 +3853,9 @@
                     <a:p>
                       <a:pPr algn="ctr"/>
                       <a:r>
-                        <a:rPr lang="en-US" dirty="0" smtClean="0"/>
+                        <a:rPr lang="en-US" dirty="0"/>
                         <a:t>raw</a:t>
                       </a:r>
-                      <a:endParaRPr lang="en-US" dirty="0"/>
                     </a:p>
                   </a:txBody>
                   <a:tcPr anchor="ctr"/>
@@ -4001,10 +3867,9 @@
                     <a:p>
                       <a:pPr algn="ctr"/>
                       <a:r>
-                        <a:rPr lang="en-US" dirty="0" smtClean="0"/>
+                        <a:rPr lang="en-US" dirty="0"/>
                         <a:t>raw</a:t>
                       </a:r>
-                      <a:endParaRPr lang="en-US" dirty="0"/>
                     </a:p>
                   </a:txBody>
                   <a:tcPr anchor="ctr"/>
@@ -4016,18 +3881,22 @@
                     <a:p>
                       <a:pPr algn="ctr"/>
                       <a:r>
-                        <a:rPr lang="en-US" dirty="0" err="1" smtClean="0"/>
+                        <a:rPr lang="en-US" dirty="0" err="1"/>
                         <a:t>is.raw</a:t>
                       </a:r>
                       <a:r>
-                        <a:rPr lang="en-US" dirty="0" smtClean="0"/>
+                        <a:rPr lang="en-US" dirty="0"/>
                         <a:t>(x)=TRUE</a:t>
                       </a:r>
-                      <a:endParaRPr lang="en-US" dirty="0"/>
                     </a:p>
                   </a:txBody>
                   <a:tcPr anchor="ctr"/>
                 </a:tc>
+                <a:extLst>
+                  <a:ext uri="{0D108BD9-81ED-4DB2-BD59-A6C34878D82A}">
+                    <a16:rowId xmlns:a16="http://schemas.microsoft.com/office/drawing/2014/main" val="10005"/>
+                  </a:ext>
+                </a:extLst>
               </a:tr>
               <a:tr h="370840">
                 <a:tc>
@@ -4037,7 +3906,7 @@
                     <a:p>
                       <a:pPr algn="ctr"/>
                       <a:r>
-                        <a:rPr lang="de-DE" dirty="0" smtClean="0"/>
+                        <a:rPr lang="de-DE" dirty="0"/>
                         <a:t>x &lt;- 4 + 4i</a:t>
                       </a:r>
                       <a:endParaRPr lang="en-US" dirty="0"/>
@@ -4052,10 +3921,9 @@
                     <a:p>
                       <a:pPr algn="ctr"/>
                       <a:r>
-                        <a:rPr lang="en-US" dirty="0" smtClean="0"/>
+                        <a:rPr lang="en-US" dirty="0"/>
                         <a:t>complex</a:t>
                       </a:r>
-                      <a:endParaRPr lang="en-US" dirty="0"/>
                     </a:p>
                   </a:txBody>
                   <a:tcPr anchor="ctr"/>
@@ -4067,10 +3935,9 @@
                     <a:p>
                       <a:pPr algn="ctr"/>
                       <a:r>
-                        <a:rPr lang="en-US" dirty="0" smtClean="0"/>
+                        <a:rPr lang="en-US" dirty="0"/>
                         <a:t>complex</a:t>
                       </a:r>
-                      <a:endParaRPr lang="en-US" dirty="0"/>
                     </a:p>
                   </a:txBody>
                   <a:tcPr anchor="ctr"/>
@@ -4082,18 +3949,22 @@
                     <a:p>
                       <a:pPr algn="ctr"/>
                       <a:r>
-                        <a:rPr lang="en-US" dirty="0" err="1" smtClean="0"/>
+                        <a:rPr lang="en-US" dirty="0" err="1"/>
                         <a:t>is.complex</a:t>
                       </a:r>
                       <a:r>
-                        <a:rPr lang="en-US" dirty="0" smtClean="0"/>
+                        <a:rPr lang="en-US" dirty="0"/>
                         <a:t>(x)=TRUE</a:t>
                       </a:r>
-                      <a:endParaRPr lang="en-US" dirty="0"/>
                     </a:p>
                   </a:txBody>
                   <a:tcPr anchor="ctr"/>
                 </a:tc>
+                <a:extLst>
+                  <a:ext uri="{0D108BD9-81ED-4DB2-BD59-A6C34878D82A}">
+                    <a16:rowId xmlns:a16="http://schemas.microsoft.com/office/drawing/2014/main" val="10006"/>
+                  </a:ext>
+                </a:extLst>
               </a:tr>
               <a:tr h="370840">
                 <a:tc>
@@ -4103,18 +3974,17 @@
                     <a:p>
                       <a:pPr algn="ctr"/>
                       <a:r>
-                        <a:rPr lang="en-US" dirty="0" smtClean="0"/>
+                        <a:rPr lang="en-US" dirty="0"/>
                         <a:t>x &lt;- factor(c("</a:t>
                       </a:r>
                       <a:r>
-                        <a:rPr lang="en-US" dirty="0" err="1" smtClean="0"/>
+                        <a:rPr lang="en-US" dirty="0" err="1"/>
                         <a:t>foo","bar","bar</a:t>
                       </a:r>
                       <a:r>
-                        <a:rPr lang="en-US" dirty="0" smtClean="0"/>
+                        <a:rPr lang="en-US" dirty="0"/>
                         <a:t>"))</a:t>
                       </a:r>
-                      <a:endParaRPr lang="en-US" dirty="0"/>
                     </a:p>
                   </a:txBody>
                   <a:tcPr anchor="ctr"/>
@@ -4126,10 +3996,9 @@
                     <a:p>
                       <a:pPr algn="ctr"/>
                       <a:r>
-                        <a:rPr lang="en-US" dirty="0" smtClean="0"/>
+                        <a:rPr lang="en-US" dirty="0"/>
                         <a:t>factor</a:t>
                       </a:r>
-                      <a:endParaRPr lang="en-US" dirty="0"/>
                     </a:p>
                   </a:txBody>
                   <a:tcPr anchor="ctr"/>
@@ -4141,10 +4010,9 @@
                     <a:p>
                       <a:pPr algn="ctr"/>
                       <a:r>
-                        <a:rPr lang="en-US" dirty="0" smtClean="0"/>
+                        <a:rPr lang="en-US" dirty="0"/>
                         <a:t>integer</a:t>
                       </a:r>
-                      <a:endParaRPr lang="en-US" dirty="0"/>
                     </a:p>
                   </a:txBody>
                   <a:tcPr anchor="ctr"/>
@@ -4156,22 +4024,22 @@
                     <a:p>
                       <a:pPr algn="ctr"/>
                       <a:r>
-                        <a:rPr lang="en-US" dirty="0" err="1" smtClean="0"/>
+                        <a:rPr lang="en-US" dirty="0" err="1"/>
                         <a:t>is.factor</a:t>
                       </a:r>
                       <a:r>
-                        <a:rPr lang="en-US" dirty="0" smtClean="0"/>
+                        <a:rPr lang="en-US" dirty="0"/>
                         <a:t>(x)=TRUE</a:t>
                       </a:r>
                       <a:br>
-                        <a:rPr lang="en-US" dirty="0" smtClean="0"/>
+                        <a:rPr lang="en-US" dirty="0"/>
                       </a:br>
                       <a:r>
-                        <a:rPr lang="en-US" dirty="0" err="1" smtClean="0"/>
+                        <a:rPr lang="en-US" dirty="0" err="1"/>
                         <a:t>is.integer</a:t>
                       </a:r>
                       <a:r>
-                        <a:rPr lang="en-US" smtClean="0"/>
+                        <a:rPr lang="en-US"/>
                         <a:t>(x)=TRUE</a:t>
                       </a:r>
                       <a:endParaRPr lang="en-US" dirty="0"/>
@@ -4179,6 +4047,11 @@
                   </a:txBody>
                   <a:tcPr anchor="ctr"/>
                 </a:tc>
+                <a:extLst>
+                  <a:ext uri="{0D108BD9-81ED-4DB2-BD59-A6C34878D82A}">
+                    <a16:rowId xmlns:a16="http://schemas.microsoft.com/office/drawing/2014/main" val="10007"/>
+                  </a:ext>
+                </a:extLst>
               </a:tr>
               <a:tr h="370840">
                 <a:tc>
@@ -4188,23 +4061,23 @@
                     <a:p>
                       <a:pPr algn="ctr"/>
                       <a:r>
-                        <a:rPr lang="it-IT" dirty="0" smtClean="0"/>
+                        <a:rPr lang="it-IT" dirty="0"/>
                         <a:t>x &lt;- </a:t>
                       </a:r>
                       <a:r>
-                        <a:rPr lang="it-IT" dirty="0" err="1" smtClean="0"/>
+                        <a:rPr lang="it-IT" dirty="0" err="1"/>
                         <a:t>matrix</a:t>
                       </a:r>
                       <a:r>
-                        <a:rPr lang="it-IT" dirty="0" smtClean="0"/>
+                        <a:rPr lang="it-IT" dirty="0"/>
                         <a:t>(1:4, </a:t>
                       </a:r>
                       <a:r>
-                        <a:rPr lang="it-IT" dirty="0" err="1" smtClean="0"/>
+                        <a:rPr lang="it-IT" dirty="0" err="1"/>
                         <a:t>nrow</a:t>
                       </a:r>
                       <a:r>
-                        <a:rPr lang="it-IT" dirty="0" smtClean="0"/>
+                        <a:rPr lang="it-IT" dirty="0"/>
                         <a:t>=2)</a:t>
                       </a:r>
                       <a:endParaRPr lang="en-US" dirty="0"/>
@@ -4219,8 +4092,88 @@
                     <a:p>
                       <a:pPr algn="ctr"/>
                       <a:r>
-                        <a:rPr lang="en-US" dirty="0" smtClean="0"/>
+                        <a:rPr lang="en-US" dirty="0"/>
                         <a:t>matrix</a:t>
+                      </a:r>
+                    </a:p>
+                  </a:txBody>
+                  <a:tcPr anchor="ctr"/>
+                </a:tc>
+                <a:tc>
+                  <a:txBody>
+                    <a:bodyPr/>
+                    <a:lstStyle/>
+                    <a:p>
+                      <a:pPr algn="ctr"/>
+                      <a:r>
+                        <a:rPr lang="en-US" dirty="0"/>
+                        <a:t>integer</a:t>
+                      </a:r>
+                    </a:p>
+                  </a:txBody>
+                  <a:tcPr anchor="ctr"/>
+                </a:tc>
+                <a:tc>
+                  <a:txBody>
+                    <a:bodyPr/>
+                    <a:lstStyle/>
+                    <a:p>
+                      <a:pPr algn="ctr"/>
+                      <a:r>
+                        <a:rPr lang="en-US" dirty="0" err="1"/>
+                        <a:t>is.matrix</a:t>
+                      </a:r>
+                      <a:r>
+                        <a:rPr lang="en-US" dirty="0"/>
+                        <a:t>(x)=TRUE</a:t>
+                      </a:r>
+                    </a:p>
+                    <a:p>
+                      <a:pPr algn="ctr"/>
+                      <a:r>
+                        <a:rPr lang="en-US" dirty="0" err="1"/>
+                        <a:t>Is.integer</a:t>
+                      </a:r>
+                      <a:r>
+                        <a:rPr lang="en-US" dirty="0"/>
+                        <a:t>(x)=TRUE</a:t>
+                      </a:r>
+                    </a:p>
+                  </a:txBody>
+                  <a:tcPr anchor="ctr"/>
+                </a:tc>
+                <a:extLst>
+                  <a:ext uri="{0D108BD9-81ED-4DB2-BD59-A6C34878D82A}">
+                    <a16:rowId xmlns:a16="http://schemas.microsoft.com/office/drawing/2014/main" val="10008"/>
+                  </a:ext>
+                </a:extLst>
+              </a:tr>
+              <a:tr h="370840">
+                <a:tc>
+                  <a:txBody>
+                    <a:bodyPr/>
+                    <a:lstStyle/>
+                    <a:p>
+                      <a:pPr algn="ctr"/>
+                      <a:r>
+                        <a:rPr lang="es-ES_tradnl" dirty="0"/>
+                        <a:t>x &lt;- </a:t>
+                      </a:r>
+                      <a:r>
+                        <a:rPr lang="es-ES_tradnl" dirty="0" err="1"/>
+                        <a:t>data.frame</a:t>
+                      </a:r>
+                      <a:r>
+                        <a:rPr lang="es-ES_tradnl" dirty="0"/>
+                        <a:t>(x=1:2, y=c(“</a:t>
+                      </a:r>
+                      <a:r>
+                        <a:rPr lang="es-ES_tradnl" dirty="0" err="1"/>
+                        <a:t>foo</a:t>
+                      </a:r>
+                      <a:r>
+                        <a:rPr lang="es-ES_tradnl" dirty="0"/>
+                        <a:t>”, “bar”))</a:t>
                       </a:r>
                       <a:endParaRPr lang="en-US" dirty="0"/>
                     </a:p>
@@ -4234,101 +4187,7 @@
                     <a:p>
                       <a:pPr algn="ctr"/>
                       <a:r>
-                        <a:rPr lang="en-US" dirty="0" smtClean="0"/>
-                        <a:t>integer</a:t>
-                      </a:r>
-                      <a:endParaRPr lang="en-US" dirty="0"/>
-                    </a:p>
-                  </a:txBody>
-                  <a:tcPr anchor="ctr"/>
-                </a:tc>
-                <a:tc>
-                  <a:txBody>
-                    <a:bodyPr/>
-                    <a:lstStyle/>
-                    <a:p>
-                      <a:pPr algn="ctr"/>
-                      <a:r>
-                        <a:rPr lang="en-US" dirty="0" err="1" smtClean="0"/>
-                        <a:t>is.matrix</a:t>
-                      </a:r>
-                      <a:r>
-                        <a:rPr lang="en-US" dirty="0" smtClean="0"/>
-                        <a:t>(x)=TRUE</a:t>
-                      </a:r>
-                    </a:p>
-                    <a:p>
-                      <a:pPr algn="ctr"/>
-                      <a:r>
-                        <a:rPr lang="en-US" dirty="0" err="1" smtClean="0"/>
-                        <a:t>Is.integer</a:t>
-                      </a:r>
-                      <a:r>
-                        <a:rPr lang="en-US" dirty="0" smtClean="0"/>
-                        <a:t>(x)=TRUE</a:t>
-                      </a:r>
-                      <a:endParaRPr lang="en-US" dirty="0"/>
-                    </a:p>
-                  </a:txBody>
-                  <a:tcPr anchor="ctr"/>
-                </a:tc>
-              </a:tr>
-              <a:tr h="370840">
-                <a:tc>
-                  <a:txBody>
-                    <a:bodyPr/>
-                    <a:lstStyle/>
-                    <a:p>
-                      <a:pPr algn="ctr"/>
-                      <a:r>
-                        <a:rPr lang="es-ES_tradnl" dirty="0" smtClean="0"/>
-                        <a:t>x &lt;- </a:t>
-                      </a:r>
-                      <a:r>
-                        <a:rPr lang="es-ES_tradnl" dirty="0" err="1" smtClean="0"/>
-                        <a:t>data.frame</a:t>
-                      </a:r>
-                      <a:r>
-                        <a:rPr lang="es-ES_tradnl" dirty="0" smtClean="0"/>
-                        <a:t>(x=1:2, y=c(</a:t>
-                      </a:r>
-                      <a:r>
-                        <a:rPr lang="es-ES_tradnl" dirty="0" smtClean="0"/>
-                        <a:t>“</a:t>
-                      </a:r>
-                      <a:r>
-                        <a:rPr lang="es-ES_tradnl" dirty="0" err="1" smtClean="0"/>
-                        <a:t>foo</a:t>
-                      </a:r>
-                      <a:r>
-                        <a:rPr lang="es-ES_tradnl" dirty="0" smtClean="0"/>
-                        <a:t>”</a:t>
-                      </a:r>
-                      <a:r>
-                        <a:rPr lang="es-ES_tradnl" dirty="0" smtClean="0"/>
-                        <a:t>, “</a:t>
-                      </a:r>
-                      <a:r>
-                        <a:rPr lang="es-ES_tradnl" dirty="0" smtClean="0"/>
-                        <a:t>bar”</a:t>
-                      </a:r>
-                      <a:r>
-                        <a:rPr lang="es-ES_tradnl" dirty="0" smtClean="0"/>
-                        <a:t>))</a:t>
-                      </a:r>
-                      <a:endParaRPr lang="en-US" dirty="0"/>
-                    </a:p>
-                  </a:txBody>
-                  <a:tcPr anchor="ctr"/>
-                </a:tc>
-                <a:tc>
-                  <a:txBody>
-                    <a:bodyPr/>
-                    <a:lstStyle/>
-                    <a:p>
-                      <a:pPr algn="ctr"/>
-                      <a:r>
-                        <a:rPr lang="en-US" dirty="0" err="1" smtClean="0"/>
+                        <a:rPr lang="en-US" dirty="0" err="1"/>
                         <a:t>data.frame</a:t>
                       </a:r>
                       <a:endParaRPr lang="en-US" dirty="0"/>
@@ -4343,10 +4202,9 @@
                     <a:p>
                       <a:pPr algn="ctr"/>
                       <a:r>
-                        <a:rPr lang="en-US" dirty="0" smtClean="0"/>
+                        <a:rPr lang="en-US" dirty="0"/>
                         <a:t>list</a:t>
                       </a:r>
-                      <a:endParaRPr lang="en-US" dirty="0"/>
                     </a:p>
                   </a:txBody>
                   <a:tcPr anchor="ctr"/>
@@ -4358,29 +4216,33 @@
                     <a:p>
                       <a:pPr algn="ctr"/>
                       <a:r>
-                        <a:rPr lang="en-US" dirty="0" err="1" smtClean="0"/>
+                        <a:rPr lang="en-US" dirty="0" err="1"/>
                         <a:t>is.data.frame</a:t>
                       </a:r>
                       <a:r>
-                        <a:rPr lang="en-US" dirty="0" smtClean="0"/>
+                        <a:rPr lang="en-US" dirty="0"/>
                         <a:t>(x)=TRUE</a:t>
                       </a:r>
                     </a:p>
                     <a:p>
                       <a:pPr algn="ctr"/>
                       <a:r>
-                        <a:rPr lang="en-US" dirty="0" err="1" smtClean="0"/>
+                        <a:rPr lang="en-US" dirty="0" err="1"/>
                         <a:t>is.list</a:t>
                       </a:r>
                       <a:r>
-                        <a:rPr lang="en-US" dirty="0" smtClean="0"/>
+                        <a:rPr lang="en-US" dirty="0"/>
                         <a:t>(x)=TRUE</a:t>
                       </a:r>
-                      <a:endParaRPr lang="en-US" dirty="0"/>
                     </a:p>
                   </a:txBody>
                   <a:tcPr anchor="ctr"/>
                 </a:tc>
+                <a:extLst>
+                  <a:ext uri="{0D108BD9-81ED-4DB2-BD59-A6C34878D82A}">
+                    <a16:rowId xmlns:a16="http://schemas.microsoft.com/office/drawing/2014/main" val="10009"/>
+                  </a:ext>
+                </a:extLst>
               </a:tr>
             </a:tbl>
           </a:graphicData>
@@ -4432,10 +4294,9 @@
           <a:lstStyle/>
           <a:p>
             <a:r>
-              <a:rPr lang="en-US" dirty="0" smtClean="0"/>
+              <a:rPr lang="en-US" dirty="0"/>
               <a:t>Vectors</a:t>
             </a:r>
-            <a:endParaRPr lang="en-US" dirty="0"/>
           </a:p>
         </p:txBody>
       </p:sp>
@@ -4457,39 +4318,8 @@
           <a:lstStyle/>
           <a:p>
             <a:r>
-              <a:rPr lang="en-US" dirty="0" smtClean="0"/>
+              <a:rPr lang="en-US" dirty="0"/>
               <a:t>Typically defined with c() or extracted from other objects</a:t>
-            </a:r>
-          </a:p>
-          <a:p>
-            <a:pPr marL="457200" lvl="1" indent="0">
-              <a:buNone/>
-            </a:pPr>
-            <a:endParaRPr lang="en-US" dirty="0" smtClean="0"/>
-          </a:p>
-          <a:p>
-            <a:pPr marL="457200" lvl="1" indent="0">
-              <a:buNone/>
-            </a:pPr>
-            <a:r>
-              <a:rPr lang="en-US" dirty="0" smtClean="0"/>
-              <a:t>&gt; </a:t>
-            </a:r>
-            <a:r>
-              <a:rPr lang="en-US" dirty="0" err="1" smtClean="0"/>
-              <a:t>myVector</a:t>
-            </a:r>
-            <a:r>
-              <a:rPr lang="en-US" dirty="0" smtClean="0"/>
-              <a:t> &lt;- c(“foo”, “bar”, “</a:t>
-            </a:r>
-            <a:r>
-              <a:rPr lang="en-US" dirty="0" err="1" smtClean="0"/>
-              <a:t>baz</a:t>
-            </a:r>
-            <a:r>
-              <a:rPr lang="en-US" dirty="0" smtClean="0"/>
-              <a:t>”)</a:t>
             </a:r>
           </a:p>
           <a:p>
@@ -4503,7 +4333,38 @@
               <a:buNone/>
             </a:pPr>
             <a:r>
-              <a:rPr lang="en-US" dirty="0" smtClean="0"/>
+              <a:rPr lang="en-US" dirty="0"/>
+              <a:t>&gt; </a:t>
+            </a:r>
+            <a:r>
+              <a:rPr lang="en-US" dirty="0" err="1"/>
+              <a:t>myVector</a:t>
+            </a:r>
+            <a:r>
+              <a:rPr lang="en-US" dirty="0"/>
+              <a:t> &lt;- c(“foo”, “bar”, “</a:t>
+            </a:r>
+            <a:r>
+              <a:rPr lang="en-US" dirty="0" err="1"/>
+              <a:t>baz</a:t>
+            </a:r>
+            <a:r>
+              <a:rPr lang="en-US" dirty="0"/>
+              <a:t>”)</a:t>
+            </a:r>
+          </a:p>
+          <a:p>
+            <a:pPr marL="457200" lvl="1" indent="0">
+              <a:buNone/>
+            </a:pPr>
+            <a:endParaRPr lang="en-US" dirty="0"/>
+          </a:p>
+          <a:p>
+            <a:pPr marL="457200" lvl="1" indent="0">
+              <a:buNone/>
+            </a:pPr>
+            <a:r>
+              <a:rPr lang="en-US" dirty="0"/>
               <a:t>&gt; myVector2 &lt;- c(</a:t>
             </a:r>
             <a:r>
@@ -4511,7 +4372,7 @@
               <a:t>2,3,5:10,15,20,25,30</a:t>
             </a:r>
             <a:r>
-              <a:rPr lang="en-US" dirty="0" smtClean="0"/>
+              <a:rPr lang="en-US" dirty="0"/>
               <a:t>)</a:t>
             </a:r>
           </a:p>
@@ -4523,7 +4384,7 @@
           </a:p>
           <a:p>
             <a:r>
-              <a:rPr lang="en-US" dirty="0" smtClean="0"/>
+              <a:rPr lang="en-US" dirty="0"/>
               <a:t>Subsets of vectors can be extracted by index values</a:t>
             </a:r>
           </a:p>
@@ -4531,22 +4392,22 @@
             <a:pPr marL="457200" lvl="1" indent="0">
               <a:buNone/>
             </a:pPr>
-            <a:endParaRPr lang="en-US" dirty="0" smtClean="0"/>
+            <a:endParaRPr lang="en-US" dirty="0"/>
           </a:p>
           <a:p>
             <a:pPr marL="457200" lvl="1" indent="0">
               <a:buNone/>
             </a:pPr>
             <a:r>
-              <a:rPr lang="en-US" dirty="0" smtClean="0"/>
+              <a:rPr lang="en-US" dirty="0"/>
               <a:t>&gt; </a:t>
             </a:r>
             <a:r>
-              <a:rPr lang="en-US" dirty="0" err="1" smtClean="0"/>
+              <a:rPr lang="en-US" dirty="0" err="1"/>
               <a:t>myVector</a:t>
             </a:r>
             <a:r>
-              <a:rPr lang="en-US" dirty="0" smtClean="0"/>
+              <a:rPr lang="en-US" dirty="0"/>
               <a:t>[3]</a:t>
             </a:r>
           </a:p>
@@ -4556,28 +4417,24 @@
             </a:pPr>
             <a:r>
               <a:rPr lang="pt-BR" dirty="0"/>
-              <a:t>[1] </a:t>
-            </a:r>
-            <a:r>
-              <a:rPr lang="pt-BR" dirty="0" smtClean="0"/>
-              <a:t>“</a:t>
-            </a:r>
-            <a:r>
-              <a:rPr lang="pt-BR" dirty="0" err="1" smtClean="0"/>
+              <a:t>[1] “</a:t>
+            </a:r>
+            <a:r>
+              <a:rPr lang="pt-BR" dirty="0" err="1"/>
               <a:t>baz</a:t>
             </a:r>
             <a:r>
-              <a:rPr lang="pt-BR" dirty="0" smtClean="0"/>
+              <a:rPr lang="pt-BR" dirty="0"/>
               <a:t>”</a:t>
             </a:r>
             <a:endParaRPr lang="en-US" dirty="0"/>
           </a:p>
           <a:p>
-            <a:endParaRPr lang="en-US" dirty="0" smtClean="0"/>
-          </a:p>
-          <a:p>
-            <a:r>
-              <a:rPr lang="en-US" dirty="0" smtClean="0"/>
+            <a:endParaRPr lang="en-US" dirty="0"/>
+          </a:p>
+          <a:p>
+            <a:r>
+              <a:rPr lang="en-US" dirty="0"/>
               <a:t>Conditional statements can be applied to vectors</a:t>
             </a:r>
           </a:p>
@@ -4586,16 +4443,8 @@
               <a:buNone/>
             </a:pPr>
             <a:r>
-              <a:rPr lang="fr-FR" dirty="0" smtClean="0"/>
-              <a:t>myVector2 </a:t>
-            </a:r>
-            <a:r>
               <a:rPr lang="fr-FR" dirty="0"/>
-              <a:t>&gt;= </a:t>
-            </a:r>
-            <a:r>
-              <a:rPr lang="fr-FR" dirty="0" smtClean="0"/>
-              <a:t>5</a:t>
+              <a:t>myVector2 &gt;= 5</a:t>
             </a:r>
           </a:p>
           <a:p>
@@ -4606,7 +4455,6 @@
               <a:rPr lang="fr-FR" dirty="0"/>
               <a:t>[1] FALSE FALSE  TRUE  TRUE  TRUE  TRUE  TRUE  TRUE  TRUE  TRUE  TRUE  TRUE</a:t>
             </a:r>
-            <a:endParaRPr lang="fr-FR" dirty="0" smtClean="0"/>
           </a:p>
           <a:p>
             <a:pPr marL="457200" lvl="1" indent="0">
@@ -4662,7 +4510,7 @@
           <a:lstStyle/>
           <a:p>
             <a:r>
-              <a:rPr lang="en-US" dirty="0" err="1" smtClean="0"/>
+              <a:rPr lang="en-US" dirty="0" err="1"/>
               <a:t>Dataframes</a:t>
             </a:r>
             <a:endParaRPr lang="en-US" dirty="0"/>
@@ -4720,26 +4568,25 @@
           <a:lstStyle/>
           <a:p>
             <a:r>
-              <a:rPr lang="en-US" dirty="0" smtClean="0"/>
+              <a:rPr lang="en-US" dirty="0"/>
               <a:t>Demo </a:t>
             </a:r>
             <a:r>
-              <a:rPr lang="en-US" dirty="0" err="1" smtClean="0"/>
+              <a:rPr lang="en-US" dirty="0" err="1"/>
               <a:t>dataframe</a:t>
             </a:r>
             <a:r>
-              <a:rPr lang="en-US" dirty="0" smtClean="0"/>
+              <a:rPr lang="en-US" dirty="0"/>
               <a:t> available in R: “</a:t>
             </a:r>
             <a:r>
-              <a:rPr lang="en-US" dirty="0" err="1" smtClean="0"/>
+              <a:rPr lang="en-US" dirty="0" err="1"/>
               <a:t>mtcars</a:t>
             </a:r>
             <a:r>
-              <a:rPr lang="en-US" dirty="0" smtClean="0"/>
+              <a:rPr lang="en-US" dirty="0"/>
               <a:t>”</a:t>
             </a:r>
-            <a:endParaRPr lang="en-US" dirty="0"/>
           </a:p>
         </p:txBody>
       </p:sp>
@@ -4933,52 +4780,45 @@
           </a:lstStyle>
           <a:p>
             <a:r>
-              <a:rPr lang="en-US" sz="2000" dirty="0" smtClean="0"/>
-              <a:t>Similar vectors, you can extract subsets of </a:t>
-            </a:r>
-            <a:r>
-              <a:rPr lang="en-US" sz="2000" dirty="0" err="1" smtClean="0"/>
+              <a:rPr lang="en-US" sz="2000" dirty="0"/>
+              <a:t>Similar to vectors, you can extract subsets of </a:t>
+            </a:r>
+            <a:r>
+              <a:rPr lang="en-US" sz="2000" dirty="0" err="1"/>
               <a:t>dataframes</a:t>
             </a:r>
             <a:r>
-              <a:rPr lang="en-US" sz="2000" dirty="0" smtClean="0"/>
-              <a:t> using [] but now with two dimensions: data[ROW,COL]</a:t>
-            </a:r>
-          </a:p>
-          <a:p>
-            <a:endParaRPr lang="en-US" sz="2000" dirty="0" smtClean="0"/>
-          </a:p>
-          <a:p>
-            <a:r>
-              <a:rPr lang="en-US" sz="2000" dirty="0" smtClean="0"/>
-              <a:t>You can also extract by row and </a:t>
-            </a:r>
-            <a:r>
               <a:rPr lang="en-US" sz="2000" dirty="0"/>
-              <a:t>column name: </a:t>
-            </a:r>
-          </a:p>
-          <a:p>
-            <a:pPr marL="0" indent="0">
-              <a:buNone/>
-            </a:pPr>
-            <a:r>
-              <a:rPr lang="en-US" sz="2000" dirty="0" smtClean="0"/>
-              <a:t>	</a:t>
-            </a:r>
-            <a:r>
-              <a:rPr lang="en-US" sz="2000" dirty="0" err="1" smtClean="0"/>
-              <a:t>mtcars</a:t>
-            </a:r>
-            <a:r>
-              <a:rPr lang="en-US" sz="2000" dirty="0" err="1"/>
-              <a:t>$</a:t>
-            </a:r>
-            <a:r>
-              <a:rPr lang="en-US" sz="2000" dirty="0" err="1" smtClean="0"/>
-              <a:t>mpg</a:t>
-            </a:r>
-            <a:endParaRPr lang="en-US" sz="2000" dirty="0" smtClean="0"/>
+              <a:t> using [] but now with two dimensions: </a:t>
+            </a:r>
+          </a:p>
+          <a:p>
+            <a:pPr lvl="1"/>
+            <a:r>
+              <a:rPr lang="en-US" sz="1600" dirty="0"/>
+              <a:t>e.g., data[ROW,COL]</a:t>
+            </a:r>
+          </a:p>
+          <a:p>
+            <a:endParaRPr lang="en-US" sz="2000" dirty="0"/>
+          </a:p>
+          <a:p>
+            <a:r>
+              <a:rPr lang="en-US" sz="2000" dirty="0"/>
+              <a:t>You can also extract by row and column name:</a:t>
+            </a:r>
+          </a:p>
+          <a:p>
+            <a:pPr lvl="1"/>
+            <a:r>
+              <a:rPr lang="en-US" sz="1600" dirty="0"/>
+              <a:t>e.g., </a:t>
+            </a:r>
+            <a:r>
+              <a:rPr lang="en-US" sz="1600" dirty="0" err="1"/>
+              <a:t>mtcars$mpg</a:t>
+            </a:r>
+            <a:endParaRPr lang="en-US" sz="1600" dirty="0"/>
           </a:p>
           <a:p>
             <a:pPr marL="0" indent="0">
@@ -5040,10 +4880,9 @@
           <a:lstStyle/>
           <a:p>
             <a:r>
-              <a:rPr lang="en-US" dirty="0" smtClean="0"/>
+              <a:rPr lang="en-US" dirty="0"/>
               <a:t>Importing and Exporting Data</a:t>
             </a:r>
-            <a:endParaRPr lang="en-US" dirty="0"/>
           </a:p>
         </p:txBody>
       </p:sp>
@@ -5063,90 +4902,89 @@
           <a:lstStyle/>
           <a:p>
             <a:r>
-              <a:rPr lang="en-US" dirty="0" smtClean="0"/>
+              <a:rPr lang="en-US" dirty="0"/>
               <a:t>R functions exist to import most common file formats</a:t>
             </a:r>
           </a:p>
           <a:p>
             <a:pPr lvl="1"/>
             <a:r>
-              <a:rPr lang="en-US" dirty="0" err="1" smtClean="0"/>
+              <a:rPr lang="en-US" dirty="0" err="1"/>
               <a:t>tsv</a:t>
             </a:r>
             <a:r>
-              <a:rPr lang="en-US" dirty="0" smtClean="0"/>
+              <a:rPr lang="en-US" dirty="0"/>
               <a:t>, </a:t>
             </a:r>
             <a:r>
-              <a:rPr lang="en-US" dirty="0" err="1" smtClean="0"/>
+              <a:rPr lang="en-US" dirty="0" err="1"/>
               <a:t>csv</a:t>
             </a:r>
             <a:r>
-              <a:rPr lang="en-US" dirty="0" smtClean="0"/>
+              <a:rPr lang="en-US" dirty="0"/>
               <a:t>, excel, xml, </a:t>
             </a:r>
             <a:r>
-              <a:rPr lang="en-US" dirty="0" err="1" smtClean="0"/>
+              <a:rPr lang="en-US" dirty="0" err="1"/>
               <a:t>json</a:t>
             </a:r>
             <a:r>
-              <a:rPr lang="en-US" dirty="0" smtClean="0"/>
+              <a:rPr lang="en-US" dirty="0"/>
               <a:t>, </a:t>
             </a:r>
             <a:r>
-              <a:rPr lang="en-US" dirty="0" err="1" smtClean="0"/>
+              <a:rPr lang="en-US" dirty="0" err="1"/>
               <a:t>etc</a:t>
             </a:r>
-            <a:endParaRPr lang="en-US" dirty="0" smtClean="0"/>
-          </a:p>
-          <a:p>
-            <a:r>
-              <a:rPr lang="en-US" dirty="0" err="1" smtClean="0"/>
+            <a:endParaRPr lang="en-US" dirty="0"/>
+          </a:p>
+          <a:p>
+            <a:r>
+              <a:rPr lang="en-US" dirty="0" err="1"/>
               <a:t>read.table</a:t>
             </a:r>
             <a:r>
-              <a:rPr lang="en-US" dirty="0" smtClean="0"/>
+              <a:rPr lang="en-US" dirty="0"/>
               <a:t>() is particularly useful for simple delimited data files</a:t>
             </a:r>
           </a:p>
           <a:p>
-            <a:endParaRPr lang="en-US" dirty="0" smtClean="0"/>
-          </a:p>
-          <a:p>
             <a:endParaRPr lang="en-US" dirty="0"/>
           </a:p>
           <a:p>
-            <a:endParaRPr lang="en-US" dirty="0" smtClean="0"/>
-          </a:p>
-          <a:p>
             <a:endParaRPr lang="en-US" dirty="0"/>
           </a:p>
           <a:p>
-            <a:r>
-              <a:rPr lang="en-US" dirty="0" smtClean="0"/>
+            <a:endParaRPr lang="en-US" dirty="0"/>
+          </a:p>
+          <a:p>
+            <a:endParaRPr lang="en-US" dirty="0"/>
+          </a:p>
+          <a:p>
+            <a:r>
+              <a:rPr lang="en-US" dirty="0"/>
               <a:t>Read from file or web URL</a:t>
             </a:r>
           </a:p>
           <a:p>
             <a:r>
-              <a:rPr lang="en-US" dirty="0" smtClean="0"/>
+              <a:rPr lang="en-US" dirty="0"/>
               <a:t>Tell R how you have encoded missing values</a:t>
             </a:r>
           </a:p>
           <a:p>
             <a:r>
-              <a:rPr lang="en-US" dirty="0" smtClean="0"/>
+              <a:rPr lang="en-US" dirty="0"/>
               <a:t>Use </a:t>
             </a:r>
             <a:r>
-              <a:rPr lang="en-US" dirty="0" err="1" smtClean="0"/>
+              <a:rPr lang="en-US" dirty="0" err="1"/>
               <a:t>as.is</a:t>
             </a:r>
             <a:r>
-              <a:rPr lang="en-US" dirty="0" smtClean="0"/>
+              <a:rPr lang="en-US" dirty="0"/>
               <a:t> to prevent R from converting strings to factors</a:t>
             </a:r>
-            <a:endParaRPr lang="en-US" dirty="0"/>
           </a:p>
         </p:txBody>
       </p:sp>
@@ -5181,15 +5019,7 @@
             </a:r>
             <a:r>
               <a:rPr lang="en-US" sz="2000" dirty="0"/>
-              <a:t>(file</a:t>
-            </a:r>
-            <a:r>
-              <a:rPr lang="en-US" sz="2000" dirty="0" smtClean="0"/>
-              <a:t>=“my file or URL”, </a:t>
-            </a:r>
-            <a:r>
-              <a:rPr lang="en-US" sz="2000" dirty="0"/>
-              <a:t>header=TRUE, </a:t>
+              <a:t>(file=“my file or URL”, header=TRUE, </a:t>
             </a:r>
             <a:r>
               <a:rPr lang="en-US" sz="2000" dirty="0" err="1"/>
@@ -5221,29 +5051,24 @@
             </a:r>
             <a:r>
               <a:rPr lang="en-US" sz="2000" dirty="0"/>
-              <a:t>=c(1:27,29:30</a:t>
-            </a:r>
-            <a:r>
-              <a:rPr lang="en-US" sz="2000" dirty="0" smtClean="0"/>
-              <a:t>), </a:t>
-            </a:r>
-            <a:r>
-              <a:rPr lang="en-US" sz="2000" dirty="0" err="1" smtClean="0"/>
+              <a:t>=c(1:27,29:30), </a:t>
+            </a:r>
+            <a:r>
+              <a:rPr lang="en-US" sz="2000" dirty="0" err="1"/>
               <a:t>row.names</a:t>
             </a:r>
             <a:r>
-              <a:rPr lang="en-US" sz="2000" dirty="0" smtClean="0"/>
+              <a:rPr lang="en-US" sz="2000" dirty="0"/>
               <a:t>=1, </a:t>
             </a:r>
             <a:r>
-              <a:rPr lang="is-IS" sz="2000" dirty="0" smtClean="0"/>
+              <a:rPr lang="is-IS" sz="2000" dirty="0"/>
               <a:t>…</a:t>
             </a:r>
             <a:r>
-              <a:rPr lang="en-US" sz="2000" dirty="0" smtClean="0"/>
+              <a:rPr lang="en-US" sz="2000" dirty="0"/>
               <a:t>)</a:t>
             </a:r>
-            <a:endParaRPr lang="en-US" sz="2000" dirty="0"/>
           </a:p>
         </p:txBody>
       </p:sp>
@@ -5293,10 +5118,9 @@
           <a:lstStyle/>
           <a:p>
             <a:r>
-              <a:rPr lang="en-US" dirty="0" smtClean="0"/>
+              <a:rPr lang="en-US" dirty="0"/>
               <a:t>Apply functions</a:t>
             </a:r>
-            <a:endParaRPr lang="en-US" dirty="0"/>
           </a:p>
         </p:txBody>
       </p:sp>
@@ -5345,58 +5169,8 @@
           <a:lstStyle/>
           <a:p>
             <a:r>
-              <a:rPr lang="it-IT" dirty="0" smtClean="0"/>
+              <a:rPr lang="it-IT" dirty="0"/>
               <a:t># Create a </a:t>
-            </a:r>
-            <a:r>
-              <a:rPr lang="it-IT" dirty="0" err="1" smtClean="0"/>
-              <a:t>matrix</a:t>
-            </a:r>
-            <a:r>
-              <a:rPr lang="it-IT" dirty="0" smtClean="0"/>
-              <a:t> of 8 </a:t>
-            </a:r>
-            <a:r>
-              <a:rPr lang="it-IT" dirty="0" err="1" smtClean="0"/>
-              <a:t>rows</a:t>
-            </a:r>
-            <a:r>
-              <a:rPr lang="it-IT" dirty="0" smtClean="0"/>
-              <a:t> by 5 </a:t>
-            </a:r>
-            <a:r>
-              <a:rPr lang="it-IT" dirty="0" err="1" smtClean="0"/>
-              <a:t>columns</a:t>
-            </a:r>
-            <a:r>
-              <a:rPr lang="it-IT" dirty="0" smtClean="0"/>
-              <a:t> </a:t>
-            </a:r>
-            <a:r>
-              <a:rPr lang="it-IT" dirty="0" err="1" smtClean="0"/>
-              <a:t>as</a:t>
-            </a:r>
-            <a:r>
-              <a:rPr lang="it-IT" dirty="0" smtClean="0"/>
-              <a:t> </a:t>
-            </a:r>
-            <a:r>
-              <a:rPr lang="it-IT" dirty="0" err="1" smtClean="0"/>
-              <a:t>above</a:t>
-            </a:r>
-            <a:r>
-              <a:rPr lang="it-IT" dirty="0" smtClean="0"/>
-              <a:t>:</a:t>
-            </a:r>
-          </a:p>
-          <a:p>
-            <a:r>
-              <a:rPr lang="it-IT" dirty="0" smtClean="0"/>
-              <a:t>x </a:t>
-            </a:r>
-            <a:r>
-              <a:rPr lang="it-IT" dirty="0"/>
-              <a:t>&lt;- </a:t>
             </a:r>
             <a:r>
               <a:rPr lang="it-IT" dirty="0" err="1"/>
@@ -5404,6 +5178,52 @@
             </a:r>
             <a:r>
               <a:rPr lang="it-IT" dirty="0"/>
+              <a:t> of 8 </a:t>
+            </a:r>
+            <a:r>
+              <a:rPr lang="it-IT" dirty="0" err="1"/>
+              <a:t>rows</a:t>
+            </a:r>
+            <a:r>
+              <a:rPr lang="it-IT" dirty="0"/>
+              <a:t> by 5 </a:t>
+            </a:r>
+            <a:r>
+              <a:rPr lang="it-IT" dirty="0" err="1"/>
+              <a:t>columns</a:t>
+            </a:r>
+            <a:r>
+              <a:rPr lang="it-IT" dirty="0"/>
+              <a:t> </a:t>
+            </a:r>
+            <a:r>
+              <a:rPr lang="it-IT" dirty="0" err="1"/>
+              <a:t>as</a:t>
+            </a:r>
+            <a:r>
+              <a:rPr lang="it-IT" dirty="0"/>
+              <a:t> </a:t>
+            </a:r>
+            <a:r>
+              <a:rPr lang="it-IT" dirty="0" err="1"/>
+              <a:t>above</a:t>
+            </a:r>
+            <a:r>
+              <a:rPr lang="it-IT" dirty="0"/>
+              <a:t>:</a:t>
+            </a:r>
+          </a:p>
+          <a:p>
+            <a:r>
+              <a:rPr lang="it-IT" dirty="0"/>
+              <a:t>x &lt;- </a:t>
+            </a:r>
+            <a:r>
+              <a:rPr lang="it-IT" dirty="0" err="1"/>
+              <a:t>matrix</a:t>
+            </a:r>
+            <a:r>
+              <a:rPr lang="it-IT" dirty="0"/>
               <a:t>(</a:t>
             </a:r>
             <a:r>
@@ -5446,87 +5266,74 @@
               <a:rPr lang="it-IT" dirty="0"/>
               <a:t>=5)</a:t>
             </a:r>
-            <a:endParaRPr lang="it-IT" dirty="0" smtClean="0"/>
-          </a:p>
-          <a:p>
-            <a:endParaRPr lang="it-IT" dirty="0" smtClean="0"/>
-          </a:p>
-          <a:p>
-            <a:r>
-              <a:rPr lang="it-IT" dirty="0" smtClean="0"/>
+          </a:p>
+          <a:p>
+            <a:endParaRPr lang="it-IT" dirty="0"/>
+          </a:p>
+          <a:p>
+            <a:r>
+              <a:rPr lang="it-IT" dirty="0"/>
               <a:t># </a:t>
             </a:r>
             <a:r>
-              <a:rPr lang="it-IT" dirty="0" err="1" smtClean="0"/>
+              <a:rPr lang="it-IT" dirty="0" err="1"/>
               <a:t>Calculate</a:t>
             </a:r>
-            <a:r>
-              <a:rPr lang="it-IT" dirty="0" smtClean="0"/>
-              <a:t> </a:t>
-            </a:r>
-            <a:r>
-              <a:rPr lang="it-IT" dirty="0" err="1" smtClean="0"/>
-              <a:t>min</a:t>
-            </a:r>
-            <a:r>
-              <a:rPr lang="it-IT" dirty="0" smtClean="0"/>
-              <a:t> </a:t>
-            </a:r>
-            <a:r>
-              <a:rPr lang="it-IT" dirty="0" err="1" smtClean="0"/>
-              <a:t>value</a:t>
-            </a:r>
-            <a:r>
-              <a:rPr lang="it-IT" dirty="0" smtClean="0"/>
-              <a:t> for </a:t>
-            </a:r>
-            <a:r>
-              <a:rPr lang="it-IT" dirty="0" err="1" smtClean="0"/>
-              <a:t>each</a:t>
-            </a:r>
-            <a:r>
-              <a:rPr lang="it-IT" dirty="0" smtClean="0"/>
-              <a:t> </a:t>
-            </a:r>
-            <a:r>
-              <a:rPr lang="it-IT" dirty="0" err="1" smtClean="0"/>
-              <a:t>row</a:t>
-            </a:r>
-            <a:r>
-              <a:rPr lang="it-IT" dirty="0" smtClean="0"/>
-              <a:t> with a for </a:t>
-            </a:r>
-            <a:r>
-              <a:rPr lang="it-IT" dirty="0" err="1" smtClean="0"/>
-              <a:t>loop</a:t>
-            </a:r>
-            <a:endParaRPr lang="it-IT" dirty="0"/>
-          </a:p>
-          <a:p>
-            <a:r>
-              <a:rPr lang="it-IT" dirty="0" smtClean="0"/>
-              <a:t>for</a:t>
-            </a:r>
-            <a:r>
-              <a:rPr lang="it-IT" dirty="0"/>
-              <a:t>(i in 1:8)</a:t>
-            </a:r>
-            <a:r>
-              <a:rPr lang="it-IT" dirty="0" smtClean="0"/>
-              <a:t>{</a:t>
-            </a:r>
-          </a:p>
-          <a:p>
             <a:r>
               <a:rPr lang="it-IT" dirty="0"/>
               <a:t> </a:t>
             </a:r>
             <a:r>
-              <a:rPr lang="it-IT" dirty="0" smtClean="0"/>
-              <a:t>  </a:t>
-            </a:r>
-            <a:r>
-              <a:rPr lang="it-IT" dirty="0" err="1" smtClean="0"/>
+              <a:rPr lang="it-IT" dirty="0" err="1"/>
+              <a:t>min</a:t>
+            </a:r>
+            <a:r>
+              <a:rPr lang="it-IT" dirty="0"/>
+              <a:t> </a:t>
+            </a:r>
+            <a:r>
+              <a:rPr lang="it-IT" dirty="0" err="1"/>
+              <a:t>value</a:t>
+            </a:r>
+            <a:r>
+              <a:rPr lang="it-IT" dirty="0"/>
+              <a:t> for </a:t>
+            </a:r>
+            <a:r>
+              <a:rPr lang="it-IT" dirty="0" err="1"/>
+              <a:t>each</a:t>
+            </a:r>
+            <a:r>
+              <a:rPr lang="it-IT" dirty="0"/>
+              <a:t> </a:t>
+            </a:r>
+            <a:r>
+              <a:rPr lang="it-IT" dirty="0" err="1"/>
+              <a:t>row</a:t>
+            </a:r>
+            <a:r>
+              <a:rPr lang="it-IT" dirty="0"/>
+              <a:t> with a for </a:t>
+            </a:r>
+            <a:r>
+              <a:rPr lang="it-IT" dirty="0" err="1"/>
+              <a:t>loop</a:t>
+            </a:r>
+            <a:endParaRPr lang="it-IT" dirty="0"/>
+          </a:p>
+          <a:p>
+            <a:r>
+              <a:rPr lang="it-IT" dirty="0"/>
+              <a:t>for(i in 1:8){</a:t>
+            </a:r>
+          </a:p>
+          <a:p>
+            <a:r>
+              <a:rPr lang="it-IT" dirty="0"/>
+              <a:t>   </a:t>
+            </a:r>
+            <a:r>
+              <a:rPr lang="it-IT" dirty="0" err="1"/>
               <a:t>print</a:t>
             </a:r>
             <a:r>
@@ -5539,56 +5346,52 @@
             </a:r>
             <a:r>
               <a:rPr lang="it-IT" dirty="0"/>
-              <a:t>(x[i,])</a:t>
-            </a:r>
-            <a:r>
-              <a:rPr lang="it-IT" dirty="0" smtClean="0"/>
-              <a:t>)</a:t>
-            </a:r>
-          </a:p>
-          <a:p>
-            <a:r>
-              <a:rPr lang="it-IT" dirty="0" smtClean="0"/>
+              <a:t>(x[i,]))</a:t>
+            </a:r>
+          </a:p>
+          <a:p>
+            <a:r>
+              <a:rPr lang="it-IT" dirty="0"/>
               <a:t>}</a:t>
             </a:r>
           </a:p>
           <a:p>
-            <a:endParaRPr lang="it-IT" dirty="0" smtClean="0"/>
-          </a:p>
-          <a:p>
-            <a:r>
-              <a:rPr lang="it-IT" dirty="0" smtClean="0"/>
+            <a:endParaRPr lang="it-IT" dirty="0"/>
+          </a:p>
+          <a:p>
+            <a:r>
+              <a:rPr lang="it-IT" dirty="0"/>
               <a:t># use </a:t>
             </a:r>
             <a:r>
-              <a:rPr lang="it-IT" dirty="0" err="1" smtClean="0"/>
+              <a:rPr lang="it-IT" dirty="0" err="1"/>
               <a:t>apply</a:t>
             </a:r>
             <a:r>
-              <a:rPr lang="it-IT" dirty="0" smtClean="0"/>
+              <a:rPr lang="it-IT" dirty="0"/>
               <a:t> </a:t>
             </a:r>
             <a:r>
-              <a:rPr lang="it-IT" dirty="0" err="1" smtClean="0"/>
+              <a:rPr lang="it-IT" dirty="0" err="1"/>
               <a:t>function</a:t>
             </a:r>
             <a:r>
-              <a:rPr lang="it-IT" dirty="0" smtClean="0"/>
+              <a:rPr lang="it-IT" dirty="0"/>
               <a:t> to do </a:t>
             </a:r>
             <a:r>
-              <a:rPr lang="it-IT" dirty="0" err="1" smtClean="0"/>
+              <a:rPr lang="it-IT" dirty="0" err="1"/>
               <a:t>same</a:t>
             </a:r>
             <a:r>
-              <a:rPr lang="it-IT" dirty="0" smtClean="0"/>
+              <a:rPr lang="it-IT" dirty="0"/>
               <a:t> </a:t>
             </a:r>
             <a:r>
-              <a:rPr lang="it-IT" dirty="0" err="1" smtClean="0"/>
+              <a:rPr lang="it-IT" dirty="0" err="1"/>
               <a:t>thing</a:t>
             </a:r>
-            <a:endParaRPr lang="it-IT" dirty="0" smtClean="0"/>
+            <a:endParaRPr lang="it-IT" dirty="0"/>
           </a:p>
           <a:p>
             <a:r>
@@ -5659,10 +5462,9 @@
           <a:lstStyle/>
           <a:p>
             <a:r>
-              <a:rPr lang="en-US" dirty="0" smtClean="0"/>
+              <a:rPr lang="en-US" dirty="0"/>
               <a:t>Custom functions</a:t>
             </a:r>
-            <a:endParaRPr lang="en-US" dirty="0"/>
           </a:p>
         </p:txBody>
       </p:sp>
@@ -5682,76 +5484,67 @@
           <a:lstStyle/>
           <a:p>
             <a:r>
-              <a:rPr lang="en-US" dirty="0" smtClean="0"/>
+              <a:rPr lang="en-US" dirty="0"/>
               <a:t>Often necessary when an existing R function doesn’t quite do what you need.</a:t>
             </a:r>
           </a:p>
           <a:p>
             <a:r>
-              <a:rPr lang="en-US" dirty="0" smtClean="0"/>
+              <a:rPr lang="en-US" dirty="0"/>
               <a:t>Especially powerful in combination with apply() functions</a:t>
             </a:r>
           </a:p>
           <a:p>
-            <a:endParaRPr lang="en-US" dirty="0" smtClean="0"/>
-          </a:p>
-          <a:p>
-            <a:r>
-              <a:rPr lang="en-US" dirty="0" smtClean="0"/>
+            <a:endParaRPr lang="en-US" dirty="0"/>
+          </a:p>
+          <a:p>
+            <a:r>
+              <a:rPr lang="en-US" dirty="0"/>
               <a:t>Basic structure:</a:t>
             </a:r>
-            <a:endParaRPr lang="en-US" dirty="0"/>
           </a:p>
           <a:p>
             <a:pPr marL="0" indent="0">
               <a:buNone/>
             </a:pPr>
             <a:r>
-              <a:rPr lang="en-US" dirty="0" smtClean="0"/>
+              <a:rPr lang="en-US" dirty="0"/>
               <a:t>		</a:t>
             </a:r>
             <a:r>
-              <a:rPr lang="en-US" dirty="0" err="1" smtClean="0"/>
+              <a:rPr lang="en-US" dirty="0" err="1"/>
               <a:t>myfun</a:t>
             </a:r>
             <a:r>
-              <a:rPr lang="en-US" dirty="0" smtClean="0"/>
-              <a:t> </a:t>
-            </a:r>
-            <a:r>
-              <a:rPr lang="en-US" dirty="0"/>
-              <a:t>&lt;- function</a:t>
-            </a:r>
-            <a:r>
-              <a:rPr lang="en-US" dirty="0" smtClean="0"/>
+              <a:rPr lang="en-US" dirty="0"/>
+              <a:t> &lt;- function(input){</a:t>
+            </a:r>
+          </a:p>
+          <a:p>
+            <a:pPr marL="0" indent="0">
+              <a:buNone/>
+            </a:pPr>
+            <a:r>
+              <a:rPr lang="en-US" dirty="0"/>
+              <a:t>			output &lt;- </a:t>
+            </a:r>
+            <a:r>
+              <a:rPr lang="en-US" dirty="0" err="1"/>
+              <a:t>do_something</a:t>
+            </a:r>
+            <a:r>
+              <a:rPr lang="en-US" dirty="0"/>
               <a:t>(input)</a:t>
             </a:r>
-            <a:r>
-              <a:rPr lang="en-US" dirty="0"/>
-              <a:t>{</a:t>
-            </a:r>
           </a:p>
           <a:p>
             <a:pPr marL="0" indent="0">
               <a:buNone/>
             </a:pPr>
             <a:r>
-              <a:rPr lang="en-US" dirty="0" smtClean="0"/>
-              <a:t>			output </a:t>
-            </a:r>
-            <a:r>
-              <a:rPr lang="en-US" dirty="0"/>
-              <a:t>&lt;- </a:t>
-            </a:r>
-            <a:r>
-              <a:rPr lang="en-US" dirty="0" err="1" smtClean="0"/>
-              <a:t>do_something</a:t>
-            </a:r>
-            <a:r>
-              <a:rPr lang="en-US" dirty="0" smtClean="0"/>
-              <a:t>(input)</a:t>
-            </a:r>
-            <a:endParaRPr lang="en-US" dirty="0"/>
+              <a:rPr lang="en-US" dirty="0"/>
+              <a:t> 			return(output)</a:t>
+            </a:r>
           </a:p>
           <a:p>
             <a:pPr marL="0" indent="0">
@@ -5759,20 +5552,6 @@
             </a:pPr>
             <a:r>
               <a:rPr lang="en-US" dirty="0"/>
-              <a:t> </a:t>
-            </a:r>
-            <a:r>
-              <a:rPr lang="en-US" dirty="0" smtClean="0"/>
-              <a:t>			return(output)</a:t>
-            </a:r>
-            <a:endParaRPr lang="en-US" dirty="0"/>
-          </a:p>
-          <a:p>
-            <a:pPr marL="0" indent="0">
-              <a:buNone/>
-            </a:pPr>
-            <a:r>
-              <a:rPr lang="en-US" dirty="0" smtClean="0"/>
               <a:t>		}</a:t>
             </a:r>
           </a:p>
@@ -5787,26 +5566,25 @@
               <a:buNone/>
             </a:pPr>
             <a:r>
-              <a:rPr lang="en-US" dirty="0" smtClean="0"/>
+              <a:rPr lang="en-US" dirty="0"/>
               <a:t>		apply(</a:t>
             </a:r>
             <a:r>
-              <a:rPr lang="en-US" dirty="0" err="1" smtClean="0"/>
+              <a:rPr lang="en-US" dirty="0" err="1"/>
               <a:t>mydata</a:t>
             </a:r>
             <a:r>
-              <a:rPr lang="en-US" dirty="0" smtClean="0"/>
+              <a:rPr lang="en-US" dirty="0"/>
               <a:t>, 1, </a:t>
             </a:r>
             <a:r>
-              <a:rPr lang="en-US" dirty="0" err="1" smtClean="0"/>
+              <a:rPr lang="en-US" dirty="0" err="1"/>
               <a:t>myfun</a:t>
             </a:r>
             <a:r>
-              <a:rPr lang="en-US" dirty="0" smtClean="0"/>
+              <a:rPr lang="en-US" dirty="0"/>
               <a:t>)</a:t>
             </a:r>
-            <a:endParaRPr lang="en-US" dirty="0"/>
           </a:p>
         </p:txBody>
       </p:sp>
@@ -5856,16 +5634,8 @@
           <a:lstStyle/>
           <a:p>
             <a:r>
-              <a:rPr lang="en-US" dirty="0" smtClean="0"/>
-              <a:t>Assignment – the age </a:t>
-            </a:r>
-            <a:r>
-              <a:rPr lang="en-US" dirty="0"/>
-              <a:t>old “&lt;</a:t>
-            </a:r>
-            <a:r>
-              <a:rPr lang="en-US" dirty="0" smtClean="0"/>
-              <a:t>-” </a:t>
+              <a:rPr lang="en-US" dirty="0"/>
+              <a:t>Assignment – the age old “&lt;-” </a:t>
             </a:r>
             <a:r>
               <a:rPr lang="en-US" dirty="0" err="1"/>
@@ -5873,13 +5643,8 @@
             </a:r>
             <a:r>
               <a:rPr lang="en-US" dirty="0"/>
-              <a:t> </a:t>
-            </a:r>
-            <a:r>
-              <a:rPr lang="en-US" dirty="0" smtClean="0"/>
-              <a:t>“=” debate</a:t>
-            </a:r>
-            <a:endParaRPr lang="en-US" dirty="0"/>
+              <a:t> “=” debate</a:t>
+            </a:r>
           </a:p>
         </p:txBody>
       </p:sp>
@@ -5901,37 +5666,37 @@
           <a:lstStyle/>
           <a:p>
             <a:r>
-              <a:rPr lang="en-US" dirty="0" smtClean="0"/>
+              <a:rPr lang="en-US" dirty="0"/>
               <a:t>By convention in R, “&lt;-” is used to assign a value to a variable and “=” is used for setting arguments in a function. For R purists, this is the preferred method.</a:t>
             </a:r>
           </a:p>
           <a:p>
             <a:r>
-              <a:rPr lang="en-US" dirty="0" smtClean="0"/>
+              <a:rPr lang="en-US" dirty="0"/>
               <a:t>The “=” symbol will also generally work for assignment.</a:t>
             </a:r>
           </a:p>
           <a:p>
-            <a:endParaRPr lang="en-US" dirty="0" smtClean="0"/>
-          </a:p>
-          <a:p>
-            <a:r>
-              <a:rPr lang="en-US" dirty="0" smtClean="0"/>
-              <a:t>Old keyboards had a “&lt;-” key. Now its an extra key stroke.</a:t>
-            </a:r>
-          </a:p>
-          <a:p>
             <a:endParaRPr lang="en-US" dirty="0"/>
           </a:p>
           <a:p>
             <a:r>
-              <a:rPr lang="en-US" dirty="0" smtClean="0"/>
+              <a:rPr lang="en-US" dirty="0"/>
+              <a:t>Old keyboards had a “&lt;-” key. Now it is an extra key stroke.</a:t>
+            </a:r>
+          </a:p>
+          <a:p>
+            <a:endParaRPr lang="en-US" dirty="0"/>
+          </a:p>
+          <a:p>
+            <a:r>
+              <a:rPr lang="en-US" dirty="0"/>
               <a:t>There is a difference in “scope”. Generally you may want values assigned within functions to stay inside the function.</a:t>
             </a:r>
           </a:p>
           <a:p>
             <a:r>
-              <a:rPr lang="en-US" dirty="0" smtClean="0"/>
+              <a:rPr lang="en-US" dirty="0"/>
               <a:t>Let’s look at the simple ‘median’ function to illustrate</a:t>
             </a:r>
           </a:p>
@@ -5947,32 +5712,55 @@
             </a:r>
             <a:r>
               <a:rPr lang="en-US" dirty="0"/>
-              <a:t> = FALSE, ...</a:t>
-            </a:r>
-            <a:r>
-              <a:rPr lang="en-US" dirty="0" smtClean="0"/>
-              <a:t>)</a:t>
+              <a:t> = FALSE, ...)</a:t>
             </a:r>
           </a:p>
           <a:p>
             <a:pPr lvl="1"/>
-            <a:endParaRPr lang="en-US" dirty="0" smtClean="0"/>
+            <a:endParaRPr lang="en-US" dirty="0"/>
           </a:p>
           <a:p>
             <a:pPr marL="457200" lvl="1" indent="0">
               <a:buNone/>
             </a:pPr>
             <a:r>
-              <a:rPr lang="es-ES_tradnl" dirty="0" smtClean="0"/>
-              <a:t>	&gt; data</a:t>
-            </a:r>
-            <a:r>
               <a:rPr lang="es-ES_tradnl" dirty="0"/>
-              <a:t>=c(1:10,NA,NA,3:5</a:t>
-            </a:r>
-            <a:r>
-              <a:rPr lang="es-ES_tradnl" dirty="0" smtClean="0"/>
-              <a:t>)</a:t>
+              <a:t>	&gt; data=c(1:10,NA,NA,3:5)</a:t>
+            </a:r>
+          </a:p>
+          <a:p>
+            <a:pPr marL="457200" lvl="1" indent="0">
+              <a:buNone/>
+            </a:pPr>
+            <a:r>
+              <a:rPr lang="es-ES_tradnl" dirty="0"/>
+              <a:t>	&gt; median(x=data, </a:t>
+            </a:r>
+            <a:r>
+              <a:rPr lang="es-ES_tradnl" dirty="0" err="1"/>
+              <a:t>na.rm</a:t>
+            </a:r>
+            <a:r>
+              <a:rPr lang="es-ES_tradnl" dirty="0"/>
+              <a:t>=TRUE)</a:t>
+            </a:r>
+          </a:p>
+          <a:p>
+            <a:pPr marL="457200" lvl="1" indent="0">
+              <a:buNone/>
+            </a:pPr>
+            <a:r>
+              <a:rPr lang="es-ES_tradnl" dirty="0"/>
+              <a:t>	[1] 5</a:t>
+            </a:r>
+          </a:p>
+          <a:p>
+            <a:pPr marL="457200" lvl="1" indent="0">
+              <a:buNone/>
+            </a:pPr>
+            <a:r>
+              <a:rPr lang="es-ES_tradnl" dirty="0"/>
+              <a:t>	&gt; x</a:t>
             </a:r>
           </a:p>
           <a:p>
@@ -5984,61 +5772,6 @@
               <a:t>	</a:t>
             </a:r>
             <a:r>
-              <a:rPr lang="es-ES_tradnl" dirty="0" smtClean="0"/>
-              <a:t>&gt; median</a:t>
-            </a:r>
-            <a:r>
-              <a:rPr lang="es-ES_tradnl" dirty="0"/>
-              <a:t>(x=data, </a:t>
-            </a:r>
-            <a:r>
-              <a:rPr lang="es-ES_tradnl" dirty="0" err="1"/>
-              <a:t>na.rm</a:t>
-            </a:r>
-            <a:r>
-              <a:rPr lang="es-ES_tradnl" dirty="0"/>
-              <a:t>=TRUE</a:t>
-            </a:r>
-            <a:r>
-              <a:rPr lang="es-ES_tradnl" dirty="0" smtClean="0"/>
-              <a:t>)</a:t>
-            </a:r>
-          </a:p>
-          <a:p>
-            <a:pPr marL="457200" lvl="1" indent="0">
-              <a:buNone/>
-            </a:pPr>
-            <a:r>
-              <a:rPr lang="es-ES_tradnl" dirty="0"/>
-              <a:t>	</a:t>
-            </a:r>
-            <a:r>
-              <a:rPr lang="es-ES_tradnl" dirty="0" smtClean="0"/>
-              <a:t>[1] 5</a:t>
-            </a:r>
-          </a:p>
-          <a:p>
-            <a:pPr marL="457200" lvl="1" indent="0">
-              <a:buNone/>
-            </a:pPr>
-            <a:r>
-              <a:rPr lang="es-ES_tradnl" dirty="0"/>
-              <a:t>	</a:t>
-            </a:r>
-            <a:r>
-              <a:rPr lang="es-ES_tradnl" dirty="0" smtClean="0"/>
-              <a:t>&gt; x</a:t>
-            </a:r>
-          </a:p>
-          <a:p>
-            <a:pPr marL="457200" lvl="1" indent="0">
-              <a:buNone/>
-            </a:pPr>
-            <a:r>
-              <a:rPr lang="es-ES_tradnl" dirty="0"/>
-              <a:t>	</a:t>
-            </a:r>
-            <a:r>
               <a:rPr lang="de-DE" dirty="0"/>
               <a:t>Error: </a:t>
             </a:r>
@@ -6060,19 +5793,15 @@
             <a:pPr marL="457200" lvl="1" indent="0">
               <a:buNone/>
             </a:pPr>
-            <a:endParaRPr lang="de-DE" dirty="0" smtClean="0"/>
+            <a:endParaRPr lang="de-DE" dirty="0"/>
           </a:p>
           <a:p>
             <a:pPr marL="457200" lvl="1" indent="0">
               <a:buNone/>
             </a:pPr>
             <a:r>
-              <a:rPr lang="de-DE" dirty="0" smtClean="0"/>
-              <a:t>	&gt; </a:t>
-            </a:r>
-            <a:r>
               <a:rPr lang="de-DE" dirty="0"/>
-              <a:t>median(x &lt;- </a:t>
+              <a:t>	&gt; median(x &lt;- </a:t>
             </a:r>
             <a:r>
               <a:rPr lang="de-DE" dirty="0" err="1"/>
@@ -6096,12 +5825,8 @@
               <a:buNone/>
             </a:pPr>
             <a:r>
-              <a:rPr lang="de-DE" dirty="0" smtClean="0"/>
-              <a:t>	[</a:t>
-            </a:r>
-            <a:r>
               <a:rPr lang="de-DE" dirty="0"/>
-              <a:t>1] 5</a:t>
+              <a:t>	[1] 5</a:t>
             </a:r>
           </a:p>
           <a:p>
@@ -6109,12 +5834,8 @@
               <a:buNone/>
             </a:pPr>
             <a:r>
-              <a:rPr lang="de-DE" dirty="0" smtClean="0"/>
-              <a:t>	&gt; </a:t>
-            </a:r>
-            <a:r>
               <a:rPr lang="de-DE" dirty="0"/>
-              <a:t>x</a:t>
+              <a:t>	&gt; x</a:t>
             </a:r>
           </a:p>
           <a:p>
@@ -6123,15 +5844,7 @@
             </a:pPr>
             <a:r>
               <a:rPr lang="de-DE" dirty="0"/>
-              <a:t> </a:t>
-            </a:r>
-            <a:r>
-              <a:rPr lang="de-DE" dirty="0" smtClean="0"/>
-              <a:t>	[</a:t>
-            </a:r>
-            <a:r>
-              <a:rPr lang="de-DE" dirty="0"/>
-              <a:t>1]  1  2  3  4  5  6  7  8  9 10 NA NA  3  4  5</a:t>
+              <a:t> 	[1]  1  2  3  4  5  6  7  8  9 10 NA NA  3  4  5</a:t>
             </a:r>
             <a:endParaRPr lang="en-US" dirty="0"/>
           </a:p>
@@ -6139,7 +5852,7 @@
             <a:endParaRPr lang="en-US" dirty="0"/>
           </a:p>
           <a:p>
-            <a:endParaRPr lang="en-US" dirty="0" smtClean="0"/>
+            <a:endParaRPr lang="en-US" dirty="0"/>
           </a:p>
           <a:p>
             <a:endParaRPr lang="en-US" dirty="0"/>
@@ -6193,11 +5906,7 @@
           <a:p>
             <a:r>
               <a:rPr lang="en-US" dirty="0"/>
-              <a:t>Assignment – the age old “&lt;</a:t>
-            </a:r>
-            <a:r>
-              <a:rPr lang="en-US" dirty="0" smtClean="0"/>
-              <a:t>-” </a:t>
+              <a:t>Assignment – the age old “&lt;-” </a:t>
             </a:r>
             <a:r>
               <a:rPr lang="en-US" dirty="0" err="1"/>
@@ -6205,13 +5914,8 @@
             </a:r>
             <a:r>
               <a:rPr lang="en-US" dirty="0"/>
-              <a:t> </a:t>
-            </a:r>
-            <a:r>
-              <a:rPr lang="en-US" dirty="0" smtClean="0"/>
-              <a:t>“=” debate</a:t>
-            </a:r>
-            <a:endParaRPr lang="en-US" dirty="0"/>
+              <a:t> “=” debate</a:t>
+            </a:r>
           </a:p>
         </p:txBody>
       </p:sp>
@@ -6233,7 +5937,7 @@
           <a:lstStyle/>
           <a:p>
             <a:r>
-              <a:rPr lang="en-US" dirty="0" smtClean="0"/>
+              <a:rPr lang="en-US" dirty="0"/>
               <a:t>With “&lt;-” spacing matters. This drives some programmers crazy who think spacing should be a style matter and not change the way a program works</a:t>
             </a:r>
           </a:p>
@@ -6241,64 +5945,16 @@
             <a:pPr marL="0" indent="0">
               <a:buNone/>
             </a:pPr>
-            <a:endParaRPr lang="en-US" dirty="0" smtClean="0"/>
+            <a:endParaRPr lang="en-US" dirty="0"/>
           </a:p>
           <a:p>
             <a:pPr marL="457200" lvl="1" indent="0">
               <a:buNone/>
             </a:pPr>
             <a:r>
-              <a:rPr lang="en-US" dirty="0" smtClean="0"/>
-              <a:t>&gt; x</a:t>
-            </a:r>
-            <a:r>
-              <a:rPr lang="en-US" dirty="0"/>
-              <a:t>&lt;-</a:t>
-            </a:r>
-            <a:r>
-              <a:rPr lang="en-US" dirty="0" smtClean="0"/>
-              <a:t>3</a:t>
-            </a:r>
-          </a:p>
-          <a:p>
-            <a:pPr marL="457200" lvl="1" indent="0">
-              <a:buNone/>
-            </a:pPr>
-            <a:r>
-              <a:rPr lang="en-US" dirty="0" smtClean="0"/>
-              <a:t>&gt; x</a:t>
-            </a:r>
-            <a:br>
-              <a:rPr lang="en-US" dirty="0" smtClean="0"/>
-            </a:br>
-            <a:r>
-              <a:rPr lang="pt-BR" dirty="0"/>
-              <a:t>[1] </a:t>
-            </a:r>
-            <a:r>
-              <a:rPr lang="pt-BR" dirty="0" smtClean="0"/>
-              <a:t>3</a:t>
-            </a:r>
-          </a:p>
-          <a:p>
-            <a:pPr marL="457200" lvl="1" indent="0">
-              <a:buNone/>
-            </a:pPr>
-            <a:endParaRPr lang="en-US" dirty="0" smtClean="0"/>
-          </a:p>
-          <a:p>
-            <a:pPr marL="457200" lvl="1" indent="0">
-              <a:buNone/>
-            </a:pPr>
-            <a:r>
-              <a:rPr lang="en-US" dirty="0"/>
-              <a:t>&gt; </a:t>
-            </a:r>
-            <a:r>
-              <a:rPr lang="en-US" dirty="0" smtClean="0"/>
-              <a:t>x &lt;- 3</a:t>
-            </a:r>
-            <a:endParaRPr lang="en-US" dirty="0"/>
+              <a:rPr lang="en-US" dirty="0"/>
+              <a:t>&gt; x&lt;-3</a:t>
+            </a:r>
           </a:p>
           <a:p>
             <a:pPr marL="457200" lvl="1" indent="0">
@@ -6320,7 +5976,7 @@
             <a:pPr marL="457200" lvl="1" indent="0">
               <a:buNone/>
             </a:pPr>
-            <a:endParaRPr lang="en-US" dirty="0" smtClean="0"/>
+            <a:endParaRPr lang="en-US" dirty="0"/>
           </a:p>
           <a:p>
             <a:pPr marL="457200" lvl="1" indent="0">
@@ -6328,15 +5984,7 @@
             </a:pPr>
             <a:r>
               <a:rPr lang="en-US" dirty="0"/>
-              <a:t>&gt; </a:t>
-            </a:r>
-            <a:r>
-              <a:rPr lang="en-US" dirty="0" smtClean="0"/>
-              <a:t>x &lt; -</a:t>
-            </a:r>
-            <a:r>
-              <a:rPr lang="en-US" dirty="0"/>
-              <a:t>3</a:t>
+              <a:t>&gt; x &lt;- 3</a:t>
             </a:r>
           </a:p>
           <a:p>
@@ -6344,21 +5992,47 @@
               <a:buNone/>
             </a:pPr>
             <a:r>
-              <a:rPr lang="en-US" dirty="0" smtClean="0"/>
+              <a:rPr lang="en-US" dirty="0"/>
               <a:t>&gt; x</a:t>
             </a:r>
-            <a:r>
-              <a:rPr lang="en-US" dirty="0"/>
-              <a:t/>
-            </a:r>
             <a:br>
               <a:rPr lang="en-US" dirty="0"/>
             </a:br>
             <a:r>
-              <a:rPr lang="pt-BR" dirty="0" smtClean="0"/>
+              <a:rPr lang="pt-BR" dirty="0"/>
+              <a:t>[1] 3</a:t>
+            </a:r>
+          </a:p>
+          <a:p>
+            <a:pPr marL="457200" lvl="1" indent="0">
+              <a:buNone/>
+            </a:pPr>
+            <a:endParaRPr lang="en-US" dirty="0"/>
+          </a:p>
+          <a:p>
+            <a:pPr marL="457200" lvl="1" indent="0">
+              <a:buNone/>
+            </a:pPr>
+            <a:r>
+              <a:rPr lang="en-US" dirty="0"/>
+              <a:t>&gt; x &lt; -3</a:t>
+            </a:r>
+          </a:p>
+          <a:p>
+            <a:pPr marL="457200" lvl="1" indent="0">
+              <a:buNone/>
+            </a:pPr>
+            <a:r>
+              <a:rPr lang="en-US" dirty="0"/>
+              <a:t>&gt; x</a:t>
+            </a:r>
+            <a:br>
+              <a:rPr lang="en-US" dirty="0"/>
+            </a:br>
+            <a:r>
+              <a:rPr lang="pt-BR" dirty="0"/>
               <a:t>FALSE</a:t>
             </a:r>
-            <a:endParaRPr lang="pt-BR" dirty="0"/>
           </a:p>
         </p:txBody>
       </p:sp>
@@ -6479,13 +6153,6 @@
   <p:clrMapOvr>
     <a:masterClrMapping/>
   </p:clrMapOvr>
-  <p:timing>
-    <p:tnLst>
-      <p:par>
-        <p:cTn xmlns:p14="http://schemas.microsoft.com/office/powerpoint/2010/main" id="1" dur="indefinite" restart="never" nodeType="tmRoot"/>
-      </p:par>
-    </p:tnLst>
-  </p:timing>
 </p:sld>
 </file>
 
@@ -6523,11 +6190,7 @@
           <a:p>
             <a:r>
               <a:rPr lang="en-US" dirty="0"/>
-              <a:t>Assignment – the age old “&lt;</a:t>
-            </a:r>
-            <a:r>
-              <a:rPr lang="en-US" dirty="0" smtClean="0"/>
-              <a:t>-” </a:t>
+              <a:t>Assignment – the age old “&lt;-” </a:t>
             </a:r>
             <a:r>
               <a:rPr lang="en-US" dirty="0" err="1"/>
@@ -6535,13 +6198,8 @@
             </a:r>
             <a:r>
               <a:rPr lang="en-US" dirty="0"/>
-              <a:t> </a:t>
-            </a:r>
-            <a:r>
-              <a:rPr lang="en-US" dirty="0" smtClean="0"/>
-              <a:t>“=” debate</a:t>
-            </a:r>
-            <a:endParaRPr lang="en-US" dirty="0"/>
+              <a:t> “=” debate</a:t>
+            </a:r>
           </a:p>
         </p:txBody>
       </p:sp>
@@ -6563,7 +6221,7 @@
           <a:lstStyle/>
           <a:p>
             <a:r>
-              <a:rPr lang="en-US" dirty="0" smtClean="0"/>
+              <a:rPr lang="en-US" dirty="0"/>
               <a:t>More weirdness having to do with order of interpretation by R</a:t>
             </a:r>
           </a:p>
@@ -6571,7 +6229,7 @@
             <a:pPr marL="0" indent="0">
               <a:buNone/>
             </a:pPr>
-            <a:endParaRPr lang="en-US" dirty="0" smtClean="0"/>
+            <a:endParaRPr lang="en-US" dirty="0"/>
           </a:p>
           <a:p>
             <a:pPr marL="457200" lvl="1" indent="0">
@@ -6579,129 +6237,80 @@
             </a:pPr>
             <a:r>
               <a:rPr lang="en-US" dirty="0"/>
-              <a:t>x &lt;- y &lt;- </a:t>
-            </a:r>
-            <a:r>
-              <a:rPr lang="en-US" dirty="0" smtClean="0"/>
-              <a:t>5   # x and y equal 5</a:t>
-            </a:r>
+              <a:t>x &lt;- y &lt;- 5   # x and y equal 5</a:t>
+            </a:r>
+          </a:p>
+          <a:p>
+            <a:pPr marL="457200" lvl="1" indent="0">
+              <a:buNone/>
+            </a:pPr>
+            <a:r>
+              <a:rPr lang="en-US" dirty="0"/>
+              <a:t>x = y = 5   # x and y equal 5</a:t>
+            </a:r>
+          </a:p>
+          <a:p>
+            <a:pPr marL="457200" lvl="1" indent="0">
+              <a:buNone/>
+            </a:pPr>
+            <a:r>
+              <a:rPr lang="en-US" dirty="0"/>
+              <a:t>x = y &lt;- 5   # x and y equal 5</a:t>
+            </a:r>
+          </a:p>
+          <a:p>
+            <a:pPr marL="457200" lvl="1" indent="0">
+              <a:buNone/>
+            </a:pPr>
+            <a:r>
+              <a:rPr lang="en-US" dirty="0"/>
+              <a:t>x &lt;- y = 5   # errors!</a:t>
+            </a:r>
+          </a:p>
+          <a:p>
+            <a:pPr marL="457200" lvl="1" indent="0">
+              <a:buNone/>
+            </a:pPr>
+            <a:r>
+              <a:rPr lang="en-US" dirty="0"/>
+              <a:t># Error in (x &lt;- y) = 5 : could not find function "&lt;-&lt;-”</a:t>
+            </a:r>
+          </a:p>
+          <a:p>
             <a:endParaRPr lang="en-US" dirty="0"/>
           </a:p>
           <a:p>
-            <a:pPr marL="457200" lvl="1" indent="0">
-              <a:buNone/>
-            </a:pPr>
-            <a:r>
-              <a:rPr lang="en-US" dirty="0"/>
-              <a:t>x = y = </a:t>
-            </a:r>
-            <a:r>
-              <a:rPr lang="en-US" dirty="0" smtClean="0"/>
-              <a:t>5   </a:t>
-            </a:r>
-            <a:r>
-              <a:rPr lang="en-US" dirty="0"/>
-              <a:t># x and y equal </a:t>
-            </a:r>
-            <a:r>
-              <a:rPr lang="en-US" dirty="0" smtClean="0"/>
-              <a:t>5</a:t>
+            <a:r>
+              <a:rPr lang="en-US" dirty="0"/>
+              <a:t>We could keep going </a:t>
+            </a:r>
+            <a:r>
+              <a:rPr lang="is-IS" dirty="0"/>
+              <a:t>…</a:t>
             </a:r>
             <a:endParaRPr lang="en-US" dirty="0"/>
           </a:p>
           <a:p>
-            <a:pPr marL="457200" lvl="1" indent="0">
-              <a:buNone/>
-            </a:pPr>
-            <a:r>
-              <a:rPr lang="en-US" dirty="0"/>
-              <a:t>x = y &lt;- </a:t>
-            </a:r>
-            <a:r>
-              <a:rPr lang="en-US" dirty="0" smtClean="0"/>
-              <a:t>5   </a:t>
-            </a:r>
-            <a:r>
-              <a:rPr lang="en-US" dirty="0"/>
-              <a:t># x and y equal </a:t>
-            </a:r>
-            <a:r>
-              <a:rPr lang="en-US" dirty="0" smtClean="0"/>
-              <a:t>5</a:t>
-            </a:r>
-            <a:endParaRPr lang="en-US" dirty="0"/>
-          </a:p>
-          <a:p>
-            <a:pPr marL="457200" lvl="1" indent="0">
-              <a:buNone/>
-            </a:pPr>
-            <a:r>
-              <a:rPr lang="en-US" dirty="0"/>
-              <a:t>x &lt;- y = </a:t>
-            </a:r>
-            <a:r>
-              <a:rPr lang="en-US" dirty="0" smtClean="0"/>
-              <a:t>5   </a:t>
-            </a:r>
-            <a:r>
-              <a:rPr lang="en-US" dirty="0"/>
-              <a:t># </a:t>
-            </a:r>
-            <a:r>
-              <a:rPr lang="en-US" dirty="0" smtClean="0"/>
-              <a:t>errors!</a:t>
-            </a:r>
-            <a:endParaRPr lang="en-US" dirty="0"/>
-          </a:p>
-          <a:p>
-            <a:pPr marL="457200" lvl="1" indent="0">
-              <a:buNone/>
-            </a:pPr>
-            <a:r>
-              <a:rPr lang="en-US" dirty="0"/>
-              <a:t># Error in (x &lt;- y) = 5 : could not find function "&lt;-&lt;</a:t>
-            </a:r>
-            <a:r>
-              <a:rPr lang="en-US" dirty="0" smtClean="0"/>
-              <a:t>-”</a:t>
-            </a:r>
-          </a:p>
-          <a:p>
-            <a:endParaRPr lang="en-US" dirty="0" smtClean="0"/>
-          </a:p>
-          <a:p>
-            <a:r>
-              <a:rPr lang="en-US" dirty="0" smtClean="0"/>
-              <a:t>We could keep going </a:t>
-            </a:r>
-            <a:r>
-              <a:rPr lang="is-IS" dirty="0" smtClean="0"/>
-              <a:t>…</a:t>
-            </a:r>
-            <a:endParaRPr lang="en-US" dirty="0" smtClean="0"/>
-          </a:p>
-          <a:p>
-            <a:r>
-              <a:rPr lang="en-US" dirty="0" smtClean="0"/>
+            <a:r>
+              <a:rPr lang="en-US" dirty="0"/>
               <a:t>Use “&lt;-” if you want to be a l33t R geek.</a:t>
             </a:r>
           </a:p>
           <a:p>
             <a:r>
-              <a:rPr lang="en-US" dirty="0" smtClean="0"/>
+              <a:rPr lang="en-US" dirty="0"/>
               <a:t>I’ve been writing code for 15 years and use “=” for assignment. Never had a problem. </a:t>
             </a:r>
           </a:p>
           <a:p>
             <a:r>
-              <a:rPr lang="en-US" dirty="0" err="1" smtClean="0"/>
+              <a:rPr lang="en-US" dirty="0" err="1"/>
               <a:t>formatR</a:t>
             </a:r>
             <a:r>
-              <a:rPr lang="en-US" dirty="0" smtClean="0"/>
+              <a:rPr lang="en-US" dirty="0"/>
               <a:t> package (tidy_* functions) can be used to clean your code for publication</a:t>
             </a:r>
-            <a:endParaRPr lang="en-US" dirty="0"/>
           </a:p>
         </p:txBody>
       </p:sp>
@@ -6751,10 +6360,9 @@
           <a:lstStyle/>
           <a:p>
             <a:r>
-              <a:rPr lang="en-US" dirty="0" smtClean="0"/>
+              <a:rPr lang="en-US" dirty="0"/>
               <a:t>Graphics options in R</a:t>
             </a:r>
-            <a:endParaRPr lang="en-US" dirty="0"/>
           </a:p>
         </p:txBody>
       </p:sp>
@@ -6774,49 +6382,49 @@
           <a:lstStyle/>
           <a:p>
             <a:r>
-              <a:rPr lang="en-US" dirty="0" smtClean="0"/>
+              <a:rPr lang="en-US" dirty="0"/>
               <a:t>At least 3 primary graphics options in R</a:t>
             </a:r>
           </a:p>
           <a:p>
             <a:pPr lvl="1"/>
             <a:r>
-              <a:rPr lang="en-US" dirty="0" smtClean="0"/>
+              <a:rPr lang="en-US" dirty="0"/>
               <a:t>base R graphics</a:t>
             </a:r>
           </a:p>
           <a:p>
             <a:pPr lvl="2"/>
             <a:r>
-              <a:rPr lang="en-US" dirty="0" smtClean="0"/>
+              <a:rPr lang="en-US" dirty="0"/>
               <a:t>plot(), par(), </a:t>
             </a:r>
             <a:r>
-              <a:rPr lang="en-US" dirty="0" err="1" smtClean="0"/>
+              <a:rPr lang="en-US" dirty="0" err="1"/>
               <a:t>etc</a:t>
             </a:r>
-            <a:endParaRPr lang="en-US" dirty="0" smtClean="0"/>
+            <a:endParaRPr lang="en-US" dirty="0"/>
           </a:p>
           <a:p>
             <a:pPr lvl="1"/>
             <a:r>
-              <a:rPr lang="en-US" dirty="0" smtClean="0"/>
+              <a:rPr lang="en-US" dirty="0"/>
               <a:t>lattice</a:t>
             </a:r>
           </a:p>
           <a:p>
             <a:pPr lvl="1"/>
             <a:r>
-              <a:rPr lang="en-US" b="1" dirty="0" smtClean="0"/>
+              <a:rPr lang="en-US" b="1" dirty="0"/>
               <a:t>ggplot2</a:t>
             </a:r>
           </a:p>
           <a:p>
-            <a:endParaRPr lang="en-US" dirty="0" smtClean="0"/>
-          </a:p>
-          <a:p>
-            <a:r>
-              <a:rPr lang="en-US" dirty="0" smtClean="0"/>
+            <a:endParaRPr lang="en-US" dirty="0"/>
+          </a:p>
+          <a:p>
+            <a:r>
+              <a:rPr lang="en-US" dirty="0"/>
               <a:t>ggplot2 consistently one of the top two most popular of all R packages</a:t>
             </a:r>
           </a:p>
@@ -6870,10 +6478,9 @@
           <a:lstStyle/>
           <a:p>
             <a:r>
-              <a:rPr lang="en-US" sz="2400" dirty="0" smtClean="0"/>
+              <a:rPr lang="en-US" sz="2400" dirty="0"/>
               <a:t>Why use ggplot2? – “prettier” graphics in less lines of code</a:t>
             </a:r>
-            <a:endParaRPr lang="en-US" sz="2400" dirty="0"/>
           </a:p>
         </p:txBody>
       </p:sp>
@@ -6953,10 +6560,9 @@
           <a:lstStyle/>
           <a:p>
             <a:r>
-              <a:rPr lang="en-US" dirty="0" smtClean="0"/>
+              <a:rPr lang="en-US" dirty="0"/>
               <a:t>ggplot2 syntax</a:t>
             </a:r>
-            <a:endParaRPr lang="en-US" dirty="0"/>
           </a:p>
         </p:txBody>
       </p:sp>
@@ -7056,21 +6662,16 @@
             <a:pPr algn="ctr"/>
             <a:r>
               <a:rPr lang="en-US" dirty="0"/>
-              <a:t>Aesthetic mappings describe how variables in the data are mapped to visual properties (aesthetics) of </a:t>
-            </a:r>
-            <a:r>
-              <a:rPr lang="en-US" dirty="0" smtClean="0"/>
-              <a:t>geometric objects (</a:t>
-            </a:r>
-            <a:r>
-              <a:rPr lang="en-US" dirty="0" err="1" smtClean="0"/>
+              <a:t>Aesthetic mappings describe how variables in the data are mapped to visual properties (aesthetics) of geometric objects (</a:t>
+            </a:r>
+            <a:r>
+              <a:rPr lang="en-US" dirty="0" err="1"/>
               <a:t>geoms</a:t>
             </a:r>
             <a:r>
-              <a:rPr lang="en-US" dirty="0" smtClean="0"/>
+              <a:rPr lang="en-US" dirty="0"/>
               <a:t>)</a:t>
             </a:r>
-            <a:endParaRPr lang="en-US" dirty="0"/>
           </a:p>
         </p:txBody>
       </p:sp>
@@ -7223,14 +6824,13 @@
           <a:p>
             <a:pPr algn="ctr"/>
             <a:r>
-              <a:rPr lang="en-US" dirty="0" err="1" smtClean="0"/>
+              <a:rPr lang="en-US" dirty="0" err="1"/>
               <a:t>dataframe</a:t>
             </a:r>
             <a:r>
-              <a:rPr lang="en-US" dirty="0" smtClean="0"/>
+              <a:rPr lang="en-US" dirty="0"/>
               <a:t> with data to be plotted</a:t>
             </a:r>
-            <a:endParaRPr lang="en-US" dirty="0"/>
           </a:p>
         </p:txBody>
       </p:sp>
@@ -7323,10 +6923,9 @@
           <a:p>
             <a:pPr algn="ctr"/>
             <a:r>
-              <a:rPr lang="en-US" dirty="0" smtClean="0"/>
+              <a:rPr lang="en-US" dirty="0"/>
               <a:t>geometric objects specify how data should be plotted</a:t>
             </a:r>
-            <a:endParaRPr lang="en-US" dirty="0"/>
           </a:p>
         </p:txBody>
       </p:sp>
@@ -7406,10 +7005,9 @@
           <a:lstStyle/>
           <a:p>
             <a:r>
-              <a:rPr lang="en-US" dirty="0" smtClean="0"/>
+              <a:rPr lang="en-US" dirty="0"/>
               <a:t>Faceting allows multiple plots in a single page</a:t>
             </a:r>
-            <a:endParaRPr lang="en-US" dirty="0"/>
           </a:p>
         </p:txBody>
       </p:sp>
@@ -7478,10 +7076,9 @@
           <a:lstStyle/>
           <a:p>
             <a:r>
-              <a:rPr lang="en-US" dirty="0" smtClean="0"/>
+              <a:rPr lang="en-US" dirty="0"/>
               <a:t>Themes allow stylistic improvements</a:t>
             </a:r>
-            <a:endParaRPr lang="en-US" dirty="0"/>
           </a:p>
         </p:txBody>
       </p:sp>
@@ -7550,18 +7147,17 @@
           <a:lstStyle/>
           <a:p>
             <a:r>
-              <a:rPr lang="en-US" dirty="0" smtClean="0"/>
+              <a:rPr lang="en-US" dirty="0"/>
               <a:t>Wide </a:t>
             </a:r>
             <a:r>
-              <a:rPr lang="en-US" dirty="0" err="1" smtClean="0"/>
+              <a:rPr lang="en-US" dirty="0" err="1"/>
               <a:t>vs</a:t>
             </a:r>
             <a:r>
-              <a:rPr lang="en-US" dirty="0" smtClean="0"/>
+              <a:rPr lang="en-US" dirty="0"/>
               <a:t> long format</a:t>
             </a:r>
-            <a:endParaRPr lang="en-US" dirty="0"/>
           </a:p>
         </p:txBody>
       </p:sp>
@@ -7637,14 +7233,13 @@
           <a:lstStyle/>
           <a:p>
             <a:r>
-              <a:rPr lang="en-US" sz="2000" dirty="0" err="1" smtClean="0"/>
+              <a:rPr lang="en-US" sz="2000" dirty="0" err="1"/>
               <a:t>Rmarkdown</a:t>
             </a:r>
             <a:r>
-              <a:rPr lang="en-US" sz="2000" dirty="0" smtClean="0"/>
+              <a:rPr lang="en-US" sz="2000" dirty="0"/>
               <a:t> can be used to create publication ready documents presenting all code (analysis), comments, and results</a:t>
             </a:r>
-            <a:endParaRPr lang="en-US" sz="2000" dirty="0"/>
           </a:p>
         </p:txBody>
       </p:sp>
@@ -7914,13 +7509,8 @@
             </a:pPr>
             <a:r>
               <a:rPr lang="en-US" dirty="0"/>
-              <a:t>``</a:t>
-            </a:r>
-            <a:r>
-              <a:rPr lang="en-US" dirty="0" smtClean="0"/>
-              <a:t>`</a:t>
-            </a:r>
-            <a:endParaRPr lang="en-US" dirty="0"/>
+              <a:t>```</a:t>
+            </a:r>
           </a:p>
         </p:txBody>
       </p:sp>
@@ -7977,7 +7567,7 @@
           <a:lstStyle/>
           <a:p>
             <a:r>
-              <a:rPr lang="en-US" dirty="0" err="1" smtClean="0"/>
+              <a:rPr lang="en-US" dirty="0" err="1"/>
               <a:t>myRprogram.Rmd</a:t>
             </a:r>
             <a:endParaRPr lang="en-US" dirty="0"/>
@@ -8045,7 +7635,7 @@
           <a:lstStyle/>
           <a:p>
             <a:r>
-              <a:rPr lang="en-US" dirty="0" err="1" smtClean="0"/>
+              <a:rPr lang="en-US" dirty="0" err="1"/>
               <a:t>knitr</a:t>
             </a:r>
             <a:endParaRPr lang="en-US" dirty="0"/>
@@ -8113,7 +7703,7 @@
           <a:lstStyle/>
           <a:p>
             <a:r>
-              <a:rPr lang="en-US" dirty="0" err="1" smtClean="0"/>
+              <a:rPr lang="en-US" dirty="0" err="1"/>
               <a:t>result.html</a:t>
             </a:r>
             <a:endParaRPr lang="en-US" dirty="0"/>
@@ -8166,10 +7756,9 @@
           <a:lstStyle/>
           <a:p>
             <a:r>
-              <a:rPr lang="en-US" dirty="0" smtClean="0"/>
+              <a:rPr lang="en-US" dirty="0"/>
               <a:t>Interactive graphics with R shiny</a:t>
             </a:r>
-            <a:endParaRPr lang="en-US" dirty="0"/>
           </a:p>
         </p:txBody>
       </p:sp>
@@ -8191,28 +7780,27 @@
           <a:lstStyle/>
           <a:p>
             <a:r>
-              <a:rPr lang="en-US" sz="2800" dirty="0" smtClean="0"/>
+              <a:rPr lang="en-US" sz="2800" dirty="0"/>
               <a:t>Optimizing a graphic often requires multiple iterative alterations</a:t>
             </a:r>
           </a:p>
           <a:p>
             <a:r>
-              <a:rPr lang="en-US" sz="2800" dirty="0" smtClean="0"/>
+              <a:rPr lang="en-US" sz="2800" dirty="0"/>
               <a:t>Analysis and interpretation often benefits from active filtering, variable selection, and parameterization</a:t>
             </a:r>
           </a:p>
           <a:p>
             <a:r>
-              <a:rPr lang="en-US" sz="2800" dirty="0" smtClean="0"/>
+              <a:rPr lang="en-US" sz="2800" dirty="0"/>
               <a:t>Interactive graphics allow end-users, especially non-experts, to more effectively explore data</a:t>
             </a:r>
           </a:p>
           <a:p>
             <a:r>
-              <a:rPr lang="en-US" sz="2800" dirty="0" smtClean="0"/>
+              <a:rPr lang="en-US" sz="2800" dirty="0"/>
               <a:t>The R shiny package allows you to quickly and easily create sophisticated web-accessible interactive graphics</a:t>
             </a:r>
-            <a:endParaRPr lang="en-US" sz="2800" dirty="0"/>
           </a:p>
         </p:txBody>
       </p:sp>
@@ -8262,10 +7850,9 @@
           <a:lstStyle/>
           <a:p>
             <a:r>
-              <a:rPr lang="en-US" dirty="0" smtClean="0"/>
+              <a:rPr lang="en-US" dirty="0"/>
               <a:t>Basic organization of a shiny application</a:t>
             </a:r>
-            <a:endParaRPr lang="en-US" dirty="0"/>
           </a:p>
         </p:txBody>
       </p:sp>
@@ -8293,15 +7880,15 @@
           <a:p>
             <a:pPr algn="ctr"/>
             <a:r>
-              <a:rPr lang="en-US" sz="2400" dirty="0" err="1" smtClean="0"/>
+              <a:rPr lang="en-US" sz="2400" dirty="0" err="1"/>
               <a:t>shinyUI</a:t>
             </a:r>
-            <a:endParaRPr lang="en-US" sz="2400" dirty="0" smtClean="0"/>
+            <a:endParaRPr lang="en-US" sz="2400" dirty="0"/>
           </a:p>
           <a:p>
             <a:pPr algn="ctr"/>
             <a:r>
-              <a:rPr lang="en-US" sz="2400" dirty="0" err="1" smtClean="0"/>
+              <a:rPr lang="en-US" sz="2400" dirty="0" err="1"/>
               <a:t>ui.R</a:t>
             </a:r>
             <a:endParaRPr lang="en-US" sz="2400" dirty="0"/>
@@ -8332,15 +7919,15 @@
           <a:p>
             <a:pPr algn="ctr"/>
             <a:r>
-              <a:rPr lang="en-US" sz="2400" dirty="0" err="1" smtClean="0"/>
+              <a:rPr lang="en-US" sz="2400" dirty="0" err="1"/>
               <a:t>shinyServer</a:t>
             </a:r>
-            <a:endParaRPr lang="en-US" sz="2400" dirty="0" smtClean="0"/>
+            <a:endParaRPr lang="en-US" sz="2400" dirty="0"/>
           </a:p>
           <a:p>
             <a:pPr algn="ctr"/>
             <a:r>
-              <a:rPr lang="en-US" sz="2400" dirty="0" err="1" smtClean="0"/>
+              <a:rPr lang="en-US" sz="2400" dirty="0" err="1"/>
               <a:t>server.R</a:t>
             </a:r>
             <a:endParaRPr lang="en-US" sz="2400" dirty="0"/>
@@ -8483,10 +8070,9 @@
           <a:p>
             <a:pPr algn="ctr"/>
             <a:r>
-              <a:rPr lang="en-US" sz="2800" dirty="0" smtClean="0"/>
+              <a:rPr lang="en-US" sz="2800" dirty="0"/>
               <a:t>User input</a:t>
             </a:r>
-            <a:endParaRPr lang="en-US" sz="2800" dirty="0"/>
           </a:p>
         </p:txBody>
       </p:sp>
@@ -8514,10 +8100,9 @@
           <a:p>
             <a:pPr algn="ctr"/>
             <a:r>
-              <a:rPr lang="en-US" sz="2800" dirty="0" smtClean="0"/>
+              <a:rPr lang="en-US" sz="2800" dirty="0"/>
               <a:t>R output</a:t>
             </a:r>
-            <a:endParaRPr lang="en-US" sz="2800" dirty="0"/>
           </a:p>
         </p:txBody>
       </p:sp>
@@ -8544,10 +8129,9 @@
           <a:lstStyle/>
           <a:p>
             <a:r>
-              <a:rPr lang="en-US" sz="2800" dirty="0" smtClean="0"/>
+              <a:rPr lang="en-US" sz="2800" dirty="0"/>
               <a:t>Interactive User Interface (UI) = website</a:t>
             </a:r>
-            <a:endParaRPr lang="en-US" sz="2800" dirty="0"/>
           </a:p>
         </p:txBody>
       </p:sp>
@@ -8597,10 +8181,9 @@
           <a:lstStyle/>
           <a:p>
             <a:r>
-              <a:rPr lang="en-US" dirty="0" smtClean="0"/>
+              <a:rPr lang="en-US" dirty="0"/>
               <a:t>Learning objectives of the course</a:t>
             </a:r>
-            <a:endParaRPr lang="en-US" dirty="0"/>
           </a:p>
         </p:txBody>
       </p:sp>
@@ -8622,74 +8205,43 @@
           <a:lstStyle/>
           <a:p>
             <a:r>
-              <a:rPr lang="en-US" dirty="0" smtClean="0"/>
-              <a:t>Module 1: </a:t>
-            </a:r>
-            <a:r>
-              <a:rPr lang="en-US" dirty="0"/>
-              <a:t>Introduction to genomic data visualization and interpretation</a:t>
-            </a:r>
-            <a:endParaRPr lang="en-US" dirty="0" smtClean="0"/>
-          </a:p>
-          <a:p>
-            <a:r>
-              <a:rPr lang="en-US" b="1" dirty="0" smtClean="0"/>
-              <a:t>Module 2</a:t>
-            </a:r>
+              <a:rPr lang="en-US" dirty="0"/>
+              <a:t>Module 1: Introduction to genomic data visualization and interpretation</a:t>
+            </a:r>
+          </a:p>
+          <a:p>
             <a:r>
               <a:rPr lang="en-US" b="1" dirty="0"/>
-              <a:t>: Using R for genomic data visualization and </a:t>
-            </a:r>
-            <a:r>
-              <a:rPr lang="en-US" b="1" dirty="0" smtClean="0"/>
-              <a:t>interpretation</a:t>
-            </a:r>
-          </a:p>
-          <a:p>
-            <a:r>
-              <a:rPr lang="en-US" dirty="0" smtClean="0"/>
-              <a:t>Module 3: </a:t>
-            </a:r>
-            <a:r>
-              <a:rPr lang="en-US" dirty="0"/>
-              <a:t>Introduction to </a:t>
-            </a:r>
-            <a:r>
-              <a:rPr lang="en-US" dirty="0" err="1" smtClean="0"/>
+              <a:t>Module 2: Using R for genomic data visualization and interpretation</a:t>
+            </a:r>
+          </a:p>
+          <a:p>
+            <a:r>
+              <a:rPr lang="en-US" dirty="0"/>
+              <a:t>Module 3: Introduction to </a:t>
+            </a:r>
+            <a:r>
+              <a:rPr lang="en-US" dirty="0" err="1"/>
               <a:t>GenVisR</a:t>
             </a:r>
-            <a:endParaRPr lang="en-US" dirty="0" smtClean="0"/>
+            <a:endParaRPr lang="en-US" dirty="0"/>
           </a:p>
           <a:p>
             <a:r>
               <a:rPr lang="en-US" dirty="0"/>
               <a:t>Module 4: Expression profiling, visualization, and interpretation</a:t>
             </a:r>
-            <a:endParaRPr lang="en-US" dirty="0" smtClean="0"/>
-          </a:p>
-          <a:p>
-            <a:r>
-              <a:rPr lang="en-US" dirty="0" smtClean="0"/>
-              <a:t>Module 5</a:t>
-            </a:r>
-            <a:r>
-              <a:rPr lang="en-US" dirty="0"/>
-              <a:t>: Variant annotation and interpretation</a:t>
-            </a:r>
-            <a:endParaRPr lang="en-US" dirty="0" smtClean="0"/>
-          </a:p>
-          <a:p>
-            <a:r>
-              <a:rPr lang="en-US" dirty="0" smtClean="0"/>
-              <a:t>Module 6</a:t>
-            </a:r>
-            <a:r>
-              <a:rPr lang="en-US" dirty="0"/>
-              <a:t>: Q &amp; A, discussion, integrated assignments, and working with your own </a:t>
-            </a:r>
-            <a:r>
-              <a:rPr lang="en-US" dirty="0" smtClean="0"/>
-              <a:t>data</a:t>
+          </a:p>
+          <a:p>
+            <a:r>
+              <a:rPr lang="en-US" dirty="0"/>
+              <a:t>Module 5: Variant annotation and interpretation</a:t>
+            </a:r>
+          </a:p>
+          <a:p>
+            <a:r>
+              <a:rPr lang="en-US" dirty="0"/>
+              <a:t>Module 6: Q &amp; A, discussion, integrated assignments, and working with your own data</a:t>
             </a:r>
           </a:p>
           <a:p>
@@ -8697,24 +8249,23 @@
           </a:p>
           <a:p>
             <a:r>
-              <a:rPr lang="en-US" dirty="0" smtClean="0"/>
+              <a:rPr lang="en-US" dirty="0"/>
               <a:t>Tutorials</a:t>
             </a:r>
           </a:p>
           <a:p>
             <a:pPr lvl="1"/>
             <a:r>
-              <a:rPr lang="en-US" dirty="0" smtClean="0"/>
+              <a:rPr lang="en-US" dirty="0"/>
               <a:t>Provide working examples of data visualization and interpretation</a:t>
             </a:r>
           </a:p>
           <a:p>
             <a:pPr lvl="1"/>
             <a:r>
-              <a:rPr lang="en-US" dirty="0" smtClean="0"/>
+              <a:rPr lang="en-US" dirty="0"/>
               <a:t>Self contained, self explanatory, portable </a:t>
             </a:r>
-            <a:endParaRPr lang="en-US" dirty="0"/>
           </a:p>
         </p:txBody>
       </p:sp>
@@ -8728,13 +8279,6 @@
   <p:clrMapOvr>
     <a:masterClrMapping/>
   </p:clrMapOvr>
-  <p:timing>
-    <p:tnLst>
-      <p:par>
-        <p:cTn xmlns:p14="http://schemas.microsoft.com/office/powerpoint/2010/main" id="1" dur="indefinite" restart="never" nodeType="tmRoot"/>
-      </p:par>
-    </p:tnLst>
-  </p:timing>
 </p:sld>
 </file>
 
@@ -8771,10 +8315,9 @@
           <a:lstStyle/>
           <a:p>
             <a:r>
-              <a:rPr lang="en-US" dirty="0" smtClean="0"/>
+              <a:rPr lang="en-US" dirty="0"/>
               <a:t>Demo of shiny gallery genomics example</a:t>
             </a:r>
-            <a:endParaRPr lang="en-US" dirty="0"/>
           </a:p>
         </p:txBody>
       </p:sp>
@@ -8828,19 +8371,12 @@
               <a:rPr lang="en-US" sz="2400" dirty="0">
                 <a:hlinkClick r:id="rId3"/>
               </a:rPr>
-              <a:t>https://shiny.rstudio.com/gallery</a:t>
-            </a:r>
-            <a:r>
-              <a:rPr lang="en-US" sz="2400" dirty="0" smtClean="0">
-                <a:hlinkClick r:id="rId3"/>
-              </a:rPr>
-              <a:t>/</a:t>
-            </a:r>
-            <a:r>
-              <a:rPr lang="en-US" sz="2400" dirty="0" smtClean="0"/>
+              <a:t>https://shiny.rstudio.com/gallery/</a:t>
+            </a:r>
+            <a:r>
+              <a:rPr lang="en-US" sz="2400" dirty="0"/>
               <a:t> </a:t>
             </a:r>
-            <a:endParaRPr lang="en-US" sz="2400" dirty="0"/>
           </a:p>
         </p:txBody>
       </p:sp>
@@ -8900,10 +8436,9 @@
               <a:buNone/>
             </a:pPr>
             <a:r>
-              <a:rPr lang="en-US" sz="4000" dirty="0" smtClean="0"/>
+              <a:rPr lang="en-US" sz="4000" dirty="0"/>
               <a:t>Questions?</a:t>
             </a:r>
-            <a:endParaRPr lang="en-US" sz="4000" dirty="0"/>
           </a:p>
         </p:txBody>
       </p:sp>
@@ -8953,10 +8488,9 @@
           <a:lstStyle/>
           <a:p>
             <a:r>
-              <a:rPr lang="en-US" dirty="0" smtClean="0"/>
+              <a:rPr lang="en-US" dirty="0"/>
               <a:t>Learning objectives of module 2</a:t>
             </a:r>
-            <a:endParaRPr lang="en-US" dirty="0"/>
           </a:p>
         </p:txBody>
       </p:sp>
@@ -8976,38 +8510,26 @@
           <a:lstStyle/>
           <a:p>
             <a:r>
-              <a:rPr lang="en-US" dirty="0" smtClean="0"/>
+              <a:rPr lang="en-US" dirty="0"/>
               <a:t>Review basic R usage</a:t>
             </a:r>
           </a:p>
           <a:p>
             <a:r>
-              <a:rPr lang="en-US" dirty="0" smtClean="0"/>
-              <a:t>Learn </a:t>
-            </a:r>
-            <a:r>
-              <a:rPr lang="en-US" dirty="0"/>
-              <a:t>to use R for basic data manipulation</a:t>
-            </a:r>
-          </a:p>
-          <a:p>
-            <a:r>
-              <a:rPr lang="en-US" dirty="0" smtClean="0"/>
-              <a:t>Learn </a:t>
-            </a:r>
-            <a:r>
-              <a:rPr lang="en-US" dirty="0"/>
-              <a:t>to create publication quality graphs to display data</a:t>
-            </a:r>
-          </a:p>
-          <a:p>
-            <a:r>
-              <a:rPr lang="en-US" dirty="0" smtClean="0"/>
-              <a:t>Learn </a:t>
-            </a:r>
-            <a:r>
-              <a:rPr lang="en-US" dirty="0"/>
-              <a:t>to create interactive graphics</a:t>
+              <a:rPr lang="en-US" dirty="0"/>
+              <a:t>Learn to use R for basic data manipulation</a:t>
+            </a:r>
+          </a:p>
+          <a:p>
+            <a:r>
+              <a:rPr lang="en-US" dirty="0"/>
+              <a:t>Learn to create publication quality graphs to display data</a:t>
+            </a:r>
+          </a:p>
+          <a:p>
+            <a:r>
+              <a:rPr lang="en-US" dirty="0"/>
+              <a:t>Learn to create interactive graphics</a:t>
             </a:r>
           </a:p>
         </p:txBody>
@@ -9022,13 +8544,6 @@
   <p:clrMapOvr>
     <a:masterClrMapping/>
   </p:clrMapOvr>
-  <p:timing>
-    <p:tnLst>
-      <p:par>
-        <p:cTn xmlns:p14="http://schemas.microsoft.com/office/powerpoint/2010/main" id="1" dur="indefinite" restart="never" nodeType="tmRoot"/>
-      </p:par>
-    </p:tnLst>
-  </p:timing>
 </p:sld>
 </file>
 
@@ -9065,10 +8580,9 @@
           <a:lstStyle/>
           <a:p>
             <a:r>
-              <a:rPr lang="en-US" dirty="0" smtClean="0"/>
+              <a:rPr lang="en-US" dirty="0"/>
               <a:t>A brief history of R</a:t>
             </a:r>
-            <a:endParaRPr lang="en-US" dirty="0"/>
           </a:p>
         </p:txBody>
       </p:sp>
@@ -9091,41 +8605,20 @@
           <a:p>
             <a:r>
               <a:rPr lang="en-US" dirty="0"/>
-              <a:t>R is an implementation of the S programming language combined with lexical scoping semantics inspired by Scheme</a:t>
-            </a:r>
-            <a:r>
-              <a:rPr lang="en-US" dirty="0" smtClean="0"/>
-              <a:t>.</a:t>
-            </a:r>
-          </a:p>
-          <a:p>
-            <a:r>
-              <a:rPr lang="en-US" dirty="0" smtClean="0"/>
-              <a:t>S </a:t>
-            </a:r>
-            <a:r>
-              <a:rPr lang="en-US" dirty="0"/>
-              <a:t>was created by John Chambers while at Bell </a:t>
-            </a:r>
-            <a:r>
-              <a:rPr lang="en-US" dirty="0" smtClean="0"/>
-              <a:t>Labs</a:t>
-            </a:r>
-          </a:p>
-          <a:p>
-            <a:r>
-              <a:rPr lang="en-US" dirty="0" smtClean="0"/>
-              <a:t>There </a:t>
-            </a:r>
-            <a:r>
-              <a:rPr lang="en-US" dirty="0"/>
-              <a:t>are some important differences, but much of the code written for S runs unaltered</a:t>
-            </a:r>
-            <a:r>
-              <a:rPr lang="en-US" dirty="0" smtClean="0"/>
-              <a:t>.</a:t>
-            </a:r>
-            <a:endParaRPr lang="en-US" dirty="0"/>
+              <a:t>R is an implementation of the S programming language combined with lexical scoping semantics inspired by Scheme.</a:t>
+            </a:r>
+          </a:p>
+          <a:p>
+            <a:r>
+              <a:rPr lang="en-US" dirty="0"/>
+              <a:t>S was created by John Chambers while at Bell Labs</a:t>
+            </a:r>
+          </a:p>
+          <a:p>
+            <a:r>
+              <a:rPr lang="en-US" dirty="0"/>
+              <a:t>There are some important differences, but much of the code written for S runs unaltered.</a:t>
+            </a:r>
           </a:p>
           <a:p>
             <a:r>
@@ -9138,49 +8631,20 @@
             </a:r>
             <a:r>
               <a:rPr lang="en-US" dirty="0"/>
-              <a:t> and Robert </a:t>
-            </a:r>
-            <a:r>
-              <a:rPr lang="en-US" dirty="0" smtClean="0"/>
-              <a:t>Gentleman at </a:t>
-            </a:r>
-            <a:r>
-              <a:rPr lang="en-US" dirty="0"/>
-              <a:t>the University of Auckland, New </a:t>
-            </a:r>
-            <a:r>
-              <a:rPr lang="en-US" dirty="0" smtClean="0"/>
-              <a:t>Zealand</a:t>
-            </a:r>
-          </a:p>
-          <a:p>
-            <a:r>
-              <a:rPr lang="en-US" dirty="0" smtClean="0"/>
-              <a:t>Currently </a:t>
-            </a:r>
-            <a:r>
-              <a:rPr lang="en-US" dirty="0"/>
-              <a:t>developed by the R Development Core Team, of which Chambers is a member</a:t>
-            </a:r>
-            <a:r>
-              <a:rPr lang="en-US" dirty="0" smtClean="0"/>
-              <a:t>.</a:t>
-            </a:r>
-          </a:p>
-          <a:p>
-            <a:r>
-              <a:rPr lang="en-US" dirty="0" smtClean="0"/>
-              <a:t>The R project </a:t>
-            </a:r>
-            <a:r>
-              <a:rPr lang="en-US" dirty="0"/>
-              <a:t>was conceived in 1992, with an initial version released in 1995 and a stable beta version in </a:t>
-            </a:r>
-            <a:r>
-              <a:rPr lang="en-US" dirty="0" smtClean="0"/>
-              <a:t>2000</a:t>
-            </a:r>
-            <a:endParaRPr lang="en-US" dirty="0"/>
+              <a:t> and Robert Gentleman at the University of Auckland, New Zealand</a:t>
+            </a:r>
+          </a:p>
+          <a:p>
+            <a:r>
+              <a:rPr lang="en-US" dirty="0"/>
+              <a:t>Currently developed by the R Development Core Team, of which Chambers is a member.</a:t>
+            </a:r>
+          </a:p>
+          <a:p>
+            <a:r>
+              <a:rPr lang="en-US" dirty="0"/>
+              <a:t>The R project was conceived in 1992, with an initial version released in 1995 and a stable beta version in 2000</a:t>
+            </a:r>
           </a:p>
         </p:txBody>
       </p:sp>
@@ -9212,10 +8676,9 @@
               <a:t>https://en.wikipedia.org/wiki/R_(programming_language</a:t>
             </a:r>
             <a:r>
-              <a:rPr lang="en-US" dirty="0" smtClean="0"/>
+              <a:rPr lang="en-US" dirty="0"/>
               <a:t>) </a:t>
             </a:r>
-            <a:endParaRPr lang="en-US" dirty="0"/>
           </a:p>
         </p:txBody>
       </p:sp>
@@ -9267,10 +8730,9 @@
           <a:lstStyle/>
           <a:p>
             <a:r>
-              <a:rPr lang="en-US" dirty="0" smtClean="0"/>
+              <a:rPr lang="en-US" dirty="0"/>
               <a:t>R is available via command-line or a number of integrated development environments (IDE)</a:t>
             </a:r>
-            <a:endParaRPr lang="en-US" dirty="0"/>
           </a:p>
         </p:txBody>
       </p:sp>
@@ -9404,16 +8866,15 @@
           <a:lstStyle/>
           <a:p>
             <a:r>
-              <a:rPr lang="en-US" sz="2400" dirty="0" smtClean="0">
+              <a:rPr lang="en-US" sz="2400" dirty="0">
                 <a:hlinkClick r:id="rId6"/>
               </a:rPr>
               <a:t>https://cran.r-project.org/</a:t>
             </a:r>
             <a:r>
-              <a:rPr lang="en-US" sz="2400" dirty="0" smtClean="0"/>
+              <a:rPr lang="en-US" sz="2400" dirty="0"/>
               <a:t> </a:t>
             </a:r>
-            <a:endParaRPr lang="en-US" sz="2400" dirty="0"/>
           </a:p>
         </p:txBody>
       </p:sp>
@@ -9442,19 +8903,12 @@
               <a:rPr lang="en-US" sz="2400" dirty="0">
                 <a:hlinkClick r:id="rId7"/>
               </a:rPr>
-              <a:t>https://www.rstudio.com</a:t>
-            </a:r>
-            <a:r>
-              <a:rPr lang="en-US" sz="2400" dirty="0" smtClean="0">
-                <a:hlinkClick r:id="rId7"/>
-              </a:rPr>
-              <a:t>/</a:t>
-            </a:r>
-            <a:r>
-              <a:rPr lang="en-US" sz="2400" dirty="0" smtClean="0"/>
+              <a:t>https://www.rstudio.com/</a:t>
+            </a:r>
+            <a:r>
+              <a:rPr lang="en-US" sz="2400" dirty="0"/>
               <a:t> </a:t>
             </a:r>
-            <a:endParaRPr lang="en-US" sz="2400" dirty="0"/>
           </a:p>
         </p:txBody>
       </p:sp>
@@ -9481,7 +8935,7 @@
           <a:lstStyle/>
           <a:p>
             <a:r>
-              <a:rPr lang="en-US" sz="2800" dirty="0" err="1" smtClean="0"/>
+              <a:rPr lang="en-US" sz="2800" dirty="0" err="1"/>
               <a:t>Rstudio</a:t>
             </a:r>
             <a:endParaRPr lang="en-US" sz="2800" dirty="0"/>
@@ -9511,10 +8965,9 @@
           <a:lstStyle/>
           <a:p>
             <a:r>
-              <a:rPr lang="en-US" sz="2800" dirty="0" smtClean="0"/>
+              <a:rPr lang="en-US" sz="2800" dirty="0"/>
               <a:t>R Project</a:t>
             </a:r>
-            <a:endParaRPr lang="en-US" sz="2800" dirty="0"/>
           </a:p>
         </p:txBody>
       </p:sp>
@@ -9541,10 +8994,9 @@
           <a:lstStyle/>
           <a:p>
             <a:r>
-              <a:rPr lang="en-US" dirty="0" smtClean="0"/>
+              <a:rPr lang="en-US" dirty="0"/>
               <a:t>Open-source, non-profit</a:t>
             </a:r>
-            <a:endParaRPr lang="en-US" dirty="0"/>
           </a:p>
         </p:txBody>
       </p:sp>
@@ -9571,10 +9023,9 @@
           <a:lstStyle/>
           <a:p>
             <a:r>
-              <a:rPr lang="en-US" dirty="0" smtClean="0"/>
+              <a:rPr lang="en-US" dirty="0"/>
               <a:t>Open-source, free + commercial</a:t>
             </a:r>
-            <a:endParaRPr lang="en-US" dirty="0"/>
           </a:p>
         </p:txBody>
       </p:sp>
@@ -9624,10 +9075,9 @@
           <a:lstStyle/>
           <a:p>
             <a:r>
-              <a:rPr lang="en-US" dirty="0" smtClean="0"/>
+              <a:rPr lang="en-US" dirty="0"/>
               <a:t>Installation and versions</a:t>
             </a:r>
-            <a:endParaRPr lang="en-US" dirty="0"/>
           </a:p>
         </p:txBody>
       </p:sp>
@@ -9647,23 +9097,23 @@
           <a:lstStyle/>
           <a:p>
             <a:r>
-              <a:rPr lang="en-US" dirty="0" err="1" smtClean="0"/>
+              <a:rPr lang="en-US" dirty="0" err="1"/>
               <a:t>Rstudio</a:t>
             </a:r>
             <a:r>
-              <a:rPr lang="en-US" dirty="0" smtClean="0"/>
+              <a:rPr lang="en-US" dirty="0"/>
               <a:t> installation is very simple</a:t>
             </a:r>
           </a:p>
           <a:p>
             <a:r>
-              <a:rPr lang="en-US" dirty="0" smtClean="0"/>
+              <a:rPr lang="en-US" dirty="0"/>
               <a:t>R installation generally only a little more complicated	</a:t>
             </a:r>
           </a:p>
           <a:p>
             <a:r>
-              <a:rPr lang="en-US" dirty="0" smtClean="0"/>
+              <a:rPr lang="en-US" dirty="0"/>
               <a:t>Pre-compiled binaries exist for most operating systems</a:t>
             </a:r>
           </a:p>
@@ -9672,66 +9122,65 @@
           </a:p>
           <a:p>
             <a:r>
-              <a:rPr lang="en-US" dirty="0" smtClean="0"/>
+              <a:rPr lang="en-US" dirty="0"/>
               <a:t>Be aware of R versions</a:t>
             </a:r>
           </a:p>
           <a:p>
             <a:pPr lvl="1"/>
             <a:r>
-              <a:rPr lang="en-US" dirty="0" smtClean="0"/>
+              <a:rPr lang="en-US" dirty="0"/>
               <a:t>Occasionally some packages may be version dependent or interdependent</a:t>
             </a:r>
           </a:p>
           <a:p>
             <a:pPr lvl="1"/>
             <a:r>
-              <a:rPr lang="en-US" dirty="0" smtClean="0"/>
+              <a:rPr lang="en-US" dirty="0"/>
               <a:t>Less of an issue these days</a:t>
             </a:r>
           </a:p>
           <a:p>
             <a:pPr lvl="1"/>
             <a:r>
-              <a:rPr lang="en-US" dirty="0" smtClean="0"/>
+              <a:rPr lang="en-US" dirty="0"/>
               <a:t>Simplest to keep R, </a:t>
             </a:r>
             <a:r>
-              <a:rPr lang="en-US" dirty="0" err="1" smtClean="0"/>
+              <a:rPr lang="en-US" dirty="0" err="1"/>
               <a:t>Rstudio</a:t>
             </a:r>
             <a:r>
-              <a:rPr lang="en-US" dirty="0" smtClean="0"/>
+              <a:rPr lang="en-US" dirty="0"/>
               <a:t> and </a:t>
             </a:r>
             <a:r>
-              <a:rPr lang="en-US" dirty="0" err="1" smtClean="0"/>
+              <a:rPr lang="en-US" dirty="0" err="1"/>
               <a:t>BioConductor</a:t>
             </a:r>
             <a:r>
-              <a:rPr lang="en-US" dirty="0" smtClean="0"/>
+              <a:rPr lang="en-US" dirty="0"/>
               <a:t> updated to current/latest version</a:t>
             </a:r>
           </a:p>
           <a:p>
             <a:pPr lvl="1"/>
             <a:r>
-              <a:rPr lang="en-US" dirty="0" err="1" smtClean="0"/>
+              <a:rPr lang="en-US" dirty="0" err="1"/>
               <a:t>Rswitch</a:t>
             </a:r>
             <a:r>
-              <a:rPr lang="en-US" dirty="0" smtClean="0"/>
+              <a:rPr lang="en-US" dirty="0"/>
               <a:t> – allows multiple versions of R/</a:t>
             </a:r>
             <a:r>
-              <a:rPr lang="en-US" dirty="0" err="1" smtClean="0"/>
+              <a:rPr lang="en-US" dirty="0" err="1"/>
               <a:t>Rstudio</a:t>
             </a:r>
             <a:r>
-              <a:rPr lang="en-US" dirty="0" smtClean="0"/>
+              <a:rPr lang="en-US" dirty="0"/>
               <a:t> to be maintained simultaneously</a:t>
             </a:r>
-            <a:endParaRPr lang="en-US" dirty="0"/>
           </a:p>
         </p:txBody>
       </p:sp>
@@ -9781,11 +9230,11 @@
           <a:lstStyle/>
           <a:p>
             <a:r>
-              <a:rPr lang="en-US" dirty="0" smtClean="0"/>
+              <a:rPr lang="en-US" dirty="0"/>
               <a:t>CRAN and </a:t>
             </a:r>
             <a:r>
-              <a:rPr lang="en-US" dirty="0" err="1" smtClean="0"/>
+              <a:rPr lang="en-US" dirty="0" err="1"/>
               <a:t>BioConductor</a:t>
             </a:r>
             <a:endParaRPr lang="en-US" dirty="0"/>
@@ -9813,44 +9262,8 @@
           <a:lstStyle/>
           <a:p>
             <a:r>
-              <a:rPr lang="en-US" dirty="0" smtClean="0"/>
-              <a:t>11,411 </a:t>
-            </a:r>
-            <a:r>
-              <a:rPr lang="en-US" dirty="0"/>
-              <a:t>available packages</a:t>
-            </a:r>
-            <a:endParaRPr lang="en-US" dirty="0" smtClean="0">
-              <a:hlinkClick r:id="rId2"/>
-            </a:endParaRPr>
-          </a:p>
-          <a:p>
-            <a:r>
-              <a:rPr lang="en-US" dirty="0" smtClean="0"/>
-              <a:t>All applications</a:t>
-            </a:r>
-          </a:p>
-          <a:p>
-            <a:pPr lvl="1"/>
-            <a:r>
-              <a:rPr lang="en-US" dirty="0" smtClean="0"/>
-              <a:t>ggplot2, cluster, dplyr, reshape2, </a:t>
-            </a:r>
-            <a:r>
-              <a:rPr lang="en-US" dirty="0" err="1" smtClean="0"/>
-              <a:t>randomForest</a:t>
-            </a:r>
-            <a:r>
-              <a:rPr lang="en-US" dirty="0" smtClean="0"/>
-              <a:t>, </a:t>
-            </a:r>
-            <a:r>
-              <a:rPr lang="en-US" dirty="0" err="1" smtClean="0"/>
-              <a:t>RColorBrewer</a:t>
-            </a:r>
-            <a:r>
-              <a:rPr lang="en-US" dirty="0" smtClean="0"/>
-              <a:t> </a:t>
+              <a:rPr lang="en-US" dirty="0"/>
+              <a:t>11,411 available packages</a:t>
             </a:r>
             <a:endParaRPr lang="en-US" dirty="0">
               <a:hlinkClick r:id="rId2"/>
@@ -9858,27 +9271,47 @@
           </a:p>
           <a:p>
             <a:r>
-              <a:rPr lang="en-US" dirty="0" smtClean="0">
-                <a:hlinkClick r:id="rId2"/>
-              </a:rPr>
-              <a:t>https</a:t>
-            </a:r>
+              <a:rPr lang="en-US" dirty="0"/>
+              <a:t>All applications</a:t>
+            </a:r>
+          </a:p>
+          <a:p>
+            <a:pPr lvl="1"/>
+            <a:r>
+              <a:rPr lang="en-US" dirty="0"/>
+              <a:t>ggplot2, cluster, dplyr, reshape2, </a:t>
+            </a:r>
+            <a:r>
+              <a:rPr lang="en-US" dirty="0" err="1"/>
+              <a:t>randomForest</a:t>
+            </a:r>
+            <a:r>
+              <a:rPr lang="en-US" dirty="0"/>
+              <a:t>, </a:t>
+            </a:r>
+            <a:r>
+              <a:rPr lang="en-US" dirty="0" err="1"/>
+              <a:t>RColorBrewer</a:t>
+            </a:r>
+            <a:r>
+              <a:rPr lang="en-US" dirty="0"/>
+              <a:t> </a:t>
+            </a:r>
+            <a:endParaRPr lang="en-US" dirty="0">
+              <a:hlinkClick r:id="rId2"/>
+            </a:endParaRPr>
+          </a:p>
+          <a:p>
             <a:r>
               <a:rPr lang="en-US" dirty="0">
                 <a:hlinkClick r:id="rId2"/>
               </a:rPr>
-              <a:t>://cran.r-project.org</a:t>
-            </a:r>
-            <a:r>
-              <a:rPr lang="en-US" dirty="0" smtClean="0">
-                <a:hlinkClick r:id="rId2"/>
-              </a:rPr>
-              <a:t>/</a:t>
-            </a:r>
-            <a:endParaRPr lang="en-US" dirty="0" smtClean="0"/>
-          </a:p>
-          <a:p>
-            <a:endParaRPr lang="en-US" dirty="0" smtClean="0"/>
+              <a:t>https://cran.r-project.org/</a:t>
+            </a:r>
+            <a:endParaRPr lang="en-US" dirty="0"/>
+          </a:p>
+          <a:p>
+            <a:endParaRPr lang="en-US" dirty="0"/>
           </a:p>
           <a:p>
             <a:pPr marL="0" indent="0">
@@ -9886,17 +9319,12 @@
             </a:pPr>
             <a:r>
               <a:rPr lang="en-US" sz="2000" dirty="0" err="1"/>
-              <a:t>i</a:t>
-            </a:r>
-            <a:r>
-              <a:rPr lang="en-US" sz="2000" dirty="0" err="1" smtClean="0"/>
-              <a:t>nstall.packages</a:t>
-            </a:r>
-            <a:r>
-              <a:rPr lang="en-US" sz="2000" dirty="0" smtClean="0"/>
+              <a:t>install.packages</a:t>
+            </a:r>
+            <a:r>
+              <a:rPr lang="en-US" sz="2000" dirty="0"/>
               <a:t>()</a:t>
             </a:r>
-            <a:endParaRPr lang="en-US" sz="2000" dirty="0"/>
           </a:p>
         </p:txBody>
       </p:sp>
@@ -9921,60 +9349,60 @@
           <a:lstStyle/>
           <a:p>
             <a:r>
-              <a:rPr lang="en-US" dirty="0" smtClean="0"/>
+              <a:rPr lang="en-US" dirty="0"/>
               <a:t>1,381 available packages</a:t>
             </a:r>
           </a:p>
           <a:p>
             <a:r>
-              <a:rPr lang="en-US" dirty="0" smtClean="0"/>
+              <a:rPr lang="en-US" dirty="0"/>
               <a:t>Genomic applications</a:t>
             </a:r>
           </a:p>
           <a:p>
             <a:pPr lvl="1"/>
             <a:r>
-              <a:rPr lang="en-US" dirty="0" err="1" smtClean="0"/>
+              <a:rPr lang="en-US" dirty="0" err="1"/>
               <a:t>AnnotationDBI</a:t>
             </a:r>
             <a:r>
-              <a:rPr lang="en-US" dirty="0" smtClean="0"/>
+              <a:rPr lang="en-US" dirty="0"/>
               <a:t>, </a:t>
             </a:r>
             <a:r>
-              <a:rPr lang="en-US" dirty="0" err="1" smtClean="0"/>
+              <a:rPr lang="en-US" dirty="0" err="1"/>
               <a:t>GenomicRanges</a:t>
             </a:r>
             <a:r>
-              <a:rPr lang="en-US" dirty="0" smtClean="0"/>
+              <a:rPr lang="en-US" dirty="0"/>
               <a:t>, </a:t>
             </a:r>
             <a:r>
-              <a:rPr lang="en-US" dirty="0" err="1" smtClean="0"/>
+              <a:rPr lang="en-US" dirty="0" err="1"/>
               <a:t>limma</a:t>
             </a:r>
             <a:r>
-              <a:rPr lang="en-US" dirty="0" smtClean="0"/>
+              <a:rPr lang="en-US" dirty="0"/>
               <a:t>, </a:t>
             </a:r>
             <a:r>
-              <a:rPr lang="en-US" dirty="0" err="1" smtClean="0"/>
+              <a:rPr lang="en-US" dirty="0" err="1"/>
               <a:t>biomaRt</a:t>
             </a:r>
             <a:r>
-              <a:rPr lang="en-US" dirty="0" smtClean="0"/>
+              <a:rPr lang="en-US" dirty="0"/>
               <a:t>, </a:t>
             </a:r>
             <a:r>
-              <a:rPr lang="en-US" dirty="0" err="1" smtClean="0"/>
+              <a:rPr lang="en-US" dirty="0" err="1"/>
               <a:t>affy</a:t>
             </a:r>
             <a:r>
-              <a:rPr lang="en-US" dirty="0" smtClean="0"/>
+              <a:rPr lang="en-US" dirty="0"/>
               <a:t>, </a:t>
             </a:r>
             <a:r>
-              <a:rPr lang="en-US" dirty="0" err="1" smtClean="0"/>
+              <a:rPr lang="en-US" dirty="0" err="1"/>
               <a:t>GEOquery</a:t>
             </a:r>
             <a:endParaRPr lang="en-US" dirty="0"/>
@@ -9984,15 +9412,9 @@
               <a:rPr lang="en-US" dirty="0">
                 <a:hlinkClick r:id="rId3"/>
               </a:rPr>
-              <a:t>https://bioconductor.org</a:t>
-            </a:r>
-            <a:r>
-              <a:rPr lang="en-US" dirty="0" smtClean="0">
-                <a:hlinkClick r:id="rId3"/>
-              </a:rPr>
-              <a:t>/</a:t>
-            </a:r>
-            <a:endParaRPr lang="en-US" dirty="0" smtClean="0"/>
+              <a:t>https://bioconductor.org/</a:t>
+            </a:r>
+            <a:endParaRPr lang="en-US" dirty="0"/>
           </a:p>
           <a:p>
             <a:endParaRPr lang="en-US" sz="2000" dirty="0"/>
@@ -10034,7 +9456,6 @@
               <a:rPr lang="en-US" sz="2000" dirty="0"/>
               <a:t>()</a:t>
             </a:r>
-            <a:endParaRPr lang="en-US" sz="2000" dirty="0" smtClean="0"/>
           </a:p>
           <a:p>
             <a:endParaRPr lang="en-US" dirty="0"/>
@@ -10087,10 +9508,9 @@
           <a:lstStyle/>
           <a:p>
             <a:r>
-              <a:rPr lang="en-US" dirty="0" smtClean="0"/>
+              <a:rPr lang="en-US" dirty="0"/>
               <a:t>Getting help: ?, vignette(), and data()</a:t>
             </a:r>
-            <a:endParaRPr lang="en-US" dirty="0"/>
           </a:p>
         </p:txBody>
       </p:sp>
@@ -10110,24 +9530,24 @@
           <a:lstStyle/>
           <a:p>
             <a:r>
-              <a:rPr lang="en-US" dirty="0" smtClean="0"/>
+              <a:rPr lang="en-US" dirty="0"/>
               <a:t>Type ‘?’ before any function to get a manual style help page in R or </a:t>
             </a:r>
             <a:r>
-              <a:rPr lang="en-US" dirty="0" err="1" smtClean="0"/>
+              <a:rPr lang="en-US" dirty="0" err="1"/>
               <a:t>Rstudio</a:t>
             </a:r>
-            <a:endParaRPr lang="en-US" dirty="0" smtClean="0"/>
-          </a:p>
-          <a:p>
-            <a:r>
-              <a:rPr lang="en-US" dirty="0" smtClean="0"/>
+            <a:endParaRPr lang="en-US" dirty="0"/>
+          </a:p>
+          <a:p>
+            <a:r>
+              <a:rPr lang="en-US" dirty="0"/>
               <a:t>Similarly use vignette() together with a function/package name to get detailed usage vignettes</a:t>
             </a:r>
           </a:p>
           <a:p>
             <a:r>
-              <a:rPr lang="en-US" dirty="0" smtClean="0"/>
+              <a:rPr lang="en-US" dirty="0"/>
               <a:t>Type data() to return a list of available demonstration datasets.</a:t>
             </a:r>
           </a:p>
@@ -10190,10 +9610,9 @@
           <a:lstStyle/>
           <a:p>
             <a:r>
-              <a:rPr lang="en-US" sz="3200" dirty="0" smtClean="0"/>
+              <a:rPr lang="en-US" sz="3200" dirty="0"/>
               <a:t>&gt; ?apply</a:t>
             </a:r>
-            <a:endParaRPr lang="en-US" sz="3200" dirty="0"/>
           </a:p>
         </p:txBody>
       </p:sp>
@@ -10509,7 +9928,7 @@
   <a:extraClrSchemeLst/>
   <a:extLst>
     <a:ext uri="{05A4C25C-085E-4340-85A3-A5531E510DB2}">
-      <thm15:themeFamily xmlns:thm15="http://schemas.microsoft.com/office/thememl/2012/main" xmlns="" name="MGI_4-3_ratio_v1a" id="{9A0171FA-20F4-F840-B1C8-29D686AB0540}" vid="{60506783-C923-7847-B1CA-7C860CC95497}"/>
+      <thm15:themeFamily xmlns:thm15="http://schemas.microsoft.com/office/thememl/2012/main" name="MGI_4-3_ratio_v1a" id="{9A0171FA-20F4-F840-B1C8-29D686AB0540}" vid="{60506783-C923-7847-B1CA-7C860CC95497}"/>
     </a:ext>
   </a:extLst>
 </a:theme>
